--- a/presentation_digit_recog2.pptx
+++ b/presentation_digit_recog2.pptx
@@ -15,13 +15,15 @@
     <p:sldId id="273" r:id="rId9"/>
     <p:sldId id="268" r:id="rId10"/>
     <p:sldId id="265" r:id="rId11"/>
-    <p:sldId id="274" r:id="rId12"/>
-    <p:sldId id="266" r:id="rId13"/>
-    <p:sldId id="269" r:id="rId14"/>
-    <p:sldId id="270" r:id="rId15"/>
-    <p:sldId id="263" r:id="rId16"/>
-    <p:sldId id="271" r:id="rId17"/>
-    <p:sldId id="272" r:id="rId18"/>
+    <p:sldId id="276" r:id="rId12"/>
+    <p:sldId id="274" r:id="rId13"/>
+    <p:sldId id="266" r:id="rId14"/>
+    <p:sldId id="269" r:id="rId15"/>
+    <p:sldId id="270" r:id="rId16"/>
+    <p:sldId id="263" r:id="rId17"/>
+    <p:sldId id="271" r:id="rId18"/>
+    <p:sldId id="275" r:id="rId19"/>
+    <p:sldId id="272" r:id="rId20"/>
   </p:sldIdLst>
   <p:sldSz cx="12192000" cy="6858000"/>
   <p:notesSz cx="6858000" cy="9144000"/>
@@ -122,7 +124,7 @@
   </p:defaultTextStyle>
   <p:extLst>
     <p:ext uri="{EFAFB233-063F-42B5-8137-9DF3F51BA10A}">
-      <p15:sldGuideLst xmlns:p15="http://schemas.microsoft.com/office/powerpoint/2012/main">
+      <p15:sldGuideLst xmlns:p15="http://schemas.microsoft.com/office/powerpoint/2012/main" xmlns="">
         <p15:guide id="1" orient="horz" pos="2160">
           <p15:clr>
             <a:srgbClr val="A4A3A4"/>
@@ -345,7 +347,7 @@
           <a:p>
             <a:fld id="{29E7901B-09AF-4D4A-907F-86E00F8E0E92}" type="slidenum">
               <a:rPr lang="de-DE" smtClean="0"/>
-              <a:t>‹Nr.›</a:t>
+              <a:t>‹#›</a:t>
             </a:fld>
             <a:endParaRPr lang="de-DE"/>
           </a:p>
@@ -515,7 +517,7 @@
           <a:p>
             <a:fld id="{29E7901B-09AF-4D4A-907F-86E00F8E0E92}" type="slidenum">
               <a:rPr lang="de-DE" smtClean="0"/>
-              <a:t>‹Nr.›</a:t>
+              <a:t>‹#›</a:t>
             </a:fld>
             <a:endParaRPr lang="de-DE"/>
           </a:p>
@@ -695,7 +697,7 @@
           <a:p>
             <a:fld id="{29E7901B-09AF-4D4A-907F-86E00F8E0E92}" type="slidenum">
               <a:rPr lang="de-DE" smtClean="0"/>
-              <a:t>‹Nr.›</a:t>
+              <a:t>‹#›</a:t>
             </a:fld>
             <a:endParaRPr lang="de-DE"/>
           </a:p>
@@ -898,7 +900,7 @@
           <a:p>
             <a:fld id="{29E7901B-09AF-4D4A-907F-86E00F8E0E92}" type="slidenum">
               <a:rPr lang="de-DE" smtClean="0"/>
-              <a:t>‹Nr.›</a:t>
+              <a:t>‹#›</a:t>
             </a:fld>
             <a:endParaRPr lang="de-DE"/>
           </a:p>
@@ -1068,7 +1070,7 @@
           <a:p>
             <a:fld id="{29E7901B-09AF-4D4A-907F-86E00F8E0E92}" type="slidenum">
               <a:rPr lang="de-DE" smtClean="0"/>
-              <a:t>‹Nr.›</a:t>
+              <a:t>‹#›</a:t>
             </a:fld>
             <a:endParaRPr lang="de-DE"/>
           </a:p>
@@ -1319,7 +1321,7 @@
           <a:p>
             <a:fld id="{29E7901B-09AF-4D4A-907F-86E00F8E0E92}" type="slidenum">
               <a:rPr lang="de-DE" smtClean="0"/>
-              <a:t>‹Nr.›</a:t>
+              <a:t>‹#›</a:t>
             </a:fld>
             <a:endParaRPr lang="de-DE"/>
           </a:p>
@@ -1551,7 +1553,7 @@
           <a:p>
             <a:fld id="{29E7901B-09AF-4D4A-907F-86E00F8E0E92}" type="slidenum">
               <a:rPr lang="de-DE" smtClean="0"/>
-              <a:t>‹Nr.›</a:t>
+              <a:t>‹#›</a:t>
             </a:fld>
             <a:endParaRPr lang="de-DE"/>
           </a:p>
@@ -1898,7 +1900,7 @@
           <a:p>
             <a:fld id="{29E7901B-09AF-4D4A-907F-86E00F8E0E92}" type="slidenum">
               <a:rPr lang="de-DE" smtClean="0"/>
-              <a:t>‹Nr.›</a:t>
+              <a:t>‹#›</a:t>
             </a:fld>
             <a:endParaRPr lang="de-DE"/>
           </a:p>
@@ -2016,7 +2018,7 @@
           <a:p>
             <a:fld id="{29E7901B-09AF-4D4A-907F-86E00F8E0E92}" type="slidenum">
               <a:rPr lang="de-DE" smtClean="0"/>
-              <a:t>‹Nr.›</a:t>
+              <a:t>‹#›</a:t>
             </a:fld>
             <a:endParaRPr lang="de-DE"/>
           </a:p>
@@ -2134,7 +2136,7 @@
           <a:p>
             <a:fld id="{29E7901B-09AF-4D4A-907F-86E00F8E0E92}" type="slidenum">
               <a:rPr lang="de-DE" smtClean="0"/>
-              <a:t>‹Nr.›</a:t>
+              <a:t>‹#›</a:t>
             </a:fld>
             <a:endParaRPr lang="de-DE"/>
           </a:p>
@@ -2418,7 +2420,7 @@
           <a:p>
             <a:fld id="{29E7901B-09AF-4D4A-907F-86E00F8E0E92}" type="slidenum">
               <a:rPr lang="de-DE" smtClean="0"/>
-              <a:t>‹Nr.›</a:t>
+              <a:t>‹#›</a:t>
             </a:fld>
             <a:endParaRPr lang="de-DE"/>
           </a:p>
@@ -2588,7 +2590,7 @@
           <a:p>
             <a:fld id="{29E7901B-09AF-4D4A-907F-86E00F8E0E92}" type="slidenum">
               <a:rPr lang="de-DE" smtClean="0"/>
-              <a:t>‹Nr.›</a:t>
+              <a:t>‹#›</a:t>
             </a:fld>
             <a:endParaRPr lang="de-DE"/>
           </a:p>
@@ -2852,7 +2854,7 @@
           <a:p>
             <a:fld id="{29E7901B-09AF-4D4A-907F-86E00F8E0E92}" type="slidenum">
               <a:rPr lang="de-DE" smtClean="0"/>
-              <a:t>‹Nr.›</a:t>
+              <a:t>‹#›</a:t>
             </a:fld>
             <a:endParaRPr lang="de-DE"/>
           </a:p>
@@ -3022,7 +3024,7 @@
           <a:p>
             <a:fld id="{29E7901B-09AF-4D4A-907F-86E00F8E0E92}" type="slidenum">
               <a:rPr lang="de-DE" smtClean="0"/>
-              <a:t>‹Nr.›</a:t>
+              <a:t>‹#›</a:t>
             </a:fld>
             <a:endParaRPr lang="de-DE"/>
           </a:p>
@@ -3202,7 +3204,7 @@
           <a:p>
             <a:fld id="{29E7901B-09AF-4D4A-907F-86E00F8E0E92}" type="slidenum">
               <a:rPr lang="de-DE" smtClean="0"/>
-              <a:t>‹Nr.›</a:t>
+              <a:t>‹#›</a:t>
             </a:fld>
             <a:endParaRPr lang="de-DE"/>
           </a:p>
@@ -3489,7 +3491,7 @@
           <a:p>
             <a:fld id="{29E7901B-09AF-4D4A-907F-86E00F8E0E92}" type="slidenum">
               <a:rPr lang="de-DE" smtClean="0"/>
-              <a:t>‹Nr.›</a:t>
+              <a:t>‹#›</a:t>
             </a:fld>
             <a:endParaRPr lang="de-DE"/>
           </a:p>
@@ -3697,7 +3699,7 @@
           <a:p>
             <a:fld id="{29E7901B-09AF-4D4A-907F-86E00F8E0E92}" type="slidenum">
               <a:rPr lang="de-DE" smtClean="0"/>
-              <a:t>‹Nr.›</a:t>
+              <a:t>‹#›</a:t>
             </a:fld>
             <a:endParaRPr lang="de-DE"/>
           </a:p>
@@ -4040,7 +4042,7 @@
           <a:p>
             <a:fld id="{29E7901B-09AF-4D4A-907F-86E00F8E0E92}" type="slidenum">
               <a:rPr lang="de-DE" smtClean="0"/>
-              <a:t>‹Nr.›</a:t>
+              <a:t>‹#›</a:t>
             </a:fld>
             <a:endParaRPr lang="de-DE"/>
           </a:p>
@@ -4315,7 +4317,7 @@
           <a:p>
             <a:fld id="{29E7901B-09AF-4D4A-907F-86E00F8E0E92}" type="slidenum">
               <a:rPr lang="de-DE" smtClean="0"/>
-              <a:t>‹Nr.›</a:t>
+              <a:t>‹#›</a:t>
             </a:fld>
             <a:endParaRPr lang="de-DE"/>
           </a:p>
@@ -4694,7 +4696,7 @@
           <a:p>
             <a:fld id="{29E7901B-09AF-4D4A-907F-86E00F8E0E92}" type="slidenum">
               <a:rPr lang="de-DE" smtClean="0"/>
-              <a:t>‹Nr.›</a:t>
+              <a:t>‹#›</a:t>
             </a:fld>
             <a:endParaRPr lang="de-DE"/>
           </a:p>
@@ -4812,7 +4814,7 @@
           <a:p>
             <a:fld id="{29E7901B-09AF-4D4A-907F-86E00F8E0E92}" type="slidenum">
               <a:rPr lang="de-DE" smtClean="0"/>
-              <a:t>‹Nr.›</a:t>
+              <a:t>‹#›</a:t>
             </a:fld>
             <a:endParaRPr lang="de-DE"/>
           </a:p>
@@ -4991,7 +4993,7 @@
           <a:p>
             <a:fld id="{29E7901B-09AF-4D4A-907F-86E00F8E0E92}" type="slidenum">
               <a:rPr lang="de-DE" smtClean="0"/>
-              <a:t>‹Nr.›</a:t>
+              <a:t>‹#›</a:t>
             </a:fld>
             <a:endParaRPr lang="de-DE"/>
           </a:p>
@@ -5242,7 +5244,7 @@
           <a:p>
             <a:fld id="{29E7901B-09AF-4D4A-907F-86E00F8E0E92}" type="slidenum">
               <a:rPr lang="de-DE" smtClean="0"/>
-              <a:t>‹Nr.›</a:t>
+              <a:t>‹#›</a:t>
             </a:fld>
             <a:endParaRPr lang="de-DE"/>
           </a:p>
@@ -5609,7 +5611,7 @@
           <a:p>
             <a:fld id="{29E7901B-09AF-4D4A-907F-86E00F8E0E92}" type="slidenum">
               <a:rPr lang="de-DE" smtClean="0"/>
-              <a:t>‹Nr.›</a:t>
+              <a:t>‹#›</a:t>
             </a:fld>
             <a:endParaRPr lang="de-DE"/>
           </a:p>
@@ -5965,7 +5967,7 @@
           <a:p>
             <a:fld id="{29E7901B-09AF-4D4A-907F-86E00F8E0E92}" type="slidenum">
               <a:rPr lang="de-DE" smtClean="0"/>
-              <a:t>‹Nr.›</a:t>
+              <a:t>‹#›</a:t>
             </a:fld>
             <a:endParaRPr lang="de-DE"/>
           </a:p>
@@ -6135,7 +6137,7 @@
           <a:p>
             <a:fld id="{29E7901B-09AF-4D4A-907F-86E00F8E0E92}" type="slidenum">
               <a:rPr lang="de-DE" smtClean="0"/>
-              <a:t>‹Nr.›</a:t>
+              <a:t>‹#›</a:t>
             </a:fld>
             <a:endParaRPr lang="de-DE"/>
           </a:p>
@@ -6391,7 +6393,7 @@
           <a:p>
             <a:fld id="{29E7901B-09AF-4D4A-907F-86E00F8E0E92}" type="slidenum">
               <a:rPr lang="de-DE" smtClean="0"/>
-              <a:t>‹Nr.›</a:t>
+              <a:t>‹#›</a:t>
             </a:fld>
             <a:endParaRPr lang="de-DE"/>
           </a:p>
@@ -6623,7 +6625,7 @@
           <a:p>
             <a:fld id="{29E7901B-09AF-4D4A-907F-86E00F8E0E92}" type="slidenum">
               <a:rPr lang="de-DE" smtClean="0"/>
-              <a:t>‹Nr.›</a:t>
+              <a:t>‹#›</a:t>
             </a:fld>
             <a:endParaRPr lang="de-DE"/>
           </a:p>
@@ -6970,7 +6972,7 @@
           <a:p>
             <a:fld id="{29E7901B-09AF-4D4A-907F-86E00F8E0E92}" type="slidenum">
               <a:rPr lang="de-DE" smtClean="0"/>
-              <a:t>‹Nr.›</a:t>
+              <a:t>‹#›</a:t>
             </a:fld>
             <a:endParaRPr lang="de-DE"/>
           </a:p>
@@ -7088,7 +7090,7 @@
           <a:p>
             <a:fld id="{29E7901B-09AF-4D4A-907F-86E00F8E0E92}" type="slidenum">
               <a:rPr lang="de-DE" smtClean="0"/>
-              <a:t>‹Nr.›</a:t>
+              <a:t>‹#›</a:t>
             </a:fld>
             <a:endParaRPr lang="de-DE"/>
           </a:p>
@@ -7206,7 +7208,7 @@
           <a:p>
             <a:fld id="{29E7901B-09AF-4D4A-907F-86E00F8E0E92}" type="slidenum">
               <a:rPr lang="de-DE" smtClean="0"/>
-              <a:t>‹Nr.›</a:t>
+              <a:t>‹#›</a:t>
             </a:fld>
             <a:endParaRPr lang="de-DE"/>
           </a:p>
@@ -7490,7 +7492,7 @@
           <a:p>
             <a:fld id="{29E7901B-09AF-4D4A-907F-86E00F8E0E92}" type="slidenum">
               <a:rPr lang="de-DE" smtClean="0"/>
-              <a:t>‹Nr.›</a:t>
+              <a:t>‹#›</a:t>
             </a:fld>
             <a:endParaRPr lang="de-DE"/>
           </a:p>
@@ -7754,7 +7756,7 @@
           <a:p>
             <a:fld id="{29E7901B-09AF-4D4A-907F-86E00F8E0E92}" type="slidenum">
               <a:rPr lang="de-DE" smtClean="0"/>
-              <a:t>‹Nr.›</a:t>
+              <a:t>‹#›</a:t>
             </a:fld>
             <a:endParaRPr lang="de-DE"/>
           </a:p>
@@ -8005,7 +8007,7 @@
           <a:p>
             <a:fld id="{29E7901B-09AF-4D4A-907F-86E00F8E0E92}" type="slidenum">
               <a:rPr lang="de-DE" smtClean="0"/>
-              <a:t>‹Nr.›</a:t>
+              <a:t>‹#›</a:t>
             </a:fld>
             <a:endParaRPr lang="de-DE"/>
           </a:p>
@@ -8535,7 +8537,7 @@
           <a:p>
             <a:fld id="{29E7901B-09AF-4D4A-907F-86E00F8E0E92}" type="slidenum">
               <a:rPr lang="de-DE" smtClean="0"/>
-              <a:t>‹Nr.›</a:t>
+              <a:t>‹#›</a:t>
             </a:fld>
             <a:endParaRPr lang="de-DE"/>
           </a:p>
@@ -9133,7 +9135,7 @@
           <a:p>
             <a:fld id="{29E7901B-09AF-4D4A-907F-86E00F8E0E92}" type="slidenum">
               <a:rPr lang="de-DE" smtClean="0"/>
-              <a:t>‹Nr.›</a:t>
+              <a:t>‹#›</a:t>
             </a:fld>
             <a:endParaRPr lang="de-DE"/>
           </a:p>
@@ -9619,7 +9621,7 @@
           <p:cNvPr id="5" name="Grafik 4">
             <a:extLst>
               <a:ext uri="{FF2B5EF4-FFF2-40B4-BE49-F238E27FC236}">
-                <a16:creationId xmlns:a16="http://schemas.microsoft.com/office/drawing/2014/main" id="{541C1A54-8968-4CEF-8CA1-E84FB3A8524D}"/>
+                <a16:creationId xmlns:a16="http://schemas.microsoft.com/office/drawing/2014/main" xmlns="" id="{541C1A54-8968-4CEF-8CA1-E84FB3A8524D}"/>
               </a:ext>
             </a:extLst>
           </p:cNvPr>
@@ -9655,7 +9657,7 @@
           <p:cNvPr id="2" name="Titel 1">
             <a:extLst>
               <a:ext uri="{FF2B5EF4-FFF2-40B4-BE49-F238E27FC236}">
-                <a16:creationId xmlns:a16="http://schemas.microsoft.com/office/drawing/2014/main" id="{90A6468B-D0CD-4DC7-A3AD-DA2E2B071416}"/>
+                <a16:creationId xmlns:a16="http://schemas.microsoft.com/office/drawing/2014/main" xmlns="" id="{90A6468B-D0CD-4DC7-A3AD-DA2E2B071416}"/>
               </a:ext>
             </a:extLst>
           </p:cNvPr>
@@ -9694,7 +9696,7 @@
           <p:cNvPr id="3" name="Untertitel 2">
             <a:extLst>
               <a:ext uri="{FF2B5EF4-FFF2-40B4-BE49-F238E27FC236}">
-                <a16:creationId xmlns:a16="http://schemas.microsoft.com/office/drawing/2014/main" id="{65A5BDD7-952D-4603-93C5-6E59619C765A}"/>
+                <a16:creationId xmlns:a16="http://schemas.microsoft.com/office/drawing/2014/main" xmlns="" id="{65A5BDD7-952D-4603-93C5-6E59619C765A}"/>
               </a:ext>
             </a:extLst>
           </p:cNvPr>
@@ -9733,10 +9735,10 @@
           <p:cNvPr id="10" name="Straight Connector 9">
             <a:extLst>
               <a:ext uri="{FF2B5EF4-FFF2-40B4-BE49-F238E27FC236}">
-                <a16:creationId xmlns:a16="http://schemas.microsoft.com/office/drawing/2014/main" id="{F3CC58E3-BDF9-495D-9327-85F68058BE32}"/>
+                <a16:creationId xmlns:a16="http://schemas.microsoft.com/office/drawing/2014/main" xmlns="" id="{F3CC58E3-BDF9-495D-9327-85F68058BE32}"/>
               </a:ext>
               <a:ext uri="{C183D7F6-B498-43B3-948B-1728B52AA6E4}">
-                <adec:decorative xmlns:adec="http://schemas.microsoft.com/office/drawing/2017/decorative" val="1"/>
+                <adec:decorative xmlns:adec="http://schemas.microsoft.com/office/drawing/2017/decorative" xmlns="" val="1"/>
               </a:ext>
             </a:extLst>
           </p:cNvPr>
@@ -9746,7 +9748,7 @@
           <p:nvPr>
             <p:extLst>
               <p:ext uri="{386F3935-93C4-4BCD-93E2-E3B085C9AB24}">
-                <p16:designElem xmlns:p16="http://schemas.microsoft.com/office/powerpoint/2015/main" val="1"/>
+                <p16:designElem xmlns:p16="http://schemas.microsoft.com/office/powerpoint/2015/main" xmlns="" val="1"/>
               </p:ext>
             </p:extLst>
           </p:nvPr>
@@ -9787,10 +9789,10 @@
           <p:cNvPr id="12" name="Rectangle 11">
             <a:extLst>
               <a:ext uri="{FF2B5EF4-FFF2-40B4-BE49-F238E27FC236}">
-                <a16:creationId xmlns:a16="http://schemas.microsoft.com/office/drawing/2014/main" id="{DA0CA737-33FC-47E3-965A-D1C2CAA62894}"/>
+                <a16:creationId xmlns:a16="http://schemas.microsoft.com/office/drawing/2014/main" xmlns="" id="{DA0CA737-33FC-47E3-965A-D1C2CAA62894}"/>
               </a:ext>
               <a:ext uri="{C183D7F6-B498-43B3-948B-1728B52AA6E4}">
-                <adec:decorative xmlns:adec="http://schemas.microsoft.com/office/drawing/2017/decorative" val="1"/>
+                <adec:decorative xmlns:adec="http://schemas.microsoft.com/office/drawing/2017/decorative" xmlns="" val="1"/>
               </a:ext>
             </a:extLst>
           </p:cNvPr>
@@ -9800,7 +9802,7 @@
           <p:nvPr>
             <p:extLst>
               <p:ext uri="{386F3935-93C4-4BCD-93E2-E3B085C9AB24}">
-                <p16:designElem xmlns:p16="http://schemas.microsoft.com/office/powerpoint/2015/main" val="1"/>
+                <p16:designElem xmlns:p16="http://schemas.microsoft.com/office/powerpoint/2015/main" xmlns="" val="1"/>
               </p:ext>
             </p:extLst>
           </p:nvPr>
@@ -9842,10 +9844,10 @@
           <p:cNvPr id="14" name="Rectangle 13">
             <a:extLst>
               <a:ext uri="{FF2B5EF4-FFF2-40B4-BE49-F238E27FC236}">
-                <a16:creationId xmlns:a16="http://schemas.microsoft.com/office/drawing/2014/main" id="{22189942-24EB-488E-8B69-EB80F7E53E36}"/>
+                <a16:creationId xmlns:a16="http://schemas.microsoft.com/office/drawing/2014/main" xmlns="" id="{22189942-24EB-488E-8B69-EB80F7E53E36}"/>
               </a:ext>
               <a:ext uri="{C183D7F6-B498-43B3-948B-1728B52AA6E4}">
-                <adec:decorative xmlns:adec="http://schemas.microsoft.com/office/drawing/2017/decorative" val="1"/>
+                <adec:decorative xmlns:adec="http://schemas.microsoft.com/office/drawing/2017/decorative" xmlns="" val="1"/>
               </a:ext>
             </a:extLst>
           </p:cNvPr>
@@ -9855,7 +9857,7 @@
           <p:nvPr>
             <p:extLst>
               <p:ext uri="{386F3935-93C4-4BCD-93E2-E3B085C9AB24}">
-                <p16:designElem xmlns:p16="http://schemas.microsoft.com/office/powerpoint/2015/main" val="1"/>
+                <p16:designElem xmlns:p16="http://schemas.microsoft.com/office/powerpoint/2015/main" xmlns="" val="1"/>
               </p:ext>
             </p:extLst>
           </p:nvPr>
@@ -9922,84 +9924,335 @@
           <a:chExt cx="0" cy="0"/>
         </a:xfrm>
       </p:grpSpPr>
-      <p:pic>
-        <p:nvPicPr>
-          <p:cNvPr id="10" name="Inhaltsplatzhalter 9">
+      <p:sp>
+        <p:nvSpPr>
+          <p:cNvPr id="2" name="Titel 1">
             <a:extLst>
               <a:ext uri="{FF2B5EF4-FFF2-40B4-BE49-F238E27FC236}">
-                <a16:creationId xmlns:a16="http://schemas.microsoft.com/office/drawing/2014/main" id="{65A23C4D-F599-40EB-9F55-473E092C8DBD}"/>
+                <a16:creationId xmlns:a16="http://schemas.microsoft.com/office/drawing/2014/main" xmlns="" id="{3D022FA1-1227-4EA1-8EB1-679CE9C5CFCD}"/>
               </a:ext>
             </a:extLst>
           </p:cNvPr>
-          <p:cNvPicPr>
-            <a:picLocks noGrp="1" noChangeAspect="1"/>
-          </p:cNvPicPr>
-          <p:nvPr>
-            <p:ph sz="half" idx="4294967295"/>
-          </p:nvPr>
-        </p:nvPicPr>
-        <p:blipFill rotWithShape="1">
-          <a:blip r:embed="rId2">
-            <a:extLst>
-              <a:ext uri="{28A0092B-C50C-407E-A947-70E740481C1C}">
-                <a14:useLocalDpi xmlns:a14="http://schemas.microsoft.com/office/drawing/2010/main" val="0"/>
-              </a:ext>
-            </a:extLst>
-          </a:blip>
-          <a:srcRect t="-1" r="1753" b="40808"/>
-          <a:stretch/>
-        </p:blipFill>
-        <p:spPr>
-          <a:xfrm>
-            <a:off x="6511491" y="1387642"/>
-            <a:ext cx="3439310" cy="4900863"/>
-          </a:xfrm>
-        </p:spPr>
-      </p:pic>
-      <p:pic>
-        <p:nvPicPr>
-          <p:cNvPr id="8" name="Inhaltsplatzhalter 7">
+          <p:cNvSpPr>
+            <a:spLocks noGrp="1"/>
+          </p:cNvSpPr>
+          <p:nvPr>
+            <p:ph type="title"/>
+          </p:nvPr>
+        </p:nvSpPr>
+        <p:spPr/>
+        <p:txBody>
+          <a:bodyPr>
+            <a:normAutofit/>
+          </a:bodyPr>
+          <a:lstStyle/>
+          <a:p>
+            <a:r>
+              <a:rPr lang="de-DE" sz="5400" dirty="0" err="1"/>
+              <a:t>Finding</a:t>
+            </a:r>
+            <a:r>
+              <a:rPr lang="de-DE" sz="5400" dirty="0"/>
+              <a:t> </a:t>
+            </a:r>
+            <a:r>
+              <a:rPr lang="de-DE" sz="5400" dirty="0" err="1"/>
+              <a:t>meta</a:t>
+            </a:r>
+            <a:r>
+              <a:rPr lang="de-DE" sz="5400" dirty="0"/>
+              <a:t> </a:t>
+            </a:r>
+            <a:r>
+              <a:rPr lang="de-DE" sz="5400" dirty="0" err="1"/>
+              <a:t>digits</a:t>
+            </a:r>
+            <a:endParaRPr lang="de-DE" sz="5400" dirty="0"/>
+          </a:p>
+        </p:txBody>
+      </p:sp>
+      <p:sp>
+        <p:nvSpPr>
+          <p:cNvPr id="3" name="Inhaltsplatzhalter 2">
             <a:extLst>
               <a:ext uri="{FF2B5EF4-FFF2-40B4-BE49-F238E27FC236}">
-                <a16:creationId xmlns:a16="http://schemas.microsoft.com/office/drawing/2014/main" id="{AC8FC20D-C4BB-4858-9AA7-67A6D2F24CB1}"/>
+                <a16:creationId xmlns:a16="http://schemas.microsoft.com/office/drawing/2014/main" xmlns="" id="{56D22BFB-FDAA-4D7E-88D9-C29E57B7C51D}"/>
               </a:ext>
             </a:extLst>
           </p:cNvPr>
-          <p:cNvPicPr>
-            <a:picLocks noGrp="1" noChangeAspect="1"/>
-          </p:cNvPicPr>
-          <p:nvPr>
-            <p:ph sz="half" idx="4294967295"/>
-          </p:nvPr>
-        </p:nvPicPr>
-        <p:blipFill rotWithShape="1">
-          <a:blip r:embed="rId3">
-            <a:extLst>
-              <a:ext uri="{28A0092B-C50C-407E-A947-70E740481C1C}">
-                <a14:useLocalDpi xmlns:a14="http://schemas.microsoft.com/office/drawing/2010/main" val="0"/>
-              </a:ext>
-            </a:extLst>
-          </a:blip>
-          <a:srcRect b="39910"/>
-          <a:stretch/>
-        </p:blipFill>
+          <p:cNvSpPr>
+            <a:spLocks noGrp="1"/>
+          </p:cNvSpPr>
+          <p:nvPr>
+            <p:ph idx="1"/>
+          </p:nvPr>
+        </p:nvSpPr>
+        <p:spPr/>
+        <p:txBody>
+          <a:bodyPr/>
+          <a:lstStyle/>
+          <a:p>
+            <a:pPr marL="0" indent="0">
+              <a:buNone/>
+            </a:pPr>
+            <a:r>
+              <a:rPr lang="de-DE" sz="2400" dirty="0">
+                <a:solidFill>
+                  <a:schemeClr val="tx1">
+                    <a:lumMod val="95000"/>
+                    <a:lumOff val="5000"/>
+                  </a:schemeClr>
+                </a:solidFill>
+              </a:rPr>
+              <a:t> </a:t>
+            </a:r>
+            <a:r>
+              <a:rPr lang="de-DE" sz="2400" u="sng" dirty="0" err="1">
+                <a:solidFill>
+                  <a:schemeClr val="tx1">
+                    <a:lumMod val="95000"/>
+                    <a:lumOff val="5000"/>
+                  </a:schemeClr>
+                </a:solidFill>
+              </a:rPr>
+              <a:t>Objective</a:t>
+            </a:r>
+            <a:r>
+              <a:rPr lang="de-DE" sz="2400" dirty="0">
+                <a:solidFill>
+                  <a:schemeClr val="tx1">
+                    <a:lumMod val="95000"/>
+                    <a:lumOff val="5000"/>
+                  </a:schemeClr>
+                </a:solidFill>
+              </a:rPr>
+              <a:t>: </a:t>
+            </a:r>
+            <a:r>
+              <a:rPr lang="de-DE" sz="2400" dirty="0" smtClean="0">
+                <a:solidFill>
+                  <a:schemeClr val="tx1">
+                    <a:lumMod val="95000"/>
+                    <a:lumOff val="5000"/>
+                  </a:schemeClr>
+                </a:solidFill>
+              </a:rPr>
+              <a:t> Some</a:t>
+            </a:r>
+            <a:r>
+              <a:rPr lang="de-DE" sz="2400" dirty="0" smtClean="0">
+                <a:solidFill>
+                  <a:schemeClr val="tx1">
+                    <a:lumMod val="95000"/>
+                    <a:lumOff val="5000"/>
+                  </a:schemeClr>
+                </a:solidFill>
+              </a:rPr>
+              <a:t>thing </a:t>
+            </a:r>
+            <a:r>
+              <a:rPr lang="de-DE" sz="2400" dirty="0" err="1" smtClean="0">
+                <a:solidFill>
+                  <a:schemeClr val="tx1">
+                    <a:lumMod val="95000"/>
+                    <a:lumOff val="5000"/>
+                  </a:schemeClr>
+                </a:solidFill>
+              </a:rPr>
+              <a:t>what</a:t>
+            </a:r>
+            <a:r>
+              <a:rPr lang="de-DE" sz="2400" dirty="0" smtClean="0">
+                <a:solidFill>
+                  <a:schemeClr val="tx1">
+                    <a:lumMod val="95000"/>
+                    <a:lumOff val="5000"/>
+                  </a:schemeClr>
+                </a:solidFill>
+              </a:rPr>
+              <a:t> </a:t>
+            </a:r>
+            <a:r>
+              <a:rPr lang="de-DE" sz="2400" dirty="0" err="1" smtClean="0">
+                <a:solidFill>
+                  <a:schemeClr val="tx1">
+                    <a:lumMod val="95000"/>
+                    <a:lumOff val="5000"/>
+                  </a:schemeClr>
+                </a:solidFill>
+              </a:rPr>
+              <a:t>describes</a:t>
+            </a:r>
+            <a:r>
+              <a:rPr lang="de-DE" sz="2400" dirty="0" smtClean="0">
+                <a:solidFill>
+                  <a:schemeClr val="tx1">
+                    <a:lumMod val="95000"/>
+                    <a:lumOff val="5000"/>
+                  </a:schemeClr>
+                </a:solidFill>
+              </a:rPr>
+              <a:t> </a:t>
+            </a:r>
+            <a:r>
+              <a:rPr lang="de-DE" sz="2400" dirty="0" err="1" smtClean="0">
+                <a:solidFill>
+                  <a:schemeClr val="tx1">
+                    <a:lumMod val="95000"/>
+                    <a:lumOff val="5000"/>
+                  </a:schemeClr>
+                </a:solidFill>
+              </a:rPr>
+              <a:t>digits</a:t>
+            </a:r>
+            <a:r>
+              <a:rPr lang="de-DE" sz="2400" dirty="0" smtClean="0">
+                <a:solidFill>
+                  <a:schemeClr val="tx1">
+                    <a:lumMod val="95000"/>
+                    <a:lumOff val="5000"/>
+                  </a:schemeClr>
+                </a:solidFill>
+              </a:rPr>
+              <a:t> </a:t>
+            </a:r>
+            <a:r>
+              <a:rPr lang="de-DE" sz="2400" dirty="0" err="1" smtClean="0">
+                <a:solidFill>
+                  <a:schemeClr val="tx1">
+                    <a:lumMod val="95000"/>
+                    <a:lumOff val="5000"/>
+                  </a:schemeClr>
+                </a:solidFill>
+              </a:rPr>
+              <a:t>with</a:t>
+            </a:r>
+            <a:r>
+              <a:rPr lang="de-DE" sz="2400" dirty="0" smtClean="0">
+                <a:solidFill>
+                  <a:schemeClr val="tx1">
+                    <a:lumMod val="95000"/>
+                    <a:lumOff val="5000"/>
+                  </a:schemeClr>
+                </a:solidFill>
+              </a:rPr>
+              <a:t> </a:t>
+            </a:r>
+            <a:r>
+              <a:rPr lang="de-DE" sz="2400" dirty="0" err="1" smtClean="0">
+                <a:solidFill>
+                  <a:schemeClr val="tx1">
+                    <a:lumMod val="95000"/>
+                    <a:lumOff val="5000"/>
+                  </a:schemeClr>
+                </a:solidFill>
+              </a:rPr>
+              <a:t>the</a:t>
+            </a:r>
+            <a:r>
+              <a:rPr lang="de-DE" sz="2400" dirty="0" smtClean="0">
+                <a:solidFill>
+                  <a:schemeClr val="tx1">
+                    <a:lumMod val="95000"/>
+                    <a:lumOff val="5000"/>
+                  </a:schemeClr>
+                </a:solidFill>
+              </a:rPr>
+              <a:t> same </a:t>
+            </a:r>
+            <a:r>
+              <a:rPr lang="de-DE" sz="2400" dirty="0" err="1" smtClean="0">
+                <a:solidFill>
+                  <a:schemeClr val="tx1">
+                    <a:lumMod val="95000"/>
+                    <a:lumOff val="5000"/>
+                  </a:schemeClr>
+                </a:solidFill>
+              </a:rPr>
+              <a:t>label</a:t>
+            </a:r>
+            <a:r>
+              <a:rPr lang="de-DE" sz="2400" dirty="0">
+                <a:solidFill>
+                  <a:schemeClr val="tx1">
+                    <a:lumMod val="95000"/>
+                    <a:lumOff val="5000"/>
+                  </a:schemeClr>
+                </a:solidFill>
+              </a:rPr>
+              <a:t>.</a:t>
+            </a:r>
+            <a:r>
+              <a:rPr lang="de-DE" dirty="0"/>
+              <a:t>		</a:t>
+            </a:r>
+          </a:p>
+          <a:p>
+            <a:endParaRPr lang="de-DE" sz="2400" dirty="0" smtClean="0">
+              <a:solidFill>
+                <a:schemeClr val="tx1">
+                  <a:lumMod val="95000"/>
+                  <a:lumOff val="5000"/>
+                </a:schemeClr>
+              </a:solidFill>
+            </a:endParaRPr>
+          </a:p>
+          <a:p>
+            <a:r>
+              <a:rPr lang="de-DE" sz="2400" u="sng" dirty="0" err="1" smtClean="0">
+                <a:solidFill>
+                  <a:schemeClr val="tx1">
+                    <a:lumMod val="95000"/>
+                    <a:lumOff val="5000"/>
+                  </a:schemeClr>
+                </a:solidFill>
+              </a:rPr>
+              <a:t>Reason</a:t>
+            </a:r>
+            <a:r>
+              <a:rPr lang="de-DE" sz="2400" dirty="0" smtClean="0">
+                <a:solidFill>
+                  <a:schemeClr val="tx1">
+                    <a:lumMod val="95000"/>
+                    <a:lumOff val="5000"/>
+                  </a:schemeClr>
+                </a:solidFill>
+              </a:rPr>
+              <a:t>:  </a:t>
+            </a:r>
+            <a:endParaRPr lang="de-DE" sz="2400" dirty="0">
+              <a:solidFill>
+                <a:schemeClr val="tx1">
+                  <a:lumMod val="95000"/>
+                  <a:lumOff val="5000"/>
+                </a:schemeClr>
+              </a:solidFill>
+            </a:endParaRPr>
+          </a:p>
+          <a:p>
+            <a:pPr marL="0" indent="0">
+              <a:buNone/>
+            </a:pPr>
+            <a:endParaRPr lang="de-DE" dirty="0"/>
+          </a:p>
+          <a:p>
+            <a:pPr marL="0" indent="0">
+              <a:buNone/>
+            </a:pPr>
+            <a:endParaRPr lang="de-DE" dirty="0"/>
+          </a:p>
+        </p:txBody>
+      </p:sp>
+      <p:sp>
+        <p:nvSpPr>
+          <p:cNvPr id="4" name="TextBox 3"/>
+          <p:cNvSpPr txBox="1"/>
+          <p:nvPr/>
+        </p:nvSpPr>
         <p:spPr>
           <a:xfrm>
-            <a:off x="1612232" y="1400368"/>
-            <a:ext cx="3457074" cy="5000445"/>
-          </a:xfrm>
-        </p:spPr>
-      </p:pic>
-      <p:sp>
-        <p:nvSpPr>
-          <p:cNvPr id="5" name="TextBox 4"/>
-          <p:cNvSpPr txBox="1"/>
-          <p:nvPr/>
-        </p:nvSpPr>
-        <p:spPr>
-          <a:xfrm>
-            <a:off x="874295" y="409075"/>
-            <a:ext cx="10483515" cy="646331"/>
+            <a:off x="2272684" y="2849732"/>
+            <a:ext cx="8389398" cy="1938992"/>
           </a:xfrm>
           <a:prstGeom prst="rect">
             <a:avLst/>
@@ -10012,24 +10265,47 @@
           </a:bodyPr>
           <a:lstStyle/>
           <a:p>
-            <a:r>
-              <a:rPr lang="en-US" sz="3600" dirty="0">
-                <a:latin typeface="Calibri Light" panose="020F0302020204030204" pitchFamily="34" charset="0"/>
-                <a:cs typeface="Calibri Light" panose="020F0302020204030204" pitchFamily="34" charset="0"/>
-              </a:rPr>
-              <a:t>Two easiest solutions: mean and median meta digits</a:t>
-            </a:r>
-            <a:endParaRPr lang="ru-RU" sz="3600" dirty="0">
-              <a:latin typeface="Calibri Light" panose="020F0302020204030204" pitchFamily="34" charset="0"/>
-              <a:cs typeface="Calibri Light" panose="020F0302020204030204" pitchFamily="34" charset="0"/>
-            </a:endParaRPr>
+            <a:pPr marL="285750" indent="-285750">
+              <a:buFont typeface="Arial" panose="020B0604020202020204" pitchFamily="34" charset="0"/>
+              <a:buChar char="•"/>
+            </a:pPr>
+            <a:r>
+              <a:rPr lang="en-US" sz="2400" dirty="0" smtClean="0"/>
+              <a:t>To see</a:t>
+            </a:r>
+            <a:r>
+              <a:rPr lang="ru-RU" sz="2400" dirty="0" smtClean="0"/>
+              <a:t> </a:t>
+            </a:r>
+            <a:r>
+              <a:rPr lang="en-US" sz="2400" dirty="0" smtClean="0"/>
+              <a:t>a cause for a wrong recognition by KNN by comparing of falsely predicted with Meta</a:t>
+            </a:r>
+          </a:p>
+          <a:p>
+            <a:pPr marL="285750" indent="-285750">
+              <a:buFont typeface="Arial" panose="020B0604020202020204" pitchFamily="34" charset="0"/>
+              <a:buChar char="•"/>
+            </a:pPr>
+            <a:endParaRPr lang="en-US" sz="2400" dirty="0" smtClean="0"/>
+          </a:p>
+          <a:p>
+            <a:pPr marL="285750" indent="-285750">
+              <a:buFont typeface="Arial" panose="020B0604020202020204" pitchFamily="34" charset="0"/>
+              <a:buChar char="•"/>
+            </a:pPr>
+            <a:r>
+              <a:rPr lang="en-US" sz="2400" dirty="0" smtClean="0"/>
+              <a:t>We need a reference point for drawing canvas to evaluate our own hand-written digits</a:t>
+            </a:r>
+            <a:endParaRPr lang="ru-RU" sz="2400" dirty="0"/>
           </a:p>
         </p:txBody>
       </p:sp>
     </p:spTree>
     <p:extLst>
       <p:ext uri="{BB962C8B-B14F-4D97-AF65-F5344CB8AC3E}">
-        <p14:creationId xmlns:p14="http://schemas.microsoft.com/office/powerpoint/2010/main" val="238965826"/>
+        <p14:creationId xmlns:p14="http://schemas.microsoft.com/office/powerpoint/2010/main" val="1548118980"/>
       </p:ext>
     </p:extLst>
   </p:cSld>
@@ -10056,12 +10332,146 @@
           <a:chExt cx="0" cy="0"/>
         </a:xfrm>
       </p:grpSpPr>
+      <p:pic>
+        <p:nvPicPr>
+          <p:cNvPr id="10" name="Inhaltsplatzhalter 9">
+            <a:extLst>
+              <a:ext uri="{FF2B5EF4-FFF2-40B4-BE49-F238E27FC236}">
+                <a16:creationId xmlns:a16="http://schemas.microsoft.com/office/drawing/2014/main" xmlns="" id="{65A23C4D-F599-40EB-9F55-473E092C8DBD}"/>
+              </a:ext>
+            </a:extLst>
+          </p:cNvPr>
+          <p:cNvPicPr>
+            <a:picLocks noGrp="1" noChangeAspect="1"/>
+          </p:cNvPicPr>
+          <p:nvPr>
+            <p:ph sz="half" idx="4294967295"/>
+          </p:nvPr>
+        </p:nvPicPr>
+        <p:blipFill rotWithShape="1">
+          <a:blip r:embed="rId2">
+            <a:extLst>
+              <a:ext uri="{28A0092B-C50C-407E-A947-70E740481C1C}">
+                <a14:useLocalDpi xmlns:a14="http://schemas.microsoft.com/office/drawing/2010/main" val="0"/>
+              </a:ext>
+            </a:extLst>
+          </a:blip>
+          <a:srcRect t="-1" r="1753" b="40808"/>
+          <a:stretch/>
+        </p:blipFill>
+        <p:spPr>
+          <a:xfrm>
+            <a:off x="6511491" y="1387642"/>
+            <a:ext cx="3439310" cy="4900863"/>
+          </a:xfrm>
+        </p:spPr>
+      </p:pic>
+      <p:pic>
+        <p:nvPicPr>
+          <p:cNvPr id="8" name="Inhaltsplatzhalter 7">
+            <a:extLst>
+              <a:ext uri="{FF2B5EF4-FFF2-40B4-BE49-F238E27FC236}">
+                <a16:creationId xmlns:a16="http://schemas.microsoft.com/office/drawing/2014/main" xmlns="" id="{AC8FC20D-C4BB-4858-9AA7-67A6D2F24CB1}"/>
+              </a:ext>
+            </a:extLst>
+          </p:cNvPr>
+          <p:cNvPicPr>
+            <a:picLocks noGrp="1" noChangeAspect="1"/>
+          </p:cNvPicPr>
+          <p:nvPr>
+            <p:ph sz="half" idx="4294967295"/>
+          </p:nvPr>
+        </p:nvPicPr>
+        <p:blipFill rotWithShape="1">
+          <a:blip r:embed="rId3">
+            <a:extLst>
+              <a:ext uri="{28A0092B-C50C-407E-A947-70E740481C1C}">
+                <a14:useLocalDpi xmlns:a14="http://schemas.microsoft.com/office/drawing/2010/main" val="0"/>
+              </a:ext>
+            </a:extLst>
+          </a:blip>
+          <a:srcRect b="39910"/>
+          <a:stretch/>
+        </p:blipFill>
+        <p:spPr>
+          <a:xfrm>
+            <a:off x="1612232" y="1400368"/>
+            <a:ext cx="3457074" cy="5000445"/>
+          </a:xfrm>
+        </p:spPr>
+      </p:pic>
+      <p:sp>
+        <p:nvSpPr>
+          <p:cNvPr id="5" name="TextBox 4"/>
+          <p:cNvSpPr txBox="1"/>
+          <p:nvPr/>
+        </p:nvSpPr>
+        <p:spPr>
+          <a:xfrm>
+            <a:off x="874295" y="409075"/>
+            <a:ext cx="10483515" cy="646331"/>
+          </a:xfrm>
+          <a:prstGeom prst="rect">
+            <a:avLst/>
+          </a:prstGeom>
+          <a:noFill/>
+        </p:spPr>
+        <p:txBody>
+          <a:bodyPr wrap="square" rtlCol="0">
+            <a:spAutoFit/>
+          </a:bodyPr>
+          <a:lstStyle/>
+          <a:p>
+            <a:r>
+              <a:rPr lang="en-US" sz="3600" dirty="0">
+                <a:latin typeface="Calibri Light" panose="020F0302020204030204" pitchFamily="34" charset="0"/>
+                <a:cs typeface="Calibri Light" panose="020F0302020204030204" pitchFamily="34" charset="0"/>
+              </a:rPr>
+              <a:t>Two easiest solutions: mean and median meta digits</a:t>
+            </a:r>
+            <a:endParaRPr lang="ru-RU" sz="3600" dirty="0">
+              <a:latin typeface="Calibri Light" panose="020F0302020204030204" pitchFamily="34" charset="0"/>
+              <a:cs typeface="Calibri Light" panose="020F0302020204030204" pitchFamily="34" charset="0"/>
+            </a:endParaRPr>
+          </a:p>
+        </p:txBody>
+      </p:sp>
+    </p:spTree>
+    <p:extLst>
+      <p:ext uri="{BB962C8B-B14F-4D97-AF65-F5344CB8AC3E}">
+        <p14:creationId xmlns:p14="http://schemas.microsoft.com/office/powerpoint/2010/main" val="238965826"/>
+      </p:ext>
+    </p:extLst>
+  </p:cSld>
+  <p:clrMapOvr>
+    <a:masterClrMapping/>
+  </p:clrMapOvr>
+</p:sld>
+</file>
+
+<file path=ppt/slides/slide12.xml><?xml version="1.0" encoding="utf-8"?>
+<p:sld xmlns:a="http://schemas.openxmlformats.org/drawingml/2006/main" xmlns:r="http://schemas.openxmlformats.org/officeDocument/2006/relationships" xmlns:p="http://schemas.openxmlformats.org/presentationml/2006/main">
+  <p:cSld>
+    <p:spTree>
+      <p:nvGrpSpPr>
+        <p:cNvPr id="1" name=""/>
+        <p:cNvGrpSpPr/>
+        <p:nvPr/>
+      </p:nvGrpSpPr>
+      <p:grpSpPr>
+        <a:xfrm>
+          <a:off x="0" y="0"/>
+          <a:ext cx="0" cy="0"/>
+          <a:chOff x="0" y="0"/>
+          <a:chExt cx="0" cy="0"/>
+        </a:xfrm>
+      </p:grpSpPr>
       <p:sp>
         <p:nvSpPr>
           <p:cNvPr id="5" name="Titel 4">
             <a:extLst>
               <a:ext uri="{FF2B5EF4-FFF2-40B4-BE49-F238E27FC236}">
-                <a16:creationId xmlns:a16="http://schemas.microsoft.com/office/drawing/2014/main" id="{9222B4BD-52BA-4791-9651-98D4F0FB5A4A}"/>
+                <a16:creationId xmlns:a16="http://schemas.microsoft.com/office/drawing/2014/main" xmlns="" id="{9222B4BD-52BA-4791-9651-98D4F0FB5A4A}"/>
               </a:ext>
             </a:extLst>
           </p:cNvPr>
@@ -10102,7 +10512,7 @@
           <p:cNvPr id="6" name="Inhaltsplatzhalter 5">
             <a:extLst>
               <a:ext uri="{FF2B5EF4-FFF2-40B4-BE49-F238E27FC236}">
-                <a16:creationId xmlns:a16="http://schemas.microsoft.com/office/drawing/2014/main" id="{1A0911F2-B0B3-45D8-B92B-270F6D60CFB4}"/>
+                <a16:creationId xmlns:a16="http://schemas.microsoft.com/office/drawing/2014/main" xmlns="" id="{1A0911F2-B0B3-45D8-B92B-270F6D60CFB4}"/>
               </a:ext>
             </a:extLst>
           </p:cNvPr>
@@ -10115,114 +10525,283 @@
         </p:nvSpPr>
         <p:spPr>
           <a:xfrm>
-            <a:off x="1281764" y="2110430"/>
-            <a:ext cx="4937760" cy="4023359"/>
+            <a:off x="772357" y="2110430"/>
+            <a:ext cx="5885895" cy="4023359"/>
           </a:xfrm>
         </p:spPr>
         <p:txBody>
           <a:bodyPr/>
           <a:lstStyle/>
           <a:p>
-            <a:r>
-              <a:rPr lang="de-DE" dirty="0"/>
-              <a:t>Image </a:t>
-            </a:r>
-            <a:r>
-              <a:rPr lang="de-DE" dirty="0" err="1"/>
+            <a:pPr>
+              <a:buFont typeface="Arial" panose="020B0604020202020204" pitchFamily="34" charset="0"/>
+              <a:buChar char="•"/>
+            </a:pPr>
+            <a:r>
+              <a:rPr lang="de-DE" sz="2400" dirty="0" smtClean="0"/>
+              <a:t> Image </a:t>
+            </a:r>
+            <a:r>
+              <a:rPr lang="de-DE" sz="2400" dirty="0" err="1"/>
               <a:t>that</a:t>
             </a:r>
             <a:r>
-              <a:rPr lang="de-DE" dirty="0"/>
+              <a:rPr lang="de-DE" sz="2400" dirty="0"/>
               <a:t> </a:t>
             </a:r>
             <a:r>
-              <a:rPr lang="de-DE" dirty="0" err="1"/>
+              <a:rPr lang="de-DE" sz="2400" dirty="0" err="1"/>
               <a:t>is</a:t>
             </a:r>
             <a:r>
-              <a:rPr lang="de-DE" dirty="0"/>
+              <a:rPr lang="de-DE" sz="2400" dirty="0"/>
               <a:t> </a:t>
             </a:r>
             <a:r>
-              <a:rPr lang="de-DE" dirty="0" err="1"/>
+              <a:rPr lang="de-DE" sz="2400" dirty="0" err="1"/>
               <a:t>surrounded</a:t>
             </a:r>
             <a:r>
-              <a:rPr lang="de-DE" dirty="0"/>
+              <a:rPr lang="de-DE" sz="2400" dirty="0"/>
               <a:t> </a:t>
             </a:r>
             <a:r>
-              <a:rPr lang="de-DE" dirty="0" err="1"/>
+              <a:rPr lang="de-DE" sz="2400" dirty="0" err="1"/>
               <a:t>by</a:t>
             </a:r>
             <a:r>
-              <a:rPr lang="de-DE" dirty="0"/>
+              <a:rPr lang="de-DE" sz="2400" dirty="0"/>
               <a:t> </a:t>
             </a:r>
             <a:r>
-              <a:rPr lang="de-DE" dirty="0" err="1"/>
+              <a:rPr lang="de-DE" sz="2400" dirty="0" err="1"/>
               <a:t>the</a:t>
             </a:r>
             <a:r>
-              <a:rPr lang="de-DE" dirty="0"/>
+              <a:rPr lang="de-DE" sz="2400" dirty="0"/>
               <a:t> </a:t>
             </a:r>
             <a:r>
-              <a:rPr lang="de-DE" dirty="0" err="1"/>
+              <a:rPr lang="de-DE" sz="2400" dirty="0" err="1"/>
               <a:t>highest</a:t>
             </a:r>
             <a:r>
-              <a:rPr lang="de-DE" dirty="0"/>
+              <a:rPr lang="de-DE" sz="2400" dirty="0"/>
               <a:t> </a:t>
             </a:r>
             <a:r>
-              <a:rPr lang="de-DE" dirty="0" err="1"/>
+              <a:rPr lang="de-DE" sz="2400" dirty="0" err="1"/>
               <a:t>number</a:t>
             </a:r>
             <a:r>
-              <a:rPr lang="de-DE" dirty="0"/>
+              <a:rPr lang="de-DE" sz="2400" dirty="0"/>
               <a:t> </a:t>
             </a:r>
             <a:r>
-              <a:rPr lang="de-DE" dirty="0" err="1"/>
+              <a:rPr lang="de-DE" sz="2400" dirty="0" err="1"/>
               <a:t>of</a:t>
             </a:r>
             <a:r>
-              <a:rPr lang="de-DE" dirty="0"/>
+              <a:rPr lang="de-DE" sz="2400" dirty="0"/>
               <a:t> </a:t>
             </a:r>
             <a:r>
-              <a:rPr lang="de-DE" dirty="0" err="1"/>
+              <a:rPr lang="de-DE" sz="2400" dirty="0" err="1"/>
               <a:t>images</a:t>
             </a:r>
             <a:r>
-              <a:rPr lang="de-DE" dirty="0"/>
+              <a:rPr lang="de-DE" sz="2400" dirty="0"/>
               <a:t> </a:t>
             </a:r>
             <a:r>
-              <a:rPr lang="de-DE" dirty="0" err="1"/>
+              <a:rPr lang="de-DE" sz="2400" dirty="0" err="1"/>
               <a:t>with</a:t>
             </a:r>
             <a:r>
-              <a:rPr lang="de-DE" dirty="0"/>
+              <a:rPr lang="de-DE" sz="2400" dirty="0"/>
               <a:t> </a:t>
             </a:r>
             <a:r>
-              <a:rPr lang="de-DE" dirty="0" err="1"/>
+              <a:rPr lang="de-DE" sz="2400" dirty="0" err="1"/>
               <a:t>the</a:t>
             </a:r>
             <a:r>
-              <a:rPr lang="de-DE" dirty="0"/>
+              <a:rPr lang="de-DE" sz="2400" dirty="0"/>
               <a:t> same </a:t>
             </a:r>
             <a:r>
-              <a:rPr lang="de-DE" dirty="0" err="1"/>
+              <a:rPr lang="de-DE" sz="2400" dirty="0" err="1"/>
               <a:t>label</a:t>
             </a:r>
             <a:r>
-              <a:rPr lang="de-DE" dirty="0"/>
+              <a:rPr lang="de-DE" sz="2400" dirty="0" smtClean="0"/>
               <a:t>.</a:t>
             </a:r>
+          </a:p>
+          <a:p>
+            <a:pPr>
+              <a:buFont typeface="Arial" panose="020B0604020202020204" pitchFamily="34" charset="0"/>
+              <a:buChar char="•"/>
+            </a:pPr>
+            <a:r>
+              <a:rPr lang="de-DE" sz="2400" dirty="0" smtClean="0"/>
+              <a:t> </a:t>
+            </a:r>
+            <a:r>
+              <a:rPr lang="de-DE" sz="2400" dirty="0" err="1" smtClean="0"/>
+              <a:t>We</a:t>
+            </a:r>
+            <a:r>
+              <a:rPr lang="de-DE" sz="2400" dirty="0" smtClean="0"/>
+              <a:t> </a:t>
+            </a:r>
+            <a:r>
+              <a:rPr lang="de-DE" sz="2400" dirty="0" err="1" smtClean="0"/>
+              <a:t>decided</a:t>
+            </a:r>
+            <a:r>
+              <a:rPr lang="de-DE" sz="2400" dirty="0" smtClean="0"/>
+              <a:t> </a:t>
+            </a:r>
+            <a:r>
+              <a:rPr lang="de-DE" sz="2400" dirty="0" err="1" smtClean="0"/>
+              <a:t>to</a:t>
+            </a:r>
+            <a:r>
+              <a:rPr lang="de-DE" sz="2400" dirty="0" smtClean="0"/>
+              <a:t> </a:t>
+            </a:r>
+            <a:r>
+              <a:rPr lang="de-DE" sz="2400" dirty="0" err="1" smtClean="0"/>
+              <a:t>take</a:t>
+            </a:r>
+            <a:r>
+              <a:rPr lang="de-DE" sz="2400" dirty="0" smtClean="0"/>
+              <a:t> </a:t>
+            </a:r>
+            <a:r>
+              <a:rPr lang="de-DE" sz="2400" dirty="0" err="1" smtClean="0"/>
+              <a:t>it</a:t>
+            </a:r>
+            <a:r>
+              <a:rPr lang="de-DE" sz="2400" dirty="0" smtClean="0"/>
+              <a:t> </a:t>
+            </a:r>
+            <a:r>
+              <a:rPr lang="de-DE" sz="2400" dirty="0" err="1" smtClean="0"/>
+              <a:t>as</a:t>
+            </a:r>
+            <a:r>
+              <a:rPr lang="de-DE" sz="2400" dirty="0" smtClean="0"/>
+              <a:t> </a:t>
+            </a:r>
+            <a:r>
+              <a:rPr lang="de-DE" sz="2400" dirty="0" err="1" smtClean="0"/>
+              <a:t>meta</a:t>
+            </a:r>
+            <a:r>
+              <a:rPr lang="de-DE" sz="2400" dirty="0" smtClean="0"/>
+              <a:t> </a:t>
+            </a:r>
+            <a:r>
+              <a:rPr lang="de-DE" sz="2400" dirty="0" err="1" smtClean="0"/>
+              <a:t>digit</a:t>
+            </a:r>
+            <a:r>
+              <a:rPr lang="de-DE" sz="2400" dirty="0" smtClean="0"/>
+              <a:t>.</a:t>
+            </a:r>
+          </a:p>
+          <a:p>
+            <a:pPr>
+              <a:buFont typeface="Arial" panose="020B0604020202020204" pitchFamily="34" charset="0"/>
+              <a:buChar char="•"/>
+            </a:pPr>
+            <a:r>
+              <a:rPr lang="de-DE" sz="2400" dirty="0" smtClean="0"/>
+              <a:t> </a:t>
+            </a:r>
+            <a:r>
+              <a:rPr lang="de-DE" sz="2400" u="sng" dirty="0" err="1" smtClean="0"/>
+              <a:t>Reason</a:t>
+            </a:r>
+            <a:r>
+              <a:rPr lang="de-DE" sz="2400" dirty="0" smtClean="0"/>
+              <a:t>: </a:t>
+            </a:r>
+            <a:r>
+              <a:rPr lang="de-DE" sz="2400" dirty="0" err="1" smtClean="0"/>
+              <a:t>only</a:t>
+            </a:r>
+            <a:r>
+              <a:rPr lang="de-DE" sz="2400" dirty="0" smtClean="0"/>
+              <a:t> </a:t>
+            </a:r>
+            <a:r>
+              <a:rPr lang="de-DE" sz="2400" dirty="0" err="1" smtClean="0"/>
+              <a:t>this</a:t>
+            </a:r>
+            <a:r>
+              <a:rPr lang="de-DE" sz="2400" dirty="0" smtClean="0"/>
+              <a:t> </a:t>
+            </a:r>
+            <a:r>
+              <a:rPr lang="de-DE" sz="2400" dirty="0" err="1" smtClean="0"/>
+              <a:t>meta</a:t>
+            </a:r>
+            <a:r>
+              <a:rPr lang="de-DE" sz="2400" dirty="0" smtClean="0"/>
+              <a:t> </a:t>
+            </a:r>
+            <a:r>
+              <a:rPr lang="de-DE" sz="2400" dirty="0" err="1" smtClean="0"/>
+              <a:t>digit</a:t>
+            </a:r>
+            <a:r>
+              <a:rPr lang="de-DE" sz="2400" dirty="0" smtClean="0"/>
+              <a:t> type </a:t>
+            </a:r>
+            <a:r>
+              <a:rPr lang="de-DE" sz="2400" dirty="0" err="1" smtClean="0"/>
+              <a:t>represents</a:t>
+            </a:r>
+            <a:r>
+              <a:rPr lang="de-DE" sz="2400" dirty="0" smtClean="0"/>
+              <a:t> </a:t>
+            </a:r>
+            <a:r>
+              <a:rPr lang="de-DE" sz="2400" dirty="0" err="1" smtClean="0"/>
+              <a:t>the</a:t>
+            </a:r>
+            <a:r>
+              <a:rPr lang="de-DE" sz="2400" dirty="0" smtClean="0"/>
+              <a:t> real </a:t>
+            </a:r>
+            <a:r>
+              <a:rPr lang="de-DE" sz="2400" dirty="0" err="1" smtClean="0"/>
+              <a:t>existing</a:t>
+            </a:r>
+            <a:r>
+              <a:rPr lang="de-DE" sz="2400" dirty="0" smtClean="0"/>
+              <a:t> </a:t>
+            </a:r>
+            <a:r>
+              <a:rPr lang="de-DE" sz="2400" dirty="0" err="1" smtClean="0"/>
+              <a:t>data</a:t>
+            </a:r>
+            <a:r>
+              <a:rPr lang="de-DE" sz="2400" dirty="0" smtClean="0"/>
+              <a:t>-point (</a:t>
+            </a:r>
+            <a:r>
+              <a:rPr lang="de-DE" sz="2400" dirty="0" err="1" smtClean="0"/>
+              <a:t>image</a:t>
+            </a:r>
+            <a:r>
+              <a:rPr lang="de-DE" sz="2400" dirty="0" smtClean="0"/>
+              <a:t>)</a:t>
+            </a:r>
+            <a:endParaRPr lang="de-DE" sz="2400" dirty="0"/>
           </a:p>
           <a:p>
             <a:endParaRPr lang="de-DE" dirty="0"/>
@@ -10234,7 +10813,7 @@
           <p:cNvPr id="9" name="Inhaltsplatzhalter 8">
             <a:extLst>
               <a:ext uri="{FF2B5EF4-FFF2-40B4-BE49-F238E27FC236}">
-                <a16:creationId xmlns:a16="http://schemas.microsoft.com/office/drawing/2014/main" id="{9909C030-22D0-4734-9DCB-167BC6D672DF}"/>
+                <a16:creationId xmlns:a16="http://schemas.microsoft.com/office/drawing/2014/main" xmlns="" id="{9909C030-22D0-4734-9DCB-167BC6D672DF}"/>
               </a:ext>
             </a:extLst>
           </p:cNvPr>
@@ -10276,7 +10855,7 @@
 </p:sld>
 </file>
 
-<file path=ppt/slides/slide12.xml><?xml version="1.0" encoding="utf-8"?>
+<file path=ppt/slides/slide13.xml><?xml version="1.0" encoding="utf-8"?>
 <p:sld xmlns:a="http://schemas.openxmlformats.org/drawingml/2006/main" xmlns:r="http://schemas.openxmlformats.org/officeDocument/2006/relationships" xmlns:p="http://schemas.openxmlformats.org/presentationml/2006/main">
   <p:cSld>
     <p:spTree>
@@ -10298,7 +10877,7 @@
           <p:cNvPr id="5" name="Titel 4">
             <a:extLst>
               <a:ext uri="{FF2B5EF4-FFF2-40B4-BE49-F238E27FC236}">
-                <a16:creationId xmlns:a16="http://schemas.microsoft.com/office/drawing/2014/main" id="{CB372DEC-D0F9-4D40-9149-13D17AAF964B}"/>
+                <a16:creationId xmlns:a16="http://schemas.microsoft.com/office/drawing/2014/main" xmlns="" id="{CB372DEC-D0F9-4D40-9149-13D17AAF964B}"/>
               </a:ext>
             </a:extLst>
           </p:cNvPr>
@@ -10354,7 +10933,7 @@
           <p:cNvPr id="6" name="Untertitel 5">
             <a:extLst>
               <a:ext uri="{FF2B5EF4-FFF2-40B4-BE49-F238E27FC236}">
-                <a16:creationId xmlns:a16="http://schemas.microsoft.com/office/drawing/2014/main" id="{72729885-95AF-4E52-9DF2-73274144A388}"/>
+                <a16:creationId xmlns:a16="http://schemas.microsoft.com/office/drawing/2014/main" xmlns="" id="{72729885-95AF-4E52-9DF2-73274144A388}"/>
               </a:ext>
             </a:extLst>
           </p:cNvPr>
@@ -10387,7 +10966,7 @@
 </p:sld>
 </file>
 
-<file path=ppt/slides/slide13.xml><?xml version="1.0" encoding="utf-8"?>
+<file path=ppt/slides/slide14.xml><?xml version="1.0" encoding="utf-8"?>
 <p:sld xmlns:a="http://schemas.openxmlformats.org/drawingml/2006/main" xmlns:r="http://schemas.openxmlformats.org/officeDocument/2006/relationships" xmlns:p="http://schemas.openxmlformats.org/presentationml/2006/main">
   <p:cSld>
     <p:bg>
@@ -10417,10 +10996,10 @@
           <p:cNvPr id="10" name="Rectangle 9">
             <a:extLst>
               <a:ext uri="{FF2B5EF4-FFF2-40B4-BE49-F238E27FC236}">
-                <a16:creationId xmlns:a16="http://schemas.microsoft.com/office/drawing/2014/main" id="{D829E218-74FB-4455-98BE-F2C5BA8978BE}"/>
+                <a16:creationId xmlns:a16="http://schemas.microsoft.com/office/drawing/2014/main" xmlns="" id="{D829E218-74FB-4455-98BE-F2C5BA8978BE}"/>
               </a:ext>
               <a:ext uri="{C183D7F6-B498-43B3-948B-1728B52AA6E4}">
-                <adec:decorative xmlns:adec="http://schemas.microsoft.com/office/drawing/2017/decorative" val="1"/>
+                <adec:decorative xmlns:adec="http://schemas.microsoft.com/office/drawing/2017/decorative" xmlns="" val="1"/>
               </a:ext>
             </a:extLst>
           </p:cNvPr>
@@ -10430,7 +11009,7 @@
           <p:nvPr>
             <p:extLst>
               <p:ext uri="{386F3935-93C4-4BCD-93E2-E3B085C9AB24}">
-                <p16:designElem xmlns:p16="http://schemas.microsoft.com/office/powerpoint/2015/main" val="1"/>
+                <p16:designElem xmlns:p16="http://schemas.microsoft.com/office/powerpoint/2015/main" xmlns="" val="1"/>
               </p:ext>
             </p:extLst>
           </p:nvPr>
@@ -10472,10 +11051,10 @@
           <p:cNvPr id="12" name="Rectangle 11">
             <a:extLst>
               <a:ext uri="{FF2B5EF4-FFF2-40B4-BE49-F238E27FC236}">
-                <a16:creationId xmlns:a16="http://schemas.microsoft.com/office/drawing/2014/main" id="{7E8D75FD-D4F9-4D11-B70D-82EFCB4CFA5B}"/>
+                <a16:creationId xmlns:a16="http://schemas.microsoft.com/office/drawing/2014/main" xmlns="" id="{7E8D75FD-D4F9-4D11-B70D-82EFCB4CFA5B}"/>
               </a:ext>
               <a:ext uri="{C183D7F6-B498-43B3-948B-1728B52AA6E4}">
-                <adec:decorative xmlns:adec="http://schemas.microsoft.com/office/drawing/2017/decorative" val="1"/>
+                <adec:decorative xmlns:adec="http://schemas.microsoft.com/office/drawing/2017/decorative" xmlns="" val="1"/>
               </a:ext>
             </a:extLst>
           </p:cNvPr>
@@ -10485,7 +11064,7 @@
           <p:nvPr>
             <p:extLst>
               <p:ext uri="{386F3935-93C4-4BCD-93E2-E3B085C9AB24}">
-                <p16:designElem xmlns:p16="http://schemas.microsoft.com/office/powerpoint/2015/main" val="1"/>
+                <p16:designElem xmlns:p16="http://schemas.microsoft.com/office/powerpoint/2015/main" xmlns="" val="1"/>
               </p:ext>
             </p:extLst>
           </p:nvPr>
@@ -10527,10 +11106,10 @@
           <p:cNvPr id="14" name="Straight Connector 13">
             <a:extLst>
               <a:ext uri="{FF2B5EF4-FFF2-40B4-BE49-F238E27FC236}">
-                <a16:creationId xmlns:a16="http://schemas.microsoft.com/office/drawing/2014/main" id="{1F5DC8C3-BA5F-4EED-BB9A-A14272BD82A1}"/>
+                <a16:creationId xmlns:a16="http://schemas.microsoft.com/office/drawing/2014/main" xmlns="" id="{1F5DC8C3-BA5F-4EED-BB9A-A14272BD82A1}"/>
               </a:ext>
               <a:ext uri="{C183D7F6-B498-43B3-948B-1728B52AA6E4}">
-                <adec:decorative xmlns:adec="http://schemas.microsoft.com/office/drawing/2017/decorative" val="1"/>
+                <adec:decorative xmlns:adec="http://schemas.microsoft.com/office/drawing/2017/decorative" xmlns="" val="1"/>
               </a:ext>
             </a:extLst>
           </p:cNvPr>
@@ -10540,7 +11119,7 @@
           <p:nvPr>
             <p:extLst>
               <p:ext uri="{386F3935-93C4-4BCD-93E2-E3B085C9AB24}">
-                <p16:designElem xmlns:p16="http://schemas.microsoft.com/office/powerpoint/2015/main" val="1"/>
+                <p16:designElem xmlns:p16="http://schemas.microsoft.com/office/powerpoint/2015/main" xmlns="" val="1"/>
               </p:ext>
             </p:extLst>
           </p:nvPr>
@@ -10582,10 +11161,10 @@
           <p:cNvPr id="16" name="Rectangle 15">
             <a:extLst>
               <a:ext uri="{FF2B5EF4-FFF2-40B4-BE49-F238E27FC236}">
-                <a16:creationId xmlns:a16="http://schemas.microsoft.com/office/drawing/2014/main" id="{8638A98B-4B4B-4607-B11F-7DCA0D7CCE17}"/>
+                <a16:creationId xmlns:a16="http://schemas.microsoft.com/office/drawing/2014/main" xmlns="" id="{8638A98B-4B4B-4607-B11F-7DCA0D7CCE17}"/>
               </a:ext>
               <a:ext uri="{C183D7F6-B498-43B3-948B-1728B52AA6E4}">
-                <adec:decorative xmlns:adec="http://schemas.microsoft.com/office/drawing/2017/decorative" val="1"/>
+                <adec:decorative xmlns:adec="http://schemas.microsoft.com/office/drawing/2017/decorative" xmlns="" val="1"/>
               </a:ext>
             </a:extLst>
           </p:cNvPr>
@@ -10595,7 +11174,7 @@
           <p:nvPr>
             <p:extLst>
               <p:ext uri="{386F3935-93C4-4BCD-93E2-E3B085C9AB24}">
-                <p16:designElem xmlns:p16="http://schemas.microsoft.com/office/powerpoint/2015/main" val="1"/>
+                <p16:designElem xmlns:p16="http://schemas.microsoft.com/office/powerpoint/2015/main" xmlns="" val="1"/>
               </p:ext>
             </p:extLst>
           </p:nvPr>
@@ -10642,7 +11221,7 @@
           <p:cNvPr id="5" name="Inhaltsplatzhalter 4">
             <a:extLst>
               <a:ext uri="{FF2B5EF4-FFF2-40B4-BE49-F238E27FC236}">
-                <a16:creationId xmlns:a16="http://schemas.microsoft.com/office/drawing/2014/main" id="{0F908B00-977C-447A-87EE-7A00C164B759}"/>
+                <a16:creationId xmlns:a16="http://schemas.microsoft.com/office/drawing/2014/main" xmlns="" id="{0F908B00-977C-447A-87EE-7A00C164B759}"/>
               </a:ext>
             </a:extLst>
           </p:cNvPr>
@@ -10679,10 +11258,10 @@
           <p:cNvPr id="18" name="Rectangle 17">
             <a:extLst>
               <a:ext uri="{FF2B5EF4-FFF2-40B4-BE49-F238E27FC236}">
-                <a16:creationId xmlns:a16="http://schemas.microsoft.com/office/drawing/2014/main" id="{8E3B9B0E-204E-4BFD-B58A-E71D9CDC37F3}"/>
+                <a16:creationId xmlns:a16="http://schemas.microsoft.com/office/drawing/2014/main" xmlns="" id="{8E3B9B0E-204E-4BFD-B58A-E71D9CDC37F3}"/>
               </a:ext>
               <a:ext uri="{C183D7F6-B498-43B3-948B-1728B52AA6E4}">
-                <adec:decorative xmlns:adec="http://schemas.microsoft.com/office/drawing/2017/decorative" val="1"/>
+                <adec:decorative xmlns:adec="http://schemas.microsoft.com/office/drawing/2017/decorative" xmlns="" val="1"/>
               </a:ext>
             </a:extLst>
           </p:cNvPr>
@@ -10692,7 +11271,7 @@
           <p:nvPr>
             <p:extLst>
               <p:ext uri="{386F3935-93C4-4BCD-93E2-E3B085C9AB24}">
-                <p16:designElem xmlns:p16="http://schemas.microsoft.com/office/powerpoint/2015/main" val="1"/>
+                <p16:designElem xmlns:p16="http://schemas.microsoft.com/office/powerpoint/2015/main" xmlns="" val="1"/>
               </p:ext>
             </p:extLst>
           </p:nvPr>
@@ -10734,7 +11313,7 @@
           <p:cNvPr id="2" name="Titel 1">
             <a:extLst>
               <a:ext uri="{FF2B5EF4-FFF2-40B4-BE49-F238E27FC236}">
-                <a16:creationId xmlns:a16="http://schemas.microsoft.com/office/drawing/2014/main" id="{E21935D6-F135-4DD2-A417-738E067D86CB}"/>
+                <a16:creationId xmlns:a16="http://schemas.microsoft.com/office/drawing/2014/main" xmlns="" id="{E21935D6-F135-4DD2-A417-738E067D86CB}"/>
               </a:ext>
             </a:extLst>
           </p:cNvPr>
@@ -10781,10 +11360,10 @@
           <p:cNvPr id="20" name="Rectangle 19">
             <a:extLst>
               <a:ext uri="{FF2B5EF4-FFF2-40B4-BE49-F238E27FC236}">
-                <a16:creationId xmlns:a16="http://schemas.microsoft.com/office/drawing/2014/main" id="{B1121E64-CB88-4BF5-B531-C0316E7F6E30}"/>
+                <a16:creationId xmlns:a16="http://schemas.microsoft.com/office/drawing/2014/main" xmlns="" id="{B1121E64-CB88-4BF5-B531-C0316E7F6E30}"/>
               </a:ext>
               <a:ext uri="{C183D7F6-B498-43B3-948B-1728B52AA6E4}">
-                <adec:decorative xmlns:adec="http://schemas.microsoft.com/office/drawing/2017/decorative" val="1"/>
+                <adec:decorative xmlns:adec="http://schemas.microsoft.com/office/drawing/2017/decorative" xmlns="" val="1"/>
               </a:ext>
             </a:extLst>
           </p:cNvPr>
@@ -10794,7 +11373,7 @@
           <p:nvPr>
             <p:extLst>
               <p:ext uri="{386F3935-93C4-4BCD-93E2-E3B085C9AB24}">
-                <p16:designElem xmlns:p16="http://schemas.microsoft.com/office/powerpoint/2015/main" val="1"/>
+                <p16:designElem xmlns:p16="http://schemas.microsoft.com/office/powerpoint/2015/main" xmlns="" val="1"/>
               </p:ext>
             </p:extLst>
           </p:nvPr>
@@ -10844,7 +11423,7 @@
 </p:sld>
 </file>
 
-<file path=ppt/slides/slide14.xml><?xml version="1.0" encoding="utf-8"?>
+<file path=ppt/slides/slide15.xml><?xml version="1.0" encoding="utf-8"?>
 <p:sld xmlns:a="http://schemas.openxmlformats.org/drawingml/2006/main" xmlns:r="http://schemas.openxmlformats.org/officeDocument/2006/relationships" xmlns:p="http://schemas.openxmlformats.org/presentationml/2006/main">
   <p:cSld>
     <p:bg>
@@ -10874,10 +11453,10 @@
           <p:cNvPr id="13" name="Rectangle 12">
             <a:extLst>
               <a:ext uri="{FF2B5EF4-FFF2-40B4-BE49-F238E27FC236}">
-                <a16:creationId xmlns:a16="http://schemas.microsoft.com/office/drawing/2014/main" id="{0AB6E427-3F73-4C06-A5D5-AE52C3883B50}"/>
+                <a16:creationId xmlns:a16="http://schemas.microsoft.com/office/drawing/2014/main" xmlns="" id="{0AB6E427-3F73-4C06-A5D5-AE52C3883B50}"/>
               </a:ext>
               <a:ext uri="{C183D7F6-B498-43B3-948B-1728B52AA6E4}">
-                <adec:decorative xmlns:adec="http://schemas.microsoft.com/office/drawing/2017/decorative" val="1"/>
+                <adec:decorative xmlns:adec="http://schemas.microsoft.com/office/drawing/2017/decorative" xmlns="" val="1"/>
               </a:ext>
             </a:extLst>
           </p:cNvPr>
@@ -10887,7 +11466,7 @@
           <p:nvPr>
             <p:extLst>
               <p:ext uri="{386F3935-93C4-4BCD-93E2-E3B085C9AB24}">
-                <p16:designElem xmlns:p16="http://schemas.microsoft.com/office/powerpoint/2015/main" val="1"/>
+                <p16:designElem xmlns:p16="http://schemas.microsoft.com/office/powerpoint/2015/main" xmlns="" val="1"/>
               </p:ext>
             </p:extLst>
           </p:nvPr>
@@ -10934,10 +11513,10 @@
           <p:cNvPr id="15" name="Rectangle 14">
             <a:extLst>
               <a:ext uri="{FF2B5EF4-FFF2-40B4-BE49-F238E27FC236}">
-                <a16:creationId xmlns:a16="http://schemas.microsoft.com/office/drawing/2014/main" id="{D8C9BDAA-0390-4B39-9B5C-BC95E5120DA4}"/>
+                <a16:creationId xmlns:a16="http://schemas.microsoft.com/office/drawing/2014/main" xmlns="" id="{D8C9BDAA-0390-4B39-9B5C-BC95E5120DA4}"/>
               </a:ext>
               <a:ext uri="{C183D7F6-B498-43B3-948B-1728B52AA6E4}">
-                <adec:decorative xmlns:adec="http://schemas.microsoft.com/office/drawing/2017/decorative" val="1"/>
+                <adec:decorative xmlns:adec="http://schemas.microsoft.com/office/drawing/2017/decorative" xmlns="" val="1"/>
               </a:ext>
             </a:extLst>
           </p:cNvPr>
@@ -10947,7 +11526,7 @@
           <p:nvPr>
             <p:extLst>
               <p:ext uri="{386F3935-93C4-4BCD-93E2-E3B085C9AB24}">
-                <p16:designElem xmlns:p16="http://schemas.microsoft.com/office/powerpoint/2015/main" val="1"/>
+                <p16:designElem xmlns:p16="http://schemas.microsoft.com/office/powerpoint/2015/main" xmlns="" val="1"/>
               </p:ext>
             </p:extLst>
           </p:nvPr>
@@ -10989,7 +11568,7 @@
           <p:cNvPr id="2" name="Titel 1">
             <a:extLst>
               <a:ext uri="{FF2B5EF4-FFF2-40B4-BE49-F238E27FC236}">
-                <a16:creationId xmlns:a16="http://schemas.microsoft.com/office/drawing/2014/main" id="{D9FC22E7-D4D8-40F3-851D-F5CDDD673BBB}"/>
+                <a16:creationId xmlns:a16="http://schemas.microsoft.com/office/drawing/2014/main" xmlns="" id="{D9FC22E7-D4D8-40F3-851D-F5CDDD673BBB}"/>
               </a:ext>
             </a:extLst>
           </p:cNvPr>
@@ -11065,10 +11644,10 @@
           <p:cNvPr id="17" name="Rectangle 16">
             <a:extLst>
               <a:ext uri="{FF2B5EF4-FFF2-40B4-BE49-F238E27FC236}">
-                <a16:creationId xmlns:a16="http://schemas.microsoft.com/office/drawing/2014/main" id="{F9DB1FE5-9D46-433B-99D1-2F1B8DC79855}"/>
+                <a16:creationId xmlns:a16="http://schemas.microsoft.com/office/drawing/2014/main" xmlns="" id="{F9DB1FE5-9D46-433B-99D1-2F1B8DC79855}"/>
               </a:ext>
               <a:ext uri="{C183D7F6-B498-43B3-948B-1728B52AA6E4}">
-                <adec:decorative xmlns:adec="http://schemas.microsoft.com/office/drawing/2017/decorative" val="1"/>
+                <adec:decorative xmlns:adec="http://schemas.microsoft.com/office/drawing/2017/decorative" xmlns="" val="1"/>
               </a:ext>
             </a:extLst>
           </p:cNvPr>
@@ -11078,7 +11657,7 @@
           <p:nvPr>
             <p:extLst>
               <p:ext uri="{386F3935-93C4-4BCD-93E2-E3B085C9AB24}">
-                <p16:designElem xmlns:p16="http://schemas.microsoft.com/office/powerpoint/2015/main" val="1"/>
+                <p16:designElem xmlns:p16="http://schemas.microsoft.com/office/powerpoint/2015/main" xmlns="" val="1"/>
               </p:ext>
             </p:extLst>
           </p:nvPr>
@@ -11120,7 +11699,7 @@
           <p:cNvPr id="8" name="Inhaltsplatzhalter 4">
             <a:extLst>
               <a:ext uri="{FF2B5EF4-FFF2-40B4-BE49-F238E27FC236}">
-                <a16:creationId xmlns:a16="http://schemas.microsoft.com/office/drawing/2014/main" id="{505EAB39-71B6-4CDF-BAE8-6F62F743A0C5}"/>
+                <a16:creationId xmlns:a16="http://schemas.microsoft.com/office/drawing/2014/main" xmlns="" id="{505EAB39-71B6-4CDF-BAE8-6F62F743A0C5}"/>
               </a:ext>
             </a:extLst>
           </p:cNvPr>
@@ -11156,7 +11735,7 @@
           <p:cNvPr id="9" name="Flussdiagramm: Verbinder 8">
             <a:extLst>
               <a:ext uri="{FF2B5EF4-FFF2-40B4-BE49-F238E27FC236}">
-                <a16:creationId xmlns:a16="http://schemas.microsoft.com/office/drawing/2014/main" id="{01F5D49F-8D20-4DA3-86D3-7FA5F8AD94CD}"/>
+                <a16:creationId xmlns:a16="http://schemas.microsoft.com/office/drawing/2014/main" xmlns="" id="{01F5D49F-8D20-4DA3-86D3-7FA5F8AD94CD}"/>
               </a:ext>
             </a:extLst>
           </p:cNvPr>
@@ -11208,7 +11787,7 @@
           <p:cNvPr id="7" name="Inhaltsplatzhalter 6" descr="Fragen">
             <a:extLst>
               <a:ext uri="{FF2B5EF4-FFF2-40B4-BE49-F238E27FC236}">
-                <a16:creationId xmlns:a16="http://schemas.microsoft.com/office/drawing/2014/main" id="{BB4769F3-A84A-45E1-9A4D-9E984E568AC4}"/>
+                <a16:creationId xmlns:a16="http://schemas.microsoft.com/office/drawing/2014/main" xmlns="" id="{BB4769F3-A84A-45E1-9A4D-9E984E568AC4}"/>
               </a:ext>
             </a:extLst>
           </p:cNvPr>
@@ -11226,7 +11805,7 @@
                 <a14:useLocalDpi xmlns:a14="http://schemas.microsoft.com/office/drawing/2010/main" val="0"/>
               </a:ext>
               <a:ext uri="{96DAC541-7B7A-43D3-8B79-37D633B846F1}">
-                <asvg:svgBlip xmlns:asvg="http://schemas.microsoft.com/office/drawing/2016/SVG/main" r:embed="rId4"/>
+                <asvg:svgBlip xmlns:asvg="http://schemas.microsoft.com/office/drawing/2016/SVG/main" xmlns="" r:embed="rId4"/>
               </a:ext>
             </a:extLst>
           </a:blip>
@@ -11439,7 +12018,7 @@
 </p:sld>
 </file>
 
-<file path=ppt/slides/slide15.xml><?xml version="1.0" encoding="utf-8"?>
+<file path=ppt/slides/slide16.xml><?xml version="1.0" encoding="utf-8"?>
 <p:sld xmlns:a="http://schemas.openxmlformats.org/drawingml/2006/main" xmlns:r="http://schemas.openxmlformats.org/officeDocument/2006/relationships" xmlns:p="http://schemas.openxmlformats.org/presentationml/2006/main">
   <p:cSld>
     <p:spTree>
@@ -11458,10 +12037,170 @@
       </p:grpSpPr>
       <p:sp>
         <p:nvSpPr>
+          <p:cNvPr id="2" name="Заголовок 1"/>
+          <p:cNvSpPr>
+            <a:spLocks noGrp="1"/>
+          </p:cNvSpPr>
+          <p:nvPr>
+            <p:ph type="title"/>
+          </p:nvPr>
+        </p:nvSpPr>
+        <p:spPr/>
+        <p:txBody>
+          <a:bodyPr/>
+          <a:lstStyle/>
+          <a:p>
+            <a:r>
+              <a:rPr lang="en-US" dirty="0" smtClean="0"/>
+              <a:t>Exciting things to be investigated</a:t>
+            </a:r>
+            <a:endParaRPr lang="ru-RU" dirty="0"/>
+          </a:p>
+        </p:txBody>
+      </p:sp>
+      <p:sp>
+        <p:nvSpPr>
+          <p:cNvPr id="5" name="TextBox 4"/>
+          <p:cNvSpPr txBox="1"/>
+          <p:nvPr/>
+        </p:nvSpPr>
+        <p:spPr>
+          <a:xfrm>
+            <a:off x="1091953" y="2041864"/>
+            <a:ext cx="10395752" cy="2585323"/>
+          </a:xfrm>
+          <a:prstGeom prst="rect">
+            <a:avLst/>
+          </a:prstGeom>
+          <a:noFill/>
+        </p:spPr>
+        <p:txBody>
+          <a:bodyPr wrap="square" rtlCol="0">
+            <a:spAutoFit/>
+          </a:bodyPr>
+          <a:lstStyle/>
+          <a:p>
+            <a:pPr marL="285750" indent="-285750">
+              <a:buFont typeface="Arial" panose="020B0604020202020204" pitchFamily="34" charset="0"/>
+              <a:buChar char="•"/>
+            </a:pPr>
+            <a:r>
+              <a:rPr lang="en-US" dirty="0" smtClean="0"/>
+              <a:t>Digits tree and </a:t>
+            </a:r>
+            <a:r>
+              <a:rPr lang="en-US" dirty="0" err="1" smtClean="0"/>
+              <a:t>cumulativity</a:t>
+            </a:r>
+            <a:r>
+              <a:rPr lang="en-US" dirty="0" smtClean="0"/>
+              <a:t> in prediction accuracy for a certain digit or even data-point</a:t>
+            </a:r>
+          </a:p>
+          <a:p>
+            <a:endParaRPr lang="en-US" dirty="0" smtClean="0"/>
+          </a:p>
+          <a:p>
+            <a:pPr marL="285750" indent="-285750">
+              <a:buFont typeface="Arial" panose="020B0604020202020204" pitchFamily="34" charset="0"/>
+              <a:buChar char="•"/>
+            </a:pPr>
+            <a:r>
+              <a:rPr lang="en-US" dirty="0" smtClean="0"/>
+              <a:t>Which digits have higher average noise component (recognized better by  78 than by 784)</a:t>
+            </a:r>
+          </a:p>
+          <a:p>
+            <a:pPr marL="285750" indent="-285750">
+              <a:buFont typeface="Arial" panose="020B0604020202020204" pitchFamily="34" charset="0"/>
+              <a:buChar char="•"/>
+            </a:pPr>
+            <a:endParaRPr lang="en-US" dirty="0">
+              <a:solidFill>
+                <a:srgbClr val="FF0000"/>
+              </a:solidFill>
+            </a:endParaRPr>
+          </a:p>
+          <a:p>
+            <a:pPr marL="285750" indent="-285750">
+              <a:buFont typeface="Arial" panose="020B0604020202020204" pitchFamily="34" charset="0"/>
+              <a:buChar char="•"/>
+            </a:pPr>
+            <a:r>
+              <a:rPr lang="en-US" dirty="0" smtClean="0">
+                <a:solidFill>
+                  <a:srgbClr val="FF0000"/>
+                </a:solidFill>
+              </a:rPr>
+              <a:t>??????????????????????????????</a:t>
+            </a:r>
+          </a:p>
+          <a:p>
+            <a:pPr marL="285750" indent="-285750">
+              <a:buFont typeface="Arial" panose="020B0604020202020204" pitchFamily="34" charset="0"/>
+              <a:buChar char="•"/>
+            </a:pPr>
+            <a:endParaRPr lang="en-US" dirty="0"/>
+          </a:p>
+          <a:p>
+            <a:pPr marL="285750" indent="-285750">
+              <a:buFont typeface="Arial" panose="020B0604020202020204" pitchFamily="34" charset="0"/>
+              <a:buChar char="•"/>
+            </a:pPr>
+            <a:endParaRPr lang="en-US" dirty="0" smtClean="0"/>
+          </a:p>
+          <a:p>
+            <a:pPr marL="285750" indent="-285750">
+              <a:buFont typeface="Arial" panose="020B0604020202020204" pitchFamily="34" charset="0"/>
+              <a:buChar char="•"/>
+            </a:pPr>
+            <a:endParaRPr lang="en-US" dirty="0"/>
+          </a:p>
+          <a:p>
+            <a:pPr marL="285750" indent="-285750">
+              <a:buFont typeface="Arial" panose="020B0604020202020204" pitchFamily="34" charset="0"/>
+              <a:buChar char="•"/>
+            </a:pPr>
+            <a:endParaRPr lang="ru-RU" dirty="0"/>
+          </a:p>
+        </p:txBody>
+      </p:sp>
+    </p:spTree>
+    <p:extLst>
+      <p:ext uri="{BB962C8B-B14F-4D97-AF65-F5344CB8AC3E}">
+        <p14:creationId xmlns:p14="http://schemas.microsoft.com/office/powerpoint/2010/main" val="2509494485"/>
+      </p:ext>
+    </p:extLst>
+  </p:cSld>
+  <p:clrMapOvr>
+    <a:masterClrMapping/>
+  </p:clrMapOvr>
+</p:sld>
+</file>
+
+<file path=ppt/slides/slide17.xml><?xml version="1.0" encoding="utf-8"?>
+<p:sld xmlns:a="http://schemas.openxmlformats.org/drawingml/2006/main" xmlns:r="http://schemas.openxmlformats.org/officeDocument/2006/relationships" xmlns:p="http://schemas.openxmlformats.org/presentationml/2006/main">
+  <p:cSld>
+    <p:spTree>
+      <p:nvGrpSpPr>
+        <p:cNvPr id="1" name=""/>
+        <p:cNvGrpSpPr/>
+        <p:nvPr/>
+      </p:nvGrpSpPr>
+      <p:grpSpPr>
+        <a:xfrm>
+          <a:off x="0" y="0"/>
+          <a:ext cx="0" cy="0"/>
+          <a:chOff x="0" y="0"/>
+          <a:chExt cx="0" cy="0"/>
+        </a:xfrm>
+      </p:grpSpPr>
+      <p:sp>
+        <p:nvSpPr>
           <p:cNvPr id="4" name="Titel 3">
             <a:extLst>
               <a:ext uri="{FF2B5EF4-FFF2-40B4-BE49-F238E27FC236}">
-                <a16:creationId xmlns:a16="http://schemas.microsoft.com/office/drawing/2014/main" id="{80A7F226-CA13-4B8D-B6F9-57842DF36DC8}"/>
+                <a16:creationId xmlns:a16="http://schemas.microsoft.com/office/drawing/2014/main" xmlns="" id="{80A7F226-CA13-4B8D-B6F9-57842DF36DC8}"/>
               </a:ext>
             </a:extLst>
           </p:cNvPr>
@@ -11489,7 +12228,7 @@
           <p:cNvPr id="5" name="Untertitel 4">
             <a:extLst>
               <a:ext uri="{FF2B5EF4-FFF2-40B4-BE49-F238E27FC236}">
-                <a16:creationId xmlns:a16="http://schemas.microsoft.com/office/drawing/2014/main" id="{293A100A-CA18-49A1-8835-38E443666125}"/>
+                <a16:creationId xmlns:a16="http://schemas.microsoft.com/office/drawing/2014/main" xmlns="" id="{293A100A-CA18-49A1-8835-38E443666125}"/>
               </a:ext>
             </a:extLst>
           </p:cNvPr>
@@ -11544,7 +12283,7 @@
           <p:cNvPr id="2" name="Titel 1">
             <a:extLst>
               <a:ext uri="{FF2B5EF4-FFF2-40B4-BE49-F238E27FC236}">
-                <a16:creationId xmlns:a16="http://schemas.microsoft.com/office/drawing/2014/main" id="{5CD34B0C-C4AB-4E9E-933D-FCEFA5F7386A}"/>
+                <a16:creationId xmlns:a16="http://schemas.microsoft.com/office/drawing/2014/main" xmlns="" id="{5CD34B0C-C4AB-4E9E-933D-FCEFA5F7386A}"/>
               </a:ext>
             </a:extLst>
           </p:cNvPr>
@@ -12011,7 +12750,7 @@
           <p:cNvPr id="2" name="Titel 1">
             <a:extLst>
               <a:ext uri="{FF2B5EF4-FFF2-40B4-BE49-F238E27FC236}">
-                <a16:creationId xmlns:a16="http://schemas.microsoft.com/office/drawing/2014/main" id="{DE62BF7E-ADBC-4B3B-8BAB-95D01E311AED}"/>
+                <a16:creationId xmlns:a16="http://schemas.microsoft.com/office/drawing/2014/main" xmlns="" id="{DE62BF7E-ADBC-4B3B-8BAB-95D01E311AED}"/>
               </a:ext>
             </a:extLst>
           </p:cNvPr>
@@ -12055,7 +12794,7 @@
           <p:cNvPr id="8" name="Gerade Verbindung mit Pfeil 7">
             <a:extLst>
               <a:ext uri="{FF2B5EF4-FFF2-40B4-BE49-F238E27FC236}">
-                <a16:creationId xmlns:a16="http://schemas.microsoft.com/office/drawing/2014/main" id="{A79B7D31-8930-4A5A-AA1C-06892CC18291}"/>
+                <a16:creationId xmlns:a16="http://schemas.microsoft.com/office/drawing/2014/main" xmlns="" id="{A79B7D31-8930-4A5A-AA1C-06892CC18291}"/>
               </a:ext>
             </a:extLst>
           </p:cNvPr>
@@ -12096,7 +12835,7 @@
           <p:cNvPr id="11" name="Gerade Verbindung mit Pfeil 10">
             <a:extLst>
               <a:ext uri="{FF2B5EF4-FFF2-40B4-BE49-F238E27FC236}">
-                <a16:creationId xmlns:a16="http://schemas.microsoft.com/office/drawing/2014/main" id="{193B10F6-7A53-474E-BC21-C9DDCDE704C0}"/>
+                <a16:creationId xmlns:a16="http://schemas.microsoft.com/office/drawing/2014/main" xmlns="" id="{193B10F6-7A53-474E-BC21-C9DDCDE704C0}"/>
               </a:ext>
             </a:extLst>
           </p:cNvPr>
@@ -12137,7 +12876,7 @@
           <p:cNvPr id="13" name="Ellipse 12">
             <a:extLst>
               <a:ext uri="{FF2B5EF4-FFF2-40B4-BE49-F238E27FC236}">
-                <a16:creationId xmlns:a16="http://schemas.microsoft.com/office/drawing/2014/main" id="{7469256C-C83A-4F95-96CA-1818F8942C6D}"/>
+                <a16:creationId xmlns:a16="http://schemas.microsoft.com/office/drawing/2014/main" xmlns="" id="{7469256C-C83A-4F95-96CA-1818F8942C6D}"/>
               </a:ext>
             </a:extLst>
           </p:cNvPr>
@@ -12183,7 +12922,7 @@
           <p:cNvPr id="14" name="Ellipse 13">
             <a:extLst>
               <a:ext uri="{FF2B5EF4-FFF2-40B4-BE49-F238E27FC236}">
-                <a16:creationId xmlns:a16="http://schemas.microsoft.com/office/drawing/2014/main" id="{FC6EE53D-2964-4925-B51C-31D899033BB5}"/>
+                <a16:creationId xmlns:a16="http://schemas.microsoft.com/office/drawing/2014/main" xmlns="" id="{FC6EE53D-2964-4925-B51C-31D899033BB5}"/>
               </a:ext>
             </a:extLst>
           </p:cNvPr>
@@ -12229,7 +12968,7 @@
           <p:cNvPr id="15" name="Ellipse 14">
             <a:extLst>
               <a:ext uri="{FF2B5EF4-FFF2-40B4-BE49-F238E27FC236}">
-                <a16:creationId xmlns:a16="http://schemas.microsoft.com/office/drawing/2014/main" id="{58ADDE1C-EA42-455F-8EA6-B8E3BAE0272F}"/>
+                <a16:creationId xmlns:a16="http://schemas.microsoft.com/office/drawing/2014/main" xmlns="" id="{58ADDE1C-EA42-455F-8EA6-B8E3BAE0272F}"/>
               </a:ext>
             </a:extLst>
           </p:cNvPr>
@@ -12275,7 +13014,7 @@
           <p:cNvPr id="16" name="Ellipse 15">
             <a:extLst>
               <a:ext uri="{FF2B5EF4-FFF2-40B4-BE49-F238E27FC236}">
-                <a16:creationId xmlns:a16="http://schemas.microsoft.com/office/drawing/2014/main" id="{896F73C8-8F04-4CC6-97C4-1DD7B5E41760}"/>
+                <a16:creationId xmlns:a16="http://schemas.microsoft.com/office/drawing/2014/main" xmlns="" id="{896F73C8-8F04-4CC6-97C4-1DD7B5E41760}"/>
               </a:ext>
             </a:extLst>
           </p:cNvPr>
@@ -12321,7 +13060,7 @@
           <p:cNvPr id="17" name="Ellipse 16">
             <a:extLst>
               <a:ext uri="{FF2B5EF4-FFF2-40B4-BE49-F238E27FC236}">
-                <a16:creationId xmlns:a16="http://schemas.microsoft.com/office/drawing/2014/main" id="{E834ED1C-E0F9-4D80-BC22-E8D5FF875936}"/>
+                <a16:creationId xmlns:a16="http://schemas.microsoft.com/office/drawing/2014/main" xmlns="" id="{E834ED1C-E0F9-4D80-BC22-E8D5FF875936}"/>
               </a:ext>
             </a:extLst>
           </p:cNvPr>
@@ -12375,7 +13114,7 @@
           <p:cNvPr id="18" name="Ellipse 17">
             <a:extLst>
               <a:ext uri="{FF2B5EF4-FFF2-40B4-BE49-F238E27FC236}">
-                <a16:creationId xmlns:a16="http://schemas.microsoft.com/office/drawing/2014/main" id="{D9C9DB88-0D38-44B0-8D62-510C1934DB2C}"/>
+                <a16:creationId xmlns:a16="http://schemas.microsoft.com/office/drawing/2014/main" xmlns="" id="{D9C9DB88-0D38-44B0-8D62-510C1934DB2C}"/>
               </a:ext>
             </a:extLst>
           </p:cNvPr>
@@ -12429,7 +13168,7 @@
           <p:cNvPr id="19" name="Ellipse 18">
             <a:extLst>
               <a:ext uri="{FF2B5EF4-FFF2-40B4-BE49-F238E27FC236}">
-                <a16:creationId xmlns:a16="http://schemas.microsoft.com/office/drawing/2014/main" id="{AF5D232C-9B44-46DD-9434-43BE9D322187}"/>
+                <a16:creationId xmlns:a16="http://schemas.microsoft.com/office/drawing/2014/main" xmlns="" id="{AF5D232C-9B44-46DD-9434-43BE9D322187}"/>
               </a:ext>
             </a:extLst>
           </p:cNvPr>
@@ -12483,7 +13222,7 @@
           <p:cNvPr id="20" name="Ellipse 19">
             <a:extLst>
               <a:ext uri="{FF2B5EF4-FFF2-40B4-BE49-F238E27FC236}">
-                <a16:creationId xmlns:a16="http://schemas.microsoft.com/office/drawing/2014/main" id="{7DBB5383-166E-4F55-B5DA-3A43707886C8}"/>
+                <a16:creationId xmlns:a16="http://schemas.microsoft.com/office/drawing/2014/main" xmlns="" id="{7DBB5383-166E-4F55-B5DA-3A43707886C8}"/>
               </a:ext>
             </a:extLst>
           </p:cNvPr>
@@ -12537,7 +13276,7 @@
           <p:cNvPr id="21" name="Rechteck 20">
             <a:extLst>
               <a:ext uri="{FF2B5EF4-FFF2-40B4-BE49-F238E27FC236}">
-                <a16:creationId xmlns:a16="http://schemas.microsoft.com/office/drawing/2014/main" id="{557170D4-743C-4500-AC84-115677CC29C7}"/>
+                <a16:creationId xmlns:a16="http://schemas.microsoft.com/office/drawing/2014/main" xmlns="" id="{557170D4-743C-4500-AC84-115677CC29C7}"/>
               </a:ext>
             </a:extLst>
           </p:cNvPr>
@@ -12584,7 +13323,7 @@
           <p:cNvPr id="22" name="Rechteck 21">
             <a:extLst>
               <a:ext uri="{FF2B5EF4-FFF2-40B4-BE49-F238E27FC236}">
-                <a16:creationId xmlns:a16="http://schemas.microsoft.com/office/drawing/2014/main" id="{CB6D8A3C-1082-4255-9556-0AE3CBADAAC2}"/>
+                <a16:creationId xmlns:a16="http://schemas.microsoft.com/office/drawing/2014/main" xmlns="" id="{CB6D8A3C-1082-4255-9556-0AE3CBADAAC2}"/>
               </a:ext>
             </a:extLst>
           </p:cNvPr>
@@ -12636,7 +13375,7 @@
           <p:cNvPr id="23" name="Stern: 5 Zacken 22">
             <a:extLst>
               <a:ext uri="{FF2B5EF4-FFF2-40B4-BE49-F238E27FC236}">
-                <a16:creationId xmlns:a16="http://schemas.microsoft.com/office/drawing/2014/main" id="{30ACAD23-06F1-4109-8CB7-3983EAC26B6E}"/>
+                <a16:creationId xmlns:a16="http://schemas.microsoft.com/office/drawing/2014/main" xmlns="" id="{30ACAD23-06F1-4109-8CB7-3983EAC26B6E}"/>
               </a:ext>
             </a:extLst>
           </p:cNvPr>
@@ -12690,7 +13429,7 @@
           <p:cNvPr id="24" name="Ellipse 23">
             <a:extLst>
               <a:ext uri="{FF2B5EF4-FFF2-40B4-BE49-F238E27FC236}">
-                <a16:creationId xmlns:a16="http://schemas.microsoft.com/office/drawing/2014/main" id="{1E130FB0-31E0-48E1-BBE6-B0DDCA3F1952}"/>
+                <a16:creationId xmlns:a16="http://schemas.microsoft.com/office/drawing/2014/main" xmlns="" id="{1E130FB0-31E0-48E1-BBE6-B0DDCA3F1952}"/>
               </a:ext>
             </a:extLst>
           </p:cNvPr>
@@ -12742,7 +13481,7 @@
           <p:cNvPr id="25" name="Ellipse 24">
             <a:extLst>
               <a:ext uri="{FF2B5EF4-FFF2-40B4-BE49-F238E27FC236}">
-                <a16:creationId xmlns:a16="http://schemas.microsoft.com/office/drawing/2014/main" id="{909F81B8-BBC3-41DE-BFEA-18D8DE20A4A0}"/>
+                <a16:creationId xmlns:a16="http://schemas.microsoft.com/office/drawing/2014/main" xmlns="" id="{909F81B8-BBC3-41DE-BFEA-18D8DE20A4A0}"/>
               </a:ext>
             </a:extLst>
           </p:cNvPr>
@@ -12794,7 +13533,7 @@
           <p:cNvPr id="26" name="Textfeld 25">
             <a:extLst>
               <a:ext uri="{FF2B5EF4-FFF2-40B4-BE49-F238E27FC236}">
-                <a16:creationId xmlns:a16="http://schemas.microsoft.com/office/drawing/2014/main" id="{E1A66F3B-E0D0-47BD-BF9A-2E68700102D7}"/>
+                <a16:creationId xmlns:a16="http://schemas.microsoft.com/office/drawing/2014/main" xmlns="" id="{E1A66F3B-E0D0-47BD-BF9A-2E68700102D7}"/>
               </a:ext>
             </a:extLst>
           </p:cNvPr>
@@ -13485,10 +14224,10 @@
           <p:cNvPr id="12" name="Rectangle 11">
             <a:extLst>
               <a:ext uri="{FF2B5EF4-FFF2-40B4-BE49-F238E27FC236}">
-                <a16:creationId xmlns:a16="http://schemas.microsoft.com/office/drawing/2014/main" id="{B44C3061-D558-447B-A988-09ECE14461D7}"/>
+                <a16:creationId xmlns:a16="http://schemas.microsoft.com/office/drawing/2014/main" xmlns="" id="{B44C3061-D558-447B-A988-09ECE14461D7}"/>
               </a:ext>
               <a:ext uri="{C183D7F6-B498-43B3-948B-1728B52AA6E4}">
-                <adec:decorative xmlns:adec="http://schemas.microsoft.com/office/drawing/2017/decorative" val="1"/>
+                <adec:decorative xmlns:adec="http://schemas.microsoft.com/office/drawing/2017/decorative" xmlns="" val="1"/>
               </a:ext>
             </a:extLst>
           </p:cNvPr>
@@ -13498,7 +14237,7 @@
           <p:nvPr>
             <p:extLst>
               <p:ext uri="{386F3935-93C4-4BCD-93E2-E3B085C9AB24}">
-                <p16:designElem xmlns:p16="http://schemas.microsoft.com/office/powerpoint/2015/main" val="1"/>
+                <p16:designElem xmlns:p16="http://schemas.microsoft.com/office/powerpoint/2015/main" xmlns="" val="1"/>
               </p:ext>
             </p:extLst>
           </p:nvPr>
@@ -13545,10 +14284,10 @@
           <p:cNvPr id="14" name="Rectangle 13">
             <a:extLst>
               <a:ext uri="{FF2B5EF4-FFF2-40B4-BE49-F238E27FC236}">
-                <a16:creationId xmlns:a16="http://schemas.microsoft.com/office/drawing/2014/main" id="{59339771-9C8F-497E-8974-E09A86FEEB23}"/>
+                <a16:creationId xmlns:a16="http://schemas.microsoft.com/office/drawing/2014/main" xmlns="" id="{59339771-9C8F-497E-8974-E09A86FEEB23}"/>
               </a:ext>
               <a:ext uri="{C183D7F6-B498-43B3-948B-1728B52AA6E4}">
-                <adec:decorative xmlns:adec="http://schemas.microsoft.com/office/drawing/2017/decorative" val="1"/>
+                <adec:decorative xmlns:adec="http://schemas.microsoft.com/office/drawing/2017/decorative" xmlns="" val="1"/>
               </a:ext>
             </a:extLst>
           </p:cNvPr>
@@ -13558,7 +14297,7 @@
           <p:nvPr>
             <p:extLst>
               <p:ext uri="{386F3935-93C4-4BCD-93E2-E3B085C9AB24}">
-                <p16:designElem xmlns:p16="http://schemas.microsoft.com/office/powerpoint/2015/main" val="1"/>
+                <p16:designElem xmlns:p16="http://schemas.microsoft.com/office/powerpoint/2015/main" xmlns="" val="1"/>
               </p:ext>
             </p:extLst>
           </p:nvPr>
@@ -13600,7 +14339,7 @@
           <p:cNvPr id="2" name="Titel 1">
             <a:extLst>
               <a:ext uri="{FF2B5EF4-FFF2-40B4-BE49-F238E27FC236}">
-                <a16:creationId xmlns:a16="http://schemas.microsoft.com/office/drawing/2014/main" id="{024FB30C-45D5-4A6E-861B-AC316BA5D430}"/>
+                <a16:creationId xmlns:a16="http://schemas.microsoft.com/office/drawing/2014/main" xmlns="" id="{024FB30C-45D5-4A6E-861B-AC316BA5D430}"/>
               </a:ext>
             </a:extLst>
           </p:cNvPr>
@@ -13668,7 +14407,7 @@
           <p:cNvPr id="9" name="Content Placeholder 8">
             <a:extLst>
               <a:ext uri="{FF2B5EF4-FFF2-40B4-BE49-F238E27FC236}">
-                <a16:creationId xmlns:a16="http://schemas.microsoft.com/office/drawing/2014/main" id="{1C0D0782-8490-4FB9-A235-992C1F1F1C25}"/>
+                <a16:creationId xmlns:a16="http://schemas.microsoft.com/office/drawing/2014/main" xmlns="" id="{1C0D0782-8490-4FB9-A235-992C1F1F1C25}"/>
               </a:ext>
             </a:extLst>
           </p:cNvPr>
@@ -13769,10 +14508,10 @@
           <p:cNvPr id="16" name="Rectangle 15">
             <a:extLst>
               <a:ext uri="{FF2B5EF4-FFF2-40B4-BE49-F238E27FC236}">
-                <a16:creationId xmlns:a16="http://schemas.microsoft.com/office/drawing/2014/main" id="{BDB54B0B-6CFB-4B92-A5DC-5DCD05BE5B4D}"/>
+                <a16:creationId xmlns:a16="http://schemas.microsoft.com/office/drawing/2014/main" xmlns="" id="{BDB54B0B-6CFB-4B92-A5DC-5DCD05BE5B4D}"/>
               </a:ext>
               <a:ext uri="{C183D7F6-B498-43B3-948B-1728B52AA6E4}">
-                <adec:decorative xmlns:adec="http://schemas.microsoft.com/office/drawing/2017/decorative" val="1"/>
+                <adec:decorative xmlns:adec="http://schemas.microsoft.com/office/drawing/2017/decorative" xmlns="" val="1"/>
               </a:ext>
             </a:extLst>
           </p:cNvPr>
@@ -13782,7 +14521,7 @@
           <p:nvPr>
             <p:extLst>
               <p:ext uri="{386F3935-93C4-4BCD-93E2-E3B085C9AB24}">
-                <p16:designElem xmlns:p16="http://schemas.microsoft.com/office/powerpoint/2015/main" val="1"/>
+                <p16:designElem xmlns:p16="http://schemas.microsoft.com/office/powerpoint/2015/main" xmlns="" val="1"/>
               </p:ext>
             </p:extLst>
           </p:nvPr>
@@ -13824,7 +14563,7 @@
           <p:cNvPr id="7" name="Inhaltsplatzhalter 3">
             <a:extLst>
               <a:ext uri="{FF2B5EF4-FFF2-40B4-BE49-F238E27FC236}">
-                <a16:creationId xmlns:a16="http://schemas.microsoft.com/office/drawing/2014/main" id="{98A9C15B-CCC4-4E5C-B799-5CC331BD3332}"/>
+                <a16:creationId xmlns:a16="http://schemas.microsoft.com/office/drawing/2014/main" xmlns="" id="{98A9C15B-CCC4-4E5C-B799-5CC331BD3332}"/>
               </a:ext>
             </a:extLst>
           </p:cNvPr>
@@ -13883,7 +14622,7 @@
           <p:cNvPr id="2" name="Titel 1">
             <a:extLst>
               <a:ext uri="{FF2B5EF4-FFF2-40B4-BE49-F238E27FC236}">
-                <a16:creationId xmlns:a16="http://schemas.microsoft.com/office/drawing/2014/main" id="{2D19F794-8599-4A1D-A689-743EBDA80DB4}"/>
+                <a16:creationId xmlns:a16="http://schemas.microsoft.com/office/drawing/2014/main" xmlns="" id="{2D19F794-8599-4A1D-A689-743EBDA80DB4}"/>
               </a:ext>
             </a:extLst>
           </p:cNvPr>
@@ -13928,7 +14667,7 @@
           <p:cNvPr id="4" name="Textfeld 3">
             <a:extLst>
               <a:ext uri="{FF2B5EF4-FFF2-40B4-BE49-F238E27FC236}">
-                <a16:creationId xmlns:a16="http://schemas.microsoft.com/office/drawing/2014/main" id="{5E36B305-D4C6-4B27-9782-732C3867DEA7}"/>
+                <a16:creationId xmlns:a16="http://schemas.microsoft.com/office/drawing/2014/main" xmlns="" id="{5E36B305-D4C6-4B27-9782-732C3867DEA7}"/>
               </a:ext>
             </a:extLst>
           </p:cNvPr>
@@ -14544,7 +15283,7 @@
           <p:cNvPr id="2" name="Titel 1">
             <a:extLst>
               <a:ext uri="{FF2B5EF4-FFF2-40B4-BE49-F238E27FC236}">
-                <a16:creationId xmlns:a16="http://schemas.microsoft.com/office/drawing/2014/main" id="{F6CDE045-1C18-44A9-946E-E74089FBB179}"/>
+                <a16:creationId xmlns:a16="http://schemas.microsoft.com/office/drawing/2014/main" xmlns="" id="{F6CDE045-1C18-44A9-946E-E74089FBB179}"/>
               </a:ext>
             </a:extLst>
           </p:cNvPr>
@@ -14586,7 +15325,7 @@
           <p:cNvPr id="5" name="Inhaltsplatzhalter 4">
             <a:extLst>
               <a:ext uri="{FF2B5EF4-FFF2-40B4-BE49-F238E27FC236}">
-                <a16:creationId xmlns:a16="http://schemas.microsoft.com/office/drawing/2014/main" id="{C2F4A0CB-AF1A-4BE8-829B-9C5B7E49D064}"/>
+                <a16:creationId xmlns:a16="http://schemas.microsoft.com/office/drawing/2014/main" xmlns="" id="{C2F4A0CB-AF1A-4BE8-829B-9C5B7E49D064}"/>
               </a:ext>
             </a:extLst>
           </p:cNvPr>
@@ -14651,7 +15390,7 @@
           <p:cNvPr id="3" name="Inhaltsplatzhalter 2">
             <a:extLst>
               <a:ext uri="{FF2B5EF4-FFF2-40B4-BE49-F238E27FC236}">
-                <a16:creationId xmlns:a16="http://schemas.microsoft.com/office/drawing/2014/main" id="{56D22BFB-FDAA-4D7E-88D9-C29E57B7C51D}"/>
+                <a16:creationId xmlns:a16="http://schemas.microsoft.com/office/drawing/2014/main" xmlns="" id="{56D22BFB-FDAA-4D7E-88D9-C29E57B7C51D}"/>
               </a:ext>
             </a:extLst>
           </p:cNvPr>
@@ -14690,7 +15429,7 @@
           <p:cNvPr id="4" name="Inhaltsplatzhalter 3">
             <a:extLst>
               <a:ext uri="{FF2B5EF4-FFF2-40B4-BE49-F238E27FC236}">
-                <a16:creationId xmlns:a16="http://schemas.microsoft.com/office/drawing/2014/main" id="{370A4785-6A67-4835-A53B-8D4F4DA15C1E}"/>
+                <a16:creationId xmlns:a16="http://schemas.microsoft.com/office/drawing/2014/main" xmlns="" id="{370A4785-6A67-4835-A53B-8D4F4DA15C1E}"/>
               </a:ext>
             </a:extLst>
           </p:cNvPr>
@@ -14720,7 +15459,7 @@
           <p:cNvPr id="5" name="Grafik 7">
             <a:extLst>
               <a:ext uri="{FF2B5EF4-FFF2-40B4-BE49-F238E27FC236}">
-                <a16:creationId xmlns:a16="http://schemas.microsoft.com/office/drawing/2014/main" id="{5252049F-1455-46B7-9B58-C400DA353D3F}"/>
+                <a16:creationId xmlns:a16="http://schemas.microsoft.com/office/drawing/2014/main" xmlns="" id="{5252049F-1455-46B7-9B58-C400DA353D3F}"/>
               </a:ext>
             </a:extLst>
           </p:cNvPr>
@@ -14750,7 +15489,7 @@
           <p:cNvPr id="6" name="Textfeld 9">
             <a:extLst>
               <a:ext uri="{FF2B5EF4-FFF2-40B4-BE49-F238E27FC236}">
-                <a16:creationId xmlns:a16="http://schemas.microsoft.com/office/drawing/2014/main" id="{DEDCDEB8-1162-4AAC-93D8-F1A1F6FB9B4B}"/>
+                <a16:creationId xmlns:a16="http://schemas.microsoft.com/office/drawing/2014/main" xmlns="" id="{DEDCDEB8-1162-4AAC-93D8-F1A1F6FB9B4B}"/>
               </a:ext>
             </a:extLst>
           </p:cNvPr>
@@ -14964,7 +15703,7 @@
           <p:cNvPr id="7" name="Titel 1">
             <a:extLst>
               <a:ext uri="{FF2B5EF4-FFF2-40B4-BE49-F238E27FC236}">
-                <a16:creationId xmlns:a16="http://schemas.microsoft.com/office/drawing/2014/main" id="{3D022FA1-1227-4EA1-8EB1-679CE9C5CFCD}"/>
+                <a16:creationId xmlns:a16="http://schemas.microsoft.com/office/drawing/2014/main" xmlns="" id="{3D022FA1-1227-4EA1-8EB1-679CE9C5CFCD}"/>
               </a:ext>
             </a:extLst>
           </p:cNvPr>
@@ -15123,257 +15862,10 @@
           <a:chExt cx="0" cy="0"/>
         </a:xfrm>
       </p:grpSpPr>
-      <p:sp>
-        <p:nvSpPr>
-          <p:cNvPr id="2" name="Titel 1">
-            <a:extLst>
-              <a:ext uri="{FF2B5EF4-FFF2-40B4-BE49-F238E27FC236}">
-                <a16:creationId xmlns:a16="http://schemas.microsoft.com/office/drawing/2014/main" id="{3D022FA1-1227-4EA1-8EB1-679CE9C5CFCD}"/>
-              </a:ext>
-            </a:extLst>
-          </p:cNvPr>
-          <p:cNvSpPr>
-            <a:spLocks noGrp="1"/>
-          </p:cNvSpPr>
-          <p:nvPr>
-            <p:ph type="title"/>
-          </p:nvPr>
-        </p:nvSpPr>
-        <p:spPr/>
-        <p:txBody>
-          <a:bodyPr/>
-          <a:lstStyle/>
-          <a:p>
-            <a:r>
-              <a:rPr lang="de-DE" dirty="0" err="1"/>
-              <a:t>Finding</a:t>
-            </a:r>
-            <a:r>
-              <a:rPr lang="de-DE" dirty="0"/>
-              <a:t> </a:t>
-            </a:r>
-            <a:r>
-              <a:rPr lang="de-DE" dirty="0" err="1"/>
-              <a:t>meta</a:t>
-            </a:r>
-            <a:r>
-              <a:rPr lang="de-DE" dirty="0"/>
-              <a:t> </a:t>
-            </a:r>
-            <a:r>
-              <a:rPr lang="de-DE" dirty="0" err="1"/>
-              <a:t>digits</a:t>
-            </a:r>
-            <a:endParaRPr lang="de-DE" dirty="0"/>
-          </a:p>
-        </p:txBody>
-      </p:sp>
-      <p:sp>
-        <p:nvSpPr>
-          <p:cNvPr id="3" name="Inhaltsplatzhalter 2">
-            <a:extLst>
-              <a:ext uri="{FF2B5EF4-FFF2-40B4-BE49-F238E27FC236}">
-                <a16:creationId xmlns:a16="http://schemas.microsoft.com/office/drawing/2014/main" id="{56D22BFB-FDAA-4D7E-88D9-C29E57B7C51D}"/>
-              </a:ext>
-            </a:extLst>
-          </p:cNvPr>
-          <p:cNvSpPr>
-            <a:spLocks noGrp="1"/>
-          </p:cNvSpPr>
-          <p:nvPr>
-            <p:ph idx="1"/>
-          </p:nvPr>
-        </p:nvSpPr>
-        <p:spPr/>
-        <p:txBody>
-          <a:bodyPr/>
-          <a:lstStyle/>
-          <a:p>
-            <a:pPr marL="0" indent="0">
-              <a:buNone/>
-            </a:pPr>
-            <a:r>
-              <a:rPr lang="de-DE" dirty="0"/>
-              <a:t> </a:t>
-            </a:r>
-            <a:r>
-              <a:rPr lang="de-DE" dirty="0" err="1"/>
-              <a:t>Objective</a:t>
-            </a:r>
-            <a:r>
-              <a:rPr lang="de-DE" dirty="0"/>
-              <a:t>: Find </a:t>
-            </a:r>
-            <a:r>
-              <a:rPr lang="de-DE" dirty="0" err="1"/>
-              <a:t>best</a:t>
-            </a:r>
-            <a:r>
-              <a:rPr lang="de-DE" dirty="0"/>
-              <a:t> </a:t>
-            </a:r>
-            <a:r>
-              <a:rPr lang="de-DE" dirty="0" err="1"/>
-              <a:t>recognizable</a:t>
-            </a:r>
-            <a:r>
-              <a:rPr lang="de-DE" dirty="0"/>
-              <a:t> </a:t>
-            </a:r>
-            <a:r>
-              <a:rPr lang="de-DE" dirty="0" err="1"/>
-              <a:t>image</a:t>
-            </a:r>
-            <a:r>
-              <a:rPr lang="de-DE" dirty="0"/>
-              <a:t> </a:t>
-            </a:r>
-            <a:r>
-              <a:rPr lang="de-DE" dirty="0" err="1"/>
-              <a:t>for</a:t>
-            </a:r>
-            <a:r>
-              <a:rPr lang="de-DE" dirty="0"/>
-              <a:t> </a:t>
-            </a:r>
-            <a:r>
-              <a:rPr lang="de-DE" dirty="0" err="1"/>
-              <a:t>each</a:t>
-            </a:r>
-            <a:r>
-              <a:rPr lang="de-DE" dirty="0"/>
-              <a:t> </a:t>
-            </a:r>
-            <a:r>
-              <a:rPr lang="de-DE" dirty="0" err="1"/>
-              <a:t>digit</a:t>
-            </a:r>
-            <a:r>
-              <a:rPr lang="de-DE" dirty="0"/>
-              <a:t>.</a:t>
-            </a:r>
-          </a:p>
-          <a:p>
-            <a:pPr marL="0" indent="0">
-              <a:buNone/>
-            </a:pPr>
-            <a:r>
-              <a:rPr lang="de-DE" dirty="0" err="1"/>
-              <a:t>allows</a:t>
-            </a:r>
-            <a:r>
-              <a:rPr lang="de-DE" dirty="0"/>
-              <a:t> </a:t>
-            </a:r>
-            <a:r>
-              <a:rPr lang="de-DE" dirty="0" err="1"/>
-              <a:t>us</a:t>
-            </a:r>
-            <a:r>
-              <a:rPr lang="de-DE" dirty="0"/>
-              <a:t> </a:t>
-            </a:r>
-            <a:r>
-              <a:rPr lang="de-DE" dirty="0" err="1"/>
-              <a:t>to</a:t>
-            </a:r>
-            <a:r>
-              <a:rPr lang="de-DE" dirty="0"/>
-              <a:t>: 	</a:t>
-            </a:r>
-            <a:r>
-              <a:rPr lang="de-DE" dirty="0" err="1"/>
-              <a:t>evaluate</a:t>
-            </a:r>
-            <a:r>
-              <a:rPr lang="de-DE" dirty="0"/>
-              <a:t> </a:t>
-            </a:r>
-            <a:r>
-              <a:rPr lang="de-DE" dirty="0" err="1"/>
-              <a:t>digits</a:t>
-            </a:r>
-            <a:endParaRPr lang="de-DE" dirty="0"/>
-          </a:p>
-          <a:p>
-            <a:pPr marL="0" indent="0">
-              <a:buNone/>
-            </a:pPr>
-            <a:r>
-              <a:rPr lang="de-DE" dirty="0"/>
-              <a:t>		</a:t>
-            </a:r>
-            <a:r>
-              <a:rPr lang="de-DE" dirty="0" err="1"/>
-              <a:t>analyze</a:t>
-            </a:r>
-            <a:r>
-              <a:rPr lang="de-DE" dirty="0"/>
-              <a:t> </a:t>
-            </a:r>
-            <a:r>
-              <a:rPr lang="de-DE" dirty="0" err="1"/>
-              <a:t>wrong</a:t>
-            </a:r>
-            <a:r>
-              <a:rPr lang="de-DE" dirty="0"/>
-              <a:t> </a:t>
-            </a:r>
-            <a:r>
-              <a:rPr lang="de-DE" dirty="0" err="1"/>
-              <a:t>recognized</a:t>
-            </a:r>
-            <a:r>
-              <a:rPr lang="de-DE" dirty="0"/>
-              <a:t> </a:t>
-            </a:r>
-            <a:r>
-              <a:rPr lang="de-DE" dirty="0" err="1"/>
-              <a:t>images</a:t>
-            </a:r>
-            <a:endParaRPr lang="de-DE" dirty="0"/>
-          </a:p>
-          <a:p>
-            <a:pPr marL="0" indent="0">
-              <a:buNone/>
-            </a:pPr>
-            <a:r>
-              <a:rPr lang="de-DE" dirty="0"/>
-              <a:t>		</a:t>
-            </a:r>
-          </a:p>
-          <a:p>
-            <a:pPr marL="0" indent="0">
-              <a:buNone/>
-            </a:pPr>
-            <a:r>
-              <a:rPr lang="de-DE" dirty="0"/>
-              <a:t> 3 different </a:t>
-            </a:r>
-            <a:r>
-              <a:rPr lang="de-DE" dirty="0" err="1"/>
-              <a:t>methods</a:t>
-            </a:r>
-            <a:endParaRPr lang="de-DE" dirty="0"/>
-          </a:p>
-          <a:p>
-            <a:pPr marL="0" indent="0">
-              <a:buNone/>
-            </a:pPr>
-            <a:endParaRPr lang="de-DE" dirty="0"/>
-          </a:p>
-          <a:p>
-            <a:pPr marL="0" indent="0">
-              <a:buNone/>
-            </a:pPr>
-            <a:endParaRPr lang="de-DE" dirty="0"/>
-          </a:p>
-        </p:txBody>
-      </p:sp>
     </p:spTree>
     <p:extLst>
       <p:ext uri="{BB962C8B-B14F-4D97-AF65-F5344CB8AC3E}">
-        <p14:creationId xmlns:p14="http://schemas.microsoft.com/office/powerpoint/2010/main" val="1548118980"/>
+        <p14:creationId xmlns:p14="http://schemas.microsoft.com/office/powerpoint/2010/main" val="1191277699"/>
       </p:ext>
     </p:extLst>
   </p:cSld>
@@ -16166,7 +16658,7 @@
   <a:extraClrSchemeLst/>
   <a:extLst>
     <a:ext uri="{05A4C25C-085E-4340-85A3-A5531E510DB2}">
-      <thm15:themeFamily xmlns:thm15="http://schemas.microsoft.com/office/thememl/2012/main" name="Retrospect" id="{5F128B03-DCCA-4EEB-AB3B-CF2899314A46}" vid="{9CC26709-368C-4D72-9060-94E5B3FF3CD6}"/>
+      <thm15:themeFamily xmlns:thm15="http://schemas.microsoft.com/office/thememl/2012/main" xmlns="" name="Retrospect" id="{5F128B03-DCCA-4EEB-AB3B-CF2899314A46}" vid="{9CC26709-368C-4D72-9060-94E5B3FF3CD6}"/>
     </a:ext>
   </a:extLst>
 </a:theme>

--- a/presentation_digit_recog2.pptx
+++ b/presentation_digit_recog2.pptx
@@ -124,7 +124,7 @@
   </p:defaultTextStyle>
   <p:extLst>
     <p:ext uri="{EFAFB233-063F-42B5-8137-9DF3F51BA10A}">
-      <p15:sldGuideLst xmlns:p15="http://schemas.microsoft.com/office/powerpoint/2012/main" xmlns="">
+      <p15:sldGuideLst xmlns="" xmlns:p15="http://schemas.microsoft.com/office/powerpoint/2012/main">
         <p15:guide id="1" orient="horz" pos="2160">
           <p15:clr>
             <a:srgbClr val="A4A3A4"/>
@@ -9621,7 +9621,7 @@
           <p:cNvPr id="5" name="Grafik 4">
             <a:extLst>
               <a:ext uri="{FF2B5EF4-FFF2-40B4-BE49-F238E27FC236}">
-                <a16:creationId xmlns:a16="http://schemas.microsoft.com/office/drawing/2014/main" xmlns="" id="{541C1A54-8968-4CEF-8CA1-E84FB3A8524D}"/>
+                <a16:creationId xmlns="" xmlns:a16="http://schemas.microsoft.com/office/drawing/2014/main" id="{541C1A54-8968-4CEF-8CA1-E84FB3A8524D}"/>
               </a:ext>
             </a:extLst>
           </p:cNvPr>
@@ -9657,7 +9657,7 @@
           <p:cNvPr id="2" name="Titel 1">
             <a:extLst>
               <a:ext uri="{FF2B5EF4-FFF2-40B4-BE49-F238E27FC236}">
-                <a16:creationId xmlns:a16="http://schemas.microsoft.com/office/drawing/2014/main" xmlns="" id="{90A6468B-D0CD-4DC7-A3AD-DA2E2B071416}"/>
+                <a16:creationId xmlns="" xmlns:a16="http://schemas.microsoft.com/office/drawing/2014/main" id="{90A6468B-D0CD-4DC7-A3AD-DA2E2B071416}"/>
               </a:ext>
             </a:extLst>
           </p:cNvPr>
@@ -9696,7 +9696,7 @@
           <p:cNvPr id="3" name="Untertitel 2">
             <a:extLst>
               <a:ext uri="{FF2B5EF4-FFF2-40B4-BE49-F238E27FC236}">
-                <a16:creationId xmlns:a16="http://schemas.microsoft.com/office/drawing/2014/main" xmlns="" id="{65A5BDD7-952D-4603-93C5-6E59619C765A}"/>
+                <a16:creationId xmlns="" xmlns:a16="http://schemas.microsoft.com/office/drawing/2014/main" id="{65A5BDD7-952D-4603-93C5-6E59619C765A}"/>
               </a:ext>
             </a:extLst>
           </p:cNvPr>
@@ -9735,10 +9735,10 @@
           <p:cNvPr id="10" name="Straight Connector 9">
             <a:extLst>
               <a:ext uri="{FF2B5EF4-FFF2-40B4-BE49-F238E27FC236}">
-                <a16:creationId xmlns:a16="http://schemas.microsoft.com/office/drawing/2014/main" xmlns="" id="{F3CC58E3-BDF9-495D-9327-85F68058BE32}"/>
+                <a16:creationId xmlns="" xmlns:a16="http://schemas.microsoft.com/office/drawing/2014/main" id="{F3CC58E3-BDF9-495D-9327-85F68058BE32}"/>
               </a:ext>
               <a:ext uri="{C183D7F6-B498-43B3-948B-1728B52AA6E4}">
-                <adec:decorative xmlns:adec="http://schemas.microsoft.com/office/drawing/2017/decorative" xmlns="" val="1"/>
+                <adec:decorative xmlns="" xmlns:adec="http://schemas.microsoft.com/office/drawing/2017/decorative" val="1"/>
               </a:ext>
             </a:extLst>
           </p:cNvPr>
@@ -9748,7 +9748,7 @@
           <p:nvPr>
             <p:extLst>
               <p:ext uri="{386F3935-93C4-4BCD-93E2-E3B085C9AB24}">
-                <p16:designElem xmlns:p16="http://schemas.microsoft.com/office/powerpoint/2015/main" xmlns="" val="1"/>
+                <p16:designElem xmlns="" xmlns:p16="http://schemas.microsoft.com/office/powerpoint/2015/main" val="1"/>
               </p:ext>
             </p:extLst>
           </p:nvPr>
@@ -9789,10 +9789,10 @@
           <p:cNvPr id="12" name="Rectangle 11">
             <a:extLst>
               <a:ext uri="{FF2B5EF4-FFF2-40B4-BE49-F238E27FC236}">
-                <a16:creationId xmlns:a16="http://schemas.microsoft.com/office/drawing/2014/main" xmlns="" id="{DA0CA737-33FC-47E3-965A-D1C2CAA62894}"/>
+                <a16:creationId xmlns="" xmlns:a16="http://schemas.microsoft.com/office/drawing/2014/main" id="{DA0CA737-33FC-47E3-965A-D1C2CAA62894}"/>
               </a:ext>
               <a:ext uri="{C183D7F6-B498-43B3-948B-1728B52AA6E4}">
-                <adec:decorative xmlns:adec="http://schemas.microsoft.com/office/drawing/2017/decorative" xmlns="" val="1"/>
+                <adec:decorative xmlns="" xmlns:adec="http://schemas.microsoft.com/office/drawing/2017/decorative" val="1"/>
               </a:ext>
             </a:extLst>
           </p:cNvPr>
@@ -9802,7 +9802,7 @@
           <p:nvPr>
             <p:extLst>
               <p:ext uri="{386F3935-93C4-4BCD-93E2-E3B085C9AB24}">
-                <p16:designElem xmlns:p16="http://schemas.microsoft.com/office/powerpoint/2015/main" xmlns="" val="1"/>
+                <p16:designElem xmlns="" xmlns:p16="http://schemas.microsoft.com/office/powerpoint/2015/main" val="1"/>
               </p:ext>
             </p:extLst>
           </p:nvPr>
@@ -9844,10 +9844,10 @@
           <p:cNvPr id="14" name="Rectangle 13">
             <a:extLst>
               <a:ext uri="{FF2B5EF4-FFF2-40B4-BE49-F238E27FC236}">
-                <a16:creationId xmlns:a16="http://schemas.microsoft.com/office/drawing/2014/main" xmlns="" id="{22189942-24EB-488E-8B69-EB80F7E53E36}"/>
+                <a16:creationId xmlns="" xmlns:a16="http://schemas.microsoft.com/office/drawing/2014/main" id="{22189942-24EB-488E-8B69-EB80F7E53E36}"/>
               </a:ext>
               <a:ext uri="{C183D7F6-B498-43B3-948B-1728B52AA6E4}">
-                <adec:decorative xmlns:adec="http://schemas.microsoft.com/office/drawing/2017/decorative" xmlns="" val="1"/>
+                <adec:decorative xmlns="" xmlns:adec="http://schemas.microsoft.com/office/drawing/2017/decorative" val="1"/>
               </a:ext>
             </a:extLst>
           </p:cNvPr>
@@ -9857,7 +9857,7 @@
           <p:nvPr>
             <p:extLst>
               <p:ext uri="{386F3935-93C4-4BCD-93E2-E3B085C9AB24}">
-                <p16:designElem xmlns:p16="http://schemas.microsoft.com/office/powerpoint/2015/main" xmlns="" val="1"/>
+                <p16:designElem xmlns="" xmlns:p16="http://schemas.microsoft.com/office/powerpoint/2015/main" val="1"/>
               </p:ext>
             </p:extLst>
           </p:nvPr>
@@ -9929,7 +9929,7 @@
           <p:cNvPr id="2" name="Titel 1">
             <a:extLst>
               <a:ext uri="{FF2B5EF4-FFF2-40B4-BE49-F238E27FC236}">
-                <a16:creationId xmlns:a16="http://schemas.microsoft.com/office/drawing/2014/main" xmlns="" id="{3D022FA1-1227-4EA1-8EB1-679CE9C5CFCD}"/>
+                <a16:creationId xmlns="" xmlns:a16="http://schemas.microsoft.com/office/drawing/2014/main" id="{3D022FA1-1227-4EA1-8EB1-679CE9C5CFCD}"/>
               </a:ext>
             </a:extLst>
           </p:cNvPr>
@@ -9976,7 +9976,7 @@
           <p:cNvPr id="3" name="Inhaltsplatzhalter 2">
             <a:extLst>
               <a:ext uri="{FF2B5EF4-FFF2-40B4-BE49-F238E27FC236}">
-                <a16:creationId xmlns:a16="http://schemas.microsoft.com/office/drawing/2014/main" xmlns="" id="{56D22BFB-FDAA-4D7E-88D9-C29E57B7C51D}"/>
+                <a16:creationId xmlns="" xmlns:a16="http://schemas.microsoft.com/office/drawing/2014/main" id="{56D22BFB-FDAA-4D7E-88D9-C29E57B7C51D}"/>
               </a:ext>
             </a:extLst>
           </p:cNvPr>
@@ -10037,18 +10037,7 @@
                   </a:schemeClr>
                 </a:solidFill>
               </a:rPr>
-              <a:t> Some</a:t>
-            </a:r>
-            <a:r>
-              <a:rPr lang="de-DE" sz="2400" dirty="0" smtClean="0">
-                <a:solidFill>
-                  <a:schemeClr val="tx1">
-                    <a:lumMod val="95000"/>
-                    <a:lumOff val="5000"/>
-                  </a:schemeClr>
-                </a:solidFill>
-              </a:rPr>
-              <a:t>thing </a:t>
+              <a:t> Something </a:t>
             </a:r>
             <a:r>
               <a:rPr lang="de-DE" sz="2400" dirty="0" err="1" smtClean="0">
@@ -10337,7 +10326,7 @@
           <p:cNvPr id="10" name="Inhaltsplatzhalter 9">
             <a:extLst>
               <a:ext uri="{FF2B5EF4-FFF2-40B4-BE49-F238E27FC236}">
-                <a16:creationId xmlns:a16="http://schemas.microsoft.com/office/drawing/2014/main" xmlns="" id="{65A23C4D-F599-40EB-9F55-473E092C8DBD}"/>
+                <a16:creationId xmlns="" xmlns:a16="http://schemas.microsoft.com/office/drawing/2014/main" id="{65A23C4D-F599-40EB-9F55-473E092C8DBD}"/>
               </a:ext>
             </a:extLst>
           </p:cNvPr>
@@ -10371,7 +10360,7 @@
           <p:cNvPr id="8" name="Inhaltsplatzhalter 7">
             <a:extLst>
               <a:ext uri="{FF2B5EF4-FFF2-40B4-BE49-F238E27FC236}">
-                <a16:creationId xmlns:a16="http://schemas.microsoft.com/office/drawing/2014/main" xmlns="" id="{AC8FC20D-C4BB-4858-9AA7-67A6D2F24CB1}"/>
+                <a16:creationId xmlns="" xmlns:a16="http://schemas.microsoft.com/office/drawing/2014/main" id="{AC8FC20D-C4BB-4858-9AA7-67A6D2F24CB1}"/>
               </a:ext>
             </a:extLst>
           </p:cNvPr>
@@ -10471,7 +10460,7 @@
           <p:cNvPr id="5" name="Titel 4">
             <a:extLst>
               <a:ext uri="{FF2B5EF4-FFF2-40B4-BE49-F238E27FC236}">
-                <a16:creationId xmlns:a16="http://schemas.microsoft.com/office/drawing/2014/main" xmlns="" id="{9222B4BD-52BA-4791-9651-98D4F0FB5A4A}"/>
+                <a16:creationId xmlns="" xmlns:a16="http://schemas.microsoft.com/office/drawing/2014/main" id="{9222B4BD-52BA-4791-9651-98D4F0FB5A4A}"/>
               </a:ext>
             </a:extLst>
           </p:cNvPr>
@@ -10512,7 +10501,7 @@
           <p:cNvPr id="6" name="Inhaltsplatzhalter 5">
             <a:extLst>
               <a:ext uri="{FF2B5EF4-FFF2-40B4-BE49-F238E27FC236}">
-                <a16:creationId xmlns:a16="http://schemas.microsoft.com/office/drawing/2014/main" xmlns="" id="{1A0911F2-B0B3-45D8-B92B-270F6D60CFB4}"/>
+                <a16:creationId xmlns="" xmlns:a16="http://schemas.microsoft.com/office/drawing/2014/main" id="{1A0911F2-B0B3-45D8-B92B-270F6D60CFB4}"/>
               </a:ext>
             </a:extLst>
           </p:cNvPr>
@@ -10813,7 +10802,7 @@
           <p:cNvPr id="9" name="Inhaltsplatzhalter 8">
             <a:extLst>
               <a:ext uri="{FF2B5EF4-FFF2-40B4-BE49-F238E27FC236}">
-                <a16:creationId xmlns:a16="http://schemas.microsoft.com/office/drawing/2014/main" xmlns="" id="{9909C030-22D0-4734-9DCB-167BC6D672DF}"/>
+                <a16:creationId xmlns="" xmlns:a16="http://schemas.microsoft.com/office/drawing/2014/main" id="{9909C030-22D0-4734-9DCB-167BC6D672DF}"/>
               </a:ext>
             </a:extLst>
           </p:cNvPr>
@@ -10877,7 +10866,7 @@
           <p:cNvPr id="5" name="Titel 4">
             <a:extLst>
               <a:ext uri="{FF2B5EF4-FFF2-40B4-BE49-F238E27FC236}">
-                <a16:creationId xmlns:a16="http://schemas.microsoft.com/office/drawing/2014/main" xmlns="" id="{CB372DEC-D0F9-4D40-9149-13D17AAF964B}"/>
+                <a16:creationId xmlns="" xmlns:a16="http://schemas.microsoft.com/office/drawing/2014/main" id="{CB372DEC-D0F9-4D40-9149-13D17AAF964B}"/>
               </a:ext>
             </a:extLst>
           </p:cNvPr>
@@ -10933,7 +10922,7 @@
           <p:cNvPr id="6" name="Untertitel 5">
             <a:extLst>
               <a:ext uri="{FF2B5EF4-FFF2-40B4-BE49-F238E27FC236}">
-                <a16:creationId xmlns:a16="http://schemas.microsoft.com/office/drawing/2014/main" xmlns="" id="{72729885-95AF-4E52-9DF2-73274144A388}"/>
+                <a16:creationId xmlns="" xmlns:a16="http://schemas.microsoft.com/office/drawing/2014/main" id="{72729885-95AF-4E52-9DF2-73274144A388}"/>
               </a:ext>
             </a:extLst>
           </p:cNvPr>
@@ -10996,10 +10985,10 @@
           <p:cNvPr id="10" name="Rectangle 9">
             <a:extLst>
               <a:ext uri="{FF2B5EF4-FFF2-40B4-BE49-F238E27FC236}">
-                <a16:creationId xmlns:a16="http://schemas.microsoft.com/office/drawing/2014/main" xmlns="" id="{D829E218-74FB-4455-98BE-F2C5BA8978BE}"/>
+                <a16:creationId xmlns="" xmlns:a16="http://schemas.microsoft.com/office/drawing/2014/main" id="{D829E218-74FB-4455-98BE-F2C5BA8978BE}"/>
               </a:ext>
               <a:ext uri="{C183D7F6-B498-43B3-948B-1728B52AA6E4}">
-                <adec:decorative xmlns:adec="http://schemas.microsoft.com/office/drawing/2017/decorative" xmlns="" val="1"/>
+                <adec:decorative xmlns="" xmlns:adec="http://schemas.microsoft.com/office/drawing/2017/decorative" val="1"/>
               </a:ext>
             </a:extLst>
           </p:cNvPr>
@@ -11009,7 +10998,7 @@
           <p:nvPr>
             <p:extLst>
               <p:ext uri="{386F3935-93C4-4BCD-93E2-E3B085C9AB24}">
-                <p16:designElem xmlns:p16="http://schemas.microsoft.com/office/powerpoint/2015/main" xmlns="" val="1"/>
+                <p16:designElem xmlns="" xmlns:p16="http://schemas.microsoft.com/office/powerpoint/2015/main" val="1"/>
               </p:ext>
             </p:extLst>
           </p:nvPr>
@@ -11051,10 +11040,10 @@
           <p:cNvPr id="12" name="Rectangle 11">
             <a:extLst>
               <a:ext uri="{FF2B5EF4-FFF2-40B4-BE49-F238E27FC236}">
-                <a16:creationId xmlns:a16="http://schemas.microsoft.com/office/drawing/2014/main" xmlns="" id="{7E8D75FD-D4F9-4D11-B70D-82EFCB4CFA5B}"/>
+                <a16:creationId xmlns="" xmlns:a16="http://schemas.microsoft.com/office/drawing/2014/main" id="{7E8D75FD-D4F9-4D11-B70D-82EFCB4CFA5B}"/>
               </a:ext>
               <a:ext uri="{C183D7F6-B498-43B3-948B-1728B52AA6E4}">
-                <adec:decorative xmlns:adec="http://schemas.microsoft.com/office/drawing/2017/decorative" xmlns="" val="1"/>
+                <adec:decorative xmlns="" xmlns:adec="http://schemas.microsoft.com/office/drawing/2017/decorative" val="1"/>
               </a:ext>
             </a:extLst>
           </p:cNvPr>
@@ -11064,7 +11053,7 @@
           <p:nvPr>
             <p:extLst>
               <p:ext uri="{386F3935-93C4-4BCD-93E2-E3B085C9AB24}">
-                <p16:designElem xmlns:p16="http://schemas.microsoft.com/office/powerpoint/2015/main" xmlns="" val="1"/>
+                <p16:designElem xmlns="" xmlns:p16="http://schemas.microsoft.com/office/powerpoint/2015/main" val="1"/>
               </p:ext>
             </p:extLst>
           </p:nvPr>
@@ -11106,10 +11095,10 @@
           <p:cNvPr id="14" name="Straight Connector 13">
             <a:extLst>
               <a:ext uri="{FF2B5EF4-FFF2-40B4-BE49-F238E27FC236}">
-                <a16:creationId xmlns:a16="http://schemas.microsoft.com/office/drawing/2014/main" xmlns="" id="{1F5DC8C3-BA5F-4EED-BB9A-A14272BD82A1}"/>
+                <a16:creationId xmlns="" xmlns:a16="http://schemas.microsoft.com/office/drawing/2014/main" id="{1F5DC8C3-BA5F-4EED-BB9A-A14272BD82A1}"/>
               </a:ext>
               <a:ext uri="{C183D7F6-B498-43B3-948B-1728B52AA6E4}">
-                <adec:decorative xmlns:adec="http://schemas.microsoft.com/office/drawing/2017/decorative" xmlns="" val="1"/>
+                <adec:decorative xmlns="" xmlns:adec="http://schemas.microsoft.com/office/drawing/2017/decorative" val="1"/>
               </a:ext>
             </a:extLst>
           </p:cNvPr>
@@ -11119,7 +11108,7 @@
           <p:nvPr>
             <p:extLst>
               <p:ext uri="{386F3935-93C4-4BCD-93E2-E3B085C9AB24}">
-                <p16:designElem xmlns:p16="http://schemas.microsoft.com/office/powerpoint/2015/main" xmlns="" val="1"/>
+                <p16:designElem xmlns="" xmlns:p16="http://schemas.microsoft.com/office/powerpoint/2015/main" val="1"/>
               </p:ext>
             </p:extLst>
           </p:nvPr>
@@ -11161,10 +11150,10 @@
           <p:cNvPr id="16" name="Rectangle 15">
             <a:extLst>
               <a:ext uri="{FF2B5EF4-FFF2-40B4-BE49-F238E27FC236}">
-                <a16:creationId xmlns:a16="http://schemas.microsoft.com/office/drawing/2014/main" xmlns="" id="{8638A98B-4B4B-4607-B11F-7DCA0D7CCE17}"/>
+                <a16:creationId xmlns="" xmlns:a16="http://schemas.microsoft.com/office/drawing/2014/main" id="{8638A98B-4B4B-4607-B11F-7DCA0D7CCE17}"/>
               </a:ext>
               <a:ext uri="{C183D7F6-B498-43B3-948B-1728B52AA6E4}">
-                <adec:decorative xmlns:adec="http://schemas.microsoft.com/office/drawing/2017/decorative" xmlns="" val="1"/>
+                <adec:decorative xmlns="" xmlns:adec="http://schemas.microsoft.com/office/drawing/2017/decorative" val="1"/>
               </a:ext>
             </a:extLst>
           </p:cNvPr>
@@ -11174,7 +11163,7 @@
           <p:nvPr>
             <p:extLst>
               <p:ext uri="{386F3935-93C4-4BCD-93E2-E3B085C9AB24}">
-                <p16:designElem xmlns:p16="http://schemas.microsoft.com/office/powerpoint/2015/main" xmlns="" val="1"/>
+                <p16:designElem xmlns="" xmlns:p16="http://schemas.microsoft.com/office/powerpoint/2015/main" val="1"/>
               </p:ext>
             </p:extLst>
           </p:nvPr>
@@ -11221,7 +11210,7 @@
           <p:cNvPr id="5" name="Inhaltsplatzhalter 4">
             <a:extLst>
               <a:ext uri="{FF2B5EF4-FFF2-40B4-BE49-F238E27FC236}">
-                <a16:creationId xmlns:a16="http://schemas.microsoft.com/office/drawing/2014/main" xmlns="" id="{0F908B00-977C-447A-87EE-7A00C164B759}"/>
+                <a16:creationId xmlns="" xmlns:a16="http://schemas.microsoft.com/office/drawing/2014/main" id="{0F908B00-977C-447A-87EE-7A00C164B759}"/>
               </a:ext>
             </a:extLst>
           </p:cNvPr>
@@ -11258,10 +11247,10 @@
           <p:cNvPr id="18" name="Rectangle 17">
             <a:extLst>
               <a:ext uri="{FF2B5EF4-FFF2-40B4-BE49-F238E27FC236}">
-                <a16:creationId xmlns:a16="http://schemas.microsoft.com/office/drawing/2014/main" xmlns="" id="{8E3B9B0E-204E-4BFD-B58A-E71D9CDC37F3}"/>
+                <a16:creationId xmlns="" xmlns:a16="http://schemas.microsoft.com/office/drawing/2014/main" id="{8E3B9B0E-204E-4BFD-B58A-E71D9CDC37F3}"/>
               </a:ext>
               <a:ext uri="{C183D7F6-B498-43B3-948B-1728B52AA6E4}">
-                <adec:decorative xmlns:adec="http://schemas.microsoft.com/office/drawing/2017/decorative" xmlns="" val="1"/>
+                <adec:decorative xmlns="" xmlns:adec="http://schemas.microsoft.com/office/drawing/2017/decorative" val="1"/>
               </a:ext>
             </a:extLst>
           </p:cNvPr>
@@ -11271,7 +11260,7 @@
           <p:nvPr>
             <p:extLst>
               <p:ext uri="{386F3935-93C4-4BCD-93E2-E3B085C9AB24}">
-                <p16:designElem xmlns:p16="http://schemas.microsoft.com/office/powerpoint/2015/main" xmlns="" val="1"/>
+                <p16:designElem xmlns="" xmlns:p16="http://schemas.microsoft.com/office/powerpoint/2015/main" val="1"/>
               </p:ext>
             </p:extLst>
           </p:nvPr>
@@ -11313,7 +11302,7 @@
           <p:cNvPr id="2" name="Titel 1">
             <a:extLst>
               <a:ext uri="{FF2B5EF4-FFF2-40B4-BE49-F238E27FC236}">
-                <a16:creationId xmlns:a16="http://schemas.microsoft.com/office/drawing/2014/main" xmlns="" id="{E21935D6-F135-4DD2-A417-738E067D86CB}"/>
+                <a16:creationId xmlns="" xmlns:a16="http://schemas.microsoft.com/office/drawing/2014/main" id="{E21935D6-F135-4DD2-A417-738E067D86CB}"/>
               </a:ext>
             </a:extLst>
           </p:cNvPr>
@@ -11360,10 +11349,10 @@
           <p:cNvPr id="20" name="Rectangle 19">
             <a:extLst>
               <a:ext uri="{FF2B5EF4-FFF2-40B4-BE49-F238E27FC236}">
-                <a16:creationId xmlns:a16="http://schemas.microsoft.com/office/drawing/2014/main" xmlns="" id="{B1121E64-CB88-4BF5-B531-C0316E7F6E30}"/>
+                <a16:creationId xmlns="" xmlns:a16="http://schemas.microsoft.com/office/drawing/2014/main" id="{B1121E64-CB88-4BF5-B531-C0316E7F6E30}"/>
               </a:ext>
               <a:ext uri="{C183D7F6-B498-43B3-948B-1728B52AA6E4}">
-                <adec:decorative xmlns:adec="http://schemas.microsoft.com/office/drawing/2017/decorative" xmlns="" val="1"/>
+                <adec:decorative xmlns="" xmlns:adec="http://schemas.microsoft.com/office/drawing/2017/decorative" val="1"/>
               </a:ext>
             </a:extLst>
           </p:cNvPr>
@@ -11373,7 +11362,7 @@
           <p:nvPr>
             <p:extLst>
               <p:ext uri="{386F3935-93C4-4BCD-93E2-E3B085C9AB24}">
-                <p16:designElem xmlns:p16="http://schemas.microsoft.com/office/powerpoint/2015/main" xmlns="" val="1"/>
+                <p16:designElem xmlns="" xmlns:p16="http://schemas.microsoft.com/office/powerpoint/2015/main" val="1"/>
               </p:ext>
             </p:extLst>
           </p:nvPr>
@@ -11453,10 +11442,10 @@
           <p:cNvPr id="13" name="Rectangle 12">
             <a:extLst>
               <a:ext uri="{FF2B5EF4-FFF2-40B4-BE49-F238E27FC236}">
-                <a16:creationId xmlns:a16="http://schemas.microsoft.com/office/drawing/2014/main" xmlns="" id="{0AB6E427-3F73-4C06-A5D5-AE52C3883B50}"/>
+                <a16:creationId xmlns="" xmlns:a16="http://schemas.microsoft.com/office/drawing/2014/main" id="{0AB6E427-3F73-4C06-A5D5-AE52C3883B50}"/>
               </a:ext>
               <a:ext uri="{C183D7F6-B498-43B3-948B-1728B52AA6E4}">
-                <adec:decorative xmlns:adec="http://schemas.microsoft.com/office/drawing/2017/decorative" xmlns="" val="1"/>
+                <adec:decorative xmlns="" xmlns:adec="http://schemas.microsoft.com/office/drawing/2017/decorative" val="1"/>
               </a:ext>
             </a:extLst>
           </p:cNvPr>
@@ -11466,7 +11455,7 @@
           <p:nvPr>
             <p:extLst>
               <p:ext uri="{386F3935-93C4-4BCD-93E2-E3B085C9AB24}">
-                <p16:designElem xmlns:p16="http://schemas.microsoft.com/office/powerpoint/2015/main" xmlns="" val="1"/>
+                <p16:designElem xmlns="" xmlns:p16="http://schemas.microsoft.com/office/powerpoint/2015/main" val="1"/>
               </p:ext>
             </p:extLst>
           </p:nvPr>
@@ -11513,10 +11502,10 @@
           <p:cNvPr id="15" name="Rectangle 14">
             <a:extLst>
               <a:ext uri="{FF2B5EF4-FFF2-40B4-BE49-F238E27FC236}">
-                <a16:creationId xmlns:a16="http://schemas.microsoft.com/office/drawing/2014/main" xmlns="" id="{D8C9BDAA-0390-4B39-9B5C-BC95E5120DA4}"/>
+                <a16:creationId xmlns="" xmlns:a16="http://schemas.microsoft.com/office/drawing/2014/main" id="{D8C9BDAA-0390-4B39-9B5C-BC95E5120DA4}"/>
               </a:ext>
               <a:ext uri="{C183D7F6-B498-43B3-948B-1728B52AA6E4}">
-                <adec:decorative xmlns:adec="http://schemas.microsoft.com/office/drawing/2017/decorative" xmlns="" val="1"/>
+                <adec:decorative xmlns="" xmlns:adec="http://schemas.microsoft.com/office/drawing/2017/decorative" val="1"/>
               </a:ext>
             </a:extLst>
           </p:cNvPr>
@@ -11526,7 +11515,7 @@
           <p:nvPr>
             <p:extLst>
               <p:ext uri="{386F3935-93C4-4BCD-93E2-E3B085C9AB24}">
-                <p16:designElem xmlns:p16="http://schemas.microsoft.com/office/powerpoint/2015/main" xmlns="" val="1"/>
+                <p16:designElem xmlns="" xmlns:p16="http://schemas.microsoft.com/office/powerpoint/2015/main" val="1"/>
               </p:ext>
             </p:extLst>
           </p:nvPr>
@@ -11568,7 +11557,7 @@
           <p:cNvPr id="2" name="Titel 1">
             <a:extLst>
               <a:ext uri="{FF2B5EF4-FFF2-40B4-BE49-F238E27FC236}">
-                <a16:creationId xmlns:a16="http://schemas.microsoft.com/office/drawing/2014/main" xmlns="" id="{D9FC22E7-D4D8-40F3-851D-F5CDDD673BBB}"/>
+                <a16:creationId xmlns="" xmlns:a16="http://schemas.microsoft.com/office/drawing/2014/main" id="{D9FC22E7-D4D8-40F3-851D-F5CDDD673BBB}"/>
               </a:ext>
             </a:extLst>
           </p:cNvPr>
@@ -11644,10 +11633,10 @@
           <p:cNvPr id="17" name="Rectangle 16">
             <a:extLst>
               <a:ext uri="{FF2B5EF4-FFF2-40B4-BE49-F238E27FC236}">
-                <a16:creationId xmlns:a16="http://schemas.microsoft.com/office/drawing/2014/main" xmlns="" id="{F9DB1FE5-9D46-433B-99D1-2F1B8DC79855}"/>
+                <a16:creationId xmlns="" xmlns:a16="http://schemas.microsoft.com/office/drawing/2014/main" id="{F9DB1FE5-9D46-433B-99D1-2F1B8DC79855}"/>
               </a:ext>
               <a:ext uri="{C183D7F6-B498-43B3-948B-1728B52AA6E4}">
-                <adec:decorative xmlns:adec="http://schemas.microsoft.com/office/drawing/2017/decorative" xmlns="" val="1"/>
+                <adec:decorative xmlns="" xmlns:adec="http://schemas.microsoft.com/office/drawing/2017/decorative" val="1"/>
               </a:ext>
             </a:extLst>
           </p:cNvPr>
@@ -11657,7 +11646,7 @@
           <p:nvPr>
             <p:extLst>
               <p:ext uri="{386F3935-93C4-4BCD-93E2-E3B085C9AB24}">
-                <p16:designElem xmlns:p16="http://schemas.microsoft.com/office/powerpoint/2015/main" xmlns="" val="1"/>
+                <p16:designElem xmlns="" xmlns:p16="http://schemas.microsoft.com/office/powerpoint/2015/main" val="1"/>
               </p:ext>
             </p:extLst>
           </p:nvPr>
@@ -11699,7 +11688,7 @@
           <p:cNvPr id="8" name="Inhaltsplatzhalter 4">
             <a:extLst>
               <a:ext uri="{FF2B5EF4-FFF2-40B4-BE49-F238E27FC236}">
-                <a16:creationId xmlns:a16="http://schemas.microsoft.com/office/drawing/2014/main" xmlns="" id="{505EAB39-71B6-4CDF-BAE8-6F62F743A0C5}"/>
+                <a16:creationId xmlns="" xmlns:a16="http://schemas.microsoft.com/office/drawing/2014/main" id="{505EAB39-71B6-4CDF-BAE8-6F62F743A0C5}"/>
               </a:ext>
             </a:extLst>
           </p:cNvPr>
@@ -11735,7 +11724,7 @@
           <p:cNvPr id="9" name="Flussdiagramm: Verbinder 8">
             <a:extLst>
               <a:ext uri="{FF2B5EF4-FFF2-40B4-BE49-F238E27FC236}">
-                <a16:creationId xmlns:a16="http://schemas.microsoft.com/office/drawing/2014/main" xmlns="" id="{01F5D49F-8D20-4DA3-86D3-7FA5F8AD94CD}"/>
+                <a16:creationId xmlns="" xmlns:a16="http://schemas.microsoft.com/office/drawing/2014/main" id="{01F5D49F-8D20-4DA3-86D3-7FA5F8AD94CD}"/>
               </a:ext>
             </a:extLst>
           </p:cNvPr>
@@ -11787,7 +11776,7 @@
           <p:cNvPr id="7" name="Inhaltsplatzhalter 6" descr="Fragen">
             <a:extLst>
               <a:ext uri="{FF2B5EF4-FFF2-40B4-BE49-F238E27FC236}">
-                <a16:creationId xmlns:a16="http://schemas.microsoft.com/office/drawing/2014/main" xmlns="" id="{BB4769F3-A84A-45E1-9A4D-9E984E568AC4}"/>
+                <a16:creationId xmlns="" xmlns:a16="http://schemas.microsoft.com/office/drawing/2014/main" id="{BB4769F3-A84A-45E1-9A4D-9E984E568AC4}"/>
               </a:ext>
             </a:extLst>
           </p:cNvPr>
@@ -11805,7 +11794,7 @@
                 <a14:useLocalDpi xmlns:a14="http://schemas.microsoft.com/office/drawing/2010/main" val="0"/>
               </a:ext>
               <a:ext uri="{96DAC541-7B7A-43D3-8B79-37D633B846F1}">
-                <asvg:svgBlip xmlns:asvg="http://schemas.microsoft.com/office/drawing/2016/SVG/main" xmlns="" r:embed="rId4"/>
+                <asvg:svgBlip xmlns="" xmlns:asvg="http://schemas.microsoft.com/office/drawing/2016/SVG/main" r:embed="rId4"/>
               </a:ext>
             </a:extLst>
           </a:blip>
@@ -12067,7 +12056,7 @@
         <p:spPr>
           <a:xfrm>
             <a:off x="1091953" y="2041864"/>
-            <a:ext cx="10395752" cy="2585323"/>
+            <a:ext cx="10395752" cy="4801314"/>
           </a:xfrm>
           <a:prstGeom prst="rect">
             <a:avLst/>
@@ -12107,8 +12096,75 @@
             </a:pPr>
             <a:r>
               <a:rPr lang="en-US" dirty="0" smtClean="0"/>
-              <a:t>Which digits have higher average noise component (recognized better by  78 than by 784)</a:t>
-            </a:r>
+              <a:t>Which digits have higher average noise component (recognized better by  78 than by 784</a:t>
+            </a:r>
+            <a:r>
+              <a:rPr lang="en-US" dirty="0" smtClean="0"/>
+              <a:t>)</a:t>
+            </a:r>
+          </a:p>
+          <a:p>
+            <a:pPr marL="285750" indent="-285750">
+              <a:buFont typeface="Arial" panose="020B0604020202020204" pitchFamily="34" charset="0"/>
+              <a:buChar char="•"/>
+            </a:pPr>
+            <a:endParaRPr lang="en-US" dirty="0"/>
+          </a:p>
+          <a:p>
+            <a:pPr marL="285750" indent="-285750">
+              <a:buFont typeface="Arial" panose="020B0604020202020204" pitchFamily="34" charset="0"/>
+              <a:buChar char="•"/>
+            </a:pPr>
+            <a:r>
+              <a:rPr lang="en-US" dirty="0" smtClean="0"/>
+              <a:t>Other metrics for the distance calculation and their effect on the accuracy of recognition</a:t>
+            </a:r>
+          </a:p>
+          <a:p>
+            <a:pPr marL="285750" indent="-285750">
+              <a:buFont typeface="Arial" panose="020B0604020202020204" pitchFamily="34" charset="0"/>
+              <a:buChar char="•"/>
+            </a:pPr>
+            <a:endParaRPr lang="en-US" dirty="0"/>
+          </a:p>
+          <a:p>
+            <a:pPr marL="285750" indent="-285750">
+              <a:buFont typeface="Arial" panose="020B0604020202020204" pitchFamily="34" charset="0"/>
+              <a:buChar char="•"/>
+            </a:pPr>
+            <a:r>
+              <a:rPr lang="en-US" dirty="0" smtClean="0"/>
+              <a:t>Other types of dimensionality reduction methods (</a:t>
+            </a:r>
+            <a:r>
+              <a:rPr lang="en-US" dirty="0" err="1" smtClean="0"/>
+              <a:t>f.i</a:t>
+            </a:r>
+            <a:r>
+              <a:rPr lang="en-US" dirty="0" smtClean="0"/>
+              <a:t>. kernel PCA) -&gt; a hypothetical further increase in accuracy of recognition and noise elimination. </a:t>
+            </a:r>
+          </a:p>
+          <a:p>
+            <a:pPr marL="285750" indent="-285750">
+              <a:buFont typeface="Arial" panose="020B0604020202020204" pitchFamily="34" charset="0"/>
+              <a:buChar char="•"/>
+            </a:pPr>
+            <a:endParaRPr lang="en-US" dirty="0"/>
+          </a:p>
+          <a:p>
+            <a:pPr marL="285750" indent="-285750">
+              <a:buFont typeface="Arial" panose="020B0604020202020204" pitchFamily="34" charset="0"/>
+              <a:buChar char="•"/>
+            </a:pPr>
+            <a:endParaRPr lang="en-US" dirty="0" smtClean="0"/>
+          </a:p>
+          <a:p>
+            <a:pPr marL="285750" indent="-285750">
+              <a:buFont typeface="Arial" panose="020B0604020202020204" pitchFamily="34" charset="0"/>
+              <a:buChar char="•"/>
+            </a:pPr>
+            <a:endParaRPr lang="en-US" dirty="0" smtClean="0"/>
           </a:p>
           <a:p>
             <a:pPr marL="285750" indent="-285750">
@@ -12200,7 +12256,7 @@
           <p:cNvPr id="4" name="Titel 3">
             <a:extLst>
               <a:ext uri="{FF2B5EF4-FFF2-40B4-BE49-F238E27FC236}">
-                <a16:creationId xmlns:a16="http://schemas.microsoft.com/office/drawing/2014/main" xmlns="" id="{80A7F226-CA13-4B8D-B6F9-57842DF36DC8}"/>
+                <a16:creationId xmlns="" xmlns:a16="http://schemas.microsoft.com/office/drawing/2014/main" id="{80A7F226-CA13-4B8D-B6F9-57842DF36DC8}"/>
               </a:ext>
             </a:extLst>
           </p:cNvPr>
@@ -12228,7 +12284,7 @@
           <p:cNvPr id="5" name="Untertitel 4">
             <a:extLst>
               <a:ext uri="{FF2B5EF4-FFF2-40B4-BE49-F238E27FC236}">
-                <a16:creationId xmlns:a16="http://schemas.microsoft.com/office/drawing/2014/main" xmlns="" id="{293A100A-CA18-49A1-8835-38E443666125}"/>
+                <a16:creationId xmlns="" xmlns:a16="http://schemas.microsoft.com/office/drawing/2014/main" id="{293A100A-CA18-49A1-8835-38E443666125}"/>
               </a:ext>
             </a:extLst>
           </p:cNvPr>
@@ -12283,7 +12339,7 @@
           <p:cNvPr id="2" name="Titel 1">
             <a:extLst>
               <a:ext uri="{FF2B5EF4-FFF2-40B4-BE49-F238E27FC236}">
-                <a16:creationId xmlns:a16="http://schemas.microsoft.com/office/drawing/2014/main" xmlns="" id="{5CD34B0C-C4AB-4E9E-933D-FCEFA5F7386A}"/>
+                <a16:creationId xmlns="" xmlns:a16="http://schemas.microsoft.com/office/drawing/2014/main" id="{5CD34B0C-C4AB-4E9E-933D-FCEFA5F7386A}"/>
               </a:ext>
             </a:extLst>
           </p:cNvPr>
@@ -12750,7 +12806,7 @@
           <p:cNvPr id="2" name="Titel 1">
             <a:extLst>
               <a:ext uri="{FF2B5EF4-FFF2-40B4-BE49-F238E27FC236}">
-                <a16:creationId xmlns:a16="http://schemas.microsoft.com/office/drawing/2014/main" xmlns="" id="{DE62BF7E-ADBC-4B3B-8BAB-95D01E311AED}"/>
+                <a16:creationId xmlns="" xmlns:a16="http://schemas.microsoft.com/office/drawing/2014/main" id="{DE62BF7E-ADBC-4B3B-8BAB-95D01E311AED}"/>
               </a:ext>
             </a:extLst>
           </p:cNvPr>
@@ -12794,7 +12850,7 @@
           <p:cNvPr id="8" name="Gerade Verbindung mit Pfeil 7">
             <a:extLst>
               <a:ext uri="{FF2B5EF4-FFF2-40B4-BE49-F238E27FC236}">
-                <a16:creationId xmlns:a16="http://schemas.microsoft.com/office/drawing/2014/main" xmlns="" id="{A79B7D31-8930-4A5A-AA1C-06892CC18291}"/>
+                <a16:creationId xmlns="" xmlns:a16="http://schemas.microsoft.com/office/drawing/2014/main" id="{A79B7D31-8930-4A5A-AA1C-06892CC18291}"/>
               </a:ext>
             </a:extLst>
           </p:cNvPr>
@@ -12835,7 +12891,7 @@
           <p:cNvPr id="11" name="Gerade Verbindung mit Pfeil 10">
             <a:extLst>
               <a:ext uri="{FF2B5EF4-FFF2-40B4-BE49-F238E27FC236}">
-                <a16:creationId xmlns:a16="http://schemas.microsoft.com/office/drawing/2014/main" xmlns="" id="{193B10F6-7A53-474E-BC21-C9DDCDE704C0}"/>
+                <a16:creationId xmlns="" xmlns:a16="http://schemas.microsoft.com/office/drawing/2014/main" id="{193B10F6-7A53-474E-BC21-C9DDCDE704C0}"/>
               </a:ext>
             </a:extLst>
           </p:cNvPr>
@@ -12876,7 +12932,7 @@
           <p:cNvPr id="13" name="Ellipse 12">
             <a:extLst>
               <a:ext uri="{FF2B5EF4-FFF2-40B4-BE49-F238E27FC236}">
-                <a16:creationId xmlns:a16="http://schemas.microsoft.com/office/drawing/2014/main" xmlns="" id="{7469256C-C83A-4F95-96CA-1818F8942C6D}"/>
+                <a16:creationId xmlns="" xmlns:a16="http://schemas.microsoft.com/office/drawing/2014/main" id="{7469256C-C83A-4F95-96CA-1818F8942C6D}"/>
               </a:ext>
             </a:extLst>
           </p:cNvPr>
@@ -12922,7 +12978,7 @@
           <p:cNvPr id="14" name="Ellipse 13">
             <a:extLst>
               <a:ext uri="{FF2B5EF4-FFF2-40B4-BE49-F238E27FC236}">
-                <a16:creationId xmlns:a16="http://schemas.microsoft.com/office/drawing/2014/main" xmlns="" id="{FC6EE53D-2964-4925-B51C-31D899033BB5}"/>
+                <a16:creationId xmlns="" xmlns:a16="http://schemas.microsoft.com/office/drawing/2014/main" id="{FC6EE53D-2964-4925-B51C-31D899033BB5}"/>
               </a:ext>
             </a:extLst>
           </p:cNvPr>
@@ -12968,7 +13024,7 @@
           <p:cNvPr id="15" name="Ellipse 14">
             <a:extLst>
               <a:ext uri="{FF2B5EF4-FFF2-40B4-BE49-F238E27FC236}">
-                <a16:creationId xmlns:a16="http://schemas.microsoft.com/office/drawing/2014/main" xmlns="" id="{58ADDE1C-EA42-455F-8EA6-B8E3BAE0272F}"/>
+                <a16:creationId xmlns="" xmlns:a16="http://schemas.microsoft.com/office/drawing/2014/main" id="{58ADDE1C-EA42-455F-8EA6-B8E3BAE0272F}"/>
               </a:ext>
             </a:extLst>
           </p:cNvPr>
@@ -13014,7 +13070,7 @@
           <p:cNvPr id="16" name="Ellipse 15">
             <a:extLst>
               <a:ext uri="{FF2B5EF4-FFF2-40B4-BE49-F238E27FC236}">
-                <a16:creationId xmlns:a16="http://schemas.microsoft.com/office/drawing/2014/main" xmlns="" id="{896F73C8-8F04-4CC6-97C4-1DD7B5E41760}"/>
+                <a16:creationId xmlns="" xmlns:a16="http://schemas.microsoft.com/office/drawing/2014/main" id="{896F73C8-8F04-4CC6-97C4-1DD7B5E41760}"/>
               </a:ext>
             </a:extLst>
           </p:cNvPr>
@@ -13060,7 +13116,7 @@
           <p:cNvPr id="17" name="Ellipse 16">
             <a:extLst>
               <a:ext uri="{FF2B5EF4-FFF2-40B4-BE49-F238E27FC236}">
-                <a16:creationId xmlns:a16="http://schemas.microsoft.com/office/drawing/2014/main" xmlns="" id="{E834ED1C-E0F9-4D80-BC22-E8D5FF875936}"/>
+                <a16:creationId xmlns="" xmlns:a16="http://schemas.microsoft.com/office/drawing/2014/main" id="{E834ED1C-E0F9-4D80-BC22-E8D5FF875936}"/>
               </a:ext>
             </a:extLst>
           </p:cNvPr>
@@ -13114,7 +13170,7 @@
           <p:cNvPr id="18" name="Ellipse 17">
             <a:extLst>
               <a:ext uri="{FF2B5EF4-FFF2-40B4-BE49-F238E27FC236}">
-                <a16:creationId xmlns:a16="http://schemas.microsoft.com/office/drawing/2014/main" xmlns="" id="{D9C9DB88-0D38-44B0-8D62-510C1934DB2C}"/>
+                <a16:creationId xmlns="" xmlns:a16="http://schemas.microsoft.com/office/drawing/2014/main" id="{D9C9DB88-0D38-44B0-8D62-510C1934DB2C}"/>
               </a:ext>
             </a:extLst>
           </p:cNvPr>
@@ -13168,7 +13224,7 @@
           <p:cNvPr id="19" name="Ellipse 18">
             <a:extLst>
               <a:ext uri="{FF2B5EF4-FFF2-40B4-BE49-F238E27FC236}">
-                <a16:creationId xmlns:a16="http://schemas.microsoft.com/office/drawing/2014/main" xmlns="" id="{AF5D232C-9B44-46DD-9434-43BE9D322187}"/>
+                <a16:creationId xmlns="" xmlns:a16="http://schemas.microsoft.com/office/drawing/2014/main" id="{AF5D232C-9B44-46DD-9434-43BE9D322187}"/>
               </a:ext>
             </a:extLst>
           </p:cNvPr>
@@ -13222,7 +13278,7 @@
           <p:cNvPr id="20" name="Ellipse 19">
             <a:extLst>
               <a:ext uri="{FF2B5EF4-FFF2-40B4-BE49-F238E27FC236}">
-                <a16:creationId xmlns:a16="http://schemas.microsoft.com/office/drawing/2014/main" xmlns="" id="{7DBB5383-166E-4F55-B5DA-3A43707886C8}"/>
+                <a16:creationId xmlns="" xmlns:a16="http://schemas.microsoft.com/office/drawing/2014/main" id="{7DBB5383-166E-4F55-B5DA-3A43707886C8}"/>
               </a:ext>
             </a:extLst>
           </p:cNvPr>
@@ -13276,7 +13332,7 @@
           <p:cNvPr id="21" name="Rechteck 20">
             <a:extLst>
               <a:ext uri="{FF2B5EF4-FFF2-40B4-BE49-F238E27FC236}">
-                <a16:creationId xmlns:a16="http://schemas.microsoft.com/office/drawing/2014/main" xmlns="" id="{557170D4-743C-4500-AC84-115677CC29C7}"/>
+                <a16:creationId xmlns="" xmlns:a16="http://schemas.microsoft.com/office/drawing/2014/main" id="{557170D4-743C-4500-AC84-115677CC29C7}"/>
               </a:ext>
             </a:extLst>
           </p:cNvPr>
@@ -13323,7 +13379,7 @@
           <p:cNvPr id="22" name="Rechteck 21">
             <a:extLst>
               <a:ext uri="{FF2B5EF4-FFF2-40B4-BE49-F238E27FC236}">
-                <a16:creationId xmlns:a16="http://schemas.microsoft.com/office/drawing/2014/main" xmlns="" id="{CB6D8A3C-1082-4255-9556-0AE3CBADAAC2}"/>
+                <a16:creationId xmlns="" xmlns:a16="http://schemas.microsoft.com/office/drawing/2014/main" id="{CB6D8A3C-1082-4255-9556-0AE3CBADAAC2}"/>
               </a:ext>
             </a:extLst>
           </p:cNvPr>
@@ -13375,7 +13431,7 @@
           <p:cNvPr id="23" name="Stern: 5 Zacken 22">
             <a:extLst>
               <a:ext uri="{FF2B5EF4-FFF2-40B4-BE49-F238E27FC236}">
-                <a16:creationId xmlns:a16="http://schemas.microsoft.com/office/drawing/2014/main" xmlns="" id="{30ACAD23-06F1-4109-8CB7-3983EAC26B6E}"/>
+                <a16:creationId xmlns="" xmlns:a16="http://schemas.microsoft.com/office/drawing/2014/main" id="{30ACAD23-06F1-4109-8CB7-3983EAC26B6E}"/>
               </a:ext>
             </a:extLst>
           </p:cNvPr>
@@ -13429,7 +13485,7 @@
           <p:cNvPr id="24" name="Ellipse 23">
             <a:extLst>
               <a:ext uri="{FF2B5EF4-FFF2-40B4-BE49-F238E27FC236}">
-                <a16:creationId xmlns:a16="http://schemas.microsoft.com/office/drawing/2014/main" xmlns="" id="{1E130FB0-31E0-48E1-BBE6-B0DDCA3F1952}"/>
+                <a16:creationId xmlns="" xmlns:a16="http://schemas.microsoft.com/office/drawing/2014/main" id="{1E130FB0-31E0-48E1-BBE6-B0DDCA3F1952}"/>
               </a:ext>
             </a:extLst>
           </p:cNvPr>
@@ -13481,7 +13537,7 @@
           <p:cNvPr id="25" name="Ellipse 24">
             <a:extLst>
               <a:ext uri="{FF2B5EF4-FFF2-40B4-BE49-F238E27FC236}">
-                <a16:creationId xmlns:a16="http://schemas.microsoft.com/office/drawing/2014/main" xmlns="" id="{909F81B8-BBC3-41DE-BFEA-18D8DE20A4A0}"/>
+                <a16:creationId xmlns="" xmlns:a16="http://schemas.microsoft.com/office/drawing/2014/main" id="{909F81B8-BBC3-41DE-BFEA-18D8DE20A4A0}"/>
               </a:ext>
             </a:extLst>
           </p:cNvPr>
@@ -13533,7 +13589,7 @@
           <p:cNvPr id="26" name="Textfeld 25">
             <a:extLst>
               <a:ext uri="{FF2B5EF4-FFF2-40B4-BE49-F238E27FC236}">
-                <a16:creationId xmlns:a16="http://schemas.microsoft.com/office/drawing/2014/main" xmlns="" id="{E1A66F3B-E0D0-47BD-BF9A-2E68700102D7}"/>
+                <a16:creationId xmlns="" xmlns:a16="http://schemas.microsoft.com/office/drawing/2014/main" id="{E1A66F3B-E0D0-47BD-BF9A-2E68700102D7}"/>
               </a:ext>
             </a:extLst>
           </p:cNvPr>
@@ -14224,10 +14280,10 @@
           <p:cNvPr id="12" name="Rectangle 11">
             <a:extLst>
               <a:ext uri="{FF2B5EF4-FFF2-40B4-BE49-F238E27FC236}">
-                <a16:creationId xmlns:a16="http://schemas.microsoft.com/office/drawing/2014/main" xmlns="" id="{B44C3061-D558-447B-A988-09ECE14461D7}"/>
+                <a16:creationId xmlns="" xmlns:a16="http://schemas.microsoft.com/office/drawing/2014/main" id="{B44C3061-D558-447B-A988-09ECE14461D7}"/>
               </a:ext>
               <a:ext uri="{C183D7F6-B498-43B3-948B-1728B52AA6E4}">
-                <adec:decorative xmlns:adec="http://schemas.microsoft.com/office/drawing/2017/decorative" xmlns="" val="1"/>
+                <adec:decorative xmlns="" xmlns:adec="http://schemas.microsoft.com/office/drawing/2017/decorative" val="1"/>
               </a:ext>
             </a:extLst>
           </p:cNvPr>
@@ -14237,7 +14293,7 @@
           <p:nvPr>
             <p:extLst>
               <p:ext uri="{386F3935-93C4-4BCD-93E2-E3B085C9AB24}">
-                <p16:designElem xmlns:p16="http://schemas.microsoft.com/office/powerpoint/2015/main" xmlns="" val="1"/>
+                <p16:designElem xmlns="" xmlns:p16="http://schemas.microsoft.com/office/powerpoint/2015/main" val="1"/>
               </p:ext>
             </p:extLst>
           </p:nvPr>
@@ -14284,10 +14340,10 @@
           <p:cNvPr id="14" name="Rectangle 13">
             <a:extLst>
               <a:ext uri="{FF2B5EF4-FFF2-40B4-BE49-F238E27FC236}">
-                <a16:creationId xmlns:a16="http://schemas.microsoft.com/office/drawing/2014/main" xmlns="" id="{59339771-9C8F-497E-8974-E09A86FEEB23}"/>
+                <a16:creationId xmlns="" xmlns:a16="http://schemas.microsoft.com/office/drawing/2014/main" id="{59339771-9C8F-497E-8974-E09A86FEEB23}"/>
               </a:ext>
               <a:ext uri="{C183D7F6-B498-43B3-948B-1728B52AA6E4}">
-                <adec:decorative xmlns:adec="http://schemas.microsoft.com/office/drawing/2017/decorative" xmlns="" val="1"/>
+                <adec:decorative xmlns="" xmlns:adec="http://schemas.microsoft.com/office/drawing/2017/decorative" val="1"/>
               </a:ext>
             </a:extLst>
           </p:cNvPr>
@@ -14297,7 +14353,7 @@
           <p:nvPr>
             <p:extLst>
               <p:ext uri="{386F3935-93C4-4BCD-93E2-E3B085C9AB24}">
-                <p16:designElem xmlns:p16="http://schemas.microsoft.com/office/powerpoint/2015/main" xmlns="" val="1"/>
+                <p16:designElem xmlns="" xmlns:p16="http://schemas.microsoft.com/office/powerpoint/2015/main" val="1"/>
               </p:ext>
             </p:extLst>
           </p:nvPr>
@@ -14339,7 +14395,7 @@
           <p:cNvPr id="2" name="Titel 1">
             <a:extLst>
               <a:ext uri="{FF2B5EF4-FFF2-40B4-BE49-F238E27FC236}">
-                <a16:creationId xmlns:a16="http://schemas.microsoft.com/office/drawing/2014/main" xmlns="" id="{024FB30C-45D5-4A6E-861B-AC316BA5D430}"/>
+                <a16:creationId xmlns="" xmlns:a16="http://schemas.microsoft.com/office/drawing/2014/main" id="{024FB30C-45D5-4A6E-861B-AC316BA5D430}"/>
               </a:ext>
             </a:extLst>
           </p:cNvPr>
@@ -14407,7 +14463,7 @@
           <p:cNvPr id="9" name="Content Placeholder 8">
             <a:extLst>
               <a:ext uri="{FF2B5EF4-FFF2-40B4-BE49-F238E27FC236}">
-                <a16:creationId xmlns:a16="http://schemas.microsoft.com/office/drawing/2014/main" xmlns="" id="{1C0D0782-8490-4FB9-A235-992C1F1F1C25}"/>
+                <a16:creationId xmlns="" xmlns:a16="http://schemas.microsoft.com/office/drawing/2014/main" id="{1C0D0782-8490-4FB9-A235-992C1F1F1C25}"/>
               </a:ext>
             </a:extLst>
           </p:cNvPr>
@@ -14508,10 +14564,10 @@
           <p:cNvPr id="16" name="Rectangle 15">
             <a:extLst>
               <a:ext uri="{FF2B5EF4-FFF2-40B4-BE49-F238E27FC236}">
-                <a16:creationId xmlns:a16="http://schemas.microsoft.com/office/drawing/2014/main" xmlns="" id="{BDB54B0B-6CFB-4B92-A5DC-5DCD05BE5B4D}"/>
+                <a16:creationId xmlns="" xmlns:a16="http://schemas.microsoft.com/office/drawing/2014/main" id="{BDB54B0B-6CFB-4B92-A5DC-5DCD05BE5B4D}"/>
               </a:ext>
               <a:ext uri="{C183D7F6-B498-43B3-948B-1728B52AA6E4}">
-                <adec:decorative xmlns:adec="http://schemas.microsoft.com/office/drawing/2017/decorative" xmlns="" val="1"/>
+                <adec:decorative xmlns="" xmlns:adec="http://schemas.microsoft.com/office/drawing/2017/decorative" val="1"/>
               </a:ext>
             </a:extLst>
           </p:cNvPr>
@@ -14521,7 +14577,7 @@
           <p:nvPr>
             <p:extLst>
               <p:ext uri="{386F3935-93C4-4BCD-93E2-E3B085C9AB24}">
-                <p16:designElem xmlns:p16="http://schemas.microsoft.com/office/powerpoint/2015/main" xmlns="" val="1"/>
+                <p16:designElem xmlns="" xmlns:p16="http://schemas.microsoft.com/office/powerpoint/2015/main" val="1"/>
               </p:ext>
             </p:extLst>
           </p:nvPr>
@@ -14563,7 +14619,7 @@
           <p:cNvPr id="7" name="Inhaltsplatzhalter 3">
             <a:extLst>
               <a:ext uri="{FF2B5EF4-FFF2-40B4-BE49-F238E27FC236}">
-                <a16:creationId xmlns:a16="http://schemas.microsoft.com/office/drawing/2014/main" xmlns="" id="{98A9C15B-CCC4-4E5C-B799-5CC331BD3332}"/>
+                <a16:creationId xmlns="" xmlns:a16="http://schemas.microsoft.com/office/drawing/2014/main" id="{98A9C15B-CCC4-4E5C-B799-5CC331BD3332}"/>
               </a:ext>
             </a:extLst>
           </p:cNvPr>
@@ -14622,7 +14678,7 @@
           <p:cNvPr id="2" name="Titel 1">
             <a:extLst>
               <a:ext uri="{FF2B5EF4-FFF2-40B4-BE49-F238E27FC236}">
-                <a16:creationId xmlns:a16="http://schemas.microsoft.com/office/drawing/2014/main" xmlns="" id="{2D19F794-8599-4A1D-A689-743EBDA80DB4}"/>
+                <a16:creationId xmlns="" xmlns:a16="http://schemas.microsoft.com/office/drawing/2014/main" id="{2D19F794-8599-4A1D-A689-743EBDA80DB4}"/>
               </a:ext>
             </a:extLst>
           </p:cNvPr>
@@ -14667,7 +14723,7 @@
           <p:cNvPr id="4" name="Textfeld 3">
             <a:extLst>
               <a:ext uri="{FF2B5EF4-FFF2-40B4-BE49-F238E27FC236}">
-                <a16:creationId xmlns:a16="http://schemas.microsoft.com/office/drawing/2014/main" xmlns="" id="{5E36B305-D4C6-4B27-9782-732C3867DEA7}"/>
+                <a16:creationId xmlns="" xmlns:a16="http://schemas.microsoft.com/office/drawing/2014/main" id="{5E36B305-D4C6-4B27-9782-732C3867DEA7}"/>
               </a:ext>
             </a:extLst>
           </p:cNvPr>
@@ -15283,7 +15339,7 @@
           <p:cNvPr id="2" name="Titel 1">
             <a:extLst>
               <a:ext uri="{FF2B5EF4-FFF2-40B4-BE49-F238E27FC236}">
-                <a16:creationId xmlns:a16="http://schemas.microsoft.com/office/drawing/2014/main" xmlns="" id="{F6CDE045-1C18-44A9-946E-E74089FBB179}"/>
+                <a16:creationId xmlns="" xmlns:a16="http://schemas.microsoft.com/office/drawing/2014/main" id="{F6CDE045-1C18-44A9-946E-E74089FBB179}"/>
               </a:ext>
             </a:extLst>
           </p:cNvPr>
@@ -15325,7 +15381,7 @@
           <p:cNvPr id="5" name="Inhaltsplatzhalter 4">
             <a:extLst>
               <a:ext uri="{FF2B5EF4-FFF2-40B4-BE49-F238E27FC236}">
-                <a16:creationId xmlns:a16="http://schemas.microsoft.com/office/drawing/2014/main" xmlns="" id="{C2F4A0CB-AF1A-4BE8-829B-9C5B7E49D064}"/>
+                <a16:creationId xmlns="" xmlns:a16="http://schemas.microsoft.com/office/drawing/2014/main" id="{C2F4A0CB-AF1A-4BE8-829B-9C5B7E49D064}"/>
               </a:ext>
             </a:extLst>
           </p:cNvPr>
@@ -15390,7 +15446,7 @@
           <p:cNvPr id="3" name="Inhaltsplatzhalter 2">
             <a:extLst>
               <a:ext uri="{FF2B5EF4-FFF2-40B4-BE49-F238E27FC236}">
-                <a16:creationId xmlns:a16="http://schemas.microsoft.com/office/drawing/2014/main" xmlns="" id="{56D22BFB-FDAA-4D7E-88D9-C29E57B7C51D}"/>
+                <a16:creationId xmlns="" xmlns:a16="http://schemas.microsoft.com/office/drawing/2014/main" id="{56D22BFB-FDAA-4D7E-88D9-C29E57B7C51D}"/>
               </a:ext>
             </a:extLst>
           </p:cNvPr>
@@ -15429,7 +15485,7 @@
           <p:cNvPr id="4" name="Inhaltsplatzhalter 3">
             <a:extLst>
               <a:ext uri="{FF2B5EF4-FFF2-40B4-BE49-F238E27FC236}">
-                <a16:creationId xmlns:a16="http://schemas.microsoft.com/office/drawing/2014/main" xmlns="" id="{370A4785-6A67-4835-A53B-8D4F4DA15C1E}"/>
+                <a16:creationId xmlns="" xmlns:a16="http://schemas.microsoft.com/office/drawing/2014/main" id="{370A4785-6A67-4835-A53B-8D4F4DA15C1E}"/>
               </a:ext>
             </a:extLst>
           </p:cNvPr>
@@ -15459,7 +15515,7 @@
           <p:cNvPr id="5" name="Grafik 7">
             <a:extLst>
               <a:ext uri="{FF2B5EF4-FFF2-40B4-BE49-F238E27FC236}">
-                <a16:creationId xmlns:a16="http://schemas.microsoft.com/office/drawing/2014/main" xmlns="" id="{5252049F-1455-46B7-9B58-C400DA353D3F}"/>
+                <a16:creationId xmlns="" xmlns:a16="http://schemas.microsoft.com/office/drawing/2014/main" id="{5252049F-1455-46B7-9B58-C400DA353D3F}"/>
               </a:ext>
             </a:extLst>
           </p:cNvPr>
@@ -15489,7 +15545,7 @@
           <p:cNvPr id="6" name="Textfeld 9">
             <a:extLst>
               <a:ext uri="{FF2B5EF4-FFF2-40B4-BE49-F238E27FC236}">
-                <a16:creationId xmlns:a16="http://schemas.microsoft.com/office/drawing/2014/main" xmlns="" id="{DEDCDEB8-1162-4AAC-93D8-F1A1F6FB9B4B}"/>
+                <a16:creationId xmlns="" xmlns:a16="http://schemas.microsoft.com/office/drawing/2014/main" id="{DEDCDEB8-1162-4AAC-93D8-F1A1F6FB9B4B}"/>
               </a:ext>
             </a:extLst>
           </p:cNvPr>
@@ -15703,7 +15759,7 @@
           <p:cNvPr id="7" name="Titel 1">
             <a:extLst>
               <a:ext uri="{FF2B5EF4-FFF2-40B4-BE49-F238E27FC236}">
-                <a16:creationId xmlns:a16="http://schemas.microsoft.com/office/drawing/2014/main" xmlns="" id="{3D022FA1-1227-4EA1-8EB1-679CE9C5CFCD}"/>
+                <a16:creationId xmlns="" xmlns:a16="http://schemas.microsoft.com/office/drawing/2014/main" id="{3D022FA1-1227-4EA1-8EB1-679CE9C5CFCD}"/>
               </a:ext>
             </a:extLst>
           </p:cNvPr>
@@ -15862,6 +15918,243 @@
           <a:chExt cx="0" cy="0"/>
         </a:xfrm>
       </p:grpSpPr>
+      <p:sp>
+        <p:nvSpPr>
+          <p:cNvPr id="2" name="TextBox 1"/>
+          <p:cNvSpPr txBox="1"/>
+          <p:nvPr/>
+        </p:nvSpPr>
+        <p:spPr>
+          <a:xfrm>
+            <a:off x="266329" y="104028"/>
+            <a:ext cx="11487705" cy="769441"/>
+          </a:xfrm>
+          <a:prstGeom prst="rect">
+            <a:avLst/>
+          </a:prstGeom>
+          <a:noFill/>
+        </p:spPr>
+        <p:txBody>
+          <a:bodyPr wrap="square" rtlCol="0">
+            <a:spAutoFit/>
+          </a:bodyPr>
+          <a:lstStyle/>
+          <a:p>
+            <a:r>
+              <a:rPr lang="en-US" sz="4400" dirty="0" smtClean="0">
+                <a:solidFill>
+                  <a:schemeClr val="tx1">
+                    <a:lumMod val="75000"/>
+                    <a:lumOff val="25000"/>
+                  </a:schemeClr>
+                </a:solidFill>
+              </a:rPr>
+              <a:t>Interesting tendencies</a:t>
+            </a:r>
+            <a:endParaRPr lang="ru-RU" sz="4400" dirty="0">
+              <a:solidFill>
+                <a:schemeClr val="tx1">
+                  <a:lumMod val="75000"/>
+                  <a:lumOff val="25000"/>
+                </a:schemeClr>
+              </a:solidFill>
+            </a:endParaRPr>
+          </a:p>
+        </p:txBody>
+      </p:sp>
+      <p:cxnSp>
+        <p:nvCxnSpPr>
+          <p:cNvPr id="3" name="Прямая соединительная линия 2"/>
+          <p:cNvCxnSpPr/>
+          <p:nvPr/>
+        </p:nvCxnSpPr>
+        <p:spPr>
+          <a:xfrm flipV="1">
+            <a:off x="0" y="873468"/>
+            <a:ext cx="12192000" cy="1"/>
+          </a:xfrm>
+          <a:prstGeom prst="line">
+            <a:avLst/>
+          </a:prstGeom>
+          <a:ln>
+            <a:solidFill>
+              <a:schemeClr val="tx2">
+                <a:lumMod val="40000"/>
+                <a:lumOff val="60000"/>
+              </a:schemeClr>
+            </a:solidFill>
+          </a:ln>
+        </p:spPr>
+        <p:style>
+          <a:lnRef idx="1">
+            <a:schemeClr val="accent1"/>
+          </a:lnRef>
+          <a:fillRef idx="0">
+            <a:schemeClr val="accent1"/>
+          </a:fillRef>
+          <a:effectRef idx="0">
+            <a:schemeClr val="accent1"/>
+          </a:effectRef>
+          <a:fontRef idx="minor">
+            <a:schemeClr val="tx1"/>
+          </a:fontRef>
+        </p:style>
+      </p:cxnSp>
+      <p:sp>
+        <p:nvSpPr>
+          <p:cNvPr id="4" name="TextBox 3"/>
+          <p:cNvSpPr txBox="1"/>
+          <p:nvPr/>
+        </p:nvSpPr>
+        <p:spPr>
+          <a:xfrm>
+            <a:off x="106531" y="994299"/>
+            <a:ext cx="9090734" cy="923330"/>
+          </a:xfrm>
+          <a:prstGeom prst="rect">
+            <a:avLst/>
+          </a:prstGeom>
+          <a:noFill/>
+        </p:spPr>
+        <p:txBody>
+          <a:bodyPr wrap="square" rtlCol="0">
+            <a:spAutoFit/>
+          </a:bodyPr>
+          <a:lstStyle/>
+          <a:p>
+            <a:pPr marL="285750" indent="-285750">
+              <a:buFont typeface="Arial" panose="020B0604020202020204" pitchFamily="34" charset="0"/>
+              <a:buChar char="•"/>
+            </a:pPr>
+            <a:r>
+              <a:rPr lang="de-DE" dirty="0"/>
+              <a:t>2 </a:t>
+            </a:r>
+            <a:r>
+              <a:rPr lang="de-DE" dirty="0" err="1"/>
+              <a:t>dimensions</a:t>
+            </a:r>
+            <a:r>
+              <a:rPr lang="de-DE" dirty="0"/>
+              <a:t>: </a:t>
+            </a:r>
+            <a:r>
+              <a:rPr lang="de-DE" dirty="0" err="1"/>
+              <a:t>less</a:t>
+            </a:r>
+            <a:r>
+              <a:rPr lang="de-DE" dirty="0"/>
+              <a:t> </a:t>
+            </a:r>
+            <a:r>
+              <a:rPr lang="de-DE" dirty="0" err="1"/>
+              <a:t>than</a:t>
+            </a:r>
+            <a:r>
+              <a:rPr lang="de-DE" dirty="0"/>
+              <a:t> 5% </a:t>
+            </a:r>
+            <a:r>
+              <a:rPr lang="de-DE" dirty="0" err="1"/>
+              <a:t>variance</a:t>
+            </a:r>
+            <a:r>
+              <a:rPr lang="de-DE" dirty="0"/>
+              <a:t>, but </a:t>
+            </a:r>
+            <a:r>
+              <a:rPr lang="de-DE" dirty="0" err="1"/>
+              <a:t>more</a:t>
+            </a:r>
+            <a:r>
+              <a:rPr lang="de-DE" dirty="0"/>
+              <a:t> </a:t>
+            </a:r>
+            <a:r>
+              <a:rPr lang="de-DE" dirty="0" err="1"/>
+              <a:t>than</a:t>
+            </a:r>
+            <a:r>
+              <a:rPr lang="de-DE" dirty="0"/>
+              <a:t> 30% </a:t>
+            </a:r>
+            <a:r>
+              <a:rPr lang="de-DE" dirty="0" err="1"/>
+              <a:t>accuracy</a:t>
+            </a:r>
+            <a:endParaRPr lang="de-DE" dirty="0"/>
+          </a:p>
+          <a:p>
+            <a:pPr marL="285750" indent="-285750">
+              <a:buFont typeface="Arial" panose="020B0604020202020204" pitchFamily="34" charset="0"/>
+              <a:buChar char="•"/>
+            </a:pPr>
+            <a:r>
+              <a:rPr lang="de-DE" dirty="0"/>
+              <a:t>3 </a:t>
+            </a:r>
+            <a:r>
+              <a:rPr lang="de-DE" dirty="0" err="1"/>
+              <a:t>dimensions</a:t>
+            </a:r>
+            <a:r>
+              <a:rPr lang="de-DE" dirty="0"/>
+              <a:t>: 5% </a:t>
+            </a:r>
+            <a:r>
+              <a:rPr lang="de-DE" dirty="0" err="1"/>
+              <a:t>variance</a:t>
+            </a:r>
+            <a:r>
+              <a:rPr lang="de-DE" dirty="0"/>
+              <a:t>, </a:t>
+            </a:r>
+            <a:r>
+              <a:rPr lang="de-DE" dirty="0" err="1"/>
+              <a:t>the</a:t>
+            </a:r>
+            <a:r>
+              <a:rPr lang="de-DE" dirty="0"/>
+              <a:t> </a:t>
+            </a:r>
+            <a:r>
+              <a:rPr lang="de-DE" dirty="0" err="1"/>
+              <a:t>highest</a:t>
+            </a:r>
+            <a:r>
+              <a:rPr lang="de-DE" dirty="0"/>
+              <a:t> </a:t>
+            </a:r>
+            <a:r>
+              <a:rPr lang="de-DE" dirty="0" err="1"/>
+              <a:t>increase</a:t>
+            </a:r>
+            <a:r>
+              <a:rPr lang="de-DE" dirty="0"/>
+              <a:t> in </a:t>
+            </a:r>
+            <a:r>
+              <a:rPr lang="de-DE" dirty="0" err="1"/>
+              <a:t>accuracy</a:t>
+            </a:r>
+            <a:r>
+              <a:rPr lang="de-DE" dirty="0"/>
+              <a:t> (</a:t>
+            </a:r>
+            <a:r>
+              <a:rPr lang="de-DE" dirty="0" err="1"/>
+              <a:t>to</a:t>
+            </a:r>
+            <a:r>
+              <a:rPr lang="de-DE" dirty="0"/>
+              <a:t> 50%)</a:t>
+            </a:r>
+          </a:p>
+          <a:p>
+            <a:endParaRPr lang="ru-RU" dirty="0"/>
+          </a:p>
+        </p:txBody>
+      </p:sp>
     </p:spTree>
     <p:extLst>
       <p:ext uri="{BB962C8B-B14F-4D97-AF65-F5344CB8AC3E}">
@@ -16658,7 +16951,7 @@
   <a:extraClrSchemeLst/>
   <a:extLst>
     <a:ext uri="{05A4C25C-085E-4340-85A3-A5531E510DB2}">
-      <thm15:themeFamily xmlns:thm15="http://schemas.microsoft.com/office/thememl/2012/main" xmlns="" name="Retrospect" id="{5F128B03-DCCA-4EEB-AB3B-CF2899314A46}" vid="{9CC26709-368C-4D72-9060-94E5B3FF3CD6}"/>
+      <thm15:themeFamily xmlns="" xmlns:thm15="http://schemas.microsoft.com/office/thememl/2012/main" name="Retrospect" id="{5F128B03-DCCA-4EEB-AB3B-CF2899314A46}" vid="{9CC26709-368C-4D72-9060-94E5B3FF3CD6}"/>
     </a:ext>
   </a:extLst>
 </a:theme>

--- a/presentation_digit_recog2.pptx
+++ b/presentation_digit_recog2.pptx
@@ -124,7 +124,7 @@
   </p:defaultTextStyle>
   <p:extLst>
     <p:ext uri="{EFAFB233-063F-42B5-8137-9DF3F51BA10A}">
-      <p15:sldGuideLst xmlns="" xmlns:p15="http://schemas.microsoft.com/office/powerpoint/2012/main">
+      <p15:sldGuideLst xmlns:p15="http://schemas.microsoft.com/office/powerpoint/2012/main" xmlns="">
         <p15:guide id="1" orient="horz" pos="2160">
           <p15:clr>
             <a:srgbClr val="A4A3A4"/>
@@ -347,7 +347,7 @@
           <a:p>
             <a:fld id="{29E7901B-09AF-4D4A-907F-86E00F8E0E92}" type="slidenum">
               <a:rPr lang="de-DE" smtClean="0"/>
-              <a:t>‹#›</a:t>
+              <a:t>‹Nr.›</a:t>
             </a:fld>
             <a:endParaRPr lang="de-DE"/>
           </a:p>
@@ -517,7 +517,7 @@
           <a:p>
             <a:fld id="{29E7901B-09AF-4D4A-907F-86E00F8E0E92}" type="slidenum">
               <a:rPr lang="de-DE" smtClean="0"/>
-              <a:t>‹#›</a:t>
+              <a:t>‹Nr.›</a:t>
             </a:fld>
             <a:endParaRPr lang="de-DE"/>
           </a:p>
@@ -697,7 +697,7 @@
           <a:p>
             <a:fld id="{29E7901B-09AF-4D4A-907F-86E00F8E0E92}" type="slidenum">
               <a:rPr lang="de-DE" smtClean="0"/>
-              <a:t>‹#›</a:t>
+              <a:t>‹Nr.›</a:t>
             </a:fld>
             <a:endParaRPr lang="de-DE"/>
           </a:p>
@@ -900,7 +900,7 @@
           <a:p>
             <a:fld id="{29E7901B-09AF-4D4A-907F-86E00F8E0E92}" type="slidenum">
               <a:rPr lang="de-DE" smtClean="0"/>
-              <a:t>‹#›</a:t>
+              <a:t>‹Nr.›</a:t>
             </a:fld>
             <a:endParaRPr lang="de-DE"/>
           </a:p>
@@ -1070,7 +1070,7 @@
           <a:p>
             <a:fld id="{29E7901B-09AF-4D4A-907F-86E00F8E0E92}" type="slidenum">
               <a:rPr lang="de-DE" smtClean="0"/>
-              <a:t>‹#›</a:t>
+              <a:t>‹Nr.›</a:t>
             </a:fld>
             <a:endParaRPr lang="de-DE"/>
           </a:p>
@@ -1321,7 +1321,7 @@
           <a:p>
             <a:fld id="{29E7901B-09AF-4D4A-907F-86E00F8E0E92}" type="slidenum">
               <a:rPr lang="de-DE" smtClean="0"/>
-              <a:t>‹#›</a:t>
+              <a:t>‹Nr.›</a:t>
             </a:fld>
             <a:endParaRPr lang="de-DE"/>
           </a:p>
@@ -1553,7 +1553,7 @@
           <a:p>
             <a:fld id="{29E7901B-09AF-4D4A-907F-86E00F8E0E92}" type="slidenum">
               <a:rPr lang="de-DE" smtClean="0"/>
-              <a:t>‹#›</a:t>
+              <a:t>‹Nr.›</a:t>
             </a:fld>
             <a:endParaRPr lang="de-DE"/>
           </a:p>
@@ -1900,7 +1900,7 @@
           <a:p>
             <a:fld id="{29E7901B-09AF-4D4A-907F-86E00F8E0E92}" type="slidenum">
               <a:rPr lang="de-DE" smtClean="0"/>
-              <a:t>‹#›</a:t>
+              <a:t>‹Nr.›</a:t>
             </a:fld>
             <a:endParaRPr lang="de-DE"/>
           </a:p>
@@ -2018,7 +2018,7 @@
           <a:p>
             <a:fld id="{29E7901B-09AF-4D4A-907F-86E00F8E0E92}" type="slidenum">
               <a:rPr lang="de-DE" smtClean="0"/>
-              <a:t>‹#›</a:t>
+              <a:t>‹Nr.›</a:t>
             </a:fld>
             <a:endParaRPr lang="de-DE"/>
           </a:p>
@@ -2136,7 +2136,7 @@
           <a:p>
             <a:fld id="{29E7901B-09AF-4D4A-907F-86E00F8E0E92}" type="slidenum">
               <a:rPr lang="de-DE" smtClean="0"/>
-              <a:t>‹#›</a:t>
+              <a:t>‹Nr.›</a:t>
             </a:fld>
             <a:endParaRPr lang="de-DE"/>
           </a:p>
@@ -2420,7 +2420,7 @@
           <a:p>
             <a:fld id="{29E7901B-09AF-4D4A-907F-86E00F8E0E92}" type="slidenum">
               <a:rPr lang="de-DE" smtClean="0"/>
-              <a:t>‹#›</a:t>
+              <a:t>‹Nr.›</a:t>
             </a:fld>
             <a:endParaRPr lang="de-DE"/>
           </a:p>
@@ -2590,7 +2590,7 @@
           <a:p>
             <a:fld id="{29E7901B-09AF-4D4A-907F-86E00F8E0E92}" type="slidenum">
               <a:rPr lang="de-DE" smtClean="0"/>
-              <a:t>‹#›</a:t>
+              <a:t>‹Nr.›</a:t>
             </a:fld>
             <a:endParaRPr lang="de-DE"/>
           </a:p>
@@ -2854,7 +2854,7 @@
           <a:p>
             <a:fld id="{29E7901B-09AF-4D4A-907F-86E00F8E0E92}" type="slidenum">
               <a:rPr lang="de-DE" smtClean="0"/>
-              <a:t>‹#›</a:t>
+              <a:t>‹Nr.›</a:t>
             </a:fld>
             <a:endParaRPr lang="de-DE"/>
           </a:p>
@@ -3024,7 +3024,7 @@
           <a:p>
             <a:fld id="{29E7901B-09AF-4D4A-907F-86E00F8E0E92}" type="slidenum">
               <a:rPr lang="de-DE" smtClean="0"/>
-              <a:t>‹#›</a:t>
+              <a:t>‹Nr.›</a:t>
             </a:fld>
             <a:endParaRPr lang="de-DE"/>
           </a:p>
@@ -3204,7 +3204,7 @@
           <a:p>
             <a:fld id="{29E7901B-09AF-4D4A-907F-86E00F8E0E92}" type="slidenum">
               <a:rPr lang="de-DE" smtClean="0"/>
-              <a:t>‹#›</a:t>
+              <a:t>‹Nr.›</a:t>
             </a:fld>
             <a:endParaRPr lang="de-DE"/>
           </a:p>
@@ -3491,7 +3491,7 @@
           <a:p>
             <a:fld id="{29E7901B-09AF-4D4A-907F-86E00F8E0E92}" type="slidenum">
               <a:rPr lang="de-DE" smtClean="0"/>
-              <a:t>‹#›</a:t>
+              <a:t>‹Nr.›</a:t>
             </a:fld>
             <a:endParaRPr lang="de-DE"/>
           </a:p>
@@ -3699,7 +3699,7 @@
           <a:p>
             <a:fld id="{29E7901B-09AF-4D4A-907F-86E00F8E0E92}" type="slidenum">
               <a:rPr lang="de-DE" smtClean="0"/>
-              <a:t>‹#›</a:t>
+              <a:t>‹Nr.›</a:t>
             </a:fld>
             <a:endParaRPr lang="de-DE"/>
           </a:p>
@@ -4042,7 +4042,7 @@
           <a:p>
             <a:fld id="{29E7901B-09AF-4D4A-907F-86E00F8E0E92}" type="slidenum">
               <a:rPr lang="de-DE" smtClean="0"/>
-              <a:t>‹#›</a:t>
+              <a:t>‹Nr.›</a:t>
             </a:fld>
             <a:endParaRPr lang="de-DE"/>
           </a:p>
@@ -4317,7 +4317,7 @@
           <a:p>
             <a:fld id="{29E7901B-09AF-4D4A-907F-86E00F8E0E92}" type="slidenum">
               <a:rPr lang="de-DE" smtClean="0"/>
-              <a:t>‹#›</a:t>
+              <a:t>‹Nr.›</a:t>
             </a:fld>
             <a:endParaRPr lang="de-DE"/>
           </a:p>
@@ -4696,7 +4696,7 @@
           <a:p>
             <a:fld id="{29E7901B-09AF-4D4A-907F-86E00F8E0E92}" type="slidenum">
               <a:rPr lang="de-DE" smtClean="0"/>
-              <a:t>‹#›</a:t>
+              <a:t>‹Nr.›</a:t>
             </a:fld>
             <a:endParaRPr lang="de-DE"/>
           </a:p>
@@ -4814,7 +4814,7 @@
           <a:p>
             <a:fld id="{29E7901B-09AF-4D4A-907F-86E00F8E0E92}" type="slidenum">
               <a:rPr lang="de-DE" smtClean="0"/>
-              <a:t>‹#›</a:t>
+              <a:t>‹Nr.›</a:t>
             </a:fld>
             <a:endParaRPr lang="de-DE"/>
           </a:p>
@@ -4993,7 +4993,7 @@
           <a:p>
             <a:fld id="{29E7901B-09AF-4D4A-907F-86E00F8E0E92}" type="slidenum">
               <a:rPr lang="de-DE" smtClean="0"/>
-              <a:t>‹#›</a:t>
+              <a:t>‹Nr.›</a:t>
             </a:fld>
             <a:endParaRPr lang="de-DE"/>
           </a:p>
@@ -5244,7 +5244,7 @@
           <a:p>
             <a:fld id="{29E7901B-09AF-4D4A-907F-86E00F8E0E92}" type="slidenum">
               <a:rPr lang="de-DE" smtClean="0"/>
-              <a:t>‹#›</a:t>
+              <a:t>‹Nr.›</a:t>
             </a:fld>
             <a:endParaRPr lang="de-DE"/>
           </a:p>
@@ -5611,7 +5611,7 @@
           <a:p>
             <a:fld id="{29E7901B-09AF-4D4A-907F-86E00F8E0E92}" type="slidenum">
               <a:rPr lang="de-DE" smtClean="0"/>
-              <a:t>‹#›</a:t>
+              <a:t>‹Nr.›</a:t>
             </a:fld>
             <a:endParaRPr lang="de-DE"/>
           </a:p>
@@ -5967,7 +5967,7 @@
           <a:p>
             <a:fld id="{29E7901B-09AF-4D4A-907F-86E00F8E0E92}" type="slidenum">
               <a:rPr lang="de-DE" smtClean="0"/>
-              <a:t>‹#›</a:t>
+              <a:t>‹Nr.›</a:t>
             </a:fld>
             <a:endParaRPr lang="de-DE"/>
           </a:p>
@@ -6137,7 +6137,7 @@
           <a:p>
             <a:fld id="{29E7901B-09AF-4D4A-907F-86E00F8E0E92}" type="slidenum">
               <a:rPr lang="de-DE" smtClean="0"/>
-              <a:t>‹#›</a:t>
+              <a:t>‹Nr.›</a:t>
             </a:fld>
             <a:endParaRPr lang="de-DE"/>
           </a:p>
@@ -6393,7 +6393,7 @@
           <a:p>
             <a:fld id="{29E7901B-09AF-4D4A-907F-86E00F8E0E92}" type="slidenum">
               <a:rPr lang="de-DE" smtClean="0"/>
-              <a:t>‹#›</a:t>
+              <a:t>‹Nr.›</a:t>
             </a:fld>
             <a:endParaRPr lang="de-DE"/>
           </a:p>
@@ -6625,7 +6625,7 @@
           <a:p>
             <a:fld id="{29E7901B-09AF-4D4A-907F-86E00F8E0E92}" type="slidenum">
               <a:rPr lang="de-DE" smtClean="0"/>
-              <a:t>‹#›</a:t>
+              <a:t>‹Nr.›</a:t>
             </a:fld>
             <a:endParaRPr lang="de-DE"/>
           </a:p>
@@ -6972,7 +6972,7 @@
           <a:p>
             <a:fld id="{29E7901B-09AF-4D4A-907F-86E00F8E0E92}" type="slidenum">
               <a:rPr lang="de-DE" smtClean="0"/>
-              <a:t>‹#›</a:t>
+              <a:t>‹Nr.›</a:t>
             </a:fld>
             <a:endParaRPr lang="de-DE"/>
           </a:p>
@@ -7090,7 +7090,7 @@
           <a:p>
             <a:fld id="{29E7901B-09AF-4D4A-907F-86E00F8E0E92}" type="slidenum">
               <a:rPr lang="de-DE" smtClean="0"/>
-              <a:t>‹#›</a:t>
+              <a:t>‹Nr.›</a:t>
             </a:fld>
             <a:endParaRPr lang="de-DE"/>
           </a:p>
@@ -7208,7 +7208,7 @@
           <a:p>
             <a:fld id="{29E7901B-09AF-4D4A-907F-86E00F8E0E92}" type="slidenum">
               <a:rPr lang="de-DE" smtClean="0"/>
-              <a:t>‹#›</a:t>
+              <a:t>‹Nr.›</a:t>
             </a:fld>
             <a:endParaRPr lang="de-DE"/>
           </a:p>
@@ -7492,7 +7492,7 @@
           <a:p>
             <a:fld id="{29E7901B-09AF-4D4A-907F-86E00F8E0E92}" type="slidenum">
               <a:rPr lang="de-DE" smtClean="0"/>
-              <a:t>‹#›</a:t>
+              <a:t>‹Nr.›</a:t>
             </a:fld>
             <a:endParaRPr lang="de-DE"/>
           </a:p>
@@ -7756,7 +7756,7 @@
           <a:p>
             <a:fld id="{29E7901B-09AF-4D4A-907F-86E00F8E0E92}" type="slidenum">
               <a:rPr lang="de-DE" smtClean="0"/>
-              <a:t>‹#›</a:t>
+              <a:t>‹Nr.›</a:t>
             </a:fld>
             <a:endParaRPr lang="de-DE"/>
           </a:p>
@@ -8007,7 +8007,7 @@
           <a:p>
             <a:fld id="{29E7901B-09AF-4D4A-907F-86E00F8E0E92}" type="slidenum">
               <a:rPr lang="de-DE" smtClean="0"/>
-              <a:t>‹#›</a:t>
+              <a:t>‹Nr.›</a:t>
             </a:fld>
             <a:endParaRPr lang="de-DE"/>
           </a:p>
@@ -8537,7 +8537,7 @@
           <a:p>
             <a:fld id="{29E7901B-09AF-4D4A-907F-86E00F8E0E92}" type="slidenum">
               <a:rPr lang="de-DE" smtClean="0"/>
-              <a:t>‹#›</a:t>
+              <a:t>‹Nr.›</a:t>
             </a:fld>
             <a:endParaRPr lang="de-DE"/>
           </a:p>
@@ -9135,7 +9135,7 @@
           <a:p>
             <a:fld id="{29E7901B-09AF-4D4A-907F-86E00F8E0E92}" type="slidenum">
               <a:rPr lang="de-DE" smtClean="0"/>
-              <a:t>‹#›</a:t>
+              <a:t>‹Nr.›</a:t>
             </a:fld>
             <a:endParaRPr lang="de-DE"/>
           </a:p>
@@ -9621,7 +9621,7 @@
           <p:cNvPr id="5" name="Grafik 4">
             <a:extLst>
               <a:ext uri="{FF2B5EF4-FFF2-40B4-BE49-F238E27FC236}">
-                <a16:creationId xmlns="" xmlns:a16="http://schemas.microsoft.com/office/drawing/2014/main" id="{541C1A54-8968-4CEF-8CA1-E84FB3A8524D}"/>
+                <a16:creationId xmlns:a16="http://schemas.microsoft.com/office/drawing/2014/main" xmlns="" id="{541C1A54-8968-4CEF-8CA1-E84FB3A8524D}"/>
               </a:ext>
             </a:extLst>
           </p:cNvPr>
@@ -9657,7 +9657,7 @@
           <p:cNvPr id="2" name="Titel 1">
             <a:extLst>
               <a:ext uri="{FF2B5EF4-FFF2-40B4-BE49-F238E27FC236}">
-                <a16:creationId xmlns="" xmlns:a16="http://schemas.microsoft.com/office/drawing/2014/main" id="{90A6468B-D0CD-4DC7-A3AD-DA2E2B071416}"/>
+                <a16:creationId xmlns:a16="http://schemas.microsoft.com/office/drawing/2014/main" xmlns="" id="{90A6468B-D0CD-4DC7-A3AD-DA2E2B071416}"/>
               </a:ext>
             </a:extLst>
           </p:cNvPr>
@@ -9696,7 +9696,7 @@
           <p:cNvPr id="3" name="Untertitel 2">
             <a:extLst>
               <a:ext uri="{FF2B5EF4-FFF2-40B4-BE49-F238E27FC236}">
-                <a16:creationId xmlns="" xmlns:a16="http://schemas.microsoft.com/office/drawing/2014/main" id="{65A5BDD7-952D-4603-93C5-6E59619C765A}"/>
+                <a16:creationId xmlns:a16="http://schemas.microsoft.com/office/drawing/2014/main" xmlns="" id="{65A5BDD7-952D-4603-93C5-6E59619C765A}"/>
               </a:ext>
             </a:extLst>
           </p:cNvPr>
@@ -9735,10 +9735,10 @@
           <p:cNvPr id="10" name="Straight Connector 9">
             <a:extLst>
               <a:ext uri="{FF2B5EF4-FFF2-40B4-BE49-F238E27FC236}">
-                <a16:creationId xmlns="" xmlns:a16="http://schemas.microsoft.com/office/drawing/2014/main" id="{F3CC58E3-BDF9-495D-9327-85F68058BE32}"/>
+                <a16:creationId xmlns:a16="http://schemas.microsoft.com/office/drawing/2014/main" xmlns="" id="{F3CC58E3-BDF9-495D-9327-85F68058BE32}"/>
               </a:ext>
               <a:ext uri="{C183D7F6-B498-43B3-948B-1728B52AA6E4}">
-                <adec:decorative xmlns="" xmlns:adec="http://schemas.microsoft.com/office/drawing/2017/decorative" val="1"/>
+                <adec:decorative xmlns:adec="http://schemas.microsoft.com/office/drawing/2017/decorative" xmlns="" val="1"/>
               </a:ext>
             </a:extLst>
           </p:cNvPr>
@@ -9748,7 +9748,7 @@
           <p:nvPr>
             <p:extLst>
               <p:ext uri="{386F3935-93C4-4BCD-93E2-E3B085C9AB24}">
-                <p16:designElem xmlns="" xmlns:p16="http://schemas.microsoft.com/office/powerpoint/2015/main" val="1"/>
+                <p16:designElem xmlns:p16="http://schemas.microsoft.com/office/powerpoint/2015/main" xmlns="" val="1"/>
               </p:ext>
             </p:extLst>
           </p:nvPr>
@@ -9789,10 +9789,10 @@
           <p:cNvPr id="12" name="Rectangle 11">
             <a:extLst>
               <a:ext uri="{FF2B5EF4-FFF2-40B4-BE49-F238E27FC236}">
-                <a16:creationId xmlns="" xmlns:a16="http://schemas.microsoft.com/office/drawing/2014/main" id="{DA0CA737-33FC-47E3-965A-D1C2CAA62894}"/>
+                <a16:creationId xmlns:a16="http://schemas.microsoft.com/office/drawing/2014/main" xmlns="" id="{DA0CA737-33FC-47E3-965A-D1C2CAA62894}"/>
               </a:ext>
               <a:ext uri="{C183D7F6-B498-43B3-948B-1728B52AA6E4}">
-                <adec:decorative xmlns="" xmlns:adec="http://schemas.microsoft.com/office/drawing/2017/decorative" val="1"/>
+                <adec:decorative xmlns:adec="http://schemas.microsoft.com/office/drawing/2017/decorative" xmlns="" val="1"/>
               </a:ext>
             </a:extLst>
           </p:cNvPr>
@@ -9802,7 +9802,7 @@
           <p:nvPr>
             <p:extLst>
               <p:ext uri="{386F3935-93C4-4BCD-93E2-E3B085C9AB24}">
-                <p16:designElem xmlns="" xmlns:p16="http://schemas.microsoft.com/office/powerpoint/2015/main" val="1"/>
+                <p16:designElem xmlns:p16="http://schemas.microsoft.com/office/powerpoint/2015/main" xmlns="" val="1"/>
               </p:ext>
             </p:extLst>
           </p:nvPr>
@@ -9844,10 +9844,10 @@
           <p:cNvPr id="14" name="Rectangle 13">
             <a:extLst>
               <a:ext uri="{FF2B5EF4-FFF2-40B4-BE49-F238E27FC236}">
-                <a16:creationId xmlns="" xmlns:a16="http://schemas.microsoft.com/office/drawing/2014/main" id="{22189942-24EB-488E-8B69-EB80F7E53E36}"/>
+                <a16:creationId xmlns:a16="http://schemas.microsoft.com/office/drawing/2014/main" xmlns="" id="{22189942-24EB-488E-8B69-EB80F7E53E36}"/>
               </a:ext>
               <a:ext uri="{C183D7F6-B498-43B3-948B-1728B52AA6E4}">
-                <adec:decorative xmlns="" xmlns:adec="http://schemas.microsoft.com/office/drawing/2017/decorative" val="1"/>
+                <adec:decorative xmlns:adec="http://schemas.microsoft.com/office/drawing/2017/decorative" xmlns="" val="1"/>
               </a:ext>
             </a:extLst>
           </p:cNvPr>
@@ -9857,7 +9857,7 @@
           <p:nvPr>
             <p:extLst>
               <p:ext uri="{386F3935-93C4-4BCD-93E2-E3B085C9AB24}">
-                <p16:designElem xmlns="" xmlns:p16="http://schemas.microsoft.com/office/powerpoint/2015/main" val="1"/>
+                <p16:designElem xmlns:p16="http://schemas.microsoft.com/office/powerpoint/2015/main" xmlns="" val="1"/>
               </p:ext>
             </p:extLst>
           </p:nvPr>
@@ -9929,7 +9929,7 @@
           <p:cNvPr id="2" name="Titel 1">
             <a:extLst>
               <a:ext uri="{FF2B5EF4-FFF2-40B4-BE49-F238E27FC236}">
-                <a16:creationId xmlns="" xmlns:a16="http://schemas.microsoft.com/office/drawing/2014/main" id="{3D022FA1-1227-4EA1-8EB1-679CE9C5CFCD}"/>
+                <a16:creationId xmlns:a16="http://schemas.microsoft.com/office/drawing/2014/main" xmlns="" id="{3D022FA1-1227-4EA1-8EB1-679CE9C5CFCD}"/>
               </a:ext>
             </a:extLst>
           </p:cNvPr>
@@ -9976,7 +9976,7 @@
           <p:cNvPr id="3" name="Inhaltsplatzhalter 2">
             <a:extLst>
               <a:ext uri="{FF2B5EF4-FFF2-40B4-BE49-F238E27FC236}">
-                <a16:creationId xmlns="" xmlns:a16="http://schemas.microsoft.com/office/drawing/2014/main" id="{56D22BFB-FDAA-4D7E-88D9-C29E57B7C51D}"/>
+                <a16:creationId xmlns:a16="http://schemas.microsoft.com/office/drawing/2014/main" xmlns="" id="{56D22BFB-FDAA-4D7E-88D9-C29E57B7C51D}"/>
               </a:ext>
             </a:extLst>
           </p:cNvPr>
@@ -10326,7 +10326,7 @@
           <p:cNvPr id="10" name="Inhaltsplatzhalter 9">
             <a:extLst>
               <a:ext uri="{FF2B5EF4-FFF2-40B4-BE49-F238E27FC236}">
-                <a16:creationId xmlns="" xmlns:a16="http://schemas.microsoft.com/office/drawing/2014/main" id="{65A23C4D-F599-40EB-9F55-473E092C8DBD}"/>
+                <a16:creationId xmlns:a16="http://schemas.microsoft.com/office/drawing/2014/main" xmlns="" id="{65A23C4D-F599-40EB-9F55-473E092C8DBD}"/>
               </a:ext>
             </a:extLst>
           </p:cNvPr>
@@ -10360,7 +10360,7 @@
           <p:cNvPr id="8" name="Inhaltsplatzhalter 7">
             <a:extLst>
               <a:ext uri="{FF2B5EF4-FFF2-40B4-BE49-F238E27FC236}">
-                <a16:creationId xmlns="" xmlns:a16="http://schemas.microsoft.com/office/drawing/2014/main" id="{AC8FC20D-C4BB-4858-9AA7-67A6D2F24CB1}"/>
+                <a16:creationId xmlns:a16="http://schemas.microsoft.com/office/drawing/2014/main" xmlns="" id="{AC8FC20D-C4BB-4858-9AA7-67A6D2F24CB1}"/>
               </a:ext>
             </a:extLst>
           </p:cNvPr>
@@ -10460,7 +10460,7 @@
           <p:cNvPr id="5" name="Titel 4">
             <a:extLst>
               <a:ext uri="{FF2B5EF4-FFF2-40B4-BE49-F238E27FC236}">
-                <a16:creationId xmlns="" xmlns:a16="http://schemas.microsoft.com/office/drawing/2014/main" id="{9222B4BD-52BA-4791-9651-98D4F0FB5A4A}"/>
+                <a16:creationId xmlns:a16="http://schemas.microsoft.com/office/drawing/2014/main" xmlns="" id="{9222B4BD-52BA-4791-9651-98D4F0FB5A4A}"/>
               </a:ext>
             </a:extLst>
           </p:cNvPr>
@@ -10501,7 +10501,7 @@
           <p:cNvPr id="6" name="Inhaltsplatzhalter 5">
             <a:extLst>
               <a:ext uri="{FF2B5EF4-FFF2-40B4-BE49-F238E27FC236}">
-                <a16:creationId xmlns="" xmlns:a16="http://schemas.microsoft.com/office/drawing/2014/main" id="{1A0911F2-B0B3-45D8-B92B-270F6D60CFB4}"/>
+                <a16:creationId xmlns:a16="http://schemas.microsoft.com/office/drawing/2014/main" xmlns="" id="{1A0911F2-B0B3-45D8-B92B-270F6D60CFB4}"/>
               </a:ext>
             </a:extLst>
           </p:cNvPr>
@@ -10802,7 +10802,7 @@
           <p:cNvPr id="9" name="Inhaltsplatzhalter 8">
             <a:extLst>
               <a:ext uri="{FF2B5EF4-FFF2-40B4-BE49-F238E27FC236}">
-                <a16:creationId xmlns="" xmlns:a16="http://schemas.microsoft.com/office/drawing/2014/main" id="{9909C030-22D0-4734-9DCB-167BC6D672DF}"/>
+                <a16:creationId xmlns:a16="http://schemas.microsoft.com/office/drawing/2014/main" xmlns="" id="{9909C030-22D0-4734-9DCB-167BC6D672DF}"/>
               </a:ext>
             </a:extLst>
           </p:cNvPr>
@@ -10866,7 +10866,7 @@
           <p:cNvPr id="5" name="Titel 4">
             <a:extLst>
               <a:ext uri="{FF2B5EF4-FFF2-40B4-BE49-F238E27FC236}">
-                <a16:creationId xmlns="" xmlns:a16="http://schemas.microsoft.com/office/drawing/2014/main" id="{CB372DEC-D0F9-4D40-9149-13D17AAF964B}"/>
+                <a16:creationId xmlns:a16="http://schemas.microsoft.com/office/drawing/2014/main" xmlns="" id="{CB372DEC-D0F9-4D40-9149-13D17AAF964B}"/>
               </a:ext>
             </a:extLst>
           </p:cNvPr>
@@ -10922,7 +10922,7 @@
           <p:cNvPr id="6" name="Untertitel 5">
             <a:extLst>
               <a:ext uri="{FF2B5EF4-FFF2-40B4-BE49-F238E27FC236}">
-                <a16:creationId xmlns="" xmlns:a16="http://schemas.microsoft.com/office/drawing/2014/main" id="{72729885-95AF-4E52-9DF2-73274144A388}"/>
+                <a16:creationId xmlns:a16="http://schemas.microsoft.com/office/drawing/2014/main" xmlns="" id="{72729885-95AF-4E52-9DF2-73274144A388}"/>
               </a:ext>
             </a:extLst>
           </p:cNvPr>
@@ -10985,10 +10985,10 @@
           <p:cNvPr id="10" name="Rectangle 9">
             <a:extLst>
               <a:ext uri="{FF2B5EF4-FFF2-40B4-BE49-F238E27FC236}">
-                <a16:creationId xmlns="" xmlns:a16="http://schemas.microsoft.com/office/drawing/2014/main" id="{D829E218-74FB-4455-98BE-F2C5BA8978BE}"/>
+                <a16:creationId xmlns:a16="http://schemas.microsoft.com/office/drawing/2014/main" xmlns="" id="{D829E218-74FB-4455-98BE-F2C5BA8978BE}"/>
               </a:ext>
               <a:ext uri="{C183D7F6-B498-43B3-948B-1728B52AA6E4}">
-                <adec:decorative xmlns="" xmlns:adec="http://schemas.microsoft.com/office/drawing/2017/decorative" val="1"/>
+                <adec:decorative xmlns:adec="http://schemas.microsoft.com/office/drawing/2017/decorative" xmlns="" val="1"/>
               </a:ext>
             </a:extLst>
           </p:cNvPr>
@@ -10998,7 +10998,7 @@
           <p:nvPr>
             <p:extLst>
               <p:ext uri="{386F3935-93C4-4BCD-93E2-E3B085C9AB24}">
-                <p16:designElem xmlns="" xmlns:p16="http://schemas.microsoft.com/office/powerpoint/2015/main" val="1"/>
+                <p16:designElem xmlns:p16="http://schemas.microsoft.com/office/powerpoint/2015/main" xmlns="" val="1"/>
               </p:ext>
             </p:extLst>
           </p:nvPr>
@@ -11040,10 +11040,10 @@
           <p:cNvPr id="12" name="Rectangle 11">
             <a:extLst>
               <a:ext uri="{FF2B5EF4-FFF2-40B4-BE49-F238E27FC236}">
-                <a16:creationId xmlns="" xmlns:a16="http://schemas.microsoft.com/office/drawing/2014/main" id="{7E8D75FD-D4F9-4D11-B70D-82EFCB4CFA5B}"/>
+                <a16:creationId xmlns:a16="http://schemas.microsoft.com/office/drawing/2014/main" xmlns="" id="{7E8D75FD-D4F9-4D11-B70D-82EFCB4CFA5B}"/>
               </a:ext>
               <a:ext uri="{C183D7F6-B498-43B3-948B-1728B52AA6E4}">
-                <adec:decorative xmlns="" xmlns:adec="http://schemas.microsoft.com/office/drawing/2017/decorative" val="1"/>
+                <adec:decorative xmlns:adec="http://schemas.microsoft.com/office/drawing/2017/decorative" xmlns="" val="1"/>
               </a:ext>
             </a:extLst>
           </p:cNvPr>
@@ -11053,7 +11053,7 @@
           <p:nvPr>
             <p:extLst>
               <p:ext uri="{386F3935-93C4-4BCD-93E2-E3B085C9AB24}">
-                <p16:designElem xmlns="" xmlns:p16="http://schemas.microsoft.com/office/powerpoint/2015/main" val="1"/>
+                <p16:designElem xmlns:p16="http://schemas.microsoft.com/office/powerpoint/2015/main" xmlns="" val="1"/>
               </p:ext>
             </p:extLst>
           </p:nvPr>
@@ -11095,10 +11095,10 @@
           <p:cNvPr id="14" name="Straight Connector 13">
             <a:extLst>
               <a:ext uri="{FF2B5EF4-FFF2-40B4-BE49-F238E27FC236}">
-                <a16:creationId xmlns="" xmlns:a16="http://schemas.microsoft.com/office/drawing/2014/main" id="{1F5DC8C3-BA5F-4EED-BB9A-A14272BD82A1}"/>
+                <a16:creationId xmlns:a16="http://schemas.microsoft.com/office/drawing/2014/main" xmlns="" id="{1F5DC8C3-BA5F-4EED-BB9A-A14272BD82A1}"/>
               </a:ext>
               <a:ext uri="{C183D7F6-B498-43B3-948B-1728B52AA6E4}">
-                <adec:decorative xmlns="" xmlns:adec="http://schemas.microsoft.com/office/drawing/2017/decorative" val="1"/>
+                <adec:decorative xmlns:adec="http://schemas.microsoft.com/office/drawing/2017/decorative" xmlns="" val="1"/>
               </a:ext>
             </a:extLst>
           </p:cNvPr>
@@ -11108,7 +11108,7 @@
           <p:nvPr>
             <p:extLst>
               <p:ext uri="{386F3935-93C4-4BCD-93E2-E3B085C9AB24}">
-                <p16:designElem xmlns="" xmlns:p16="http://schemas.microsoft.com/office/powerpoint/2015/main" val="1"/>
+                <p16:designElem xmlns:p16="http://schemas.microsoft.com/office/powerpoint/2015/main" xmlns="" val="1"/>
               </p:ext>
             </p:extLst>
           </p:nvPr>
@@ -11150,10 +11150,10 @@
           <p:cNvPr id="16" name="Rectangle 15">
             <a:extLst>
               <a:ext uri="{FF2B5EF4-FFF2-40B4-BE49-F238E27FC236}">
-                <a16:creationId xmlns="" xmlns:a16="http://schemas.microsoft.com/office/drawing/2014/main" id="{8638A98B-4B4B-4607-B11F-7DCA0D7CCE17}"/>
+                <a16:creationId xmlns:a16="http://schemas.microsoft.com/office/drawing/2014/main" xmlns="" id="{8638A98B-4B4B-4607-B11F-7DCA0D7CCE17}"/>
               </a:ext>
               <a:ext uri="{C183D7F6-B498-43B3-948B-1728B52AA6E4}">
-                <adec:decorative xmlns="" xmlns:adec="http://schemas.microsoft.com/office/drawing/2017/decorative" val="1"/>
+                <adec:decorative xmlns:adec="http://schemas.microsoft.com/office/drawing/2017/decorative" xmlns="" val="1"/>
               </a:ext>
             </a:extLst>
           </p:cNvPr>
@@ -11163,7 +11163,7 @@
           <p:nvPr>
             <p:extLst>
               <p:ext uri="{386F3935-93C4-4BCD-93E2-E3B085C9AB24}">
-                <p16:designElem xmlns="" xmlns:p16="http://schemas.microsoft.com/office/powerpoint/2015/main" val="1"/>
+                <p16:designElem xmlns:p16="http://schemas.microsoft.com/office/powerpoint/2015/main" xmlns="" val="1"/>
               </p:ext>
             </p:extLst>
           </p:nvPr>
@@ -11210,7 +11210,7 @@
           <p:cNvPr id="5" name="Inhaltsplatzhalter 4">
             <a:extLst>
               <a:ext uri="{FF2B5EF4-FFF2-40B4-BE49-F238E27FC236}">
-                <a16:creationId xmlns="" xmlns:a16="http://schemas.microsoft.com/office/drawing/2014/main" id="{0F908B00-977C-447A-87EE-7A00C164B759}"/>
+                <a16:creationId xmlns:a16="http://schemas.microsoft.com/office/drawing/2014/main" xmlns="" id="{0F908B00-977C-447A-87EE-7A00C164B759}"/>
               </a:ext>
             </a:extLst>
           </p:cNvPr>
@@ -11247,10 +11247,10 @@
           <p:cNvPr id="18" name="Rectangle 17">
             <a:extLst>
               <a:ext uri="{FF2B5EF4-FFF2-40B4-BE49-F238E27FC236}">
-                <a16:creationId xmlns="" xmlns:a16="http://schemas.microsoft.com/office/drawing/2014/main" id="{8E3B9B0E-204E-4BFD-B58A-E71D9CDC37F3}"/>
+                <a16:creationId xmlns:a16="http://schemas.microsoft.com/office/drawing/2014/main" xmlns="" id="{8E3B9B0E-204E-4BFD-B58A-E71D9CDC37F3}"/>
               </a:ext>
               <a:ext uri="{C183D7F6-B498-43B3-948B-1728B52AA6E4}">
-                <adec:decorative xmlns="" xmlns:adec="http://schemas.microsoft.com/office/drawing/2017/decorative" val="1"/>
+                <adec:decorative xmlns:adec="http://schemas.microsoft.com/office/drawing/2017/decorative" xmlns="" val="1"/>
               </a:ext>
             </a:extLst>
           </p:cNvPr>
@@ -11260,7 +11260,7 @@
           <p:nvPr>
             <p:extLst>
               <p:ext uri="{386F3935-93C4-4BCD-93E2-E3B085C9AB24}">
-                <p16:designElem xmlns="" xmlns:p16="http://schemas.microsoft.com/office/powerpoint/2015/main" val="1"/>
+                <p16:designElem xmlns:p16="http://schemas.microsoft.com/office/powerpoint/2015/main" xmlns="" val="1"/>
               </p:ext>
             </p:extLst>
           </p:nvPr>
@@ -11302,7 +11302,7 @@
           <p:cNvPr id="2" name="Titel 1">
             <a:extLst>
               <a:ext uri="{FF2B5EF4-FFF2-40B4-BE49-F238E27FC236}">
-                <a16:creationId xmlns="" xmlns:a16="http://schemas.microsoft.com/office/drawing/2014/main" id="{E21935D6-F135-4DD2-A417-738E067D86CB}"/>
+                <a16:creationId xmlns:a16="http://schemas.microsoft.com/office/drawing/2014/main" xmlns="" id="{E21935D6-F135-4DD2-A417-738E067D86CB}"/>
               </a:ext>
             </a:extLst>
           </p:cNvPr>
@@ -11349,10 +11349,10 @@
           <p:cNvPr id="20" name="Rectangle 19">
             <a:extLst>
               <a:ext uri="{FF2B5EF4-FFF2-40B4-BE49-F238E27FC236}">
-                <a16:creationId xmlns="" xmlns:a16="http://schemas.microsoft.com/office/drawing/2014/main" id="{B1121E64-CB88-4BF5-B531-C0316E7F6E30}"/>
+                <a16:creationId xmlns:a16="http://schemas.microsoft.com/office/drawing/2014/main" xmlns="" id="{B1121E64-CB88-4BF5-B531-C0316E7F6E30}"/>
               </a:ext>
               <a:ext uri="{C183D7F6-B498-43B3-948B-1728B52AA6E4}">
-                <adec:decorative xmlns="" xmlns:adec="http://schemas.microsoft.com/office/drawing/2017/decorative" val="1"/>
+                <adec:decorative xmlns:adec="http://schemas.microsoft.com/office/drawing/2017/decorative" xmlns="" val="1"/>
               </a:ext>
             </a:extLst>
           </p:cNvPr>
@@ -11362,7 +11362,7 @@
           <p:nvPr>
             <p:extLst>
               <p:ext uri="{386F3935-93C4-4BCD-93E2-E3B085C9AB24}">
-                <p16:designElem xmlns="" xmlns:p16="http://schemas.microsoft.com/office/powerpoint/2015/main" val="1"/>
+                <p16:designElem xmlns:p16="http://schemas.microsoft.com/office/powerpoint/2015/main" xmlns="" val="1"/>
               </p:ext>
             </p:extLst>
           </p:nvPr>
@@ -11442,10 +11442,10 @@
           <p:cNvPr id="13" name="Rectangle 12">
             <a:extLst>
               <a:ext uri="{FF2B5EF4-FFF2-40B4-BE49-F238E27FC236}">
-                <a16:creationId xmlns="" xmlns:a16="http://schemas.microsoft.com/office/drawing/2014/main" id="{0AB6E427-3F73-4C06-A5D5-AE52C3883B50}"/>
+                <a16:creationId xmlns:a16="http://schemas.microsoft.com/office/drawing/2014/main" xmlns="" id="{0AB6E427-3F73-4C06-A5D5-AE52C3883B50}"/>
               </a:ext>
               <a:ext uri="{C183D7F6-B498-43B3-948B-1728B52AA6E4}">
-                <adec:decorative xmlns="" xmlns:adec="http://schemas.microsoft.com/office/drawing/2017/decorative" val="1"/>
+                <adec:decorative xmlns:adec="http://schemas.microsoft.com/office/drawing/2017/decorative" xmlns="" val="1"/>
               </a:ext>
             </a:extLst>
           </p:cNvPr>
@@ -11455,7 +11455,7 @@
           <p:nvPr>
             <p:extLst>
               <p:ext uri="{386F3935-93C4-4BCD-93E2-E3B085C9AB24}">
-                <p16:designElem xmlns="" xmlns:p16="http://schemas.microsoft.com/office/powerpoint/2015/main" val="1"/>
+                <p16:designElem xmlns:p16="http://schemas.microsoft.com/office/powerpoint/2015/main" xmlns="" val="1"/>
               </p:ext>
             </p:extLst>
           </p:nvPr>
@@ -11502,10 +11502,10 @@
           <p:cNvPr id="15" name="Rectangle 14">
             <a:extLst>
               <a:ext uri="{FF2B5EF4-FFF2-40B4-BE49-F238E27FC236}">
-                <a16:creationId xmlns="" xmlns:a16="http://schemas.microsoft.com/office/drawing/2014/main" id="{D8C9BDAA-0390-4B39-9B5C-BC95E5120DA4}"/>
+                <a16:creationId xmlns:a16="http://schemas.microsoft.com/office/drawing/2014/main" xmlns="" id="{D8C9BDAA-0390-4B39-9B5C-BC95E5120DA4}"/>
               </a:ext>
               <a:ext uri="{C183D7F6-B498-43B3-948B-1728B52AA6E4}">
-                <adec:decorative xmlns="" xmlns:adec="http://schemas.microsoft.com/office/drawing/2017/decorative" val="1"/>
+                <adec:decorative xmlns:adec="http://schemas.microsoft.com/office/drawing/2017/decorative" xmlns="" val="1"/>
               </a:ext>
             </a:extLst>
           </p:cNvPr>
@@ -11515,7 +11515,7 @@
           <p:nvPr>
             <p:extLst>
               <p:ext uri="{386F3935-93C4-4BCD-93E2-E3B085C9AB24}">
-                <p16:designElem xmlns="" xmlns:p16="http://schemas.microsoft.com/office/powerpoint/2015/main" val="1"/>
+                <p16:designElem xmlns:p16="http://schemas.microsoft.com/office/powerpoint/2015/main" xmlns="" val="1"/>
               </p:ext>
             </p:extLst>
           </p:nvPr>
@@ -11557,7 +11557,7 @@
           <p:cNvPr id="2" name="Titel 1">
             <a:extLst>
               <a:ext uri="{FF2B5EF4-FFF2-40B4-BE49-F238E27FC236}">
-                <a16:creationId xmlns="" xmlns:a16="http://schemas.microsoft.com/office/drawing/2014/main" id="{D9FC22E7-D4D8-40F3-851D-F5CDDD673BBB}"/>
+                <a16:creationId xmlns:a16="http://schemas.microsoft.com/office/drawing/2014/main" xmlns="" id="{D9FC22E7-D4D8-40F3-851D-F5CDDD673BBB}"/>
               </a:ext>
             </a:extLst>
           </p:cNvPr>
@@ -11633,10 +11633,10 @@
           <p:cNvPr id="17" name="Rectangle 16">
             <a:extLst>
               <a:ext uri="{FF2B5EF4-FFF2-40B4-BE49-F238E27FC236}">
-                <a16:creationId xmlns="" xmlns:a16="http://schemas.microsoft.com/office/drawing/2014/main" id="{F9DB1FE5-9D46-433B-99D1-2F1B8DC79855}"/>
+                <a16:creationId xmlns:a16="http://schemas.microsoft.com/office/drawing/2014/main" xmlns="" id="{F9DB1FE5-9D46-433B-99D1-2F1B8DC79855}"/>
               </a:ext>
               <a:ext uri="{C183D7F6-B498-43B3-948B-1728B52AA6E4}">
-                <adec:decorative xmlns="" xmlns:adec="http://schemas.microsoft.com/office/drawing/2017/decorative" val="1"/>
+                <adec:decorative xmlns:adec="http://schemas.microsoft.com/office/drawing/2017/decorative" xmlns="" val="1"/>
               </a:ext>
             </a:extLst>
           </p:cNvPr>
@@ -11646,7 +11646,7 @@
           <p:nvPr>
             <p:extLst>
               <p:ext uri="{386F3935-93C4-4BCD-93E2-E3B085C9AB24}">
-                <p16:designElem xmlns="" xmlns:p16="http://schemas.microsoft.com/office/powerpoint/2015/main" val="1"/>
+                <p16:designElem xmlns:p16="http://schemas.microsoft.com/office/powerpoint/2015/main" xmlns="" val="1"/>
               </p:ext>
             </p:extLst>
           </p:nvPr>
@@ -11688,7 +11688,7 @@
           <p:cNvPr id="8" name="Inhaltsplatzhalter 4">
             <a:extLst>
               <a:ext uri="{FF2B5EF4-FFF2-40B4-BE49-F238E27FC236}">
-                <a16:creationId xmlns="" xmlns:a16="http://schemas.microsoft.com/office/drawing/2014/main" id="{505EAB39-71B6-4CDF-BAE8-6F62F743A0C5}"/>
+                <a16:creationId xmlns:a16="http://schemas.microsoft.com/office/drawing/2014/main" xmlns="" id="{505EAB39-71B6-4CDF-BAE8-6F62F743A0C5}"/>
               </a:ext>
             </a:extLst>
           </p:cNvPr>
@@ -11724,7 +11724,7 @@
           <p:cNvPr id="9" name="Flussdiagramm: Verbinder 8">
             <a:extLst>
               <a:ext uri="{FF2B5EF4-FFF2-40B4-BE49-F238E27FC236}">
-                <a16:creationId xmlns="" xmlns:a16="http://schemas.microsoft.com/office/drawing/2014/main" id="{01F5D49F-8D20-4DA3-86D3-7FA5F8AD94CD}"/>
+                <a16:creationId xmlns:a16="http://schemas.microsoft.com/office/drawing/2014/main" xmlns="" id="{01F5D49F-8D20-4DA3-86D3-7FA5F8AD94CD}"/>
               </a:ext>
             </a:extLst>
           </p:cNvPr>
@@ -11776,7 +11776,7 @@
           <p:cNvPr id="7" name="Inhaltsplatzhalter 6" descr="Fragen">
             <a:extLst>
               <a:ext uri="{FF2B5EF4-FFF2-40B4-BE49-F238E27FC236}">
-                <a16:creationId xmlns="" xmlns:a16="http://schemas.microsoft.com/office/drawing/2014/main" id="{BB4769F3-A84A-45E1-9A4D-9E984E568AC4}"/>
+                <a16:creationId xmlns:a16="http://schemas.microsoft.com/office/drawing/2014/main" xmlns="" id="{BB4769F3-A84A-45E1-9A4D-9E984E568AC4}"/>
               </a:ext>
             </a:extLst>
           </p:cNvPr>
@@ -11794,7 +11794,7 @@
                 <a14:useLocalDpi xmlns:a14="http://schemas.microsoft.com/office/drawing/2010/main" val="0"/>
               </a:ext>
               <a:ext uri="{96DAC541-7B7A-43D3-8B79-37D633B846F1}">
-                <asvg:svgBlip xmlns="" xmlns:asvg="http://schemas.microsoft.com/office/drawing/2016/SVG/main" r:embed="rId4"/>
+                <asvg:svgBlip xmlns:asvg="http://schemas.microsoft.com/office/drawing/2016/SVG/main" xmlns="" r:embed="rId4"/>
               </a:ext>
             </a:extLst>
           </a:blip>
@@ -12096,11 +12096,7 @@
             </a:pPr>
             <a:r>
               <a:rPr lang="en-US" dirty="0" smtClean="0"/>
-              <a:t>Which digits have higher average noise component (recognized better by  78 than by 784</a:t>
-            </a:r>
-            <a:r>
-              <a:rPr lang="en-US" dirty="0" smtClean="0"/>
-              <a:t>)</a:t>
+              <a:t>Which digits have higher average noise component (recognized better by  78 than by 784)</a:t>
             </a:r>
           </a:p>
           <a:p>
@@ -12256,7 +12252,7 @@
           <p:cNvPr id="4" name="Titel 3">
             <a:extLst>
               <a:ext uri="{FF2B5EF4-FFF2-40B4-BE49-F238E27FC236}">
-                <a16:creationId xmlns="" xmlns:a16="http://schemas.microsoft.com/office/drawing/2014/main" id="{80A7F226-CA13-4B8D-B6F9-57842DF36DC8}"/>
+                <a16:creationId xmlns:a16="http://schemas.microsoft.com/office/drawing/2014/main" xmlns="" id="{80A7F226-CA13-4B8D-B6F9-57842DF36DC8}"/>
               </a:ext>
             </a:extLst>
           </p:cNvPr>
@@ -12284,7 +12280,7 @@
           <p:cNvPr id="5" name="Untertitel 4">
             <a:extLst>
               <a:ext uri="{FF2B5EF4-FFF2-40B4-BE49-F238E27FC236}">
-                <a16:creationId xmlns="" xmlns:a16="http://schemas.microsoft.com/office/drawing/2014/main" id="{293A100A-CA18-49A1-8835-38E443666125}"/>
+                <a16:creationId xmlns:a16="http://schemas.microsoft.com/office/drawing/2014/main" xmlns="" id="{293A100A-CA18-49A1-8835-38E443666125}"/>
               </a:ext>
             </a:extLst>
           </p:cNvPr>
@@ -12339,7 +12335,7 @@
           <p:cNvPr id="2" name="Titel 1">
             <a:extLst>
               <a:ext uri="{FF2B5EF4-FFF2-40B4-BE49-F238E27FC236}">
-                <a16:creationId xmlns="" xmlns:a16="http://schemas.microsoft.com/office/drawing/2014/main" id="{5CD34B0C-C4AB-4E9E-933D-FCEFA5F7386A}"/>
+                <a16:creationId xmlns:a16="http://schemas.microsoft.com/office/drawing/2014/main" xmlns="" id="{5CD34B0C-C4AB-4E9E-933D-FCEFA5F7386A}"/>
               </a:ext>
             </a:extLst>
           </p:cNvPr>
@@ -12806,7 +12802,7 @@
           <p:cNvPr id="2" name="Titel 1">
             <a:extLst>
               <a:ext uri="{FF2B5EF4-FFF2-40B4-BE49-F238E27FC236}">
-                <a16:creationId xmlns="" xmlns:a16="http://schemas.microsoft.com/office/drawing/2014/main" id="{DE62BF7E-ADBC-4B3B-8BAB-95D01E311AED}"/>
+                <a16:creationId xmlns:a16="http://schemas.microsoft.com/office/drawing/2014/main" xmlns="" id="{DE62BF7E-ADBC-4B3B-8BAB-95D01E311AED}"/>
               </a:ext>
             </a:extLst>
           </p:cNvPr>
@@ -12850,7 +12846,7 @@
           <p:cNvPr id="8" name="Gerade Verbindung mit Pfeil 7">
             <a:extLst>
               <a:ext uri="{FF2B5EF4-FFF2-40B4-BE49-F238E27FC236}">
-                <a16:creationId xmlns="" xmlns:a16="http://schemas.microsoft.com/office/drawing/2014/main" id="{A79B7D31-8930-4A5A-AA1C-06892CC18291}"/>
+                <a16:creationId xmlns:a16="http://schemas.microsoft.com/office/drawing/2014/main" xmlns="" id="{A79B7D31-8930-4A5A-AA1C-06892CC18291}"/>
               </a:ext>
             </a:extLst>
           </p:cNvPr>
@@ -12891,7 +12887,7 @@
           <p:cNvPr id="11" name="Gerade Verbindung mit Pfeil 10">
             <a:extLst>
               <a:ext uri="{FF2B5EF4-FFF2-40B4-BE49-F238E27FC236}">
-                <a16:creationId xmlns="" xmlns:a16="http://schemas.microsoft.com/office/drawing/2014/main" id="{193B10F6-7A53-474E-BC21-C9DDCDE704C0}"/>
+                <a16:creationId xmlns:a16="http://schemas.microsoft.com/office/drawing/2014/main" xmlns="" id="{193B10F6-7A53-474E-BC21-C9DDCDE704C0}"/>
               </a:ext>
             </a:extLst>
           </p:cNvPr>
@@ -12932,7 +12928,7 @@
           <p:cNvPr id="13" name="Ellipse 12">
             <a:extLst>
               <a:ext uri="{FF2B5EF4-FFF2-40B4-BE49-F238E27FC236}">
-                <a16:creationId xmlns="" xmlns:a16="http://schemas.microsoft.com/office/drawing/2014/main" id="{7469256C-C83A-4F95-96CA-1818F8942C6D}"/>
+                <a16:creationId xmlns:a16="http://schemas.microsoft.com/office/drawing/2014/main" xmlns="" id="{7469256C-C83A-4F95-96CA-1818F8942C6D}"/>
               </a:ext>
             </a:extLst>
           </p:cNvPr>
@@ -12978,7 +12974,7 @@
           <p:cNvPr id="14" name="Ellipse 13">
             <a:extLst>
               <a:ext uri="{FF2B5EF4-FFF2-40B4-BE49-F238E27FC236}">
-                <a16:creationId xmlns="" xmlns:a16="http://schemas.microsoft.com/office/drawing/2014/main" id="{FC6EE53D-2964-4925-B51C-31D899033BB5}"/>
+                <a16:creationId xmlns:a16="http://schemas.microsoft.com/office/drawing/2014/main" xmlns="" id="{FC6EE53D-2964-4925-B51C-31D899033BB5}"/>
               </a:ext>
             </a:extLst>
           </p:cNvPr>
@@ -13024,7 +13020,7 @@
           <p:cNvPr id="15" name="Ellipse 14">
             <a:extLst>
               <a:ext uri="{FF2B5EF4-FFF2-40B4-BE49-F238E27FC236}">
-                <a16:creationId xmlns="" xmlns:a16="http://schemas.microsoft.com/office/drawing/2014/main" id="{58ADDE1C-EA42-455F-8EA6-B8E3BAE0272F}"/>
+                <a16:creationId xmlns:a16="http://schemas.microsoft.com/office/drawing/2014/main" xmlns="" id="{58ADDE1C-EA42-455F-8EA6-B8E3BAE0272F}"/>
               </a:ext>
             </a:extLst>
           </p:cNvPr>
@@ -13070,7 +13066,7 @@
           <p:cNvPr id="16" name="Ellipse 15">
             <a:extLst>
               <a:ext uri="{FF2B5EF4-FFF2-40B4-BE49-F238E27FC236}">
-                <a16:creationId xmlns="" xmlns:a16="http://schemas.microsoft.com/office/drawing/2014/main" id="{896F73C8-8F04-4CC6-97C4-1DD7B5E41760}"/>
+                <a16:creationId xmlns:a16="http://schemas.microsoft.com/office/drawing/2014/main" xmlns="" id="{896F73C8-8F04-4CC6-97C4-1DD7B5E41760}"/>
               </a:ext>
             </a:extLst>
           </p:cNvPr>
@@ -13116,7 +13112,7 @@
           <p:cNvPr id="17" name="Ellipse 16">
             <a:extLst>
               <a:ext uri="{FF2B5EF4-FFF2-40B4-BE49-F238E27FC236}">
-                <a16:creationId xmlns="" xmlns:a16="http://schemas.microsoft.com/office/drawing/2014/main" id="{E834ED1C-E0F9-4D80-BC22-E8D5FF875936}"/>
+                <a16:creationId xmlns:a16="http://schemas.microsoft.com/office/drawing/2014/main" xmlns="" id="{E834ED1C-E0F9-4D80-BC22-E8D5FF875936}"/>
               </a:ext>
             </a:extLst>
           </p:cNvPr>
@@ -13170,7 +13166,7 @@
           <p:cNvPr id="18" name="Ellipse 17">
             <a:extLst>
               <a:ext uri="{FF2B5EF4-FFF2-40B4-BE49-F238E27FC236}">
-                <a16:creationId xmlns="" xmlns:a16="http://schemas.microsoft.com/office/drawing/2014/main" id="{D9C9DB88-0D38-44B0-8D62-510C1934DB2C}"/>
+                <a16:creationId xmlns:a16="http://schemas.microsoft.com/office/drawing/2014/main" xmlns="" id="{D9C9DB88-0D38-44B0-8D62-510C1934DB2C}"/>
               </a:ext>
             </a:extLst>
           </p:cNvPr>
@@ -13224,7 +13220,7 @@
           <p:cNvPr id="19" name="Ellipse 18">
             <a:extLst>
               <a:ext uri="{FF2B5EF4-FFF2-40B4-BE49-F238E27FC236}">
-                <a16:creationId xmlns="" xmlns:a16="http://schemas.microsoft.com/office/drawing/2014/main" id="{AF5D232C-9B44-46DD-9434-43BE9D322187}"/>
+                <a16:creationId xmlns:a16="http://schemas.microsoft.com/office/drawing/2014/main" xmlns="" id="{AF5D232C-9B44-46DD-9434-43BE9D322187}"/>
               </a:ext>
             </a:extLst>
           </p:cNvPr>
@@ -13278,7 +13274,7 @@
           <p:cNvPr id="20" name="Ellipse 19">
             <a:extLst>
               <a:ext uri="{FF2B5EF4-FFF2-40B4-BE49-F238E27FC236}">
-                <a16:creationId xmlns="" xmlns:a16="http://schemas.microsoft.com/office/drawing/2014/main" id="{7DBB5383-166E-4F55-B5DA-3A43707886C8}"/>
+                <a16:creationId xmlns:a16="http://schemas.microsoft.com/office/drawing/2014/main" xmlns="" id="{7DBB5383-166E-4F55-B5DA-3A43707886C8}"/>
               </a:ext>
             </a:extLst>
           </p:cNvPr>
@@ -13332,7 +13328,7 @@
           <p:cNvPr id="21" name="Rechteck 20">
             <a:extLst>
               <a:ext uri="{FF2B5EF4-FFF2-40B4-BE49-F238E27FC236}">
-                <a16:creationId xmlns="" xmlns:a16="http://schemas.microsoft.com/office/drawing/2014/main" id="{557170D4-743C-4500-AC84-115677CC29C7}"/>
+                <a16:creationId xmlns:a16="http://schemas.microsoft.com/office/drawing/2014/main" xmlns="" id="{557170D4-743C-4500-AC84-115677CC29C7}"/>
               </a:ext>
             </a:extLst>
           </p:cNvPr>
@@ -13379,7 +13375,7 @@
           <p:cNvPr id="22" name="Rechteck 21">
             <a:extLst>
               <a:ext uri="{FF2B5EF4-FFF2-40B4-BE49-F238E27FC236}">
-                <a16:creationId xmlns="" xmlns:a16="http://schemas.microsoft.com/office/drawing/2014/main" id="{CB6D8A3C-1082-4255-9556-0AE3CBADAAC2}"/>
+                <a16:creationId xmlns:a16="http://schemas.microsoft.com/office/drawing/2014/main" xmlns="" id="{CB6D8A3C-1082-4255-9556-0AE3CBADAAC2}"/>
               </a:ext>
             </a:extLst>
           </p:cNvPr>
@@ -13431,7 +13427,7 @@
           <p:cNvPr id="23" name="Stern: 5 Zacken 22">
             <a:extLst>
               <a:ext uri="{FF2B5EF4-FFF2-40B4-BE49-F238E27FC236}">
-                <a16:creationId xmlns="" xmlns:a16="http://schemas.microsoft.com/office/drawing/2014/main" id="{30ACAD23-06F1-4109-8CB7-3983EAC26B6E}"/>
+                <a16:creationId xmlns:a16="http://schemas.microsoft.com/office/drawing/2014/main" xmlns="" id="{30ACAD23-06F1-4109-8CB7-3983EAC26B6E}"/>
               </a:ext>
             </a:extLst>
           </p:cNvPr>
@@ -13485,7 +13481,7 @@
           <p:cNvPr id="24" name="Ellipse 23">
             <a:extLst>
               <a:ext uri="{FF2B5EF4-FFF2-40B4-BE49-F238E27FC236}">
-                <a16:creationId xmlns="" xmlns:a16="http://schemas.microsoft.com/office/drawing/2014/main" id="{1E130FB0-31E0-48E1-BBE6-B0DDCA3F1952}"/>
+                <a16:creationId xmlns:a16="http://schemas.microsoft.com/office/drawing/2014/main" xmlns="" id="{1E130FB0-31E0-48E1-BBE6-B0DDCA3F1952}"/>
               </a:ext>
             </a:extLst>
           </p:cNvPr>
@@ -13537,7 +13533,7 @@
           <p:cNvPr id="25" name="Ellipse 24">
             <a:extLst>
               <a:ext uri="{FF2B5EF4-FFF2-40B4-BE49-F238E27FC236}">
-                <a16:creationId xmlns="" xmlns:a16="http://schemas.microsoft.com/office/drawing/2014/main" id="{909F81B8-BBC3-41DE-BFEA-18D8DE20A4A0}"/>
+                <a16:creationId xmlns:a16="http://schemas.microsoft.com/office/drawing/2014/main" xmlns="" id="{909F81B8-BBC3-41DE-BFEA-18D8DE20A4A0}"/>
               </a:ext>
             </a:extLst>
           </p:cNvPr>
@@ -13589,7 +13585,7 @@
           <p:cNvPr id="26" name="Textfeld 25">
             <a:extLst>
               <a:ext uri="{FF2B5EF4-FFF2-40B4-BE49-F238E27FC236}">
-                <a16:creationId xmlns="" xmlns:a16="http://schemas.microsoft.com/office/drawing/2014/main" id="{E1A66F3B-E0D0-47BD-BF9A-2E68700102D7}"/>
+                <a16:creationId xmlns:a16="http://schemas.microsoft.com/office/drawing/2014/main" xmlns="" id="{E1A66F3B-E0D0-47BD-BF9A-2E68700102D7}"/>
               </a:ext>
             </a:extLst>
           </p:cNvPr>
@@ -14280,10 +14276,10 @@
           <p:cNvPr id="12" name="Rectangle 11">
             <a:extLst>
               <a:ext uri="{FF2B5EF4-FFF2-40B4-BE49-F238E27FC236}">
-                <a16:creationId xmlns="" xmlns:a16="http://schemas.microsoft.com/office/drawing/2014/main" id="{B44C3061-D558-447B-A988-09ECE14461D7}"/>
+                <a16:creationId xmlns:a16="http://schemas.microsoft.com/office/drawing/2014/main" xmlns="" id="{B44C3061-D558-447B-A988-09ECE14461D7}"/>
               </a:ext>
               <a:ext uri="{C183D7F6-B498-43B3-948B-1728B52AA6E4}">
-                <adec:decorative xmlns="" xmlns:adec="http://schemas.microsoft.com/office/drawing/2017/decorative" val="1"/>
+                <adec:decorative xmlns:adec="http://schemas.microsoft.com/office/drawing/2017/decorative" xmlns="" val="1"/>
               </a:ext>
             </a:extLst>
           </p:cNvPr>
@@ -14293,7 +14289,7 @@
           <p:nvPr>
             <p:extLst>
               <p:ext uri="{386F3935-93C4-4BCD-93E2-E3B085C9AB24}">
-                <p16:designElem xmlns="" xmlns:p16="http://schemas.microsoft.com/office/powerpoint/2015/main" val="1"/>
+                <p16:designElem xmlns:p16="http://schemas.microsoft.com/office/powerpoint/2015/main" xmlns="" val="1"/>
               </p:ext>
             </p:extLst>
           </p:nvPr>
@@ -14340,10 +14336,10 @@
           <p:cNvPr id="14" name="Rectangle 13">
             <a:extLst>
               <a:ext uri="{FF2B5EF4-FFF2-40B4-BE49-F238E27FC236}">
-                <a16:creationId xmlns="" xmlns:a16="http://schemas.microsoft.com/office/drawing/2014/main" id="{59339771-9C8F-497E-8974-E09A86FEEB23}"/>
+                <a16:creationId xmlns:a16="http://schemas.microsoft.com/office/drawing/2014/main" xmlns="" id="{59339771-9C8F-497E-8974-E09A86FEEB23}"/>
               </a:ext>
               <a:ext uri="{C183D7F6-B498-43B3-948B-1728B52AA6E4}">
-                <adec:decorative xmlns="" xmlns:adec="http://schemas.microsoft.com/office/drawing/2017/decorative" val="1"/>
+                <adec:decorative xmlns:adec="http://schemas.microsoft.com/office/drawing/2017/decorative" xmlns="" val="1"/>
               </a:ext>
             </a:extLst>
           </p:cNvPr>
@@ -14353,7 +14349,7 @@
           <p:nvPr>
             <p:extLst>
               <p:ext uri="{386F3935-93C4-4BCD-93E2-E3B085C9AB24}">
-                <p16:designElem xmlns="" xmlns:p16="http://schemas.microsoft.com/office/powerpoint/2015/main" val="1"/>
+                <p16:designElem xmlns:p16="http://schemas.microsoft.com/office/powerpoint/2015/main" xmlns="" val="1"/>
               </p:ext>
             </p:extLst>
           </p:nvPr>
@@ -14395,7 +14391,7 @@
           <p:cNvPr id="2" name="Titel 1">
             <a:extLst>
               <a:ext uri="{FF2B5EF4-FFF2-40B4-BE49-F238E27FC236}">
-                <a16:creationId xmlns="" xmlns:a16="http://schemas.microsoft.com/office/drawing/2014/main" id="{024FB30C-45D5-4A6E-861B-AC316BA5D430}"/>
+                <a16:creationId xmlns:a16="http://schemas.microsoft.com/office/drawing/2014/main" xmlns="" id="{024FB30C-45D5-4A6E-861B-AC316BA5D430}"/>
               </a:ext>
             </a:extLst>
           </p:cNvPr>
@@ -14463,7 +14459,7 @@
           <p:cNvPr id="9" name="Content Placeholder 8">
             <a:extLst>
               <a:ext uri="{FF2B5EF4-FFF2-40B4-BE49-F238E27FC236}">
-                <a16:creationId xmlns="" xmlns:a16="http://schemas.microsoft.com/office/drawing/2014/main" id="{1C0D0782-8490-4FB9-A235-992C1F1F1C25}"/>
+                <a16:creationId xmlns:a16="http://schemas.microsoft.com/office/drawing/2014/main" xmlns="" id="{1C0D0782-8490-4FB9-A235-992C1F1F1C25}"/>
               </a:ext>
             </a:extLst>
           </p:cNvPr>
@@ -14551,7 +14547,7 @@
             <a:r>
               <a:rPr lang="en-US" sz="2400" dirty="0">
                 <a:solidFill>
-                  <a:srgbClr val="FF0000"/>
+                  <a:schemeClr val="tx1"/>
                 </a:solidFill>
               </a:rPr>
               <a:t>If k is too big, distances that are too far are included</a:t>
@@ -14564,10 +14560,10 @@
           <p:cNvPr id="16" name="Rectangle 15">
             <a:extLst>
               <a:ext uri="{FF2B5EF4-FFF2-40B4-BE49-F238E27FC236}">
-                <a16:creationId xmlns="" xmlns:a16="http://schemas.microsoft.com/office/drawing/2014/main" id="{BDB54B0B-6CFB-4B92-A5DC-5DCD05BE5B4D}"/>
+                <a16:creationId xmlns:a16="http://schemas.microsoft.com/office/drawing/2014/main" xmlns="" id="{BDB54B0B-6CFB-4B92-A5DC-5DCD05BE5B4D}"/>
               </a:ext>
               <a:ext uri="{C183D7F6-B498-43B3-948B-1728B52AA6E4}">
-                <adec:decorative xmlns="" xmlns:adec="http://schemas.microsoft.com/office/drawing/2017/decorative" val="1"/>
+                <adec:decorative xmlns:adec="http://schemas.microsoft.com/office/drawing/2017/decorative" xmlns="" val="1"/>
               </a:ext>
             </a:extLst>
           </p:cNvPr>
@@ -14577,7 +14573,7 @@
           <p:nvPr>
             <p:extLst>
               <p:ext uri="{386F3935-93C4-4BCD-93E2-E3B085C9AB24}">
-                <p16:designElem xmlns="" xmlns:p16="http://schemas.microsoft.com/office/powerpoint/2015/main" val="1"/>
+                <p16:designElem xmlns:p16="http://schemas.microsoft.com/office/powerpoint/2015/main" xmlns="" val="1"/>
               </p:ext>
             </p:extLst>
           </p:nvPr>
@@ -14619,7 +14615,7 @@
           <p:cNvPr id="7" name="Inhaltsplatzhalter 3">
             <a:extLst>
               <a:ext uri="{FF2B5EF4-FFF2-40B4-BE49-F238E27FC236}">
-                <a16:creationId xmlns="" xmlns:a16="http://schemas.microsoft.com/office/drawing/2014/main" id="{98A9C15B-CCC4-4E5C-B799-5CC331BD3332}"/>
+                <a16:creationId xmlns:a16="http://schemas.microsoft.com/office/drawing/2014/main" xmlns="" id="{98A9C15B-CCC4-4E5C-B799-5CC331BD3332}"/>
               </a:ext>
             </a:extLst>
           </p:cNvPr>
@@ -14678,7 +14674,7 @@
           <p:cNvPr id="2" name="Titel 1">
             <a:extLst>
               <a:ext uri="{FF2B5EF4-FFF2-40B4-BE49-F238E27FC236}">
-                <a16:creationId xmlns="" xmlns:a16="http://schemas.microsoft.com/office/drawing/2014/main" id="{2D19F794-8599-4A1D-A689-743EBDA80DB4}"/>
+                <a16:creationId xmlns:a16="http://schemas.microsoft.com/office/drawing/2014/main" xmlns="" id="{2D19F794-8599-4A1D-A689-743EBDA80DB4}"/>
               </a:ext>
             </a:extLst>
           </p:cNvPr>
@@ -14723,7 +14719,7 @@
           <p:cNvPr id="4" name="Textfeld 3">
             <a:extLst>
               <a:ext uri="{FF2B5EF4-FFF2-40B4-BE49-F238E27FC236}">
-                <a16:creationId xmlns="" xmlns:a16="http://schemas.microsoft.com/office/drawing/2014/main" id="{5E36B305-D4C6-4B27-9782-732C3867DEA7}"/>
+                <a16:creationId xmlns:a16="http://schemas.microsoft.com/office/drawing/2014/main" xmlns="" id="{5E36B305-D4C6-4B27-9782-732C3867DEA7}"/>
               </a:ext>
             </a:extLst>
           </p:cNvPr>
@@ -15339,7 +15335,7 @@
           <p:cNvPr id="2" name="Titel 1">
             <a:extLst>
               <a:ext uri="{FF2B5EF4-FFF2-40B4-BE49-F238E27FC236}">
-                <a16:creationId xmlns="" xmlns:a16="http://schemas.microsoft.com/office/drawing/2014/main" id="{F6CDE045-1C18-44A9-946E-E74089FBB179}"/>
+                <a16:creationId xmlns:a16="http://schemas.microsoft.com/office/drawing/2014/main" xmlns="" id="{F6CDE045-1C18-44A9-946E-E74089FBB179}"/>
               </a:ext>
             </a:extLst>
           </p:cNvPr>
@@ -15381,7 +15377,7 @@
           <p:cNvPr id="5" name="Inhaltsplatzhalter 4">
             <a:extLst>
               <a:ext uri="{FF2B5EF4-FFF2-40B4-BE49-F238E27FC236}">
-                <a16:creationId xmlns="" xmlns:a16="http://schemas.microsoft.com/office/drawing/2014/main" id="{C2F4A0CB-AF1A-4BE8-829B-9C5B7E49D064}"/>
+                <a16:creationId xmlns:a16="http://schemas.microsoft.com/office/drawing/2014/main" xmlns="" id="{C2F4A0CB-AF1A-4BE8-829B-9C5B7E49D064}"/>
               </a:ext>
             </a:extLst>
           </p:cNvPr>
@@ -15446,7 +15442,7 @@
           <p:cNvPr id="3" name="Inhaltsplatzhalter 2">
             <a:extLst>
               <a:ext uri="{FF2B5EF4-FFF2-40B4-BE49-F238E27FC236}">
-                <a16:creationId xmlns="" xmlns:a16="http://schemas.microsoft.com/office/drawing/2014/main" id="{56D22BFB-FDAA-4D7E-88D9-C29E57B7C51D}"/>
+                <a16:creationId xmlns:a16="http://schemas.microsoft.com/office/drawing/2014/main" xmlns="" id="{56D22BFB-FDAA-4D7E-88D9-C29E57B7C51D}"/>
               </a:ext>
             </a:extLst>
           </p:cNvPr>
@@ -15485,7 +15481,7 @@
           <p:cNvPr id="4" name="Inhaltsplatzhalter 3">
             <a:extLst>
               <a:ext uri="{FF2B5EF4-FFF2-40B4-BE49-F238E27FC236}">
-                <a16:creationId xmlns="" xmlns:a16="http://schemas.microsoft.com/office/drawing/2014/main" id="{370A4785-6A67-4835-A53B-8D4F4DA15C1E}"/>
+                <a16:creationId xmlns:a16="http://schemas.microsoft.com/office/drawing/2014/main" xmlns="" id="{370A4785-6A67-4835-A53B-8D4F4DA15C1E}"/>
               </a:ext>
             </a:extLst>
           </p:cNvPr>
@@ -15515,7 +15511,7 @@
           <p:cNvPr id="5" name="Grafik 7">
             <a:extLst>
               <a:ext uri="{FF2B5EF4-FFF2-40B4-BE49-F238E27FC236}">
-                <a16:creationId xmlns="" xmlns:a16="http://schemas.microsoft.com/office/drawing/2014/main" id="{5252049F-1455-46B7-9B58-C400DA353D3F}"/>
+                <a16:creationId xmlns:a16="http://schemas.microsoft.com/office/drawing/2014/main" xmlns="" id="{5252049F-1455-46B7-9B58-C400DA353D3F}"/>
               </a:ext>
             </a:extLst>
           </p:cNvPr>
@@ -15545,7 +15541,7 @@
           <p:cNvPr id="6" name="Textfeld 9">
             <a:extLst>
               <a:ext uri="{FF2B5EF4-FFF2-40B4-BE49-F238E27FC236}">
-                <a16:creationId xmlns="" xmlns:a16="http://schemas.microsoft.com/office/drawing/2014/main" id="{DEDCDEB8-1162-4AAC-93D8-F1A1F6FB9B4B}"/>
+                <a16:creationId xmlns:a16="http://schemas.microsoft.com/office/drawing/2014/main" xmlns="" id="{DEDCDEB8-1162-4AAC-93D8-F1A1F6FB9B4B}"/>
               </a:ext>
             </a:extLst>
           </p:cNvPr>
@@ -15759,7 +15755,7 @@
           <p:cNvPr id="7" name="Titel 1">
             <a:extLst>
               <a:ext uri="{FF2B5EF4-FFF2-40B4-BE49-F238E27FC236}">
-                <a16:creationId xmlns="" xmlns:a16="http://schemas.microsoft.com/office/drawing/2014/main" id="{3D022FA1-1227-4EA1-8EB1-679CE9C5CFCD}"/>
+                <a16:creationId xmlns:a16="http://schemas.microsoft.com/office/drawing/2014/main" xmlns="" id="{3D022FA1-1227-4EA1-8EB1-679CE9C5CFCD}"/>
               </a:ext>
             </a:extLst>
           </p:cNvPr>
@@ -16951,7 +16947,7 @@
   <a:extraClrSchemeLst/>
   <a:extLst>
     <a:ext uri="{05A4C25C-085E-4340-85A3-A5531E510DB2}">
-      <thm15:themeFamily xmlns="" xmlns:thm15="http://schemas.microsoft.com/office/thememl/2012/main" name="Retrospect" id="{5F128B03-DCCA-4EEB-AB3B-CF2899314A46}" vid="{9CC26709-368C-4D72-9060-94E5B3FF3CD6}"/>
+      <thm15:themeFamily xmlns:thm15="http://schemas.microsoft.com/office/thememl/2012/main" xmlns="" name="Retrospect" id="{5F128B03-DCCA-4EEB-AB3B-CF2899314A46}" vid="{9CC26709-368C-4D72-9060-94E5B3FF3CD6}"/>
     </a:ext>
   </a:extLst>
 </a:theme>

--- a/presentation_digit_recog2.pptx
+++ b/presentation_digit_recog2.pptx
@@ -124,7 +124,7 @@
   </p:defaultTextStyle>
   <p:extLst>
     <p:ext uri="{EFAFB233-063F-42B5-8137-9DF3F51BA10A}">
-      <p15:sldGuideLst xmlns:p15="http://schemas.microsoft.com/office/powerpoint/2012/main" xmlns="">
+      <p15:sldGuideLst xmlns="" xmlns:p15="http://schemas.microsoft.com/office/powerpoint/2012/main">
         <p15:guide id="1" orient="horz" pos="2160">
           <p15:clr>
             <a:srgbClr val="A4A3A4"/>
@@ -347,7 +347,7 @@
           <a:p>
             <a:fld id="{29E7901B-09AF-4D4A-907F-86E00F8E0E92}" type="slidenum">
               <a:rPr lang="de-DE" smtClean="0"/>
-              <a:t>‹Nr.›</a:t>
+              <a:t>‹#›</a:t>
             </a:fld>
             <a:endParaRPr lang="de-DE"/>
           </a:p>
@@ -517,7 +517,7 @@
           <a:p>
             <a:fld id="{29E7901B-09AF-4D4A-907F-86E00F8E0E92}" type="slidenum">
               <a:rPr lang="de-DE" smtClean="0"/>
-              <a:t>‹Nr.›</a:t>
+              <a:t>‹#›</a:t>
             </a:fld>
             <a:endParaRPr lang="de-DE"/>
           </a:p>
@@ -697,7 +697,7 @@
           <a:p>
             <a:fld id="{29E7901B-09AF-4D4A-907F-86E00F8E0E92}" type="slidenum">
               <a:rPr lang="de-DE" smtClean="0"/>
-              <a:t>‹Nr.›</a:t>
+              <a:t>‹#›</a:t>
             </a:fld>
             <a:endParaRPr lang="de-DE"/>
           </a:p>
@@ -900,7 +900,7 @@
           <a:p>
             <a:fld id="{29E7901B-09AF-4D4A-907F-86E00F8E0E92}" type="slidenum">
               <a:rPr lang="de-DE" smtClean="0"/>
-              <a:t>‹Nr.›</a:t>
+              <a:t>‹#›</a:t>
             </a:fld>
             <a:endParaRPr lang="de-DE"/>
           </a:p>
@@ -1070,7 +1070,7 @@
           <a:p>
             <a:fld id="{29E7901B-09AF-4D4A-907F-86E00F8E0E92}" type="slidenum">
               <a:rPr lang="de-DE" smtClean="0"/>
-              <a:t>‹Nr.›</a:t>
+              <a:t>‹#›</a:t>
             </a:fld>
             <a:endParaRPr lang="de-DE"/>
           </a:p>
@@ -1321,7 +1321,7 @@
           <a:p>
             <a:fld id="{29E7901B-09AF-4D4A-907F-86E00F8E0E92}" type="slidenum">
               <a:rPr lang="de-DE" smtClean="0"/>
-              <a:t>‹Nr.›</a:t>
+              <a:t>‹#›</a:t>
             </a:fld>
             <a:endParaRPr lang="de-DE"/>
           </a:p>
@@ -1553,7 +1553,7 @@
           <a:p>
             <a:fld id="{29E7901B-09AF-4D4A-907F-86E00F8E0E92}" type="slidenum">
               <a:rPr lang="de-DE" smtClean="0"/>
-              <a:t>‹Nr.›</a:t>
+              <a:t>‹#›</a:t>
             </a:fld>
             <a:endParaRPr lang="de-DE"/>
           </a:p>
@@ -1900,7 +1900,7 @@
           <a:p>
             <a:fld id="{29E7901B-09AF-4D4A-907F-86E00F8E0E92}" type="slidenum">
               <a:rPr lang="de-DE" smtClean="0"/>
-              <a:t>‹Nr.›</a:t>
+              <a:t>‹#›</a:t>
             </a:fld>
             <a:endParaRPr lang="de-DE"/>
           </a:p>
@@ -2018,7 +2018,7 @@
           <a:p>
             <a:fld id="{29E7901B-09AF-4D4A-907F-86E00F8E0E92}" type="slidenum">
               <a:rPr lang="de-DE" smtClean="0"/>
-              <a:t>‹Nr.›</a:t>
+              <a:t>‹#›</a:t>
             </a:fld>
             <a:endParaRPr lang="de-DE"/>
           </a:p>
@@ -2136,7 +2136,7 @@
           <a:p>
             <a:fld id="{29E7901B-09AF-4D4A-907F-86E00F8E0E92}" type="slidenum">
               <a:rPr lang="de-DE" smtClean="0"/>
-              <a:t>‹Nr.›</a:t>
+              <a:t>‹#›</a:t>
             </a:fld>
             <a:endParaRPr lang="de-DE"/>
           </a:p>
@@ -2420,7 +2420,7 @@
           <a:p>
             <a:fld id="{29E7901B-09AF-4D4A-907F-86E00F8E0E92}" type="slidenum">
               <a:rPr lang="de-DE" smtClean="0"/>
-              <a:t>‹Nr.›</a:t>
+              <a:t>‹#›</a:t>
             </a:fld>
             <a:endParaRPr lang="de-DE"/>
           </a:p>
@@ -2590,7 +2590,7 @@
           <a:p>
             <a:fld id="{29E7901B-09AF-4D4A-907F-86E00F8E0E92}" type="slidenum">
               <a:rPr lang="de-DE" smtClean="0"/>
-              <a:t>‹Nr.›</a:t>
+              <a:t>‹#›</a:t>
             </a:fld>
             <a:endParaRPr lang="de-DE"/>
           </a:p>
@@ -2854,7 +2854,7 @@
           <a:p>
             <a:fld id="{29E7901B-09AF-4D4A-907F-86E00F8E0E92}" type="slidenum">
               <a:rPr lang="de-DE" smtClean="0"/>
-              <a:t>‹Nr.›</a:t>
+              <a:t>‹#›</a:t>
             </a:fld>
             <a:endParaRPr lang="de-DE"/>
           </a:p>
@@ -3024,7 +3024,7 @@
           <a:p>
             <a:fld id="{29E7901B-09AF-4D4A-907F-86E00F8E0E92}" type="slidenum">
               <a:rPr lang="de-DE" smtClean="0"/>
-              <a:t>‹Nr.›</a:t>
+              <a:t>‹#›</a:t>
             </a:fld>
             <a:endParaRPr lang="de-DE"/>
           </a:p>
@@ -3204,7 +3204,7 @@
           <a:p>
             <a:fld id="{29E7901B-09AF-4D4A-907F-86E00F8E0E92}" type="slidenum">
               <a:rPr lang="de-DE" smtClean="0"/>
-              <a:t>‹Nr.›</a:t>
+              <a:t>‹#›</a:t>
             </a:fld>
             <a:endParaRPr lang="de-DE"/>
           </a:p>
@@ -3491,7 +3491,7 @@
           <a:p>
             <a:fld id="{29E7901B-09AF-4D4A-907F-86E00F8E0E92}" type="slidenum">
               <a:rPr lang="de-DE" smtClean="0"/>
-              <a:t>‹Nr.›</a:t>
+              <a:t>‹#›</a:t>
             </a:fld>
             <a:endParaRPr lang="de-DE"/>
           </a:p>
@@ -3699,7 +3699,7 @@
           <a:p>
             <a:fld id="{29E7901B-09AF-4D4A-907F-86E00F8E0E92}" type="slidenum">
               <a:rPr lang="de-DE" smtClean="0"/>
-              <a:t>‹Nr.›</a:t>
+              <a:t>‹#›</a:t>
             </a:fld>
             <a:endParaRPr lang="de-DE"/>
           </a:p>
@@ -4042,7 +4042,7 @@
           <a:p>
             <a:fld id="{29E7901B-09AF-4D4A-907F-86E00F8E0E92}" type="slidenum">
               <a:rPr lang="de-DE" smtClean="0"/>
-              <a:t>‹Nr.›</a:t>
+              <a:t>‹#›</a:t>
             </a:fld>
             <a:endParaRPr lang="de-DE"/>
           </a:p>
@@ -4317,7 +4317,7 @@
           <a:p>
             <a:fld id="{29E7901B-09AF-4D4A-907F-86E00F8E0E92}" type="slidenum">
               <a:rPr lang="de-DE" smtClean="0"/>
-              <a:t>‹Nr.›</a:t>
+              <a:t>‹#›</a:t>
             </a:fld>
             <a:endParaRPr lang="de-DE"/>
           </a:p>
@@ -4696,7 +4696,7 @@
           <a:p>
             <a:fld id="{29E7901B-09AF-4D4A-907F-86E00F8E0E92}" type="slidenum">
               <a:rPr lang="de-DE" smtClean="0"/>
-              <a:t>‹Nr.›</a:t>
+              <a:t>‹#›</a:t>
             </a:fld>
             <a:endParaRPr lang="de-DE"/>
           </a:p>
@@ -4814,7 +4814,7 @@
           <a:p>
             <a:fld id="{29E7901B-09AF-4D4A-907F-86E00F8E0E92}" type="slidenum">
               <a:rPr lang="de-DE" smtClean="0"/>
-              <a:t>‹Nr.›</a:t>
+              <a:t>‹#›</a:t>
             </a:fld>
             <a:endParaRPr lang="de-DE"/>
           </a:p>
@@ -4993,7 +4993,7 @@
           <a:p>
             <a:fld id="{29E7901B-09AF-4D4A-907F-86E00F8E0E92}" type="slidenum">
               <a:rPr lang="de-DE" smtClean="0"/>
-              <a:t>‹Nr.›</a:t>
+              <a:t>‹#›</a:t>
             </a:fld>
             <a:endParaRPr lang="de-DE"/>
           </a:p>
@@ -5244,7 +5244,7 @@
           <a:p>
             <a:fld id="{29E7901B-09AF-4D4A-907F-86E00F8E0E92}" type="slidenum">
               <a:rPr lang="de-DE" smtClean="0"/>
-              <a:t>‹Nr.›</a:t>
+              <a:t>‹#›</a:t>
             </a:fld>
             <a:endParaRPr lang="de-DE"/>
           </a:p>
@@ -5611,7 +5611,7 @@
           <a:p>
             <a:fld id="{29E7901B-09AF-4D4A-907F-86E00F8E0E92}" type="slidenum">
               <a:rPr lang="de-DE" smtClean="0"/>
-              <a:t>‹Nr.›</a:t>
+              <a:t>‹#›</a:t>
             </a:fld>
             <a:endParaRPr lang="de-DE"/>
           </a:p>
@@ -5967,7 +5967,7 @@
           <a:p>
             <a:fld id="{29E7901B-09AF-4D4A-907F-86E00F8E0E92}" type="slidenum">
               <a:rPr lang="de-DE" smtClean="0"/>
-              <a:t>‹Nr.›</a:t>
+              <a:t>‹#›</a:t>
             </a:fld>
             <a:endParaRPr lang="de-DE"/>
           </a:p>
@@ -6137,7 +6137,7 @@
           <a:p>
             <a:fld id="{29E7901B-09AF-4D4A-907F-86E00F8E0E92}" type="slidenum">
               <a:rPr lang="de-DE" smtClean="0"/>
-              <a:t>‹Nr.›</a:t>
+              <a:t>‹#›</a:t>
             </a:fld>
             <a:endParaRPr lang="de-DE"/>
           </a:p>
@@ -6393,7 +6393,7 @@
           <a:p>
             <a:fld id="{29E7901B-09AF-4D4A-907F-86E00F8E0E92}" type="slidenum">
               <a:rPr lang="de-DE" smtClean="0"/>
-              <a:t>‹Nr.›</a:t>
+              <a:t>‹#›</a:t>
             </a:fld>
             <a:endParaRPr lang="de-DE"/>
           </a:p>
@@ -6625,7 +6625,7 @@
           <a:p>
             <a:fld id="{29E7901B-09AF-4D4A-907F-86E00F8E0E92}" type="slidenum">
               <a:rPr lang="de-DE" smtClean="0"/>
-              <a:t>‹Nr.›</a:t>
+              <a:t>‹#›</a:t>
             </a:fld>
             <a:endParaRPr lang="de-DE"/>
           </a:p>
@@ -6972,7 +6972,7 @@
           <a:p>
             <a:fld id="{29E7901B-09AF-4D4A-907F-86E00F8E0E92}" type="slidenum">
               <a:rPr lang="de-DE" smtClean="0"/>
-              <a:t>‹Nr.›</a:t>
+              <a:t>‹#›</a:t>
             </a:fld>
             <a:endParaRPr lang="de-DE"/>
           </a:p>
@@ -7090,7 +7090,7 @@
           <a:p>
             <a:fld id="{29E7901B-09AF-4D4A-907F-86E00F8E0E92}" type="slidenum">
               <a:rPr lang="de-DE" smtClean="0"/>
-              <a:t>‹Nr.›</a:t>
+              <a:t>‹#›</a:t>
             </a:fld>
             <a:endParaRPr lang="de-DE"/>
           </a:p>
@@ -7208,7 +7208,7 @@
           <a:p>
             <a:fld id="{29E7901B-09AF-4D4A-907F-86E00F8E0E92}" type="slidenum">
               <a:rPr lang="de-DE" smtClean="0"/>
-              <a:t>‹Nr.›</a:t>
+              <a:t>‹#›</a:t>
             </a:fld>
             <a:endParaRPr lang="de-DE"/>
           </a:p>
@@ -7492,7 +7492,7 @@
           <a:p>
             <a:fld id="{29E7901B-09AF-4D4A-907F-86E00F8E0E92}" type="slidenum">
               <a:rPr lang="de-DE" smtClean="0"/>
-              <a:t>‹Nr.›</a:t>
+              <a:t>‹#›</a:t>
             </a:fld>
             <a:endParaRPr lang="de-DE"/>
           </a:p>
@@ -7756,7 +7756,7 @@
           <a:p>
             <a:fld id="{29E7901B-09AF-4D4A-907F-86E00F8E0E92}" type="slidenum">
               <a:rPr lang="de-DE" smtClean="0"/>
-              <a:t>‹Nr.›</a:t>
+              <a:t>‹#›</a:t>
             </a:fld>
             <a:endParaRPr lang="de-DE"/>
           </a:p>
@@ -8007,7 +8007,7 @@
           <a:p>
             <a:fld id="{29E7901B-09AF-4D4A-907F-86E00F8E0E92}" type="slidenum">
               <a:rPr lang="de-DE" smtClean="0"/>
-              <a:t>‹Nr.›</a:t>
+              <a:t>‹#›</a:t>
             </a:fld>
             <a:endParaRPr lang="de-DE"/>
           </a:p>
@@ -8537,7 +8537,7 @@
           <a:p>
             <a:fld id="{29E7901B-09AF-4D4A-907F-86E00F8E0E92}" type="slidenum">
               <a:rPr lang="de-DE" smtClean="0"/>
-              <a:t>‹Nr.›</a:t>
+              <a:t>‹#›</a:t>
             </a:fld>
             <a:endParaRPr lang="de-DE"/>
           </a:p>
@@ -9135,7 +9135,7 @@
           <a:p>
             <a:fld id="{29E7901B-09AF-4D4A-907F-86E00F8E0E92}" type="slidenum">
               <a:rPr lang="de-DE" smtClean="0"/>
-              <a:t>‹Nr.›</a:t>
+              <a:t>‹#›</a:t>
             </a:fld>
             <a:endParaRPr lang="de-DE"/>
           </a:p>
@@ -9621,7 +9621,7 @@
           <p:cNvPr id="5" name="Grafik 4">
             <a:extLst>
               <a:ext uri="{FF2B5EF4-FFF2-40B4-BE49-F238E27FC236}">
-                <a16:creationId xmlns:a16="http://schemas.microsoft.com/office/drawing/2014/main" xmlns="" id="{541C1A54-8968-4CEF-8CA1-E84FB3A8524D}"/>
+                <a16:creationId xmlns="" xmlns:a16="http://schemas.microsoft.com/office/drawing/2014/main" id="{541C1A54-8968-4CEF-8CA1-E84FB3A8524D}"/>
               </a:ext>
             </a:extLst>
           </p:cNvPr>
@@ -9657,7 +9657,7 @@
           <p:cNvPr id="2" name="Titel 1">
             <a:extLst>
               <a:ext uri="{FF2B5EF4-FFF2-40B4-BE49-F238E27FC236}">
-                <a16:creationId xmlns:a16="http://schemas.microsoft.com/office/drawing/2014/main" xmlns="" id="{90A6468B-D0CD-4DC7-A3AD-DA2E2B071416}"/>
+                <a16:creationId xmlns="" xmlns:a16="http://schemas.microsoft.com/office/drawing/2014/main" id="{90A6468B-D0CD-4DC7-A3AD-DA2E2B071416}"/>
               </a:ext>
             </a:extLst>
           </p:cNvPr>
@@ -9696,7 +9696,7 @@
           <p:cNvPr id="3" name="Untertitel 2">
             <a:extLst>
               <a:ext uri="{FF2B5EF4-FFF2-40B4-BE49-F238E27FC236}">
-                <a16:creationId xmlns:a16="http://schemas.microsoft.com/office/drawing/2014/main" xmlns="" id="{65A5BDD7-952D-4603-93C5-6E59619C765A}"/>
+                <a16:creationId xmlns="" xmlns:a16="http://schemas.microsoft.com/office/drawing/2014/main" id="{65A5BDD7-952D-4603-93C5-6E59619C765A}"/>
               </a:ext>
             </a:extLst>
           </p:cNvPr>
@@ -9735,10 +9735,10 @@
           <p:cNvPr id="10" name="Straight Connector 9">
             <a:extLst>
               <a:ext uri="{FF2B5EF4-FFF2-40B4-BE49-F238E27FC236}">
-                <a16:creationId xmlns:a16="http://schemas.microsoft.com/office/drawing/2014/main" xmlns="" id="{F3CC58E3-BDF9-495D-9327-85F68058BE32}"/>
+                <a16:creationId xmlns="" xmlns:a16="http://schemas.microsoft.com/office/drawing/2014/main" id="{F3CC58E3-BDF9-495D-9327-85F68058BE32}"/>
               </a:ext>
               <a:ext uri="{C183D7F6-B498-43B3-948B-1728B52AA6E4}">
-                <adec:decorative xmlns:adec="http://schemas.microsoft.com/office/drawing/2017/decorative" xmlns="" val="1"/>
+                <adec:decorative xmlns="" xmlns:adec="http://schemas.microsoft.com/office/drawing/2017/decorative" val="1"/>
               </a:ext>
             </a:extLst>
           </p:cNvPr>
@@ -9748,7 +9748,7 @@
           <p:nvPr>
             <p:extLst>
               <p:ext uri="{386F3935-93C4-4BCD-93E2-E3B085C9AB24}">
-                <p16:designElem xmlns:p16="http://schemas.microsoft.com/office/powerpoint/2015/main" xmlns="" val="1"/>
+                <p16:designElem xmlns="" xmlns:p16="http://schemas.microsoft.com/office/powerpoint/2015/main" val="1"/>
               </p:ext>
             </p:extLst>
           </p:nvPr>
@@ -9789,10 +9789,10 @@
           <p:cNvPr id="12" name="Rectangle 11">
             <a:extLst>
               <a:ext uri="{FF2B5EF4-FFF2-40B4-BE49-F238E27FC236}">
-                <a16:creationId xmlns:a16="http://schemas.microsoft.com/office/drawing/2014/main" xmlns="" id="{DA0CA737-33FC-47E3-965A-D1C2CAA62894}"/>
+                <a16:creationId xmlns="" xmlns:a16="http://schemas.microsoft.com/office/drawing/2014/main" id="{DA0CA737-33FC-47E3-965A-D1C2CAA62894}"/>
               </a:ext>
               <a:ext uri="{C183D7F6-B498-43B3-948B-1728B52AA6E4}">
-                <adec:decorative xmlns:adec="http://schemas.microsoft.com/office/drawing/2017/decorative" xmlns="" val="1"/>
+                <adec:decorative xmlns="" xmlns:adec="http://schemas.microsoft.com/office/drawing/2017/decorative" val="1"/>
               </a:ext>
             </a:extLst>
           </p:cNvPr>
@@ -9802,7 +9802,7 @@
           <p:nvPr>
             <p:extLst>
               <p:ext uri="{386F3935-93C4-4BCD-93E2-E3B085C9AB24}">
-                <p16:designElem xmlns:p16="http://schemas.microsoft.com/office/powerpoint/2015/main" xmlns="" val="1"/>
+                <p16:designElem xmlns="" xmlns:p16="http://schemas.microsoft.com/office/powerpoint/2015/main" val="1"/>
               </p:ext>
             </p:extLst>
           </p:nvPr>
@@ -9844,10 +9844,10 @@
           <p:cNvPr id="14" name="Rectangle 13">
             <a:extLst>
               <a:ext uri="{FF2B5EF4-FFF2-40B4-BE49-F238E27FC236}">
-                <a16:creationId xmlns:a16="http://schemas.microsoft.com/office/drawing/2014/main" xmlns="" id="{22189942-24EB-488E-8B69-EB80F7E53E36}"/>
+                <a16:creationId xmlns="" xmlns:a16="http://schemas.microsoft.com/office/drawing/2014/main" id="{22189942-24EB-488E-8B69-EB80F7E53E36}"/>
               </a:ext>
               <a:ext uri="{C183D7F6-B498-43B3-948B-1728B52AA6E4}">
-                <adec:decorative xmlns:adec="http://schemas.microsoft.com/office/drawing/2017/decorative" xmlns="" val="1"/>
+                <adec:decorative xmlns="" xmlns:adec="http://schemas.microsoft.com/office/drawing/2017/decorative" val="1"/>
               </a:ext>
             </a:extLst>
           </p:cNvPr>
@@ -9857,7 +9857,7 @@
           <p:nvPr>
             <p:extLst>
               <p:ext uri="{386F3935-93C4-4BCD-93E2-E3B085C9AB24}">
-                <p16:designElem xmlns:p16="http://schemas.microsoft.com/office/powerpoint/2015/main" xmlns="" val="1"/>
+                <p16:designElem xmlns="" xmlns:p16="http://schemas.microsoft.com/office/powerpoint/2015/main" val="1"/>
               </p:ext>
             </p:extLst>
           </p:nvPr>
@@ -9929,7 +9929,7 @@
           <p:cNvPr id="2" name="Titel 1">
             <a:extLst>
               <a:ext uri="{FF2B5EF4-FFF2-40B4-BE49-F238E27FC236}">
-                <a16:creationId xmlns:a16="http://schemas.microsoft.com/office/drawing/2014/main" xmlns="" id="{3D022FA1-1227-4EA1-8EB1-679CE9C5CFCD}"/>
+                <a16:creationId xmlns="" xmlns:a16="http://schemas.microsoft.com/office/drawing/2014/main" id="{3D022FA1-1227-4EA1-8EB1-679CE9C5CFCD}"/>
               </a:ext>
             </a:extLst>
           </p:cNvPr>
@@ -9976,7 +9976,7 @@
           <p:cNvPr id="3" name="Inhaltsplatzhalter 2">
             <a:extLst>
               <a:ext uri="{FF2B5EF4-FFF2-40B4-BE49-F238E27FC236}">
-                <a16:creationId xmlns:a16="http://schemas.microsoft.com/office/drawing/2014/main" xmlns="" id="{56D22BFB-FDAA-4D7E-88D9-C29E57B7C51D}"/>
+                <a16:creationId xmlns="" xmlns:a16="http://schemas.microsoft.com/office/drawing/2014/main" id="{56D22BFB-FDAA-4D7E-88D9-C29E57B7C51D}"/>
               </a:ext>
             </a:extLst>
           </p:cNvPr>
@@ -10301,6 +10301,13 @@
   <p:clrMapOvr>
     <a:masterClrMapping/>
   </p:clrMapOvr>
+  <p:timing>
+    <p:tnLst>
+      <p:par>
+        <p:cTn id="1" dur="indefinite" restart="never" nodeType="tmRoot"/>
+      </p:par>
+    </p:tnLst>
+  </p:timing>
 </p:sld>
 </file>
 
@@ -10326,7 +10333,7 @@
           <p:cNvPr id="10" name="Inhaltsplatzhalter 9">
             <a:extLst>
               <a:ext uri="{FF2B5EF4-FFF2-40B4-BE49-F238E27FC236}">
-                <a16:creationId xmlns:a16="http://schemas.microsoft.com/office/drawing/2014/main" xmlns="" id="{65A23C4D-F599-40EB-9F55-473E092C8DBD}"/>
+                <a16:creationId xmlns="" xmlns:a16="http://schemas.microsoft.com/office/drawing/2014/main" id="{65A23C4D-F599-40EB-9F55-473E092C8DBD}"/>
               </a:ext>
             </a:extLst>
           </p:cNvPr>
@@ -10360,7 +10367,7 @@
           <p:cNvPr id="8" name="Inhaltsplatzhalter 7">
             <a:extLst>
               <a:ext uri="{FF2B5EF4-FFF2-40B4-BE49-F238E27FC236}">
-                <a16:creationId xmlns:a16="http://schemas.microsoft.com/office/drawing/2014/main" xmlns="" id="{AC8FC20D-C4BB-4858-9AA7-67A6D2F24CB1}"/>
+                <a16:creationId xmlns="" xmlns:a16="http://schemas.microsoft.com/office/drawing/2014/main" id="{AC8FC20D-C4BB-4858-9AA7-67A6D2F24CB1}"/>
               </a:ext>
             </a:extLst>
           </p:cNvPr>
@@ -10435,6 +10442,13 @@
   <p:clrMapOvr>
     <a:masterClrMapping/>
   </p:clrMapOvr>
+  <p:timing>
+    <p:tnLst>
+      <p:par>
+        <p:cTn id="1" dur="indefinite" restart="never" nodeType="tmRoot"/>
+      </p:par>
+    </p:tnLst>
+  </p:timing>
 </p:sld>
 </file>
 
@@ -10460,7 +10474,7 @@
           <p:cNvPr id="5" name="Titel 4">
             <a:extLst>
               <a:ext uri="{FF2B5EF4-FFF2-40B4-BE49-F238E27FC236}">
-                <a16:creationId xmlns:a16="http://schemas.microsoft.com/office/drawing/2014/main" xmlns="" id="{9222B4BD-52BA-4791-9651-98D4F0FB5A4A}"/>
+                <a16:creationId xmlns="" xmlns:a16="http://schemas.microsoft.com/office/drawing/2014/main" id="{9222B4BD-52BA-4791-9651-98D4F0FB5A4A}"/>
               </a:ext>
             </a:extLst>
           </p:cNvPr>
@@ -10501,7 +10515,7 @@
           <p:cNvPr id="6" name="Inhaltsplatzhalter 5">
             <a:extLst>
               <a:ext uri="{FF2B5EF4-FFF2-40B4-BE49-F238E27FC236}">
-                <a16:creationId xmlns:a16="http://schemas.microsoft.com/office/drawing/2014/main" xmlns="" id="{1A0911F2-B0B3-45D8-B92B-270F6D60CFB4}"/>
+                <a16:creationId xmlns="" xmlns:a16="http://schemas.microsoft.com/office/drawing/2014/main" id="{1A0911F2-B0B3-45D8-B92B-270F6D60CFB4}"/>
               </a:ext>
             </a:extLst>
           </p:cNvPr>
@@ -10802,7 +10816,7 @@
           <p:cNvPr id="9" name="Inhaltsplatzhalter 8">
             <a:extLst>
               <a:ext uri="{FF2B5EF4-FFF2-40B4-BE49-F238E27FC236}">
-                <a16:creationId xmlns:a16="http://schemas.microsoft.com/office/drawing/2014/main" xmlns="" id="{9909C030-22D0-4734-9DCB-167BC6D672DF}"/>
+                <a16:creationId xmlns="" xmlns:a16="http://schemas.microsoft.com/office/drawing/2014/main" id="{9909C030-22D0-4734-9DCB-167BC6D672DF}"/>
               </a:ext>
             </a:extLst>
           </p:cNvPr>
@@ -10866,7 +10880,7 @@
           <p:cNvPr id="5" name="Titel 4">
             <a:extLst>
               <a:ext uri="{FF2B5EF4-FFF2-40B4-BE49-F238E27FC236}">
-                <a16:creationId xmlns:a16="http://schemas.microsoft.com/office/drawing/2014/main" xmlns="" id="{CB372DEC-D0F9-4D40-9149-13D17AAF964B}"/>
+                <a16:creationId xmlns="" xmlns:a16="http://schemas.microsoft.com/office/drawing/2014/main" id="{CB372DEC-D0F9-4D40-9149-13D17AAF964B}"/>
               </a:ext>
             </a:extLst>
           </p:cNvPr>
@@ -10922,7 +10936,7 @@
           <p:cNvPr id="6" name="Untertitel 5">
             <a:extLst>
               <a:ext uri="{FF2B5EF4-FFF2-40B4-BE49-F238E27FC236}">
-                <a16:creationId xmlns:a16="http://schemas.microsoft.com/office/drawing/2014/main" xmlns="" id="{72729885-95AF-4E52-9DF2-73274144A388}"/>
+                <a16:creationId xmlns="" xmlns:a16="http://schemas.microsoft.com/office/drawing/2014/main" id="{72729885-95AF-4E52-9DF2-73274144A388}"/>
               </a:ext>
             </a:extLst>
           </p:cNvPr>
@@ -10985,10 +10999,10 @@
           <p:cNvPr id="10" name="Rectangle 9">
             <a:extLst>
               <a:ext uri="{FF2B5EF4-FFF2-40B4-BE49-F238E27FC236}">
-                <a16:creationId xmlns:a16="http://schemas.microsoft.com/office/drawing/2014/main" xmlns="" id="{D829E218-74FB-4455-98BE-F2C5BA8978BE}"/>
+                <a16:creationId xmlns="" xmlns:a16="http://schemas.microsoft.com/office/drawing/2014/main" id="{D829E218-74FB-4455-98BE-F2C5BA8978BE}"/>
               </a:ext>
               <a:ext uri="{C183D7F6-B498-43B3-948B-1728B52AA6E4}">
-                <adec:decorative xmlns:adec="http://schemas.microsoft.com/office/drawing/2017/decorative" xmlns="" val="1"/>
+                <adec:decorative xmlns="" xmlns:adec="http://schemas.microsoft.com/office/drawing/2017/decorative" val="1"/>
               </a:ext>
             </a:extLst>
           </p:cNvPr>
@@ -10998,7 +11012,7 @@
           <p:nvPr>
             <p:extLst>
               <p:ext uri="{386F3935-93C4-4BCD-93E2-E3B085C9AB24}">
-                <p16:designElem xmlns:p16="http://schemas.microsoft.com/office/powerpoint/2015/main" xmlns="" val="1"/>
+                <p16:designElem xmlns="" xmlns:p16="http://schemas.microsoft.com/office/powerpoint/2015/main" val="1"/>
               </p:ext>
             </p:extLst>
           </p:nvPr>
@@ -11040,10 +11054,10 @@
           <p:cNvPr id="12" name="Rectangle 11">
             <a:extLst>
               <a:ext uri="{FF2B5EF4-FFF2-40B4-BE49-F238E27FC236}">
-                <a16:creationId xmlns:a16="http://schemas.microsoft.com/office/drawing/2014/main" xmlns="" id="{7E8D75FD-D4F9-4D11-B70D-82EFCB4CFA5B}"/>
+                <a16:creationId xmlns="" xmlns:a16="http://schemas.microsoft.com/office/drawing/2014/main" id="{7E8D75FD-D4F9-4D11-B70D-82EFCB4CFA5B}"/>
               </a:ext>
               <a:ext uri="{C183D7F6-B498-43B3-948B-1728B52AA6E4}">
-                <adec:decorative xmlns:adec="http://schemas.microsoft.com/office/drawing/2017/decorative" xmlns="" val="1"/>
+                <adec:decorative xmlns="" xmlns:adec="http://schemas.microsoft.com/office/drawing/2017/decorative" val="1"/>
               </a:ext>
             </a:extLst>
           </p:cNvPr>
@@ -11053,7 +11067,7 @@
           <p:nvPr>
             <p:extLst>
               <p:ext uri="{386F3935-93C4-4BCD-93E2-E3B085C9AB24}">
-                <p16:designElem xmlns:p16="http://schemas.microsoft.com/office/powerpoint/2015/main" xmlns="" val="1"/>
+                <p16:designElem xmlns="" xmlns:p16="http://schemas.microsoft.com/office/powerpoint/2015/main" val="1"/>
               </p:ext>
             </p:extLst>
           </p:nvPr>
@@ -11095,10 +11109,10 @@
           <p:cNvPr id="14" name="Straight Connector 13">
             <a:extLst>
               <a:ext uri="{FF2B5EF4-FFF2-40B4-BE49-F238E27FC236}">
-                <a16:creationId xmlns:a16="http://schemas.microsoft.com/office/drawing/2014/main" xmlns="" id="{1F5DC8C3-BA5F-4EED-BB9A-A14272BD82A1}"/>
+                <a16:creationId xmlns="" xmlns:a16="http://schemas.microsoft.com/office/drawing/2014/main" id="{1F5DC8C3-BA5F-4EED-BB9A-A14272BD82A1}"/>
               </a:ext>
               <a:ext uri="{C183D7F6-B498-43B3-948B-1728B52AA6E4}">
-                <adec:decorative xmlns:adec="http://schemas.microsoft.com/office/drawing/2017/decorative" xmlns="" val="1"/>
+                <adec:decorative xmlns="" xmlns:adec="http://schemas.microsoft.com/office/drawing/2017/decorative" val="1"/>
               </a:ext>
             </a:extLst>
           </p:cNvPr>
@@ -11108,7 +11122,7 @@
           <p:nvPr>
             <p:extLst>
               <p:ext uri="{386F3935-93C4-4BCD-93E2-E3B085C9AB24}">
-                <p16:designElem xmlns:p16="http://schemas.microsoft.com/office/powerpoint/2015/main" xmlns="" val="1"/>
+                <p16:designElem xmlns="" xmlns:p16="http://schemas.microsoft.com/office/powerpoint/2015/main" val="1"/>
               </p:ext>
             </p:extLst>
           </p:nvPr>
@@ -11150,10 +11164,10 @@
           <p:cNvPr id="16" name="Rectangle 15">
             <a:extLst>
               <a:ext uri="{FF2B5EF4-FFF2-40B4-BE49-F238E27FC236}">
-                <a16:creationId xmlns:a16="http://schemas.microsoft.com/office/drawing/2014/main" xmlns="" id="{8638A98B-4B4B-4607-B11F-7DCA0D7CCE17}"/>
+                <a16:creationId xmlns="" xmlns:a16="http://schemas.microsoft.com/office/drawing/2014/main" id="{8638A98B-4B4B-4607-B11F-7DCA0D7CCE17}"/>
               </a:ext>
               <a:ext uri="{C183D7F6-B498-43B3-948B-1728B52AA6E4}">
-                <adec:decorative xmlns:adec="http://schemas.microsoft.com/office/drawing/2017/decorative" xmlns="" val="1"/>
+                <adec:decorative xmlns="" xmlns:adec="http://schemas.microsoft.com/office/drawing/2017/decorative" val="1"/>
               </a:ext>
             </a:extLst>
           </p:cNvPr>
@@ -11163,7 +11177,7 @@
           <p:nvPr>
             <p:extLst>
               <p:ext uri="{386F3935-93C4-4BCD-93E2-E3B085C9AB24}">
-                <p16:designElem xmlns:p16="http://schemas.microsoft.com/office/powerpoint/2015/main" xmlns="" val="1"/>
+                <p16:designElem xmlns="" xmlns:p16="http://schemas.microsoft.com/office/powerpoint/2015/main" val="1"/>
               </p:ext>
             </p:extLst>
           </p:nvPr>
@@ -11210,7 +11224,7 @@
           <p:cNvPr id="5" name="Inhaltsplatzhalter 4">
             <a:extLst>
               <a:ext uri="{FF2B5EF4-FFF2-40B4-BE49-F238E27FC236}">
-                <a16:creationId xmlns:a16="http://schemas.microsoft.com/office/drawing/2014/main" xmlns="" id="{0F908B00-977C-447A-87EE-7A00C164B759}"/>
+                <a16:creationId xmlns="" xmlns:a16="http://schemas.microsoft.com/office/drawing/2014/main" id="{0F908B00-977C-447A-87EE-7A00C164B759}"/>
               </a:ext>
             </a:extLst>
           </p:cNvPr>
@@ -11247,10 +11261,10 @@
           <p:cNvPr id="18" name="Rectangle 17">
             <a:extLst>
               <a:ext uri="{FF2B5EF4-FFF2-40B4-BE49-F238E27FC236}">
-                <a16:creationId xmlns:a16="http://schemas.microsoft.com/office/drawing/2014/main" xmlns="" id="{8E3B9B0E-204E-4BFD-B58A-E71D9CDC37F3}"/>
+                <a16:creationId xmlns="" xmlns:a16="http://schemas.microsoft.com/office/drawing/2014/main" id="{8E3B9B0E-204E-4BFD-B58A-E71D9CDC37F3}"/>
               </a:ext>
               <a:ext uri="{C183D7F6-B498-43B3-948B-1728B52AA6E4}">
-                <adec:decorative xmlns:adec="http://schemas.microsoft.com/office/drawing/2017/decorative" xmlns="" val="1"/>
+                <adec:decorative xmlns="" xmlns:adec="http://schemas.microsoft.com/office/drawing/2017/decorative" val="1"/>
               </a:ext>
             </a:extLst>
           </p:cNvPr>
@@ -11260,7 +11274,7 @@
           <p:nvPr>
             <p:extLst>
               <p:ext uri="{386F3935-93C4-4BCD-93E2-E3B085C9AB24}">
-                <p16:designElem xmlns:p16="http://schemas.microsoft.com/office/powerpoint/2015/main" xmlns="" val="1"/>
+                <p16:designElem xmlns="" xmlns:p16="http://schemas.microsoft.com/office/powerpoint/2015/main" val="1"/>
               </p:ext>
             </p:extLst>
           </p:nvPr>
@@ -11302,7 +11316,7 @@
           <p:cNvPr id="2" name="Titel 1">
             <a:extLst>
               <a:ext uri="{FF2B5EF4-FFF2-40B4-BE49-F238E27FC236}">
-                <a16:creationId xmlns:a16="http://schemas.microsoft.com/office/drawing/2014/main" xmlns="" id="{E21935D6-F135-4DD2-A417-738E067D86CB}"/>
+                <a16:creationId xmlns="" xmlns:a16="http://schemas.microsoft.com/office/drawing/2014/main" id="{E21935D6-F135-4DD2-A417-738E067D86CB}"/>
               </a:ext>
             </a:extLst>
           </p:cNvPr>
@@ -11349,10 +11363,10 @@
           <p:cNvPr id="20" name="Rectangle 19">
             <a:extLst>
               <a:ext uri="{FF2B5EF4-FFF2-40B4-BE49-F238E27FC236}">
-                <a16:creationId xmlns:a16="http://schemas.microsoft.com/office/drawing/2014/main" xmlns="" id="{B1121E64-CB88-4BF5-B531-C0316E7F6E30}"/>
+                <a16:creationId xmlns="" xmlns:a16="http://schemas.microsoft.com/office/drawing/2014/main" id="{B1121E64-CB88-4BF5-B531-C0316E7F6E30}"/>
               </a:ext>
               <a:ext uri="{C183D7F6-B498-43B3-948B-1728B52AA6E4}">
-                <adec:decorative xmlns:adec="http://schemas.microsoft.com/office/drawing/2017/decorative" xmlns="" val="1"/>
+                <adec:decorative xmlns="" xmlns:adec="http://schemas.microsoft.com/office/drawing/2017/decorative" val="1"/>
               </a:ext>
             </a:extLst>
           </p:cNvPr>
@@ -11362,7 +11376,7 @@
           <p:nvPr>
             <p:extLst>
               <p:ext uri="{386F3935-93C4-4BCD-93E2-E3B085C9AB24}">
-                <p16:designElem xmlns:p16="http://schemas.microsoft.com/office/powerpoint/2015/main" xmlns="" val="1"/>
+                <p16:designElem xmlns="" xmlns:p16="http://schemas.microsoft.com/office/powerpoint/2015/main" val="1"/>
               </p:ext>
             </p:extLst>
           </p:nvPr>
@@ -11442,10 +11456,10 @@
           <p:cNvPr id="13" name="Rectangle 12">
             <a:extLst>
               <a:ext uri="{FF2B5EF4-FFF2-40B4-BE49-F238E27FC236}">
-                <a16:creationId xmlns:a16="http://schemas.microsoft.com/office/drawing/2014/main" xmlns="" id="{0AB6E427-3F73-4C06-A5D5-AE52C3883B50}"/>
+                <a16:creationId xmlns="" xmlns:a16="http://schemas.microsoft.com/office/drawing/2014/main" id="{0AB6E427-3F73-4C06-A5D5-AE52C3883B50}"/>
               </a:ext>
               <a:ext uri="{C183D7F6-B498-43B3-948B-1728B52AA6E4}">
-                <adec:decorative xmlns:adec="http://schemas.microsoft.com/office/drawing/2017/decorative" xmlns="" val="1"/>
+                <adec:decorative xmlns="" xmlns:adec="http://schemas.microsoft.com/office/drawing/2017/decorative" val="1"/>
               </a:ext>
             </a:extLst>
           </p:cNvPr>
@@ -11455,7 +11469,7 @@
           <p:nvPr>
             <p:extLst>
               <p:ext uri="{386F3935-93C4-4BCD-93E2-E3B085C9AB24}">
-                <p16:designElem xmlns:p16="http://schemas.microsoft.com/office/powerpoint/2015/main" xmlns="" val="1"/>
+                <p16:designElem xmlns="" xmlns:p16="http://schemas.microsoft.com/office/powerpoint/2015/main" val="1"/>
               </p:ext>
             </p:extLst>
           </p:nvPr>
@@ -11502,10 +11516,10 @@
           <p:cNvPr id="15" name="Rectangle 14">
             <a:extLst>
               <a:ext uri="{FF2B5EF4-FFF2-40B4-BE49-F238E27FC236}">
-                <a16:creationId xmlns:a16="http://schemas.microsoft.com/office/drawing/2014/main" xmlns="" id="{D8C9BDAA-0390-4B39-9B5C-BC95E5120DA4}"/>
+                <a16:creationId xmlns="" xmlns:a16="http://schemas.microsoft.com/office/drawing/2014/main" id="{D8C9BDAA-0390-4B39-9B5C-BC95E5120DA4}"/>
               </a:ext>
               <a:ext uri="{C183D7F6-B498-43B3-948B-1728B52AA6E4}">
-                <adec:decorative xmlns:adec="http://schemas.microsoft.com/office/drawing/2017/decorative" xmlns="" val="1"/>
+                <adec:decorative xmlns="" xmlns:adec="http://schemas.microsoft.com/office/drawing/2017/decorative" val="1"/>
               </a:ext>
             </a:extLst>
           </p:cNvPr>
@@ -11515,7 +11529,7 @@
           <p:nvPr>
             <p:extLst>
               <p:ext uri="{386F3935-93C4-4BCD-93E2-E3B085C9AB24}">
-                <p16:designElem xmlns:p16="http://schemas.microsoft.com/office/powerpoint/2015/main" xmlns="" val="1"/>
+                <p16:designElem xmlns="" xmlns:p16="http://schemas.microsoft.com/office/powerpoint/2015/main" val="1"/>
               </p:ext>
             </p:extLst>
           </p:nvPr>
@@ -11557,7 +11571,7 @@
           <p:cNvPr id="2" name="Titel 1">
             <a:extLst>
               <a:ext uri="{FF2B5EF4-FFF2-40B4-BE49-F238E27FC236}">
-                <a16:creationId xmlns:a16="http://schemas.microsoft.com/office/drawing/2014/main" xmlns="" id="{D9FC22E7-D4D8-40F3-851D-F5CDDD673BBB}"/>
+                <a16:creationId xmlns="" xmlns:a16="http://schemas.microsoft.com/office/drawing/2014/main" id="{D9FC22E7-D4D8-40F3-851D-F5CDDD673BBB}"/>
               </a:ext>
             </a:extLst>
           </p:cNvPr>
@@ -11633,10 +11647,10 @@
           <p:cNvPr id="17" name="Rectangle 16">
             <a:extLst>
               <a:ext uri="{FF2B5EF4-FFF2-40B4-BE49-F238E27FC236}">
-                <a16:creationId xmlns:a16="http://schemas.microsoft.com/office/drawing/2014/main" xmlns="" id="{F9DB1FE5-9D46-433B-99D1-2F1B8DC79855}"/>
+                <a16:creationId xmlns="" xmlns:a16="http://schemas.microsoft.com/office/drawing/2014/main" id="{F9DB1FE5-9D46-433B-99D1-2F1B8DC79855}"/>
               </a:ext>
               <a:ext uri="{C183D7F6-B498-43B3-948B-1728B52AA6E4}">
-                <adec:decorative xmlns:adec="http://schemas.microsoft.com/office/drawing/2017/decorative" xmlns="" val="1"/>
+                <adec:decorative xmlns="" xmlns:adec="http://schemas.microsoft.com/office/drawing/2017/decorative" val="1"/>
               </a:ext>
             </a:extLst>
           </p:cNvPr>
@@ -11646,7 +11660,7 @@
           <p:nvPr>
             <p:extLst>
               <p:ext uri="{386F3935-93C4-4BCD-93E2-E3B085C9AB24}">
-                <p16:designElem xmlns:p16="http://schemas.microsoft.com/office/powerpoint/2015/main" xmlns="" val="1"/>
+                <p16:designElem xmlns="" xmlns:p16="http://schemas.microsoft.com/office/powerpoint/2015/main" val="1"/>
               </p:ext>
             </p:extLst>
           </p:nvPr>
@@ -11688,7 +11702,7 @@
           <p:cNvPr id="8" name="Inhaltsplatzhalter 4">
             <a:extLst>
               <a:ext uri="{FF2B5EF4-FFF2-40B4-BE49-F238E27FC236}">
-                <a16:creationId xmlns:a16="http://schemas.microsoft.com/office/drawing/2014/main" xmlns="" id="{505EAB39-71B6-4CDF-BAE8-6F62F743A0C5}"/>
+                <a16:creationId xmlns="" xmlns:a16="http://schemas.microsoft.com/office/drawing/2014/main" id="{505EAB39-71B6-4CDF-BAE8-6F62F743A0C5}"/>
               </a:ext>
             </a:extLst>
           </p:cNvPr>
@@ -11724,7 +11738,7 @@
           <p:cNvPr id="9" name="Flussdiagramm: Verbinder 8">
             <a:extLst>
               <a:ext uri="{FF2B5EF4-FFF2-40B4-BE49-F238E27FC236}">
-                <a16:creationId xmlns:a16="http://schemas.microsoft.com/office/drawing/2014/main" xmlns="" id="{01F5D49F-8D20-4DA3-86D3-7FA5F8AD94CD}"/>
+                <a16:creationId xmlns="" xmlns:a16="http://schemas.microsoft.com/office/drawing/2014/main" id="{01F5D49F-8D20-4DA3-86D3-7FA5F8AD94CD}"/>
               </a:ext>
             </a:extLst>
           </p:cNvPr>
@@ -11776,7 +11790,7 @@
           <p:cNvPr id="7" name="Inhaltsplatzhalter 6" descr="Fragen">
             <a:extLst>
               <a:ext uri="{FF2B5EF4-FFF2-40B4-BE49-F238E27FC236}">
-                <a16:creationId xmlns:a16="http://schemas.microsoft.com/office/drawing/2014/main" xmlns="" id="{BB4769F3-A84A-45E1-9A4D-9E984E568AC4}"/>
+                <a16:creationId xmlns="" xmlns:a16="http://schemas.microsoft.com/office/drawing/2014/main" id="{BB4769F3-A84A-45E1-9A4D-9E984E568AC4}"/>
               </a:ext>
             </a:extLst>
           </p:cNvPr>
@@ -11794,7 +11808,7 @@
                 <a14:useLocalDpi xmlns:a14="http://schemas.microsoft.com/office/drawing/2010/main" val="0"/>
               </a:ext>
               <a:ext uri="{96DAC541-7B7A-43D3-8B79-37D633B846F1}">
-                <asvg:svgBlip xmlns:asvg="http://schemas.microsoft.com/office/drawing/2016/SVG/main" xmlns="" r:embed="rId4"/>
+                <asvg:svgBlip xmlns="" xmlns:asvg="http://schemas.microsoft.com/office/drawing/2016/SVG/main" r:embed="rId4"/>
               </a:ext>
             </a:extLst>
           </a:blip>
@@ -12227,6 +12241,13 @@
   <p:clrMapOvr>
     <a:masterClrMapping/>
   </p:clrMapOvr>
+  <p:timing>
+    <p:tnLst>
+      <p:par>
+        <p:cTn id="1" dur="indefinite" restart="never" nodeType="tmRoot"/>
+      </p:par>
+    </p:tnLst>
+  </p:timing>
 </p:sld>
 </file>
 
@@ -12252,7 +12273,7 @@
           <p:cNvPr id="4" name="Titel 3">
             <a:extLst>
               <a:ext uri="{FF2B5EF4-FFF2-40B4-BE49-F238E27FC236}">
-                <a16:creationId xmlns:a16="http://schemas.microsoft.com/office/drawing/2014/main" xmlns="" id="{80A7F226-CA13-4B8D-B6F9-57842DF36DC8}"/>
+                <a16:creationId xmlns="" xmlns:a16="http://schemas.microsoft.com/office/drawing/2014/main" id="{80A7F226-CA13-4B8D-B6F9-57842DF36DC8}"/>
               </a:ext>
             </a:extLst>
           </p:cNvPr>
@@ -12280,7 +12301,7 @@
           <p:cNvPr id="5" name="Untertitel 4">
             <a:extLst>
               <a:ext uri="{FF2B5EF4-FFF2-40B4-BE49-F238E27FC236}">
-                <a16:creationId xmlns:a16="http://schemas.microsoft.com/office/drawing/2014/main" xmlns="" id="{293A100A-CA18-49A1-8835-38E443666125}"/>
+                <a16:creationId xmlns="" xmlns:a16="http://schemas.microsoft.com/office/drawing/2014/main" id="{293A100A-CA18-49A1-8835-38E443666125}"/>
               </a:ext>
             </a:extLst>
           </p:cNvPr>
@@ -12335,7 +12356,7 @@
           <p:cNvPr id="2" name="Titel 1">
             <a:extLst>
               <a:ext uri="{FF2B5EF4-FFF2-40B4-BE49-F238E27FC236}">
-                <a16:creationId xmlns:a16="http://schemas.microsoft.com/office/drawing/2014/main" xmlns="" id="{5CD34B0C-C4AB-4E9E-933D-FCEFA5F7386A}"/>
+                <a16:creationId xmlns="" xmlns:a16="http://schemas.microsoft.com/office/drawing/2014/main" id="{5CD34B0C-C4AB-4E9E-933D-FCEFA5F7386A}"/>
               </a:ext>
             </a:extLst>
           </p:cNvPr>
@@ -12802,7 +12823,7 @@
           <p:cNvPr id="2" name="Titel 1">
             <a:extLst>
               <a:ext uri="{FF2B5EF4-FFF2-40B4-BE49-F238E27FC236}">
-                <a16:creationId xmlns:a16="http://schemas.microsoft.com/office/drawing/2014/main" xmlns="" id="{DE62BF7E-ADBC-4B3B-8BAB-95D01E311AED}"/>
+                <a16:creationId xmlns="" xmlns:a16="http://schemas.microsoft.com/office/drawing/2014/main" id="{DE62BF7E-ADBC-4B3B-8BAB-95D01E311AED}"/>
               </a:ext>
             </a:extLst>
           </p:cNvPr>
@@ -12846,7 +12867,7 @@
           <p:cNvPr id="8" name="Gerade Verbindung mit Pfeil 7">
             <a:extLst>
               <a:ext uri="{FF2B5EF4-FFF2-40B4-BE49-F238E27FC236}">
-                <a16:creationId xmlns:a16="http://schemas.microsoft.com/office/drawing/2014/main" xmlns="" id="{A79B7D31-8930-4A5A-AA1C-06892CC18291}"/>
+                <a16:creationId xmlns="" xmlns:a16="http://schemas.microsoft.com/office/drawing/2014/main" id="{A79B7D31-8930-4A5A-AA1C-06892CC18291}"/>
               </a:ext>
             </a:extLst>
           </p:cNvPr>
@@ -12887,7 +12908,7 @@
           <p:cNvPr id="11" name="Gerade Verbindung mit Pfeil 10">
             <a:extLst>
               <a:ext uri="{FF2B5EF4-FFF2-40B4-BE49-F238E27FC236}">
-                <a16:creationId xmlns:a16="http://schemas.microsoft.com/office/drawing/2014/main" xmlns="" id="{193B10F6-7A53-474E-BC21-C9DDCDE704C0}"/>
+                <a16:creationId xmlns="" xmlns:a16="http://schemas.microsoft.com/office/drawing/2014/main" id="{193B10F6-7A53-474E-BC21-C9DDCDE704C0}"/>
               </a:ext>
             </a:extLst>
           </p:cNvPr>
@@ -12928,7 +12949,7 @@
           <p:cNvPr id="13" name="Ellipse 12">
             <a:extLst>
               <a:ext uri="{FF2B5EF4-FFF2-40B4-BE49-F238E27FC236}">
-                <a16:creationId xmlns:a16="http://schemas.microsoft.com/office/drawing/2014/main" xmlns="" id="{7469256C-C83A-4F95-96CA-1818F8942C6D}"/>
+                <a16:creationId xmlns="" xmlns:a16="http://schemas.microsoft.com/office/drawing/2014/main" id="{7469256C-C83A-4F95-96CA-1818F8942C6D}"/>
               </a:ext>
             </a:extLst>
           </p:cNvPr>
@@ -12974,7 +12995,7 @@
           <p:cNvPr id="14" name="Ellipse 13">
             <a:extLst>
               <a:ext uri="{FF2B5EF4-FFF2-40B4-BE49-F238E27FC236}">
-                <a16:creationId xmlns:a16="http://schemas.microsoft.com/office/drawing/2014/main" xmlns="" id="{FC6EE53D-2964-4925-B51C-31D899033BB5}"/>
+                <a16:creationId xmlns="" xmlns:a16="http://schemas.microsoft.com/office/drawing/2014/main" id="{FC6EE53D-2964-4925-B51C-31D899033BB5}"/>
               </a:ext>
             </a:extLst>
           </p:cNvPr>
@@ -13020,7 +13041,7 @@
           <p:cNvPr id="15" name="Ellipse 14">
             <a:extLst>
               <a:ext uri="{FF2B5EF4-FFF2-40B4-BE49-F238E27FC236}">
-                <a16:creationId xmlns:a16="http://schemas.microsoft.com/office/drawing/2014/main" xmlns="" id="{58ADDE1C-EA42-455F-8EA6-B8E3BAE0272F}"/>
+                <a16:creationId xmlns="" xmlns:a16="http://schemas.microsoft.com/office/drawing/2014/main" id="{58ADDE1C-EA42-455F-8EA6-B8E3BAE0272F}"/>
               </a:ext>
             </a:extLst>
           </p:cNvPr>
@@ -13066,7 +13087,7 @@
           <p:cNvPr id="16" name="Ellipse 15">
             <a:extLst>
               <a:ext uri="{FF2B5EF4-FFF2-40B4-BE49-F238E27FC236}">
-                <a16:creationId xmlns:a16="http://schemas.microsoft.com/office/drawing/2014/main" xmlns="" id="{896F73C8-8F04-4CC6-97C4-1DD7B5E41760}"/>
+                <a16:creationId xmlns="" xmlns:a16="http://schemas.microsoft.com/office/drawing/2014/main" id="{896F73C8-8F04-4CC6-97C4-1DD7B5E41760}"/>
               </a:ext>
             </a:extLst>
           </p:cNvPr>
@@ -13112,7 +13133,7 @@
           <p:cNvPr id="17" name="Ellipse 16">
             <a:extLst>
               <a:ext uri="{FF2B5EF4-FFF2-40B4-BE49-F238E27FC236}">
-                <a16:creationId xmlns:a16="http://schemas.microsoft.com/office/drawing/2014/main" xmlns="" id="{E834ED1C-E0F9-4D80-BC22-E8D5FF875936}"/>
+                <a16:creationId xmlns="" xmlns:a16="http://schemas.microsoft.com/office/drawing/2014/main" id="{E834ED1C-E0F9-4D80-BC22-E8D5FF875936}"/>
               </a:ext>
             </a:extLst>
           </p:cNvPr>
@@ -13166,7 +13187,7 @@
           <p:cNvPr id="18" name="Ellipse 17">
             <a:extLst>
               <a:ext uri="{FF2B5EF4-FFF2-40B4-BE49-F238E27FC236}">
-                <a16:creationId xmlns:a16="http://schemas.microsoft.com/office/drawing/2014/main" xmlns="" id="{D9C9DB88-0D38-44B0-8D62-510C1934DB2C}"/>
+                <a16:creationId xmlns="" xmlns:a16="http://schemas.microsoft.com/office/drawing/2014/main" id="{D9C9DB88-0D38-44B0-8D62-510C1934DB2C}"/>
               </a:ext>
             </a:extLst>
           </p:cNvPr>
@@ -13220,7 +13241,7 @@
           <p:cNvPr id="19" name="Ellipse 18">
             <a:extLst>
               <a:ext uri="{FF2B5EF4-FFF2-40B4-BE49-F238E27FC236}">
-                <a16:creationId xmlns:a16="http://schemas.microsoft.com/office/drawing/2014/main" xmlns="" id="{AF5D232C-9B44-46DD-9434-43BE9D322187}"/>
+                <a16:creationId xmlns="" xmlns:a16="http://schemas.microsoft.com/office/drawing/2014/main" id="{AF5D232C-9B44-46DD-9434-43BE9D322187}"/>
               </a:ext>
             </a:extLst>
           </p:cNvPr>
@@ -13274,7 +13295,7 @@
           <p:cNvPr id="20" name="Ellipse 19">
             <a:extLst>
               <a:ext uri="{FF2B5EF4-FFF2-40B4-BE49-F238E27FC236}">
-                <a16:creationId xmlns:a16="http://schemas.microsoft.com/office/drawing/2014/main" xmlns="" id="{7DBB5383-166E-4F55-B5DA-3A43707886C8}"/>
+                <a16:creationId xmlns="" xmlns:a16="http://schemas.microsoft.com/office/drawing/2014/main" id="{7DBB5383-166E-4F55-B5DA-3A43707886C8}"/>
               </a:ext>
             </a:extLst>
           </p:cNvPr>
@@ -13328,7 +13349,7 @@
           <p:cNvPr id="21" name="Rechteck 20">
             <a:extLst>
               <a:ext uri="{FF2B5EF4-FFF2-40B4-BE49-F238E27FC236}">
-                <a16:creationId xmlns:a16="http://schemas.microsoft.com/office/drawing/2014/main" xmlns="" id="{557170D4-743C-4500-AC84-115677CC29C7}"/>
+                <a16:creationId xmlns="" xmlns:a16="http://schemas.microsoft.com/office/drawing/2014/main" id="{557170D4-743C-4500-AC84-115677CC29C7}"/>
               </a:ext>
             </a:extLst>
           </p:cNvPr>
@@ -13375,7 +13396,7 @@
           <p:cNvPr id="22" name="Rechteck 21">
             <a:extLst>
               <a:ext uri="{FF2B5EF4-FFF2-40B4-BE49-F238E27FC236}">
-                <a16:creationId xmlns:a16="http://schemas.microsoft.com/office/drawing/2014/main" xmlns="" id="{CB6D8A3C-1082-4255-9556-0AE3CBADAAC2}"/>
+                <a16:creationId xmlns="" xmlns:a16="http://schemas.microsoft.com/office/drawing/2014/main" id="{CB6D8A3C-1082-4255-9556-0AE3CBADAAC2}"/>
               </a:ext>
             </a:extLst>
           </p:cNvPr>
@@ -13427,7 +13448,7 @@
           <p:cNvPr id="23" name="Stern: 5 Zacken 22">
             <a:extLst>
               <a:ext uri="{FF2B5EF4-FFF2-40B4-BE49-F238E27FC236}">
-                <a16:creationId xmlns:a16="http://schemas.microsoft.com/office/drawing/2014/main" xmlns="" id="{30ACAD23-06F1-4109-8CB7-3983EAC26B6E}"/>
+                <a16:creationId xmlns="" xmlns:a16="http://schemas.microsoft.com/office/drawing/2014/main" id="{30ACAD23-06F1-4109-8CB7-3983EAC26B6E}"/>
               </a:ext>
             </a:extLst>
           </p:cNvPr>
@@ -13481,7 +13502,7 @@
           <p:cNvPr id="24" name="Ellipse 23">
             <a:extLst>
               <a:ext uri="{FF2B5EF4-FFF2-40B4-BE49-F238E27FC236}">
-                <a16:creationId xmlns:a16="http://schemas.microsoft.com/office/drawing/2014/main" xmlns="" id="{1E130FB0-31E0-48E1-BBE6-B0DDCA3F1952}"/>
+                <a16:creationId xmlns="" xmlns:a16="http://schemas.microsoft.com/office/drawing/2014/main" id="{1E130FB0-31E0-48E1-BBE6-B0DDCA3F1952}"/>
               </a:ext>
             </a:extLst>
           </p:cNvPr>
@@ -13533,7 +13554,7 @@
           <p:cNvPr id="25" name="Ellipse 24">
             <a:extLst>
               <a:ext uri="{FF2B5EF4-FFF2-40B4-BE49-F238E27FC236}">
-                <a16:creationId xmlns:a16="http://schemas.microsoft.com/office/drawing/2014/main" xmlns="" id="{909F81B8-BBC3-41DE-BFEA-18D8DE20A4A0}"/>
+                <a16:creationId xmlns="" xmlns:a16="http://schemas.microsoft.com/office/drawing/2014/main" id="{909F81B8-BBC3-41DE-BFEA-18D8DE20A4A0}"/>
               </a:ext>
             </a:extLst>
           </p:cNvPr>
@@ -13585,7 +13606,7 @@
           <p:cNvPr id="26" name="Textfeld 25">
             <a:extLst>
               <a:ext uri="{FF2B5EF4-FFF2-40B4-BE49-F238E27FC236}">
-                <a16:creationId xmlns:a16="http://schemas.microsoft.com/office/drawing/2014/main" xmlns="" id="{E1A66F3B-E0D0-47BD-BF9A-2E68700102D7}"/>
+                <a16:creationId xmlns="" xmlns:a16="http://schemas.microsoft.com/office/drawing/2014/main" id="{E1A66F3B-E0D0-47BD-BF9A-2E68700102D7}"/>
               </a:ext>
             </a:extLst>
           </p:cNvPr>
@@ -14276,10 +14297,10 @@
           <p:cNvPr id="12" name="Rectangle 11">
             <a:extLst>
               <a:ext uri="{FF2B5EF4-FFF2-40B4-BE49-F238E27FC236}">
-                <a16:creationId xmlns:a16="http://schemas.microsoft.com/office/drawing/2014/main" xmlns="" id="{B44C3061-D558-447B-A988-09ECE14461D7}"/>
+                <a16:creationId xmlns="" xmlns:a16="http://schemas.microsoft.com/office/drawing/2014/main" id="{B44C3061-D558-447B-A988-09ECE14461D7}"/>
               </a:ext>
               <a:ext uri="{C183D7F6-B498-43B3-948B-1728B52AA6E4}">
-                <adec:decorative xmlns:adec="http://schemas.microsoft.com/office/drawing/2017/decorative" xmlns="" val="1"/>
+                <adec:decorative xmlns="" xmlns:adec="http://schemas.microsoft.com/office/drawing/2017/decorative" val="1"/>
               </a:ext>
             </a:extLst>
           </p:cNvPr>
@@ -14289,7 +14310,7 @@
           <p:nvPr>
             <p:extLst>
               <p:ext uri="{386F3935-93C4-4BCD-93E2-E3B085C9AB24}">
-                <p16:designElem xmlns:p16="http://schemas.microsoft.com/office/powerpoint/2015/main" xmlns="" val="1"/>
+                <p16:designElem xmlns="" xmlns:p16="http://schemas.microsoft.com/office/powerpoint/2015/main" val="1"/>
               </p:ext>
             </p:extLst>
           </p:nvPr>
@@ -14336,10 +14357,10 @@
           <p:cNvPr id="14" name="Rectangle 13">
             <a:extLst>
               <a:ext uri="{FF2B5EF4-FFF2-40B4-BE49-F238E27FC236}">
-                <a16:creationId xmlns:a16="http://schemas.microsoft.com/office/drawing/2014/main" xmlns="" id="{59339771-9C8F-497E-8974-E09A86FEEB23}"/>
+                <a16:creationId xmlns="" xmlns:a16="http://schemas.microsoft.com/office/drawing/2014/main" id="{59339771-9C8F-497E-8974-E09A86FEEB23}"/>
               </a:ext>
               <a:ext uri="{C183D7F6-B498-43B3-948B-1728B52AA6E4}">
-                <adec:decorative xmlns:adec="http://schemas.microsoft.com/office/drawing/2017/decorative" xmlns="" val="1"/>
+                <adec:decorative xmlns="" xmlns:adec="http://schemas.microsoft.com/office/drawing/2017/decorative" val="1"/>
               </a:ext>
             </a:extLst>
           </p:cNvPr>
@@ -14349,7 +14370,7 @@
           <p:nvPr>
             <p:extLst>
               <p:ext uri="{386F3935-93C4-4BCD-93E2-E3B085C9AB24}">
-                <p16:designElem xmlns:p16="http://schemas.microsoft.com/office/powerpoint/2015/main" xmlns="" val="1"/>
+                <p16:designElem xmlns="" xmlns:p16="http://schemas.microsoft.com/office/powerpoint/2015/main" val="1"/>
               </p:ext>
             </p:extLst>
           </p:nvPr>
@@ -14391,7 +14412,7 @@
           <p:cNvPr id="2" name="Titel 1">
             <a:extLst>
               <a:ext uri="{FF2B5EF4-FFF2-40B4-BE49-F238E27FC236}">
-                <a16:creationId xmlns:a16="http://schemas.microsoft.com/office/drawing/2014/main" xmlns="" id="{024FB30C-45D5-4A6E-861B-AC316BA5D430}"/>
+                <a16:creationId xmlns="" xmlns:a16="http://schemas.microsoft.com/office/drawing/2014/main" id="{024FB30C-45D5-4A6E-861B-AC316BA5D430}"/>
               </a:ext>
             </a:extLst>
           </p:cNvPr>
@@ -14459,7 +14480,7 @@
           <p:cNvPr id="9" name="Content Placeholder 8">
             <a:extLst>
               <a:ext uri="{FF2B5EF4-FFF2-40B4-BE49-F238E27FC236}">
-                <a16:creationId xmlns:a16="http://schemas.microsoft.com/office/drawing/2014/main" xmlns="" id="{1C0D0782-8490-4FB9-A235-992C1F1F1C25}"/>
+                <a16:creationId xmlns="" xmlns:a16="http://schemas.microsoft.com/office/drawing/2014/main" id="{1C0D0782-8490-4FB9-A235-992C1F1F1C25}"/>
               </a:ext>
             </a:extLst>
           </p:cNvPr>
@@ -14560,10 +14581,10 @@
           <p:cNvPr id="16" name="Rectangle 15">
             <a:extLst>
               <a:ext uri="{FF2B5EF4-FFF2-40B4-BE49-F238E27FC236}">
-                <a16:creationId xmlns:a16="http://schemas.microsoft.com/office/drawing/2014/main" xmlns="" id="{BDB54B0B-6CFB-4B92-A5DC-5DCD05BE5B4D}"/>
+                <a16:creationId xmlns="" xmlns:a16="http://schemas.microsoft.com/office/drawing/2014/main" id="{BDB54B0B-6CFB-4B92-A5DC-5DCD05BE5B4D}"/>
               </a:ext>
               <a:ext uri="{C183D7F6-B498-43B3-948B-1728B52AA6E4}">
-                <adec:decorative xmlns:adec="http://schemas.microsoft.com/office/drawing/2017/decorative" xmlns="" val="1"/>
+                <adec:decorative xmlns="" xmlns:adec="http://schemas.microsoft.com/office/drawing/2017/decorative" val="1"/>
               </a:ext>
             </a:extLst>
           </p:cNvPr>
@@ -14573,7 +14594,7 @@
           <p:nvPr>
             <p:extLst>
               <p:ext uri="{386F3935-93C4-4BCD-93E2-E3B085C9AB24}">
-                <p16:designElem xmlns:p16="http://schemas.microsoft.com/office/powerpoint/2015/main" xmlns="" val="1"/>
+                <p16:designElem xmlns="" xmlns:p16="http://schemas.microsoft.com/office/powerpoint/2015/main" val="1"/>
               </p:ext>
             </p:extLst>
           </p:nvPr>
@@ -14615,7 +14636,7 @@
           <p:cNvPr id="7" name="Inhaltsplatzhalter 3">
             <a:extLst>
               <a:ext uri="{FF2B5EF4-FFF2-40B4-BE49-F238E27FC236}">
-                <a16:creationId xmlns:a16="http://schemas.microsoft.com/office/drawing/2014/main" xmlns="" id="{98A9C15B-CCC4-4E5C-B799-5CC331BD3332}"/>
+                <a16:creationId xmlns="" xmlns:a16="http://schemas.microsoft.com/office/drawing/2014/main" id="{98A9C15B-CCC4-4E5C-B799-5CC331BD3332}"/>
               </a:ext>
             </a:extLst>
           </p:cNvPr>
@@ -14674,7 +14695,7 @@
           <p:cNvPr id="2" name="Titel 1">
             <a:extLst>
               <a:ext uri="{FF2B5EF4-FFF2-40B4-BE49-F238E27FC236}">
-                <a16:creationId xmlns:a16="http://schemas.microsoft.com/office/drawing/2014/main" xmlns="" id="{2D19F794-8599-4A1D-A689-743EBDA80DB4}"/>
+                <a16:creationId xmlns="" xmlns:a16="http://schemas.microsoft.com/office/drawing/2014/main" id="{2D19F794-8599-4A1D-A689-743EBDA80DB4}"/>
               </a:ext>
             </a:extLst>
           </p:cNvPr>
@@ -14719,7 +14740,7 @@
           <p:cNvPr id="4" name="Textfeld 3">
             <a:extLst>
               <a:ext uri="{FF2B5EF4-FFF2-40B4-BE49-F238E27FC236}">
-                <a16:creationId xmlns:a16="http://schemas.microsoft.com/office/drawing/2014/main" xmlns="" id="{5E36B305-D4C6-4B27-9782-732C3867DEA7}"/>
+                <a16:creationId xmlns="" xmlns:a16="http://schemas.microsoft.com/office/drawing/2014/main" id="{5E36B305-D4C6-4B27-9782-732C3867DEA7}"/>
               </a:ext>
             </a:extLst>
           </p:cNvPr>
@@ -15335,7 +15356,7 @@
           <p:cNvPr id="2" name="Titel 1">
             <a:extLst>
               <a:ext uri="{FF2B5EF4-FFF2-40B4-BE49-F238E27FC236}">
-                <a16:creationId xmlns:a16="http://schemas.microsoft.com/office/drawing/2014/main" xmlns="" id="{F6CDE045-1C18-44A9-946E-E74089FBB179}"/>
+                <a16:creationId xmlns="" xmlns:a16="http://schemas.microsoft.com/office/drawing/2014/main" id="{F6CDE045-1C18-44A9-946E-E74089FBB179}"/>
               </a:ext>
             </a:extLst>
           </p:cNvPr>
@@ -15377,7 +15398,7 @@
           <p:cNvPr id="5" name="Inhaltsplatzhalter 4">
             <a:extLst>
               <a:ext uri="{FF2B5EF4-FFF2-40B4-BE49-F238E27FC236}">
-                <a16:creationId xmlns:a16="http://schemas.microsoft.com/office/drawing/2014/main" xmlns="" id="{C2F4A0CB-AF1A-4BE8-829B-9C5B7E49D064}"/>
+                <a16:creationId xmlns="" xmlns:a16="http://schemas.microsoft.com/office/drawing/2014/main" id="{C2F4A0CB-AF1A-4BE8-829B-9C5B7E49D064}"/>
               </a:ext>
             </a:extLst>
           </p:cNvPr>
@@ -15442,7 +15463,7 @@
           <p:cNvPr id="3" name="Inhaltsplatzhalter 2">
             <a:extLst>
               <a:ext uri="{FF2B5EF4-FFF2-40B4-BE49-F238E27FC236}">
-                <a16:creationId xmlns:a16="http://schemas.microsoft.com/office/drawing/2014/main" xmlns="" id="{56D22BFB-FDAA-4D7E-88D9-C29E57B7C51D}"/>
+                <a16:creationId xmlns="" xmlns:a16="http://schemas.microsoft.com/office/drawing/2014/main" id="{56D22BFB-FDAA-4D7E-88D9-C29E57B7C51D}"/>
               </a:ext>
             </a:extLst>
           </p:cNvPr>
@@ -15481,7 +15502,7 @@
           <p:cNvPr id="4" name="Inhaltsplatzhalter 3">
             <a:extLst>
               <a:ext uri="{FF2B5EF4-FFF2-40B4-BE49-F238E27FC236}">
-                <a16:creationId xmlns:a16="http://schemas.microsoft.com/office/drawing/2014/main" xmlns="" id="{370A4785-6A67-4835-A53B-8D4F4DA15C1E}"/>
+                <a16:creationId xmlns="" xmlns:a16="http://schemas.microsoft.com/office/drawing/2014/main" id="{370A4785-6A67-4835-A53B-8D4F4DA15C1E}"/>
               </a:ext>
             </a:extLst>
           </p:cNvPr>
@@ -15511,7 +15532,7 @@
           <p:cNvPr id="5" name="Grafik 7">
             <a:extLst>
               <a:ext uri="{FF2B5EF4-FFF2-40B4-BE49-F238E27FC236}">
-                <a16:creationId xmlns:a16="http://schemas.microsoft.com/office/drawing/2014/main" xmlns="" id="{5252049F-1455-46B7-9B58-C400DA353D3F}"/>
+                <a16:creationId xmlns="" xmlns:a16="http://schemas.microsoft.com/office/drawing/2014/main" id="{5252049F-1455-46B7-9B58-C400DA353D3F}"/>
               </a:ext>
             </a:extLst>
           </p:cNvPr>
@@ -15541,7 +15562,7 @@
           <p:cNvPr id="6" name="Textfeld 9">
             <a:extLst>
               <a:ext uri="{FF2B5EF4-FFF2-40B4-BE49-F238E27FC236}">
-                <a16:creationId xmlns:a16="http://schemas.microsoft.com/office/drawing/2014/main" xmlns="" id="{DEDCDEB8-1162-4AAC-93D8-F1A1F6FB9B4B}"/>
+                <a16:creationId xmlns="" xmlns:a16="http://schemas.microsoft.com/office/drawing/2014/main" id="{DEDCDEB8-1162-4AAC-93D8-F1A1F6FB9B4B}"/>
               </a:ext>
             </a:extLst>
           </p:cNvPr>
@@ -15755,7 +15776,7 @@
           <p:cNvPr id="7" name="Titel 1">
             <a:extLst>
               <a:ext uri="{FF2B5EF4-FFF2-40B4-BE49-F238E27FC236}">
-                <a16:creationId xmlns:a16="http://schemas.microsoft.com/office/drawing/2014/main" xmlns="" id="{3D022FA1-1227-4EA1-8EB1-679CE9C5CFCD}"/>
+                <a16:creationId xmlns="" xmlns:a16="http://schemas.microsoft.com/office/drawing/2014/main" id="{3D022FA1-1227-4EA1-8EB1-679CE9C5CFCD}"/>
               </a:ext>
             </a:extLst>
           </p:cNvPr>
@@ -15894,6 +15915,13 @@
   <p:clrMapOvr>
     <a:masterClrMapping/>
   </p:clrMapOvr>
+  <p:timing>
+    <p:tnLst>
+      <p:par>
+        <p:cTn id="1" dur="indefinite" restart="never" nodeType="tmRoot"/>
+      </p:par>
+    </p:tnLst>
+  </p:timing>
 </p:sld>
 </file>
 
@@ -16004,8 +16032,8 @@
         </p:nvSpPr>
         <p:spPr>
           <a:xfrm>
-            <a:off x="106531" y="994299"/>
-            <a:ext cx="9090734" cy="923330"/>
+            <a:off x="0" y="994299"/>
+            <a:ext cx="9090734" cy="1015663"/>
           </a:xfrm>
           <a:prstGeom prst="rect">
             <a:avLst/>
@@ -16023,62 +16051,62 @@
               <a:buChar char="•"/>
             </a:pPr>
             <a:r>
-              <a:rPr lang="de-DE" dirty="0"/>
+              <a:rPr lang="de-DE" sz="2000" dirty="0"/>
               <a:t>2 </a:t>
             </a:r>
             <a:r>
-              <a:rPr lang="de-DE" dirty="0" err="1"/>
+              <a:rPr lang="de-DE" sz="2000" dirty="0" err="1"/>
               <a:t>dimensions</a:t>
             </a:r>
             <a:r>
-              <a:rPr lang="de-DE" dirty="0"/>
+              <a:rPr lang="de-DE" sz="2000" dirty="0"/>
               <a:t>: </a:t>
             </a:r>
             <a:r>
-              <a:rPr lang="de-DE" dirty="0" err="1"/>
+              <a:rPr lang="de-DE" sz="2000" dirty="0" err="1"/>
               <a:t>less</a:t>
             </a:r>
             <a:r>
-              <a:rPr lang="de-DE" dirty="0"/>
+              <a:rPr lang="de-DE" sz="2000" dirty="0"/>
               <a:t> </a:t>
             </a:r>
             <a:r>
-              <a:rPr lang="de-DE" dirty="0" err="1"/>
+              <a:rPr lang="de-DE" sz="2000" dirty="0" err="1"/>
               <a:t>than</a:t>
             </a:r>
             <a:r>
-              <a:rPr lang="de-DE" dirty="0"/>
+              <a:rPr lang="de-DE" sz="2000" dirty="0"/>
               <a:t> 5% </a:t>
             </a:r>
             <a:r>
-              <a:rPr lang="de-DE" dirty="0" err="1"/>
+              <a:rPr lang="de-DE" sz="2000" dirty="0" err="1"/>
               <a:t>variance</a:t>
             </a:r>
             <a:r>
-              <a:rPr lang="de-DE" dirty="0"/>
+              <a:rPr lang="de-DE" sz="2000" dirty="0"/>
               <a:t>, but </a:t>
             </a:r>
             <a:r>
-              <a:rPr lang="de-DE" dirty="0" err="1"/>
+              <a:rPr lang="de-DE" sz="2000" dirty="0" err="1"/>
               <a:t>more</a:t>
             </a:r>
             <a:r>
-              <a:rPr lang="de-DE" dirty="0"/>
+              <a:rPr lang="de-DE" sz="2000" dirty="0"/>
               <a:t> </a:t>
             </a:r>
             <a:r>
-              <a:rPr lang="de-DE" dirty="0" err="1"/>
+              <a:rPr lang="de-DE" sz="2000" dirty="0" err="1"/>
               <a:t>than</a:t>
             </a:r>
             <a:r>
-              <a:rPr lang="de-DE" dirty="0"/>
+              <a:rPr lang="de-DE" sz="2000" dirty="0"/>
               <a:t> 30% </a:t>
             </a:r>
             <a:r>
-              <a:rPr lang="de-DE" dirty="0" err="1"/>
+              <a:rPr lang="de-DE" sz="2000" dirty="0" err="1"/>
               <a:t>accuracy</a:t>
             </a:r>
-            <a:endParaRPr lang="de-DE" dirty="0"/>
+            <a:endParaRPr lang="de-DE" sz="2000" dirty="0"/>
           </a:p>
           <a:p>
             <a:pPr marL="285750" indent="-285750">
@@ -16086,68 +16114,274 @@
               <a:buChar char="•"/>
             </a:pPr>
             <a:r>
-              <a:rPr lang="de-DE" dirty="0"/>
+              <a:rPr lang="de-DE" sz="2000" dirty="0"/>
               <a:t>3 </a:t>
             </a:r>
             <a:r>
-              <a:rPr lang="de-DE" dirty="0" err="1"/>
+              <a:rPr lang="de-DE" sz="2000" dirty="0" err="1"/>
               <a:t>dimensions</a:t>
             </a:r>
             <a:r>
-              <a:rPr lang="de-DE" dirty="0"/>
+              <a:rPr lang="de-DE" sz="2000" dirty="0"/>
               <a:t>: 5% </a:t>
             </a:r>
             <a:r>
-              <a:rPr lang="de-DE" dirty="0" err="1"/>
+              <a:rPr lang="de-DE" sz="2000" dirty="0" err="1"/>
               <a:t>variance</a:t>
             </a:r>
             <a:r>
-              <a:rPr lang="de-DE" dirty="0"/>
+              <a:rPr lang="de-DE" sz="2000" dirty="0"/>
               <a:t>, </a:t>
             </a:r>
             <a:r>
-              <a:rPr lang="de-DE" dirty="0" err="1"/>
+              <a:rPr lang="de-DE" sz="2000" dirty="0" err="1"/>
               <a:t>the</a:t>
             </a:r>
             <a:r>
-              <a:rPr lang="de-DE" dirty="0"/>
+              <a:rPr lang="de-DE" sz="2000" dirty="0"/>
               <a:t> </a:t>
             </a:r>
             <a:r>
-              <a:rPr lang="de-DE" dirty="0" err="1"/>
+              <a:rPr lang="de-DE" sz="2000" dirty="0" err="1"/>
               <a:t>highest</a:t>
             </a:r>
             <a:r>
-              <a:rPr lang="de-DE" dirty="0"/>
+              <a:rPr lang="de-DE" sz="2000" dirty="0"/>
               <a:t> </a:t>
             </a:r>
             <a:r>
-              <a:rPr lang="de-DE" dirty="0" err="1"/>
+              <a:rPr lang="de-DE" sz="2000" dirty="0" err="1"/>
               <a:t>increase</a:t>
             </a:r>
             <a:r>
-              <a:rPr lang="de-DE" dirty="0"/>
+              <a:rPr lang="de-DE" sz="2000" dirty="0"/>
               <a:t> in </a:t>
             </a:r>
             <a:r>
-              <a:rPr lang="de-DE" dirty="0" err="1"/>
+              <a:rPr lang="de-DE" sz="2000" dirty="0" err="1"/>
               <a:t>accuracy</a:t>
             </a:r>
             <a:r>
-              <a:rPr lang="de-DE" dirty="0"/>
+              <a:rPr lang="de-DE" sz="2000" dirty="0"/>
               <a:t> (</a:t>
             </a:r>
             <a:r>
-              <a:rPr lang="de-DE" dirty="0" err="1"/>
+              <a:rPr lang="de-DE" sz="2000" dirty="0" err="1"/>
               <a:t>to</a:t>
             </a:r>
             <a:r>
-              <a:rPr lang="de-DE" dirty="0"/>
+              <a:rPr lang="de-DE" sz="2000" dirty="0"/>
               <a:t> 50%)</a:t>
             </a:r>
           </a:p>
           <a:p>
-            <a:endParaRPr lang="ru-RU" dirty="0"/>
+            <a:endParaRPr lang="ru-RU" sz="2000" dirty="0"/>
+          </a:p>
+        </p:txBody>
+      </p:sp>
+      <p:sp>
+        <p:nvSpPr>
+          <p:cNvPr id="5" name="Стрелка вправо 4"/>
+          <p:cNvSpPr/>
+          <p:nvPr/>
+        </p:nvSpPr>
+        <p:spPr>
+          <a:xfrm>
+            <a:off x="7608163" y="1157359"/>
+            <a:ext cx="656947" cy="381766"/>
+          </a:xfrm>
+          <a:prstGeom prst="rightArrow">
+            <a:avLst/>
+          </a:prstGeom>
+        </p:spPr>
+        <p:style>
+          <a:lnRef idx="2">
+            <a:schemeClr val="accent1">
+              <a:shade val="50000"/>
+            </a:schemeClr>
+          </a:lnRef>
+          <a:fillRef idx="1">
+            <a:schemeClr val="accent1"/>
+          </a:fillRef>
+          <a:effectRef idx="0">
+            <a:schemeClr val="accent1"/>
+          </a:effectRef>
+          <a:fontRef idx="minor">
+            <a:schemeClr val="lt1"/>
+          </a:fontRef>
+        </p:style>
+        <p:txBody>
+          <a:bodyPr rtlCol="0" anchor="ctr"/>
+          <a:lstStyle/>
+          <a:p>
+            <a:pPr algn="ctr"/>
+            <a:endParaRPr lang="ru-RU"/>
+          </a:p>
+        </p:txBody>
+      </p:sp>
+      <p:sp>
+        <p:nvSpPr>
+          <p:cNvPr id="6" name="TextBox 5"/>
+          <p:cNvSpPr txBox="1"/>
+          <p:nvPr/>
+        </p:nvSpPr>
+        <p:spPr>
+          <a:xfrm>
+            <a:off x="8540318" y="994299"/>
+            <a:ext cx="3879542" cy="707886"/>
+          </a:xfrm>
+          <a:prstGeom prst="rect">
+            <a:avLst/>
+          </a:prstGeom>
+          <a:noFill/>
+        </p:spPr>
+        <p:txBody>
+          <a:bodyPr wrap="square" rtlCol="0">
+            <a:spAutoFit/>
+          </a:bodyPr>
+          <a:lstStyle/>
+          <a:p>
+            <a:r>
+              <a:rPr lang="en-US" sz="2000" dirty="0" smtClean="0"/>
+              <a:t>Are these 30% from 2 dimensions in 50% in 3 dimensions?</a:t>
+            </a:r>
+            <a:endParaRPr lang="ru-RU" sz="2000" dirty="0"/>
+          </a:p>
+        </p:txBody>
+      </p:sp>
+      <p:cxnSp>
+        <p:nvCxnSpPr>
+          <p:cNvPr id="8" name="Прямая соединительная линия 7"/>
+          <p:cNvCxnSpPr/>
+          <p:nvPr/>
+        </p:nvCxnSpPr>
+        <p:spPr>
+          <a:xfrm flipV="1">
+            <a:off x="0" y="1855433"/>
+            <a:ext cx="12260062" cy="62198"/>
+          </a:xfrm>
+          <a:prstGeom prst="line">
+            <a:avLst/>
+          </a:prstGeom>
+        </p:spPr>
+        <p:style>
+          <a:lnRef idx="1">
+            <a:schemeClr val="accent1"/>
+          </a:lnRef>
+          <a:fillRef idx="0">
+            <a:schemeClr val="accent1"/>
+          </a:fillRef>
+          <a:effectRef idx="0">
+            <a:schemeClr val="accent1"/>
+          </a:effectRef>
+          <a:fontRef idx="minor">
+            <a:schemeClr val="tx1"/>
+          </a:fontRef>
+        </p:style>
+      </p:cxnSp>
+      <p:sp>
+        <p:nvSpPr>
+          <p:cNvPr id="12" name="TextBox 11"/>
+          <p:cNvSpPr txBox="1"/>
+          <p:nvPr/>
+        </p:nvSpPr>
+        <p:spPr>
+          <a:xfrm>
+            <a:off x="266329" y="2088859"/>
+            <a:ext cx="11816180" cy="3816429"/>
+          </a:xfrm>
+          <a:prstGeom prst="rect">
+            <a:avLst/>
+          </a:prstGeom>
+          <a:noFill/>
+        </p:spPr>
+        <p:txBody>
+          <a:bodyPr wrap="square" rtlCol="0">
+            <a:spAutoFit/>
+          </a:bodyPr>
+          <a:lstStyle/>
+          <a:p>
+            <a:r>
+              <a:rPr lang="en-US" sz="2200" dirty="0" smtClean="0"/>
+              <a:t>1) More generally, are there digits which were recognized in </a:t>
+            </a:r>
+            <a:r>
+              <a:rPr lang="en-US" sz="2200" b="1" dirty="0" smtClean="0"/>
+              <a:t>n</a:t>
+            </a:r>
+            <a:r>
+              <a:rPr lang="en-US" sz="2200" dirty="0" smtClean="0"/>
+              <a:t> dimensions, but mixed up in </a:t>
+            </a:r>
+            <a:r>
+              <a:rPr lang="en-US" sz="2200" b="1" dirty="0" smtClean="0"/>
+              <a:t>n+1</a:t>
+            </a:r>
+            <a:r>
+              <a:rPr lang="en-US" sz="2200" dirty="0" smtClean="0"/>
+              <a:t>?</a:t>
+            </a:r>
+            <a:endParaRPr lang="ru-RU" sz="2200" dirty="0" smtClean="0"/>
+          </a:p>
+          <a:p>
+            <a:r>
+              <a:rPr lang="ru-RU" sz="2200" dirty="0"/>
+              <a:t> </a:t>
+            </a:r>
+            <a:r>
+              <a:rPr lang="ru-RU" sz="2200" dirty="0" smtClean="0"/>
+              <a:t>       </a:t>
+            </a:r>
+            <a:r>
+              <a:rPr lang="en-US" sz="2200" u="sng" dirty="0" smtClean="0"/>
+              <a:t>Solution</a:t>
+            </a:r>
+            <a:r>
+              <a:rPr lang="en-US" sz="2200" dirty="0" smtClean="0"/>
+              <a:t>: 784 diagrams with 10 categories and accuracy of recognition for every category.</a:t>
+            </a:r>
+          </a:p>
+          <a:p>
+            <a:pPr marL="285750" indent="-285750">
+              <a:buFont typeface="Arial" panose="020B0604020202020204" pitchFamily="34" charset="0"/>
+              <a:buChar char="•"/>
+            </a:pPr>
+            <a:endParaRPr lang="en-US" sz="2200" dirty="0"/>
+          </a:p>
+          <a:p>
+            <a:r>
+              <a:rPr lang="en-US" sz="2200" dirty="0" smtClean="0"/>
+              <a:t>2) (Hypothesis) 30% and 50% of accuracy are not evenly spread among all digits. There are some, which can recognized even with 2 dimension and some, which are unrecognizable even in 10. (should be seen from the 1. diagram) With which digits are they often mixed up by different dimensions? -&gt; </a:t>
+            </a:r>
+            <a:r>
+              <a:rPr lang="en-US" sz="2200" smtClean="0"/>
+              <a:t>Relationship tree</a:t>
+            </a:r>
+            <a:endParaRPr lang="en-US" sz="2200" dirty="0" smtClean="0"/>
+          </a:p>
+          <a:p>
+            <a:endParaRPr lang="en-US" sz="2200" dirty="0"/>
+          </a:p>
+          <a:p>
+            <a:r>
+              <a:rPr lang="en-US" sz="2200" dirty="0" smtClean="0"/>
+              <a:t>3) There is the maximum of accuracy by 78 dimensions due to noise reduction. But what digits are better recognized by 78 than by 784. </a:t>
+            </a:r>
+            <a:r>
+              <a:rPr lang="en-US" sz="2200" dirty="0"/>
+              <a:t> </a:t>
+            </a:r>
+            <a:r>
+              <a:rPr lang="en-US" sz="2200" dirty="0" smtClean="0"/>
+              <a:t> </a:t>
+            </a:r>
+          </a:p>
+          <a:p>
+            <a:r>
+              <a:rPr lang="en-US" sz="2200" dirty="0" smtClean="0"/>
+              <a:t>-&gt; most “noisy” digits</a:t>
+            </a:r>
+            <a:endParaRPr lang="ru-RU" sz="2200" dirty="0"/>
           </a:p>
         </p:txBody>
       </p:sp>
@@ -16161,6 +16395,333 @@
   <p:clrMapOvr>
     <a:masterClrMapping/>
   </p:clrMapOvr>
+  <p:timing>
+    <p:tnLst>
+      <p:par>
+        <p:cTn id="1" dur="indefinite" restart="never" nodeType="tmRoot">
+          <p:childTnLst>
+            <p:seq concurrent="1" nextAc="seek">
+              <p:cTn id="2" dur="indefinite" nodeType="mainSeq">
+                <p:childTnLst>
+                  <p:par>
+                    <p:cTn id="3" fill="hold">
+                      <p:stCondLst>
+                        <p:cond delay="indefinite"/>
+                      </p:stCondLst>
+                      <p:childTnLst>
+                        <p:par>
+                          <p:cTn id="4" fill="hold">
+                            <p:stCondLst>
+                              <p:cond delay="0"/>
+                            </p:stCondLst>
+                            <p:childTnLst>
+                              <p:par>
+                                <p:cTn id="5" presetID="1" presetClass="entr" presetSubtype="0" fill="hold" grpId="0" nodeType="clickEffect">
+                                  <p:stCondLst>
+                                    <p:cond delay="0"/>
+                                  </p:stCondLst>
+                                  <p:childTnLst>
+                                    <p:set>
+                                      <p:cBhvr>
+                                        <p:cTn id="6" dur="1" fill="hold">
+                                          <p:stCondLst>
+                                            <p:cond delay="0"/>
+                                          </p:stCondLst>
+                                        </p:cTn>
+                                        <p:tgtEl>
+                                          <p:spTgt spid="5"/>
+                                        </p:tgtEl>
+                                        <p:attrNameLst>
+                                          <p:attrName>style.visibility</p:attrName>
+                                        </p:attrNameLst>
+                                      </p:cBhvr>
+                                      <p:to>
+                                        <p:strVal val="visible"/>
+                                      </p:to>
+                                    </p:set>
+                                  </p:childTnLst>
+                                </p:cTn>
+                              </p:par>
+                              <p:par>
+                                <p:cTn id="7" presetID="1" presetClass="entr" presetSubtype="0" fill="hold" grpId="0" nodeType="withEffect">
+                                  <p:stCondLst>
+                                    <p:cond delay="0"/>
+                                  </p:stCondLst>
+                                  <p:childTnLst>
+                                    <p:set>
+                                      <p:cBhvr>
+                                        <p:cTn id="8" dur="1" fill="hold">
+                                          <p:stCondLst>
+                                            <p:cond delay="0"/>
+                                          </p:stCondLst>
+                                        </p:cTn>
+                                        <p:tgtEl>
+                                          <p:spTgt spid="6"/>
+                                        </p:tgtEl>
+                                        <p:attrNameLst>
+                                          <p:attrName>style.visibility</p:attrName>
+                                        </p:attrNameLst>
+                                      </p:cBhvr>
+                                      <p:to>
+                                        <p:strVal val="visible"/>
+                                      </p:to>
+                                    </p:set>
+                                  </p:childTnLst>
+                                </p:cTn>
+                              </p:par>
+                            </p:childTnLst>
+                          </p:cTn>
+                        </p:par>
+                      </p:childTnLst>
+                    </p:cTn>
+                  </p:par>
+                  <p:par>
+                    <p:cTn id="9" fill="hold">
+                      <p:stCondLst>
+                        <p:cond delay="indefinite"/>
+                      </p:stCondLst>
+                      <p:childTnLst>
+                        <p:par>
+                          <p:cTn id="10" fill="hold">
+                            <p:stCondLst>
+                              <p:cond delay="0"/>
+                            </p:stCondLst>
+                            <p:childTnLst>
+                              <p:par>
+                                <p:cTn id="11" presetID="1" presetClass="entr" presetSubtype="0" fill="hold" nodeType="clickEffect">
+                                  <p:stCondLst>
+                                    <p:cond delay="0"/>
+                                  </p:stCondLst>
+                                  <p:childTnLst>
+                                    <p:set>
+                                      <p:cBhvr>
+                                        <p:cTn id="12" dur="1" fill="hold">
+                                          <p:stCondLst>
+                                            <p:cond delay="0"/>
+                                          </p:stCondLst>
+                                        </p:cTn>
+                                        <p:tgtEl>
+                                          <p:spTgt spid="12">
+                                            <p:txEl>
+                                              <p:pRg st="0" end="0"/>
+                                            </p:txEl>
+                                          </p:spTgt>
+                                        </p:tgtEl>
+                                        <p:attrNameLst>
+                                          <p:attrName>style.visibility</p:attrName>
+                                        </p:attrNameLst>
+                                      </p:cBhvr>
+                                      <p:to>
+                                        <p:strVal val="visible"/>
+                                      </p:to>
+                                    </p:set>
+                                  </p:childTnLst>
+                                </p:cTn>
+                              </p:par>
+                              <p:par>
+                                <p:cTn id="13" presetID="1" presetClass="entr" presetSubtype="0" fill="hold" nodeType="withEffect">
+                                  <p:stCondLst>
+                                    <p:cond delay="0"/>
+                                  </p:stCondLst>
+                                  <p:childTnLst>
+                                    <p:set>
+                                      <p:cBhvr>
+                                        <p:cTn id="14" dur="1" fill="hold">
+                                          <p:stCondLst>
+                                            <p:cond delay="0"/>
+                                          </p:stCondLst>
+                                        </p:cTn>
+                                        <p:tgtEl>
+                                          <p:spTgt spid="12">
+                                            <p:txEl>
+                                              <p:pRg st="1" end="1"/>
+                                            </p:txEl>
+                                          </p:spTgt>
+                                        </p:tgtEl>
+                                        <p:attrNameLst>
+                                          <p:attrName>style.visibility</p:attrName>
+                                        </p:attrNameLst>
+                                      </p:cBhvr>
+                                      <p:to>
+                                        <p:strVal val="visible"/>
+                                      </p:to>
+                                    </p:set>
+                                  </p:childTnLst>
+                                </p:cTn>
+                              </p:par>
+                            </p:childTnLst>
+                          </p:cTn>
+                        </p:par>
+                      </p:childTnLst>
+                    </p:cTn>
+                  </p:par>
+                  <p:par>
+                    <p:cTn id="15" fill="hold">
+                      <p:stCondLst>
+                        <p:cond delay="indefinite"/>
+                      </p:stCondLst>
+                      <p:childTnLst>
+                        <p:par>
+                          <p:cTn id="16" fill="hold">
+                            <p:stCondLst>
+                              <p:cond delay="0"/>
+                            </p:stCondLst>
+                            <p:childTnLst>
+                              <p:par>
+                                <p:cTn id="17" presetID="10" presetClass="entr" presetSubtype="0" fill="hold" nodeType="clickEffect">
+                                  <p:stCondLst>
+                                    <p:cond delay="0"/>
+                                  </p:stCondLst>
+                                  <p:childTnLst>
+                                    <p:set>
+                                      <p:cBhvr>
+                                        <p:cTn id="18" dur="1" fill="hold">
+                                          <p:stCondLst>
+                                            <p:cond delay="0"/>
+                                          </p:stCondLst>
+                                        </p:cTn>
+                                        <p:tgtEl>
+                                          <p:spTgt spid="12">
+                                            <p:txEl>
+                                              <p:pRg st="3" end="3"/>
+                                            </p:txEl>
+                                          </p:spTgt>
+                                        </p:tgtEl>
+                                        <p:attrNameLst>
+                                          <p:attrName>style.visibility</p:attrName>
+                                        </p:attrNameLst>
+                                      </p:cBhvr>
+                                      <p:to>
+                                        <p:strVal val="visible"/>
+                                      </p:to>
+                                    </p:set>
+                                    <p:animEffect transition="in" filter="fade">
+                                      <p:cBhvr>
+                                        <p:cTn id="19" dur="500"/>
+                                        <p:tgtEl>
+                                          <p:spTgt spid="12">
+                                            <p:txEl>
+                                              <p:pRg st="3" end="3"/>
+                                            </p:txEl>
+                                          </p:spTgt>
+                                        </p:tgtEl>
+                                      </p:cBhvr>
+                                    </p:animEffect>
+                                  </p:childTnLst>
+                                </p:cTn>
+                              </p:par>
+                            </p:childTnLst>
+                          </p:cTn>
+                        </p:par>
+                      </p:childTnLst>
+                    </p:cTn>
+                  </p:par>
+                  <p:par>
+                    <p:cTn id="20" fill="hold">
+                      <p:stCondLst>
+                        <p:cond delay="indefinite"/>
+                      </p:stCondLst>
+                      <p:childTnLst>
+                        <p:par>
+                          <p:cTn id="21" fill="hold">
+                            <p:stCondLst>
+                              <p:cond delay="0"/>
+                            </p:stCondLst>
+                            <p:childTnLst>
+                              <p:par>
+                                <p:cTn id="22" presetID="1" presetClass="entr" presetSubtype="0" fill="hold" nodeType="clickEffect">
+                                  <p:stCondLst>
+                                    <p:cond delay="0"/>
+                                  </p:stCondLst>
+                                  <p:childTnLst>
+                                    <p:set>
+                                      <p:cBhvr>
+                                        <p:cTn id="23" dur="1" fill="hold">
+                                          <p:stCondLst>
+                                            <p:cond delay="0"/>
+                                          </p:stCondLst>
+                                        </p:cTn>
+                                        <p:tgtEl>
+                                          <p:spTgt spid="12">
+                                            <p:txEl>
+                                              <p:pRg st="5" end="5"/>
+                                            </p:txEl>
+                                          </p:spTgt>
+                                        </p:tgtEl>
+                                        <p:attrNameLst>
+                                          <p:attrName>style.visibility</p:attrName>
+                                        </p:attrNameLst>
+                                      </p:cBhvr>
+                                      <p:to>
+                                        <p:strVal val="visible"/>
+                                      </p:to>
+                                    </p:set>
+                                  </p:childTnLst>
+                                </p:cTn>
+                              </p:par>
+                              <p:par>
+                                <p:cTn id="24" presetID="1" presetClass="entr" presetSubtype="0" fill="hold" nodeType="withEffect">
+                                  <p:stCondLst>
+                                    <p:cond delay="0"/>
+                                  </p:stCondLst>
+                                  <p:childTnLst>
+                                    <p:set>
+                                      <p:cBhvr>
+                                        <p:cTn id="25" dur="1" fill="hold">
+                                          <p:stCondLst>
+                                            <p:cond delay="0"/>
+                                          </p:stCondLst>
+                                        </p:cTn>
+                                        <p:tgtEl>
+                                          <p:spTgt spid="12">
+                                            <p:txEl>
+                                              <p:pRg st="6" end="6"/>
+                                            </p:txEl>
+                                          </p:spTgt>
+                                        </p:tgtEl>
+                                        <p:attrNameLst>
+                                          <p:attrName>style.visibility</p:attrName>
+                                        </p:attrNameLst>
+                                      </p:cBhvr>
+                                      <p:to>
+                                        <p:strVal val="visible"/>
+                                      </p:to>
+                                    </p:set>
+                                  </p:childTnLst>
+                                </p:cTn>
+                              </p:par>
+                            </p:childTnLst>
+                          </p:cTn>
+                        </p:par>
+                      </p:childTnLst>
+                    </p:cTn>
+                  </p:par>
+                </p:childTnLst>
+              </p:cTn>
+              <p:prevCondLst>
+                <p:cond evt="onPrev" delay="0">
+                  <p:tgtEl>
+                    <p:sldTgt/>
+                  </p:tgtEl>
+                </p:cond>
+              </p:prevCondLst>
+              <p:nextCondLst>
+                <p:cond evt="onNext" delay="0">
+                  <p:tgtEl>
+                    <p:sldTgt/>
+                  </p:tgtEl>
+                </p:cond>
+              </p:nextCondLst>
+            </p:seq>
+          </p:childTnLst>
+        </p:cTn>
+      </p:par>
+    </p:tnLst>
+    <p:bldLst>
+      <p:bldP spid="5" grpId="0" animBg="1"/>
+      <p:bldP spid="6" grpId="0"/>
+    </p:bldLst>
+  </p:timing>
 </p:sld>
 </file>
 
@@ -16947,7 +17508,7 @@
   <a:extraClrSchemeLst/>
   <a:extLst>
     <a:ext uri="{05A4C25C-085E-4340-85A3-A5531E510DB2}">
-      <thm15:themeFamily xmlns:thm15="http://schemas.microsoft.com/office/thememl/2012/main" xmlns="" name="Retrospect" id="{5F128B03-DCCA-4EEB-AB3B-CF2899314A46}" vid="{9CC26709-368C-4D72-9060-94E5B3FF3CD6}"/>
+      <thm15:themeFamily xmlns="" xmlns:thm15="http://schemas.microsoft.com/office/thememl/2012/main" name="Retrospect" id="{5F128B03-DCCA-4EEB-AB3B-CF2899314A46}" vid="{9CC26709-368C-4D72-9060-94E5B3FF3CD6}"/>
     </a:ext>
   </a:extLst>
 </a:theme>

--- a/presentation_digit_recog2.pptx
+++ b/presentation_digit_recog2.pptx
@@ -124,7 +124,7 @@
   </p:defaultTextStyle>
   <p:extLst>
     <p:ext uri="{EFAFB233-063F-42B5-8137-9DF3F51BA10A}">
-      <p15:sldGuideLst xmlns="" xmlns:p15="http://schemas.microsoft.com/office/powerpoint/2012/main">
+      <p15:sldGuideLst xmlns:p15="http://schemas.microsoft.com/office/powerpoint/2012/main" xmlns="">
         <p15:guide id="1" orient="horz" pos="2160">
           <p15:clr>
             <a:srgbClr val="A4A3A4"/>
@@ -9621,7 +9621,7 @@
           <p:cNvPr id="5" name="Grafik 4">
             <a:extLst>
               <a:ext uri="{FF2B5EF4-FFF2-40B4-BE49-F238E27FC236}">
-                <a16:creationId xmlns="" xmlns:a16="http://schemas.microsoft.com/office/drawing/2014/main" id="{541C1A54-8968-4CEF-8CA1-E84FB3A8524D}"/>
+                <a16:creationId xmlns:a16="http://schemas.microsoft.com/office/drawing/2014/main" xmlns="" id="{541C1A54-8968-4CEF-8CA1-E84FB3A8524D}"/>
               </a:ext>
             </a:extLst>
           </p:cNvPr>
@@ -9657,7 +9657,7 @@
           <p:cNvPr id="2" name="Titel 1">
             <a:extLst>
               <a:ext uri="{FF2B5EF4-FFF2-40B4-BE49-F238E27FC236}">
-                <a16:creationId xmlns="" xmlns:a16="http://schemas.microsoft.com/office/drawing/2014/main" id="{90A6468B-D0CD-4DC7-A3AD-DA2E2B071416}"/>
+                <a16:creationId xmlns:a16="http://schemas.microsoft.com/office/drawing/2014/main" xmlns="" id="{90A6468B-D0CD-4DC7-A3AD-DA2E2B071416}"/>
               </a:ext>
             </a:extLst>
           </p:cNvPr>
@@ -9696,7 +9696,7 @@
           <p:cNvPr id="3" name="Untertitel 2">
             <a:extLst>
               <a:ext uri="{FF2B5EF4-FFF2-40B4-BE49-F238E27FC236}">
-                <a16:creationId xmlns="" xmlns:a16="http://schemas.microsoft.com/office/drawing/2014/main" id="{65A5BDD7-952D-4603-93C5-6E59619C765A}"/>
+                <a16:creationId xmlns:a16="http://schemas.microsoft.com/office/drawing/2014/main" xmlns="" id="{65A5BDD7-952D-4603-93C5-6E59619C765A}"/>
               </a:ext>
             </a:extLst>
           </p:cNvPr>
@@ -9735,10 +9735,10 @@
           <p:cNvPr id="10" name="Straight Connector 9">
             <a:extLst>
               <a:ext uri="{FF2B5EF4-FFF2-40B4-BE49-F238E27FC236}">
-                <a16:creationId xmlns="" xmlns:a16="http://schemas.microsoft.com/office/drawing/2014/main" id="{F3CC58E3-BDF9-495D-9327-85F68058BE32}"/>
+                <a16:creationId xmlns:a16="http://schemas.microsoft.com/office/drawing/2014/main" xmlns="" id="{F3CC58E3-BDF9-495D-9327-85F68058BE32}"/>
               </a:ext>
               <a:ext uri="{C183D7F6-B498-43B3-948B-1728B52AA6E4}">
-                <adec:decorative xmlns="" xmlns:adec="http://schemas.microsoft.com/office/drawing/2017/decorative" val="1"/>
+                <adec:decorative xmlns:adec="http://schemas.microsoft.com/office/drawing/2017/decorative" xmlns="" val="1"/>
               </a:ext>
             </a:extLst>
           </p:cNvPr>
@@ -9748,7 +9748,7 @@
           <p:nvPr>
             <p:extLst>
               <p:ext uri="{386F3935-93C4-4BCD-93E2-E3B085C9AB24}">
-                <p16:designElem xmlns="" xmlns:p16="http://schemas.microsoft.com/office/powerpoint/2015/main" val="1"/>
+                <p16:designElem xmlns:p16="http://schemas.microsoft.com/office/powerpoint/2015/main" xmlns="" val="1"/>
               </p:ext>
             </p:extLst>
           </p:nvPr>
@@ -9789,10 +9789,10 @@
           <p:cNvPr id="12" name="Rectangle 11">
             <a:extLst>
               <a:ext uri="{FF2B5EF4-FFF2-40B4-BE49-F238E27FC236}">
-                <a16:creationId xmlns="" xmlns:a16="http://schemas.microsoft.com/office/drawing/2014/main" id="{DA0CA737-33FC-47E3-965A-D1C2CAA62894}"/>
+                <a16:creationId xmlns:a16="http://schemas.microsoft.com/office/drawing/2014/main" xmlns="" id="{DA0CA737-33FC-47E3-965A-D1C2CAA62894}"/>
               </a:ext>
               <a:ext uri="{C183D7F6-B498-43B3-948B-1728B52AA6E4}">
-                <adec:decorative xmlns="" xmlns:adec="http://schemas.microsoft.com/office/drawing/2017/decorative" val="1"/>
+                <adec:decorative xmlns:adec="http://schemas.microsoft.com/office/drawing/2017/decorative" xmlns="" val="1"/>
               </a:ext>
             </a:extLst>
           </p:cNvPr>
@@ -9802,7 +9802,7 @@
           <p:nvPr>
             <p:extLst>
               <p:ext uri="{386F3935-93C4-4BCD-93E2-E3B085C9AB24}">
-                <p16:designElem xmlns="" xmlns:p16="http://schemas.microsoft.com/office/powerpoint/2015/main" val="1"/>
+                <p16:designElem xmlns:p16="http://schemas.microsoft.com/office/powerpoint/2015/main" xmlns="" val="1"/>
               </p:ext>
             </p:extLst>
           </p:nvPr>
@@ -9844,10 +9844,10 @@
           <p:cNvPr id="14" name="Rectangle 13">
             <a:extLst>
               <a:ext uri="{FF2B5EF4-FFF2-40B4-BE49-F238E27FC236}">
-                <a16:creationId xmlns="" xmlns:a16="http://schemas.microsoft.com/office/drawing/2014/main" id="{22189942-24EB-488E-8B69-EB80F7E53E36}"/>
+                <a16:creationId xmlns:a16="http://schemas.microsoft.com/office/drawing/2014/main" xmlns="" id="{22189942-24EB-488E-8B69-EB80F7E53E36}"/>
               </a:ext>
               <a:ext uri="{C183D7F6-B498-43B3-948B-1728B52AA6E4}">
-                <adec:decorative xmlns="" xmlns:adec="http://schemas.microsoft.com/office/drawing/2017/decorative" val="1"/>
+                <adec:decorative xmlns:adec="http://schemas.microsoft.com/office/drawing/2017/decorative" xmlns="" val="1"/>
               </a:ext>
             </a:extLst>
           </p:cNvPr>
@@ -9857,7 +9857,7 @@
           <p:nvPr>
             <p:extLst>
               <p:ext uri="{386F3935-93C4-4BCD-93E2-E3B085C9AB24}">
-                <p16:designElem xmlns="" xmlns:p16="http://schemas.microsoft.com/office/powerpoint/2015/main" val="1"/>
+                <p16:designElem xmlns:p16="http://schemas.microsoft.com/office/powerpoint/2015/main" xmlns="" val="1"/>
               </p:ext>
             </p:extLst>
           </p:nvPr>
@@ -9929,7 +9929,7 @@
           <p:cNvPr id="2" name="Titel 1">
             <a:extLst>
               <a:ext uri="{FF2B5EF4-FFF2-40B4-BE49-F238E27FC236}">
-                <a16:creationId xmlns="" xmlns:a16="http://schemas.microsoft.com/office/drawing/2014/main" id="{3D022FA1-1227-4EA1-8EB1-679CE9C5CFCD}"/>
+                <a16:creationId xmlns:a16="http://schemas.microsoft.com/office/drawing/2014/main" xmlns="" id="{3D022FA1-1227-4EA1-8EB1-679CE9C5CFCD}"/>
               </a:ext>
             </a:extLst>
           </p:cNvPr>
@@ -9976,7 +9976,7 @@
           <p:cNvPr id="3" name="Inhaltsplatzhalter 2">
             <a:extLst>
               <a:ext uri="{FF2B5EF4-FFF2-40B4-BE49-F238E27FC236}">
-                <a16:creationId xmlns="" xmlns:a16="http://schemas.microsoft.com/office/drawing/2014/main" id="{56D22BFB-FDAA-4D7E-88D9-C29E57B7C51D}"/>
+                <a16:creationId xmlns:a16="http://schemas.microsoft.com/office/drawing/2014/main" xmlns="" id="{56D22BFB-FDAA-4D7E-88D9-C29E57B7C51D}"/>
               </a:ext>
             </a:extLst>
           </p:cNvPr>
@@ -10333,7 +10333,7 @@
           <p:cNvPr id="10" name="Inhaltsplatzhalter 9">
             <a:extLst>
               <a:ext uri="{FF2B5EF4-FFF2-40B4-BE49-F238E27FC236}">
-                <a16:creationId xmlns="" xmlns:a16="http://schemas.microsoft.com/office/drawing/2014/main" id="{65A23C4D-F599-40EB-9F55-473E092C8DBD}"/>
+                <a16:creationId xmlns:a16="http://schemas.microsoft.com/office/drawing/2014/main" xmlns="" id="{65A23C4D-F599-40EB-9F55-473E092C8DBD}"/>
               </a:ext>
             </a:extLst>
           </p:cNvPr>
@@ -10367,7 +10367,7 @@
           <p:cNvPr id="8" name="Inhaltsplatzhalter 7">
             <a:extLst>
               <a:ext uri="{FF2B5EF4-FFF2-40B4-BE49-F238E27FC236}">
-                <a16:creationId xmlns="" xmlns:a16="http://schemas.microsoft.com/office/drawing/2014/main" id="{AC8FC20D-C4BB-4858-9AA7-67A6D2F24CB1}"/>
+                <a16:creationId xmlns:a16="http://schemas.microsoft.com/office/drawing/2014/main" xmlns="" id="{AC8FC20D-C4BB-4858-9AA7-67A6D2F24CB1}"/>
               </a:ext>
             </a:extLst>
           </p:cNvPr>
@@ -10391,7 +10391,7 @@
         </p:blipFill>
         <p:spPr>
           <a:xfrm>
-            <a:off x="1612232" y="1400368"/>
+            <a:off x="1683253" y="1373735"/>
             <a:ext cx="3457074" cy="5000445"/>
           </a:xfrm>
         </p:spPr>
@@ -10474,7 +10474,7 @@
           <p:cNvPr id="5" name="Titel 4">
             <a:extLst>
               <a:ext uri="{FF2B5EF4-FFF2-40B4-BE49-F238E27FC236}">
-                <a16:creationId xmlns="" xmlns:a16="http://schemas.microsoft.com/office/drawing/2014/main" id="{9222B4BD-52BA-4791-9651-98D4F0FB5A4A}"/>
+                <a16:creationId xmlns:a16="http://schemas.microsoft.com/office/drawing/2014/main" xmlns="" id="{9222B4BD-52BA-4791-9651-98D4F0FB5A4A}"/>
               </a:ext>
             </a:extLst>
           </p:cNvPr>
@@ -10515,7 +10515,7 @@
           <p:cNvPr id="6" name="Inhaltsplatzhalter 5">
             <a:extLst>
               <a:ext uri="{FF2B5EF4-FFF2-40B4-BE49-F238E27FC236}">
-                <a16:creationId xmlns="" xmlns:a16="http://schemas.microsoft.com/office/drawing/2014/main" id="{1A0911F2-B0B3-45D8-B92B-270F6D60CFB4}"/>
+                <a16:creationId xmlns:a16="http://schemas.microsoft.com/office/drawing/2014/main" xmlns="" id="{1A0911F2-B0B3-45D8-B92B-270F6D60CFB4}"/>
               </a:ext>
             </a:extLst>
           </p:cNvPr>
@@ -10816,7 +10816,7 @@
           <p:cNvPr id="9" name="Inhaltsplatzhalter 8">
             <a:extLst>
               <a:ext uri="{FF2B5EF4-FFF2-40B4-BE49-F238E27FC236}">
-                <a16:creationId xmlns="" xmlns:a16="http://schemas.microsoft.com/office/drawing/2014/main" id="{9909C030-22D0-4734-9DCB-167BC6D672DF}"/>
+                <a16:creationId xmlns:a16="http://schemas.microsoft.com/office/drawing/2014/main" xmlns="" id="{9909C030-22D0-4734-9DCB-167BC6D672DF}"/>
               </a:ext>
             </a:extLst>
           </p:cNvPr>
@@ -10880,7 +10880,7 @@
           <p:cNvPr id="5" name="Titel 4">
             <a:extLst>
               <a:ext uri="{FF2B5EF4-FFF2-40B4-BE49-F238E27FC236}">
-                <a16:creationId xmlns="" xmlns:a16="http://schemas.microsoft.com/office/drawing/2014/main" id="{CB372DEC-D0F9-4D40-9149-13D17AAF964B}"/>
+                <a16:creationId xmlns:a16="http://schemas.microsoft.com/office/drawing/2014/main" xmlns="" id="{CB372DEC-D0F9-4D40-9149-13D17AAF964B}"/>
               </a:ext>
             </a:extLst>
           </p:cNvPr>
@@ -10936,7 +10936,7 @@
           <p:cNvPr id="6" name="Untertitel 5">
             <a:extLst>
               <a:ext uri="{FF2B5EF4-FFF2-40B4-BE49-F238E27FC236}">
-                <a16:creationId xmlns="" xmlns:a16="http://schemas.microsoft.com/office/drawing/2014/main" id="{72729885-95AF-4E52-9DF2-73274144A388}"/>
+                <a16:creationId xmlns:a16="http://schemas.microsoft.com/office/drawing/2014/main" xmlns="" id="{72729885-95AF-4E52-9DF2-73274144A388}"/>
               </a:ext>
             </a:extLst>
           </p:cNvPr>
@@ -10999,10 +10999,10 @@
           <p:cNvPr id="10" name="Rectangle 9">
             <a:extLst>
               <a:ext uri="{FF2B5EF4-FFF2-40B4-BE49-F238E27FC236}">
-                <a16:creationId xmlns="" xmlns:a16="http://schemas.microsoft.com/office/drawing/2014/main" id="{D829E218-74FB-4455-98BE-F2C5BA8978BE}"/>
+                <a16:creationId xmlns:a16="http://schemas.microsoft.com/office/drawing/2014/main" xmlns="" id="{D829E218-74FB-4455-98BE-F2C5BA8978BE}"/>
               </a:ext>
               <a:ext uri="{C183D7F6-B498-43B3-948B-1728B52AA6E4}">
-                <adec:decorative xmlns="" xmlns:adec="http://schemas.microsoft.com/office/drawing/2017/decorative" val="1"/>
+                <adec:decorative xmlns:adec="http://schemas.microsoft.com/office/drawing/2017/decorative" xmlns="" val="1"/>
               </a:ext>
             </a:extLst>
           </p:cNvPr>
@@ -11012,7 +11012,7 @@
           <p:nvPr>
             <p:extLst>
               <p:ext uri="{386F3935-93C4-4BCD-93E2-E3B085C9AB24}">
-                <p16:designElem xmlns="" xmlns:p16="http://schemas.microsoft.com/office/powerpoint/2015/main" val="1"/>
+                <p16:designElem xmlns:p16="http://schemas.microsoft.com/office/powerpoint/2015/main" xmlns="" val="1"/>
               </p:ext>
             </p:extLst>
           </p:nvPr>
@@ -11054,10 +11054,10 @@
           <p:cNvPr id="12" name="Rectangle 11">
             <a:extLst>
               <a:ext uri="{FF2B5EF4-FFF2-40B4-BE49-F238E27FC236}">
-                <a16:creationId xmlns="" xmlns:a16="http://schemas.microsoft.com/office/drawing/2014/main" id="{7E8D75FD-D4F9-4D11-B70D-82EFCB4CFA5B}"/>
+                <a16:creationId xmlns:a16="http://schemas.microsoft.com/office/drawing/2014/main" xmlns="" id="{7E8D75FD-D4F9-4D11-B70D-82EFCB4CFA5B}"/>
               </a:ext>
               <a:ext uri="{C183D7F6-B498-43B3-948B-1728B52AA6E4}">
-                <adec:decorative xmlns="" xmlns:adec="http://schemas.microsoft.com/office/drawing/2017/decorative" val="1"/>
+                <adec:decorative xmlns:adec="http://schemas.microsoft.com/office/drawing/2017/decorative" xmlns="" val="1"/>
               </a:ext>
             </a:extLst>
           </p:cNvPr>
@@ -11067,7 +11067,7 @@
           <p:nvPr>
             <p:extLst>
               <p:ext uri="{386F3935-93C4-4BCD-93E2-E3B085C9AB24}">
-                <p16:designElem xmlns="" xmlns:p16="http://schemas.microsoft.com/office/powerpoint/2015/main" val="1"/>
+                <p16:designElem xmlns:p16="http://schemas.microsoft.com/office/powerpoint/2015/main" xmlns="" val="1"/>
               </p:ext>
             </p:extLst>
           </p:nvPr>
@@ -11109,10 +11109,10 @@
           <p:cNvPr id="14" name="Straight Connector 13">
             <a:extLst>
               <a:ext uri="{FF2B5EF4-FFF2-40B4-BE49-F238E27FC236}">
-                <a16:creationId xmlns="" xmlns:a16="http://schemas.microsoft.com/office/drawing/2014/main" id="{1F5DC8C3-BA5F-4EED-BB9A-A14272BD82A1}"/>
+                <a16:creationId xmlns:a16="http://schemas.microsoft.com/office/drawing/2014/main" xmlns="" id="{1F5DC8C3-BA5F-4EED-BB9A-A14272BD82A1}"/>
               </a:ext>
               <a:ext uri="{C183D7F6-B498-43B3-948B-1728B52AA6E4}">
-                <adec:decorative xmlns="" xmlns:adec="http://schemas.microsoft.com/office/drawing/2017/decorative" val="1"/>
+                <adec:decorative xmlns:adec="http://schemas.microsoft.com/office/drawing/2017/decorative" xmlns="" val="1"/>
               </a:ext>
             </a:extLst>
           </p:cNvPr>
@@ -11122,7 +11122,7 @@
           <p:nvPr>
             <p:extLst>
               <p:ext uri="{386F3935-93C4-4BCD-93E2-E3B085C9AB24}">
-                <p16:designElem xmlns="" xmlns:p16="http://schemas.microsoft.com/office/powerpoint/2015/main" val="1"/>
+                <p16:designElem xmlns:p16="http://schemas.microsoft.com/office/powerpoint/2015/main" xmlns="" val="1"/>
               </p:ext>
             </p:extLst>
           </p:nvPr>
@@ -11164,10 +11164,10 @@
           <p:cNvPr id="16" name="Rectangle 15">
             <a:extLst>
               <a:ext uri="{FF2B5EF4-FFF2-40B4-BE49-F238E27FC236}">
-                <a16:creationId xmlns="" xmlns:a16="http://schemas.microsoft.com/office/drawing/2014/main" id="{8638A98B-4B4B-4607-B11F-7DCA0D7CCE17}"/>
+                <a16:creationId xmlns:a16="http://schemas.microsoft.com/office/drawing/2014/main" xmlns="" id="{8638A98B-4B4B-4607-B11F-7DCA0D7CCE17}"/>
               </a:ext>
               <a:ext uri="{C183D7F6-B498-43B3-948B-1728B52AA6E4}">
-                <adec:decorative xmlns="" xmlns:adec="http://schemas.microsoft.com/office/drawing/2017/decorative" val="1"/>
+                <adec:decorative xmlns:adec="http://schemas.microsoft.com/office/drawing/2017/decorative" xmlns="" val="1"/>
               </a:ext>
             </a:extLst>
           </p:cNvPr>
@@ -11177,7 +11177,7 @@
           <p:nvPr>
             <p:extLst>
               <p:ext uri="{386F3935-93C4-4BCD-93E2-E3B085C9AB24}">
-                <p16:designElem xmlns="" xmlns:p16="http://schemas.microsoft.com/office/powerpoint/2015/main" val="1"/>
+                <p16:designElem xmlns:p16="http://schemas.microsoft.com/office/powerpoint/2015/main" xmlns="" val="1"/>
               </p:ext>
             </p:extLst>
           </p:nvPr>
@@ -11224,7 +11224,7 @@
           <p:cNvPr id="5" name="Inhaltsplatzhalter 4">
             <a:extLst>
               <a:ext uri="{FF2B5EF4-FFF2-40B4-BE49-F238E27FC236}">
-                <a16:creationId xmlns="" xmlns:a16="http://schemas.microsoft.com/office/drawing/2014/main" id="{0F908B00-977C-447A-87EE-7A00C164B759}"/>
+                <a16:creationId xmlns:a16="http://schemas.microsoft.com/office/drawing/2014/main" xmlns="" id="{0F908B00-977C-447A-87EE-7A00C164B759}"/>
               </a:ext>
             </a:extLst>
           </p:cNvPr>
@@ -11261,10 +11261,10 @@
           <p:cNvPr id="18" name="Rectangle 17">
             <a:extLst>
               <a:ext uri="{FF2B5EF4-FFF2-40B4-BE49-F238E27FC236}">
-                <a16:creationId xmlns="" xmlns:a16="http://schemas.microsoft.com/office/drawing/2014/main" id="{8E3B9B0E-204E-4BFD-B58A-E71D9CDC37F3}"/>
+                <a16:creationId xmlns:a16="http://schemas.microsoft.com/office/drawing/2014/main" xmlns="" id="{8E3B9B0E-204E-4BFD-B58A-E71D9CDC37F3}"/>
               </a:ext>
               <a:ext uri="{C183D7F6-B498-43B3-948B-1728B52AA6E4}">
-                <adec:decorative xmlns="" xmlns:adec="http://schemas.microsoft.com/office/drawing/2017/decorative" val="1"/>
+                <adec:decorative xmlns:adec="http://schemas.microsoft.com/office/drawing/2017/decorative" xmlns="" val="1"/>
               </a:ext>
             </a:extLst>
           </p:cNvPr>
@@ -11274,7 +11274,7 @@
           <p:nvPr>
             <p:extLst>
               <p:ext uri="{386F3935-93C4-4BCD-93E2-E3B085C9AB24}">
-                <p16:designElem xmlns="" xmlns:p16="http://schemas.microsoft.com/office/powerpoint/2015/main" val="1"/>
+                <p16:designElem xmlns:p16="http://schemas.microsoft.com/office/powerpoint/2015/main" xmlns="" val="1"/>
               </p:ext>
             </p:extLst>
           </p:nvPr>
@@ -11316,7 +11316,7 @@
           <p:cNvPr id="2" name="Titel 1">
             <a:extLst>
               <a:ext uri="{FF2B5EF4-FFF2-40B4-BE49-F238E27FC236}">
-                <a16:creationId xmlns="" xmlns:a16="http://schemas.microsoft.com/office/drawing/2014/main" id="{E21935D6-F135-4DD2-A417-738E067D86CB}"/>
+                <a16:creationId xmlns:a16="http://schemas.microsoft.com/office/drawing/2014/main" xmlns="" id="{E21935D6-F135-4DD2-A417-738E067D86CB}"/>
               </a:ext>
             </a:extLst>
           </p:cNvPr>
@@ -11363,10 +11363,10 @@
           <p:cNvPr id="20" name="Rectangle 19">
             <a:extLst>
               <a:ext uri="{FF2B5EF4-FFF2-40B4-BE49-F238E27FC236}">
-                <a16:creationId xmlns="" xmlns:a16="http://schemas.microsoft.com/office/drawing/2014/main" id="{B1121E64-CB88-4BF5-B531-C0316E7F6E30}"/>
+                <a16:creationId xmlns:a16="http://schemas.microsoft.com/office/drawing/2014/main" xmlns="" id="{B1121E64-CB88-4BF5-B531-C0316E7F6E30}"/>
               </a:ext>
               <a:ext uri="{C183D7F6-B498-43B3-948B-1728B52AA6E4}">
-                <adec:decorative xmlns="" xmlns:adec="http://schemas.microsoft.com/office/drawing/2017/decorative" val="1"/>
+                <adec:decorative xmlns:adec="http://schemas.microsoft.com/office/drawing/2017/decorative" xmlns="" val="1"/>
               </a:ext>
             </a:extLst>
           </p:cNvPr>
@@ -11376,7 +11376,7 @@
           <p:nvPr>
             <p:extLst>
               <p:ext uri="{386F3935-93C4-4BCD-93E2-E3B085C9AB24}">
-                <p16:designElem xmlns="" xmlns:p16="http://schemas.microsoft.com/office/powerpoint/2015/main" val="1"/>
+                <p16:designElem xmlns:p16="http://schemas.microsoft.com/office/powerpoint/2015/main" xmlns="" val="1"/>
               </p:ext>
             </p:extLst>
           </p:nvPr>
@@ -11456,10 +11456,10 @@
           <p:cNvPr id="13" name="Rectangle 12">
             <a:extLst>
               <a:ext uri="{FF2B5EF4-FFF2-40B4-BE49-F238E27FC236}">
-                <a16:creationId xmlns="" xmlns:a16="http://schemas.microsoft.com/office/drawing/2014/main" id="{0AB6E427-3F73-4C06-A5D5-AE52C3883B50}"/>
+                <a16:creationId xmlns:a16="http://schemas.microsoft.com/office/drawing/2014/main" xmlns="" id="{0AB6E427-3F73-4C06-A5D5-AE52C3883B50}"/>
               </a:ext>
               <a:ext uri="{C183D7F6-B498-43B3-948B-1728B52AA6E4}">
-                <adec:decorative xmlns="" xmlns:adec="http://schemas.microsoft.com/office/drawing/2017/decorative" val="1"/>
+                <adec:decorative xmlns:adec="http://schemas.microsoft.com/office/drawing/2017/decorative" xmlns="" val="1"/>
               </a:ext>
             </a:extLst>
           </p:cNvPr>
@@ -11469,7 +11469,7 @@
           <p:nvPr>
             <p:extLst>
               <p:ext uri="{386F3935-93C4-4BCD-93E2-E3B085C9AB24}">
-                <p16:designElem xmlns="" xmlns:p16="http://schemas.microsoft.com/office/powerpoint/2015/main" val="1"/>
+                <p16:designElem xmlns:p16="http://schemas.microsoft.com/office/powerpoint/2015/main" xmlns="" val="1"/>
               </p:ext>
             </p:extLst>
           </p:nvPr>
@@ -11516,10 +11516,10 @@
           <p:cNvPr id="15" name="Rectangle 14">
             <a:extLst>
               <a:ext uri="{FF2B5EF4-FFF2-40B4-BE49-F238E27FC236}">
-                <a16:creationId xmlns="" xmlns:a16="http://schemas.microsoft.com/office/drawing/2014/main" id="{D8C9BDAA-0390-4B39-9B5C-BC95E5120DA4}"/>
+                <a16:creationId xmlns:a16="http://schemas.microsoft.com/office/drawing/2014/main" xmlns="" id="{D8C9BDAA-0390-4B39-9B5C-BC95E5120DA4}"/>
               </a:ext>
               <a:ext uri="{C183D7F6-B498-43B3-948B-1728B52AA6E4}">
-                <adec:decorative xmlns="" xmlns:adec="http://schemas.microsoft.com/office/drawing/2017/decorative" val="1"/>
+                <adec:decorative xmlns:adec="http://schemas.microsoft.com/office/drawing/2017/decorative" xmlns="" val="1"/>
               </a:ext>
             </a:extLst>
           </p:cNvPr>
@@ -11529,7 +11529,7 @@
           <p:nvPr>
             <p:extLst>
               <p:ext uri="{386F3935-93C4-4BCD-93E2-E3B085C9AB24}">
-                <p16:designElem xmlns="" xmlns:p16="http://schemas.microsoft.com/office/powerpoint/2015/main" val="1"/>
+                <p16:designElem xmlns:p16="http://schemas.microsoft.com/office/powerpoint/2015/main" xmlns="" val="1"/>
               </p:ext>
             </p:extLst>
           </p:nvPr>
@@ -11571,7 +11571,7 @@
           <p:cNvPr id="2" name="Titel 1">
             <a:extLst>
               <a:ext uri="{FF2B5EF4-FFF2-40B4-BE49-F238E27FC236}">
-                <a16:creationId xmlns="" xmlns:a16="http://schemas.microsoft.com/office/drawing/2014/main" id="{D9FC22E7-D4D8-40F3-851D-F5CDDD673BBB}"/>
+                <a16:creationId xmlns:a16="http://schemas.microsoft.com/office/drawing/2014/main" xmlns="" id="{D9FC22E7-D4D8-40F3-851D-F5CDDD673BBB}"/>
               </a:ext>
             </a:extLst>
           </p:cNvPr>
@@ -11647,10 +11647,10 @@
           <p:cNvPr id="17" name="Rectangle 16">
             <a:extLst>
               <a:ext uri="{FF2B5EF4-FFF2-40B4-BE49-F238E27FC236}">
-                <a16:creationId xmlns="" xmlns:a16="http://schemas.microsoft.com/office/drawing/2014/main" id="{F9DB1FE5-9D46-433B-99D1-2F1B8DC79855}"/>
+                <a16:creationId xmlns:a16="http://schemas.microsoft.com/office/drawing/2014/main" xmlns="" id="{F9DB1FE5-9D46-433B-99D1-2F1B8DC79855}"/>
               </a:ext>
               <a:ext uri="{C183D7F6-B498-43B3-948B-1728B52AA6E4}">
-                <adec:decorative xmlns="" xmlns:adec="http://schemas.microsoft.com/office/drawing/2017/decorative" val="1"/>
+                <adec:decorative xmlns:adec="http://schemas.microsoft.com/office/drawing/2017/decorative" xmlns="" val="1"/>
               </a:ext>
             </a:extLst>
           </p:cNvPr>
@@ -11660,7 +11660,7 @@
           <p:nvPr>
             <p:extLst>
               <p:ext uri="{386F3935-93C4-4BCD-93E2-E3B085C9AB24}">
-                <p16:designElem xmlns="" xmlns:p16="http://schemas.microsoft.com/office/powerpoint/2015/main" val="1"/>
+                <p16:designElem xmlns:p16="http://schemas.microsoft.com/office/powerpoint/2015/main" xmlns="" val="1"/>
               </p:ext>
             </p:extLst>
           </p:nvPr>
@@ -11702,7 +11702,7 @@
           <p:cNvPr id="8" name="Inhaltsplatzhalter 4">
             <a:extLst>
               <a:ext uri="{FF2B5EF4-FFF2-40B4-BE49-F238E27FC236}">
-                <a16:creationId xmlns="" xmlns:a16="http://schemas.microsoft.com/office/drawing/2014/main" id="{505EAB39-71B6-4CDF-BAE8-6F62F743A0C5}"/>
+                <a16:creationId xmlns:a16="http://schemas.microsoft.com/office/drawing/2014/main" xmlns="" id="{505EAB39-71B6-4CDF-BAE8-6F62F743A0C5}"/>
               </a:ext>
             </a:extLst>
           </p:cNvPr>
@@ -11738,7 +11738,7 @@
           <p:cNvPr id="9" name="Flussdiagramm: Verbinder 8">
             <a:extLst>
               <a:ext uri="{FF2B5EF4-FFF2-40B4-BE49-F238E27FC236}">
-                <a16:creationId xmlns="" xmlns:a16="http://schemas.microsoft.com/office/drawing/2014/main" id="{01F5D49F-8D20-4DA3-86D3-7FA5F8AD94CD}"/>
+                <a16:creationId xmlns:a16="http://schemas.microsoft.com/office/drawing/2014/main" xmlns="" id="{01F5D49F-8D20-4DA3-86D3-7FA5F8AD94CD}"/>
               </a:ext>
             </a:extLst>
           </p:cNvPr>
@@ -11790,7 +11790,7 @@
           <p:cNvPr id="7" name="Inhaltsplatzhalter 6" descr="Fragen">
             <a:extLst>
               <a:ext uri="{FF2B5EF4-FFF2-40B4-BE49-F238E27FC236}">
-                <a16:creationId xmlns="" xmlns:a16="http://schemas.microsoft.com/office/drawing/2014/main" id="{BB4769F3-A84A-45E1-9A4D-9E984E568AC4}"/>
+                <a16:creationId xmlns:a16="http://schemas.microsoft.com/office/drawing/2014/main" xmlns="" id="{BB4769F3-A84A-45E1-9A4D-9E984E568AC4}"/>
               </a:ext>
             </a:extLst>
           </p:cNvPr>
@@ -11808,7 +11808,7 @@
                 <a14:useLocalDpi xmlns:a14="http://schemas.microsoft.com/office/drawing/2010/main" val="0"/>
               </a:ext>
               <a:ext uri="{96DAC541-7B7A-43D3-8B79-37D633B846F1}">
-                <asvg:svgBlip xmlns="" xmlns:asvg="http://schemas.microsoft.com/office/drawing/2016/SVG/main" r:embed="rId4"/>
+                <asvg:svgBlip xmlns:asvg="http://schemas.microsoft.com/office/drawing/2016/SVG/main" xmlns="" r:embed="rId4"/>
               </a:ext>
             </a:extLst>
           </a:blip>
@@ -12070,7 +12070,7 @@
         <p:spPr>
           <a:xfrm>
             <a:off x="1091953" y="2041864"/>
-            <a:ext cx="10395752" cy="4801314"/>
+            <a:ext cx="10395752" cy="5170646"/>
           </a:xfrm>
           <a:prstGeom prst="rect">
             <a:avLst/>
@@ -12088,20 +12088,20 @@
               <a:buChar char="•"/>
             </a:pPr>
             <a:r>
-              <a:rPr lang="en-US" dirty="0" smtClean="0"/>
-              <a:t>Digits tree and </a:t>
-            </a:r>
-            <a:r>
-              <a:rPr lang="en-US" dirty="0" err="1" smtClean="0"/>
-              <a:t>cumulativity</a:t>
-            </a:r>
-            <a:r>
-              <a:rPr lang="en-US" dirty="0" smtClean="0"/>
-              <a:t> in prediction accuracy for a certain digit or even data-point</a:t>
-            </a:r>
-          </a:p>
-          <a:p>
-            <a:endParaRPr lang="en-US" dirty="0" smtClean="0"/>
+              <a:rPr lang="en-US" sz="2200" dirty="0" err="1" smtClean="0"/>
+              <a:t>Cumulativity</a:t>
+            </a:r>
+            <a:r>
+              <a:rPr lang="en-US" sz="2200" dirty="0" smtClean="0"/>
+              <a:t> </a:t>
+            </a:r>
+            <a:r>
+              <a:rPr lang="en-US" sz="2200" dirty="0" smtClean="0"/>
+              <a:t>in prediction accuracy for a certain digit or even data-point</a:t>
+            </a:r>
+          </a:p>
+          <a:p>
+            <a:endParaRPr lang="en-US" sz="2200" dirty="0" smtClean="0"/>
           </a:p>
           <a:p>
             <a:pPr marL="285750" indent="-285750">
@@ -12109,7 +12109,7 @@
               <a:buChar char="•"/>
             </a:pPr>
             <a:r>
-              <a:rPr lang="en-US" dirty="0" smtClean="0"/>
+              <a:rPr lang="en-US" sz="2200" dirty="0" smtClean="0"/>
               <a:t>Which digits have higher average noise component (recognized better by  78 than by 784)</a:t>
             </a:r>
           </a:p>
@@ -12118,7 +12118,7 @@
               <a:buFont typeface="Arial" panose="020B0604020202020204" pitchFamily="34" charset="0"/>
               <a:buChar char="•"/>
             </a:pPr>
-            <a:endParaRPr lang="en-US" dirty="0"/>
+            <a:endParaRPr lang="en-US" sz="2200" dirty="0"/>
           </a:p>
           <a:p>
             <a:pPr marL="285750" indent="-285750">
@@ -12126,108 +12126,61 @@
               <a:buChar char="•"/>
             </a:pPr>
             <a:r>
-              <a:rPr lang="en-US" dirty="0" smtClean="0"/>
+              <a:rPr lang="en-US" sz="2200" dirty="0" smtClean="0"/>
               <a:t>Other metrics for the distance calculation and their effect on the accuracy of recognition</a:t>
             </a:r>
+          </a:p>
+          <a:p>
+            <a:endParaRPr lang="en-US" sz="2200" dirty="0"/>
           </a:p>
           <a:p>
             <a:pPr marL="285750" indent="-285750">
               <a:buFont typeface="Arial" panose="020B0604020202020204" pitchFamily="34" charset="0"/>
               <a:buChar char="•"/>
             </a:pPr>
-            <a:endParaRPr lang="en-US" dirty="0"/>
+            <a:r>
+              <a:rPr lang="en-US" sz="2200" dirty="0" smtClean="0"/>
+              <a:t>Other types of dimensionality reduction methods (</a:t>
+            </a:r>
+            <a:r>
+              <a:rPr lang="en-US" sz="2200" dirty="0" err="1" smtClean="0"/>
+              <a:t>f.i</a:t>
+            </a:r>
+            <a:r>
+              <a:rPr lang="en-US" sz="2200" dirty="0" smtClean="0"/>
+              <a:t>. kernel PCA) -&gt; a hypothetical further increase in accuracy of recognition and noise elimination. </a:t>
+            </a:r>
           </a:p>
           <a:p>
             <a:pPr marL="285750" indent="-285750">
               <a:buFont typeface="Arial" panose="020B0604020202020204" pitchFamily="34" charset="0"/>
               <a:buChar char="•"/>
             </a:pPr>
-            <a:r>
-              <a:rPr lang="en-US" dirty="0" smtClean="0"/>
-              <a:t>Other types of dimensionality reduction methods (</a:t>
-            </a:r>
-            <a:r>
-              <a:rPr lang="en-US" dirty="0" err="1" smtClean="0"/>
-              <a:t>f.i</a:t>
-            </a:r>
-            <a:r>
-              <a:rPr lang="en-US" dirty="0" smtClean="0"/>
-              <a:t>. kernel PCA) -&gt; a hypothetical further increase in accuracy of recognition and noise elimination. </a:t>
-            </a:r>
+            <a:endParaRPr lang="en-US" sz="2200" dirty="0"/>
+          </a:p>
+          <a:p>
+            <a:endParaRPr lang="en-US" sz="2200" dirty="0"/>
           </a:p>
           <a:p>
             <a:pPr marL="285750" indent="-285750">
               <a:buFont typeface="Arial" panose="020B0604020202020204" pitchFamily="34" charset="0"/>
               <a:buChar char="•"/>
             </a:pPr>
-            <a:endParaRPr lang="en-US" dirty="0"/>
+            <a:endParaRPr lang="en-US" sz="2200" dirty="0" smtClean="0"/>
           </a:p>
           <a:p>
             <a:pPr marL="285750" indent="-285750">
               <a:buFont typeface="Arial" panose="020B0604020202020204" pitchFamily="34" charset="0"/>
               <a:buChar char="•"/>
             </a:pPr>
-            <a:endParaRPr lang="en-US" dirty="0" smtClean="0"/>
+            <a:endParaRPr lang="en-US" sz="2200" dirty="0"/>
           </a:p>
           <a:p>
             <a:pPr marL="285750" indent="-285750">
               <a:buFont typeface="Arial" panose="020B0604020202020204" pitchFamily="34" charset="0"/>
               <a:buChar char="•"/>
             </a:pPr>
-            <a:endParaRPr lang="en-US" dirty="0" smtClean="0"/>
-          </a:p>
-          <a:p>
-            <a:pPr marL="285750" indent="-285750">
-              <a:buFont typeface="Arial" panose="020B0604020202020204" pitchFamily="34" charset="0"/>
-              <a:buChar char="•"/>
-            </a:pPr>
-            <a:endParaRPr lang="en-US" dirty="0">
-              <a:solidFill>
-                <a:srgbClr val="FF0000"/>
-              </a:solidFill>
-            </a:endParaRPr>
-          </a:p>
-          <a:p>
-            <a:pPr marL="285750" indent="-285750">
-              <a:buFont typeface="Arial" panose="020B0604020202020204" pitchFamily="34" charset="0"/>
-              <a:buChar char="•"/>
-            </a:pPr>
-            <a:r>
-              <a:rPr lang="en-US" dirty="0" smtClean="0">
-                <a:solidFill>
-                  <a:srgbClr val="FF0000"/>
-                </a:solidFill>
-              </a:rPr>
-              <a:t>??????????????????????????????</a:t>
-            </a:r>
-          </a:p>
-          <a:p>
-            <a:pPr marL="285750" indent="-285750">
-              <a:buFont typeface="Arial" panose="020B0604020202020204" pitchFamily="34" charset="0"/>
-              <a:buChar char="•"/>
-            </a:pPr>
-            <a:endParaRPr lang="en-US" dirty="0"/>
-          </a:p>
-          <a:p>
-            <a:pPr marL="285750" indent="-285750">
-              <a:buFont typeface="Arial" panose="020B0604020202020204" pitchFamily="34" charset="0"/>
-              <a:buChar char="•"/>
-            </a:pPr>
-            <a:endParaRPr lang="en-US" dirty="0" smtClean="0"/>
-          </a:p>
-          <a:p>
-            <a:pPr marL="285750" indent="-285750">
-              <a:buFont typeface="Arial" panose="020B0604020202020204" pitchFamily="34" charset="0"/>
-              <a:buChar char="•"/>
-            </a:pPr>
-            <a:endParaRPr lang="en-US" dirty="0"/>
-          </a:p>
-          <a:p>
-            <a:pPr marL="285750" indent="-285750">
-              <a:buFont typeface="Arial" panose="020B0604020202020204" pitchFamily="34" charset="0"/>
-              <a:buChar char="•"/>
-            </a:pPr>
-            <a:endParaRPr lang="ru-RU" dirty="0"/>
+            <a:endParaRPr lang="ru-RU" sz="2200" dirty="0"/>
           </a:p>
         </p:txBody>
       </p:sp>
@@ -12273,7 +12226,7 @@
           <p:cNvPr id="4" name="Titel 3">
             <a:extLst>
               <a:ext uri="{FF2B5EF4-FFF2-40B4-BE49-F238E27FC236}">
-                <a16:creationId xmlns="" xmlns:a16="http://schemas.microsoft.com/office/drawing/2014/main" id="{80A7F226-CA13-4B8D-B6F9-57842DF36DC8}"/>
+                <a16:creationId xmlns:a16="http://schemas.microsoft.com/office/drawing/2014/main" xmlns="" id="{80A7F226-CA13-4B8D-B6F9-57842DF36DC8}"/>
               </a:ext>
             </a:extLst>
           </p:cNvPr>
@@ -12301,7 +12254,7 @@
           <p:cNvPr id="5" name="Untertitel 4">
             <a:extLst>
               <a:ext uri="{FF2B5EF4-FFF2-40B4-BE49-F238E27FC236}">
-                <a16:creationId xmlns="" xmlns:a16="http://schemas.microsoft.com/office/drawing/2014/main" id="{293A100A-CA18-49A1-8835-38E443666125}"/>
+                <a16:creationId xmlns:a16="http://schemas.microsoft.com/office/drawing/2014/main" xmlns="" id="{293A100A-CA18-49A1-8835-38E443666125}"/>
               </a:ext>
             </a:extLst>
           </p:cNvPr>
@@ -12356,7 +12309,7 @@
           <p:cNvPr id="2" name="Titel 1">
             <a:extLst>
               <a:ext uri="{FF2B5EF4-FFF2-40B4-BE49-F238E27FC236}">
-                <a16:creationId xmlns="" xmlns:a16="http://schemas.microsoft.com/office/drawing/2014/main" id="{5CD34B0C-C4AB-4E9E-933D-FCEFA5F7386A}"/>
+                <a16:creationId xmlns:a16="http://schemas.microsoft.com/office/drawing/2014/main" xmlns="" id="{5CD34B0C-C4AB-4E9E-933D-FCEFA5F7386A}"/>
               </a:ext>
             </a:extLst>
           </p:cNvPr>
@@ -12469,7 +12422,7 @@
         <p:spPr>
           <a:xfrm>
             <a:off x="3104147" y="1941095"/>
-            <a:ext cx="866274" cy="2189747"/>
+            <a:ext cx="866274" cy="2666416"/>
           </a:xfrm>
           <a:prstGeom prst="leftBrace">
             <a:avLst>
@@ -12510,8 +12463,8 @@
         </p:nvSpPr>
         <p:spPr>
           <a:xfrm>
-            <a:off x="3104147" y="4259178"/>
-            <a:ext cx="866274" cy="1868905"/>
+            <a:off x="3104147" y="4743349"/>
+            <a:ext cx="866274" cy="1384734"/>
           </a:xfrm>
           <a:prstGeom prst="leftBrace">
             <a:avLst>
@@ -12556,8 +12509,8 @@
         </p:nvSpPr>
         <p:spPr>
           <a:xfrm>
-            <a:off x="3713744" y="1973360"/>
-            <a:ext cx="4235115" cy="400110"/>
+            <a:off x="3725500" y="2475607"/>
+            <a:ext cx="8093557" cy="400110"/>
           </a:xfrm>
           <a:prstGeom prst="rect">
             <a:avLst/>
@@ -12575,8 +12528,12 @@
               <a:buChar char="•"/>
             </a:pPr>
             <a:r>
+              <a:rPr lang="en-US" sz="2000" dirty="0" smtClean="0"/>
+              <a:t>Main </a:t>
+            </a:r>
+            <a:r>
               <a:rPr lang="en-US" sz="2000" dirty="0"/>
-              <a:t>Main Algorithm – KNN: self-written </a:t>
+              <a:t>Algorithm – KNN: self-written </a:t>
             </a:r>
             <a:endParaRPr lang="ru-RU" sz="2000" dirty="0"/>
           </a:p>
@@ -12590,7 +12547,7 @@
         </p:nvSpPr>
         <p:spPr>
           <a:xfrm>
-            <a:off x="7988960" y="2114472"/>
+            <a:off x="7988959" y="2560541"/>
             <a:ext cx="866273" cy="184666"/>
           </a:xfrm>
           <a:prstGeom prst="rightArrow">
@@ -12630,7 +12587,7 @@
         </p:nvSpPr>
         <p:spPr>
           <a:xfrm>
-            <a:off x="9071812" y="1981381"/>
+            <a:off x="9071811" y="2452819"/>
             <a:ext cx="2526631" cy="400110"/>
           </a:xfrm>
           <a:prstGeom prst="rect">
@@ -12664,7 +12621,7 @@
         </p:nvSpPr>
         <p:spPr>
           <a:xfrm>
-            <a:off x="3713744" y="2422721"/>
+            <a:off x="3725500" y="2875717"/>
             <a:ext cx="7363334" cy="2062103"/>
           </a:xfrm>
           <a:prstGeom prst="rect">
@@ -12733,7 +12690,7 @@
         </p:nvSpPr>
         <p:spPr>
           <a:xfrm>
-            <a:off x="3801979" y="4484824"/>
+            <a:off x="3713743" y="4754604"/>
             <a:ext cx="3007895" cy="1323439"/>
           </a:xfrm>
           <a:prstGeom prst="rect">
@@ -12783,6 +12740,40 @@
             <a:r>
               <a:rPr lang="en-US" sz="2000" dirty="0"/>
               <a:t>Evaluation</a:t>
+            </a:r>
+            <a:endParaRPr lang="ru-RU" sz="2000" dirty="0"/>
+          </a:p>
+        </p:txBody>
+      </p:sp>
+      <p:sp>
+        <p:nvSpPr>
+          <p:cNvPr id="3" name="TextBox 2"/>
+          <p:cNvSpPr txBox="1"/>
+          <p:nvPr/>
+        </p:nvSpPr>
+        <p:spPr>
+          <a:xfrm>
+            <a:off x="3725500" y="2052709"/>
+            <a:ext cx="5288989" cy="400110"/>
+          </a:xfrm>
+          <a:prstGeom prst="rect">
+            <a:avLst/>
+          </a:prstGeom>
+          <a:noFill/>
+        </p:spPr>
+        <p:txBody>
+          <a:bodyPr wrap="square" rtlCol="0">
+            <a:spAutoFit/>
+          </a:bodyPr>
+          <a:lstStyle/>
+          <a:p>
+            <a:pPr marL="285750" indent="-285750">
+              <a:buFont typeface="Arial" panose="020B0604020202020204" pitchFamily="34" charset="0"/>
+              <a:buChar char="•"/>
+            </a:pPr>
+            <a:r>
+              <a:rPr lang="en-US" sz="2000" dirty="0" smtClean="0"/>
+              <a:t>Preparations: self-written parser</a:t>
             </a:r>
             <a:endParaRPr lang="ru-RU" sz="2000" dirty="0"/>
           </a:p>
@@ -12823,7 +12814,7 @@
           <p:cNvPr id="2" name="Titel 1">
             <a:extLst>
               <a:ext uri="{FF2B5EF4-FFF2-40B4-BE49-F238E27FC236}">
-                <a16:creationId xmlns="" xmlns:a16="http://schemas.microsoft.com/office/drawing/2014/main" id="{DE62BF7E-ADBC-4B3B-8BAB-95D01E311AED}"/>
+                <a16:creationId xmlns:a16="http://schemas.microsoft.com/office/drawing/2014/main" xmlns="" id="{DE62BF7E-ADBC-4B3B-8BAB-95D01E311AED}"/>
               </a:ext>
             </a:extLst>
           </p:cNvPr>
@@ -12867,7 +12858,7 @@
           <p:cNvPr id="8" name="Gerade Verbindung mit Pfeil 7">
             <a:extLst>
               <a:ext uri="{FF2B5EF4-FFF2-40B4-BE49-F238E27FC236}">
-                <a16:creationId xmlns="" xmlns:a16="http://schemas.microsoft.com/office/drawing/2014/main" id="{A79B7D31-8930-4A5A-AA1C-06892CC18291}"/>
+                <a16:creationId xmlns:a16="http://schemas.microsoft.com/office/drawing/2014/main" xmlns="" id="{A79B7D31-8930-4A5A-AA1C-06892CC18291}"/>
               </a:ext>
             </a:extLst>
           </p:cNvPr>
@@ -12908,7 +12899,7 @@
           <p:cNvPr id="11" name="Gerade Verbindung mit Pfeil 10">
             <a:extLst>
               <a:ext uri="{FF2B5EF4-FFF2-40B4-BE49-F238E27FC236}">
-                <a16:creationId xmlns="" xmlns:a16="http://schemas.microsoft.com/office/drawing/2014/main" id="{193B10F6-7A53-474E-BC21-C9DDCDE704C0}"/>
+                <a16:creationId xmlns:a16="http://schemas.microsoft.com/office/drawing/2014/main" xmlns="" id="{193B10F6-7A53-474E-BC21-C9DDCDE704C0}"/>
               </a:ext>
             </a:extLst>
           </p:cNvPr>
@@ -12949,7 +12940,7 @@
           <p:cNvPr id="13" name="Ellipse 12">
             <a:extLst>
               <a:ext uri="{FF2B5EF4-FFF2-40B4-BE49-F238E27FC236}">
-                <a16:creationId xmlns="" xmlns:a16="http://schemas.microsoft.com/office/drawing/2014/main" id="{7469256C-C83A-4F95-96CA-1818F8942C6D}"/>
+                <a16:creationId xmlns:a16="http://schemas.microsoft.com/office/drawing/2014/main" xmlns="" id="{7469256C-C83A-4F95-96CA-1818F8942C6D}"/>
               </a:ext>
             </a:extLst>
           </p:cNvPr>
@@ -12995,7 +12986,7 @@
           <p:cNvPr id="14" name="Ellipse 13">
             <a:extLst>
               <a:ext uri="{FF2B5EF4-FFF2-40B4-BE49-F238E27FC236}">
-                <a16:creationId xmlns="" xmlns:a16="http://schemas.microsoft.com/office/drawing/2014/main" id="{FC6EE53D-2964-4925-B51C-31D899033BB5}"/>
+                <a16:creationId xmlns:a16="http://schemas.microsoft.com/office/drawing/2014/main" xmlns="" id="{FC6EE53D-2964-4925-B51C-31D899033BB5}"/>
               </a:ext>
             </a:extLst>
           </p:cNvPr>
@@ -13041,7 +13032,7 @@
           <p:cNvPr id="15" name="Ellipse 14">
             <a:extLst>
               <a:ext uri="{FF2B5EF4-FFF2-40B4-BE49-F238E27FC236}">
-                <a16:creationId xmlns="" xmlns:a16="http://schemas.microsoft.com/office/drawing/2014/main" id="{58ADDE1C-EA42-455F-8EA6-B8E3BAE0272F}"/>
+                <a16:creationId xmlns:a16="http://schemas.microsoft.com/office/drawing/2014/main" xmlns="" id="{58ADDE1C-EA42-455F-8EA6-B8E3BAE0272F}"/>
               </a:ext>
             </a:extLst>
           </p:cNvPr>
@@ -13087,7 +13078,7 @@
           <p:cNvPr id="16" name="Ellipse 15">
             <a:extLst>
               <a:ext uri="{FF2B5EF4-FFF2-40B4-BE49-F238E27FC236}">
-                <a16:creationId xmlns="" xmlns:a16="http://schemas.microsoft.com/office/drawing/2014/main" id="{896F73C8-8F04-4CC6-97C4-1DD7B5E41760}"/>
+                <a16:creationId xmlns:a16="http://schemas.microsoft.com/office/drawing/2014/main" xmlns="" id="{896F73C8-8F04-4CC6-97C4-1DD7B5E41760}"/>
               </a:ext>
             </a:extLst>
           </p:cNvPr>
@@ -13133,7 +13124,7 @@
           <p:cNvPr id="17" name="Ellipse 16">
             <a:extLst>
               <a:ext uri="{FF2B5EF4-FFF2-40B4-BE49-F238E27FC236}">
-                <a16:creationId xmlns="" xmlns:a16="http://schemas.microsoft.com/office/drawing/2014/main" id="{E834ED1C-E0F9-4D80-BC22-E8D5FF875936}"/>
+                <a16:creationId xmlns:a16="http://schemas.microsoft.com/office/drawing/2014/main" xmlns="" id="{E834ED1C-E0F9-4D80-BC22-E8D5FF875936}"/>
               </a:ext>
             </a:extLst>
           </p:cNvPr>
@@ -13187,7 +13178,7 @@
           <p:cNvPr id="18" name="Ellipse 17">
             <a:extLst>
               <a:ext uri="{FF2B5EF4-FFF2-40B4-BE49-F238E27FC236}">
-                <a16:creationId xmlns="" xmlns:a16="http://schemas.microsoft.com/office/drawing/2014/main" id="{D9C9DB88-0D38-44B0-8D62-510C1934DB2C}"/>
+                <a16:creationId xmlns:a16="http://schemas.microsoft.com/office/drawing/2014/main" xmlns="" id="{D9C9DB88-0D38-44B0-8D62-510C1934DB2C}"/>
               </a:ext>
             </a:extLst>
           </p:cNvPr>
@@ -13241,7 +13232,7 @@
           <p:cNvPr id="19" name="Ellipse 18">
             <a:extLst>
               <a:ext uri="{FF2B5EF4-FFF2-40B4-BE49-F238E27FC236}">
-                <a16:creationId xmlns="" xmlns:a16="http://schemas.microsoft.com/office/drawing/2014/main" id="{AF5D232C-9B44-46DD-9434-43BE9D322187}"/>
+                <a16:creationId xmlns:a16="http://schemas.microsoft.com/office/drawing/2014/main" xmlns="" id="{AF5D232C-9B44-46DD-9434-43BE9D322187}"/>
               </a:ext>
             </a:extLst>
           </p:cNvPr>
@@ -13295,7 +13286,7 @@
           <p:cNvPr id="20" name="Ellipse 19">
             <a:extLst>
               <a:ext uri="{FF2B5EF4-FFF2-40B4-BE49-F238E27FC236}">
-                <a16:creationId xmlns="" xmlns:a16="http://schemas.microsoft.com/office/drawing/2014/main" id="{7DBB5383-166E-4F55-B5DA-3A43707886C8}"/>
+                <a16:creationId xmlns:a16="http://schemas.microsoft.com/office/drawing/2014/main" xmlns="" id="{7DBB5383-166E-4F55-B5DA-3A43707886C8}"/>
               </a:ext>
             </a:extLst>
           </p:cNvPr>
@@ -13349,7 +13340,7 @@
           <p:cNvPr id="21" name="Rechteck 20">
             <a:extLst>
               <a:ext uri="{FF2B5EF4-FFF2-40B4-BE49-F238E27FC236}">
-                <a16:creationId xmlns="" xmlns:a16="http://schemas.microsoft.com/office/drawing/2014/main" id="{557170D4-743C-4500-AC84-115677CC29C7}"/>
+                <a16:creationId xmlns:a16="http://schemas.microsoft.com/office/drawing/2014/main" xmlns="" id="{557170D4-743C-4500-AC84-115677CC29C7}"/>
               </a:ext>
             </a:extLst>
           </p:cNvPr>
@@ -13396,7 +13387,7 @@
           <p:cNvPr id="22" name="Rechteck 21">
             <a:extLst>
               <a:ext uri="{FF2B5EF4-FFF2-40B4-BE49-F238E27FC236}">
-                <a16:creationId xmlns="" xmlns:a16="http://schemas.microsoft.com/office/drawing/2014/main" id="{CB6D8A3C-1082-4255-9556-0AE3CBADAAC2}"/>
+                <a16:creationId xmlns:a16="http://schemas.microsoft.com/office/drawing/2014/main" xmlns="" id="{CB6D8A3C-1082-4255-9556-0AE3CBADAAC2}"/>
               </a:ext>
             </a:extLst>
           </p:cNvPr>
@@ -13448,7 +13439,7 @@
           <p:cNvPr id="23" name="Stern: 5 Zacken 22">
             <a:extLst>
               <a:ext uri="{FF2B5EF4-FFF2-40B4-BE49-F238E27FC236}">
-                <a16:creationId xmlns="" xmlns:a16="http://schemas.microsoft.com/office/drawing/2014/main" id="{30ACAD23-06F1-4109-8CB7-3983EAC26B6E}"/>
+                <a16:creationId xmlns:a16="http://schemas.microsoft.com/office/drawing/2014/main" xmlns="" id="{30ACAD23-06F1-4109-8CB7-3983EAC26B6E}"/>
               </a:ext>
             </a:extLst>
           </p:cNvPr>
@@ -13502,7 +13493,7 @@
           <p:cNvPr id="24" name="Ellipse 23">
             <a:extLst>
               <a:ext uri="{FF2B5EF4-FFF2-40B4-BE49-F238E27FC236}">
-                <a16:creationId xmlns="" xmlns:a16="http://schemas.microsoft.com/office/drawing/2014/main" id="{1E130FB0-31E0-48E1-BBE6-B0DDCA3F1952}"/>
+                <a16:creationId xmlns:a16="http://schemas.microsoft.com/office/drawing/2014/main" xmlns="" id="{1E130FB0-31E0-48E1-BBE6-B0DDCA3F1952}"/>
               </a:ext>
             </a:extLst>
           </p:cNvPr>
@@ -13554,7 +13545,7 @@
           <p:cNvPr id="25" name="Ellipse 24">
             <a:extLst>
               <a:ext uri="{FF2B5EF4-FFF2-40B4-BE49-F238E27FC236}">
-                <a16:creationId xmlns="" xmlns:a16="http://schemas.microsoft.com/office/drawing/2014/main" id="{909F81B8-BBC3-41DE-BFEA-18D8DE20A4A0}"/>
+                <a16:creationId xmlns:a16="http://schemas.microsoft.com/office/drawing/2014/main" xmlns="" id="{909F81B8-BBC3-41DE-BFEA-18D8DE20A4A0}"/>
               </a:ext>
             </a:extLst>
           </p:cNvPr>
@@ -13606,7 +13597,7 @@
           <p:cNvPr id="26" name="Textfeld 25">
             <a:extLst>
               <a:ext uri="{FF2B5EF4-FFF2-40B4-BE49-F238E27FC236}">
-                <a16:creationId xmlns="" xmlns:a16="http://schemas.microsoft.com/office/drawing/2014/main" id="{E1A66F3B-E0D0-47BD-BF9A-2E68700102D7}"/>
+                <a16:creationId xmlns:a16="http://schemas.microsoft.com/office/drawing/2014/main" xmlns="" id="{E1A66F3B-E0D0-47BD-BF9A-2E68700102D7}"/>
               </a:ext>
             </a:extLst>
           </p:cNvPr>
@@ -14297,10 +14288,10 @@
           <p:cNvPr id="12" name="Rectangle 11">
             <a:extLst>
               <a:ext uri="{FF2B5EF4-FFF2-40B4-BE49-F238E27FC236}">
-                <a16:creationId xmlns="" xmlns:a16="http://schemas.microsoft.com/office/drawing/2014/main" id="{B44C3061-D558-447B-A988-09ECE14461D7}"/>
+                <a16:creationId xmlns:a16="http://schemas.microsoft.com/office/drawing/2014/main" xmlns="" id="{B44C3061-D558-447B-A988-09ECE14461D7}"/>
               </a:ext>
               <a:ext uri="{C183D7F6-B498-43B3-948B-1728B52AA6E4}">
-                <adec:decorative xmlns="" xmlns:adec="http://schemas.microsoft.com/office/drawing/2017/decorative" val="1"/>
+                <adec:decorative xmlns:adec="http://schemas.microsoft.com/office/drawing/2017/decorative" xmlns="" val="1"/>
               </a:ext>
             </a:extLst>
           </p:cNvPr>
@@ -14310,7 +14301,7 @@
           <p:nvPr>
             <p:extLst>
               <p:ext uri="{386F3935-93C4-4BCD-93E2-E3B085C9AB24}">
-                <p16:designElem xmlns="" xmlns:p16="http://schemas.microsoft.com/office/powerpoint/2015/main" val="1"/>
+                <p16:designElem xmlns:p16="http://schemas.microsoft.com/office/powerpoint/2015/main" xmlns="" val="1"/>
               </p:ext>
             </p:extLst>
           </p:nvPr>
@@ -14357,10 +14348,10 @@
           <p:cNvPr id="14" name="Rectangle 13">
             <a:extLst>
               <a:ext uri="{FF2B5EF4-FFF2-40B4-BE49-F238E27FC236}">
-                <a16:creationId xmlns="" xmlns:a16="http://schemas.microsoft.com/office/drawing/2014/main" id="{59339771-9C8F-497E-8974-E09A86FEEB23}"/>
+                <a16:creationId xmlns:a16="http://schemas.microsoft.com/office/drawing/2014/main" xmlns="" id="{59339771-9C8F-497E-8974-E09A86FEEB23}"/>
               </a:ext>
               <a:ext uri="{C183D7F6-B498-43B3-948B-1728B52AA6E4}">
-                <adec:decorative xmlns="" xmlns:adec="http://schemas.microsoft.com/office/drawing/2017/decorative" val="1"/>
+                <adec:decorative xmlns:adec="http://schemas.microsoft.com/office/drawing/2017/decorative" xmlns="" val="1"/>
               </a:ext>
             </a:extLst>
           </p:cNvPr>
@@ -14370,7 +14361,7 @@
           <p:nvPr>
             <p:extLst>
               <p:ext uri="{386F3935-93C4-4BCD-93E2-E3B085C9AB24}">
-                <p16:designElem xmlns="" xmlns:p16="http://schemas.microsoft.com/office/powerpoint/2015/main" val="1"/>
+                <p16:designElem xmlns:p16="http://schemas.microsoft.com/office/powerpoint/2015/main" xmlns="" val="1"/>
               </p:ext>
             </p:extLst>
           </p:nvPr>
@@ -14412,7 +14403,7 @@
           <p:cNvPr id="2" name="Titel 1">
             <a:extLst>
               <a:ext uri="{FF2B5EF4-FFF2-40B4-BE49-F238E27FC236}">
-                <a16:creationId xmlns="" xmlns:a16="http://schemas.microsoft.com/office/drawing/2014/main" id="{024FB30C-45D5-4A6E-861B-AC316BA5D430}"/>
+                <a16:creationId xmlns:a16="http://schemas.microsoft.com/office/drawing/2014/main" xmlns="" id="{024FB30C-45D5-4A6E-861B-AC316BA5D430}"/>
               </a:ext>
             </a:extLst>
           </p:cNvPr>
@@ -14480,7 +14471,7 @@
           <p:cNvPr id="9" name="Content Placeholder 8">
             <a:extLst>
               <a:ext uri="{FF2B5EF4-FFF2-40B4-BE49-F238E27FC236}">
-                <a16:creationId xmlns="" xmlns:a16="http://schemas.microsoft.com/office/drawing/2014/main" id="{1C0D0782-8490-4FB9-A235-992C1F1F1C25}"/>
+                <a16:creationId xmlns:a16="http://schemas.microsoft.com/office/drawing/2014/main" xmlns="" id="{1C0D0782-8490-4FB9-A235-992C1F1F1C25}"/>
               </a:ext>
             </a:extLst>
           </p:cNvPr>
@@ -14560,7 +14551,7 @@
             <a:r>
               <a:rPr lang="en-US" sz="1600" dirty="0">
                 <a:solidFill>
-                  <a:srgbClr val="FF0000"/>
+                  <a:schemeClr val="bg1"/>
                 </a:solidFill>
               </a:rPr>
               <a:t>   </a:t>
@@ -14568,10 +14559,26 @@
             <a:r>
               <a:rPr lang="en-US" sz="2400" dirty="0">
                 <a:solidFill>
-                  <a:schemeClr val="tx1"/>
+                  <a:schemeClr val="bg1"/>
                 </a:solidFill>
               </a:rPr>
-              <a:t>If k is too big, distances that are too far are included</a:t>
+              <a:t>If k is too </a:t>
+            </a:r>
+            <a:r>
+              <a:rPr lang="en-US" sz="2400" dirty="0" smtClean="0">
+                <a:solidFill>
+                  <a:schemeClr val="bg1"/>
+                </a:solidFill>
+              </a:rPr>
+              <a:t>big , there is a risk that </a:t>
+            </a:r>
+            <a:r>
+              <a:rPr lang="en-US" sz="2400" dirty="0">
+                <a:solidFill>
+                  <a:schemeClr val="bg1"/>
+                </a:solidFill>
+              </a:rPr>
+              <a:t>distances that are too far are included</a:t>
             </a:r>
           </a:p>
         </p:txBody>
@@ -14581,10 +14588,10 @@
           <p:cNvPr id="16" name="Rectangle 15">
             <a:extLst>
               <a:ext uri="{FF2B5EF4-FFF2-40B4-BE49-F238E27FC236}">
-                <a16:creationId xmlns="" xmlns:a16="http://schemas.microsoft.com/office/drawing/2014/main" id="{BDB54B0B-6CFB-4B92-A5DC-5DCD05BE5B4D}"/>
+                <a16:creationId xmlns:a16="http://schemas.microsoft.com/office/drawing/2014/main" xmlns="" id="{BDB54B0B-6CFB-4B92-A5DC-5DCD05BE5B4D}"/>
               </a:ext>
               <a:ext uri="{C183D7F6-B498-43B3-948B-1728B52AA6E4}">
-                <adec:decorative xmlns="" xmlns:adec="http://schemas.microsoft.com/office/drawing/2017/decorative" val="1"/>
+                <adec:decorative xmlns:adec="http://schemas.microsoft.com/office/drawing/2017/decorative" xmlns="" val="1"/>
               </a:ext>
             </a:extLst>
           </p:cNvPr>
@@ -14594,7 +14601,7 @@
           <p:nvPr>
             <p:extLst>
               <p:ext uri="{386F3935-93C4-4BCD-93E2-E3B085C9AB24}">
-                <p16:designElem xmlns="" xmlns:p16="http://schemas.microsoft.com/office/powerpoint/2015/main" val="1"/>
+                <p16:designElem xmlns:p16="http://schemas.microsoft.com/office/powerpoint/2015/main" xmlns="" val="1"/>
               </p:ext>
             </p:extLst>
           </p:nvPr>
@@ -14636,7 +14643,7 @@
           <p:cNvPr id="7" name="Inhaltsplatzhalter 3">
             <a:extLst>
               <a:ext uri="{FF2B5EF4-FFF2-40B4-BE49-F238E27FC236}">
-                <a16:creationId xmlns="" xmlns:a16="http://schemas.microsoft.com/office/drawing/2014/main" id="{98A9C15B-CCC4-4E5C-B799-5CC331BD3332}"/>
+                <a16:creationId xmlns:a16="http://schemas.microsoft.com/office/drawing/2014/main" xmlns="" id="{98A9C15B-CCC4-4E5C-B799-5CC331BD3332}"/>
               </a:ext>
             </a:extLst>
           </p:cNvPr>
@@ -14695,7 +14702,7 @@
           <p:cNvPr id="2" name="Titel 1">
             <a:extLst>
               <a:ext uri="{FF2B5EF4-FFF2-40B4-BE49-F238E27FC236}">
-                <a16:creationId xmlns="" xmlns:a16="http://schemas.microsoft.com/office/drawing/2014/main" id="{2D19F794-8599-4A1D-A689-743EBDA80DB4}"/>
+                <a16:creationId xmlns:a16="http://schemas.microsoft.com/office/drawing/2014/main" xmlns="" id="{2D19F794-8599-4A1D-A689-743EBDA80DB4}"/>
               </a:ext>
             </a:extLst>
           </p:cNvPr>
@@ -14740,7 +14747,7 @@
           <p:cNvPr id="4" name="Textfeld 3">
             <a:extLst>
               <a:ext uri="{FF2B5EF4-FFF2-40B4-BE49-F238E27FC236}">
-                <a16:creationId xmlns="" xmlns:a16="http://schemas.microsoft.com/office/drawing/2014/main" id="{5E36B305-D4C6-4B27-9782-732C3867DEA7}"/>
+                <a16:creationId xmlns:a16="http://schemas.microsoft.com/office/drawing/2014/main" xmlns="" id="{5E36B305-D4C6-4B27-9782-732C3867DEA7}"/>
               </a:ext>
             </a:extLst>
           </p:cNvPr>
@@ -15356,7 +15363,7 @@
           <p:cNvPr id="2" name="Titel 1">
             <a:extLst>
               <a:ext uri="{FF2B5EF4-FFF2-40B4-BE49-F238E27FC236}">
-                <a16:creationId xmlns="" xmlns:a16="http://schemas.microsoft.com/office/drawing/2014/main" id="{F6CDE045-1C18-44A9-946E-E74089FBB179}"/>
+                <a16:creationId xmlns:a16="http://schemas.microsoft.com/office/drawing/2014/main" xmlns="" id="{F6CDE045-1C18-44A9-946E-E74089FBB179}"/>
               </a:ext>
             </a:extLst>
           </p:cNvPr>
@@ -15398,7 +15405,7 @@
           <p:cNvPr id="5" name="Inhaltsplatzhalter 4">
             <a:extLst>
               <a:ext uri="{FF2B5EF4-FFF2-40B4-BE49-F238E27FC236}">
-                <a16:creationId xmlns="" xmlns:a16="http://schemas.microsoft.com/office/drawing/2014/main" id="{C2F4A0CB-AF1A-4BE8-829B-9C5B7E49D064}"/>
+                <a16:creationId xmlns:a16="http://schemas.microsoft.com/office/drawing/2014/main" xmlns="" id="{C2F4A0CB-AF1A-4BE8-829B-9C5B7E49D064}"/>
               </a:ext>
             </a:extLst>
           </p:cNvPr>
@@ -15463,7 +15470,7 @@
           <p:cNvPr id="3" name="Inhaltsplatzhalter 2">
             <a:extLst>
               <a:ext uri="{FF2B5EF4-FFF2-40B4-BE49-F238E27FC236}">
-                <a16:creationId xmlns="" xmlns:a16="http://schemas.microsoft.com/office/drawing/2014/main" id="{56D22BFB-FDAA-4D7E-88D9-C29E57B7C51D}"/>
+                <a16:creationId xmlns:a16="http://schemas.microsoft.com/office/drawing/2014/main" xmlns="" id="{56D22BFB-FDAA-4D7E-88D9-C29E57B7C51D}"/>
               </a:ext>
             </a:extLst>
           </p:cNvPr>
@@ -15502,7 +15509,7 @@
           <p:cNvPr id="4" name="Inhaltsplatzhalter 3">
             <a:extLst>
               <a:ext uri="{FF2B5EF4-FFF2-40B4-BE49-F238E27FC236}">
-                <a16:creationId xmlns="" xmlns:a16="http://schemas.microsoft.com/office/drawing/2014/main" id="{370A4785-6A67-4835-A53B-8D4F4DA15C1E}"/>
+                <a16:creationId xmlns:a16="http://schemas.microsoft.com/office/drawing/2014/main" xmlns="" id="{370A4785-6A67-4835-A53B-8D4F4DA15C1E}"/>
               </a:ext>
             </a:extLst>
           </p:cNvPr>
@@ -15532,7 +15539,7 @@
           <p:cNvPr id="5" name="Grafik 7">
             <a:extLst>
               <a:ext uri="{FF2B5EF4-FFF2-40B4-BE49-F238E27FC236}">
-                <a16:creationId xmlns="" xmlns:a16="http://schemas.microsoft.com/office/drawing/2014/main" id="{5252049F-1455-46B7-9B58-C400DA353D3F}"/>
+                <a16:creationId xmlns:a16="http://schemas.microsoft.com/office/drawing/2014/main" xmlns="" id="{5252049F-1455-46B7-9B58-C400DA353D3F}"/>
               </a:ext>
             </a:extLst>
           </p:cNvPr>
@@ -15562,7 +15569,7 @@
           <p:cNvPr id="6" name="Textfeld 9">
             <a:extLst>
               <a:ext uri="{FF2B5EF4-FFF2-40B4-BE49-F238E27FC236}">
-                <a16:creationId xmlns="" xmlns:a16="http://schemas.microsoft.com/office/drawing/2014/main" id="{DEDCDEB8-1162-4AAC-93D8-F1A1F6FB9B4B}"/>
+                <a16:creationId xmlns:a16="http://schemas.microsoft.com/office/drawing/2014/main" xmlns="" id="{DEDCDEB8-1162-4AAC-93D8-F1A1F6FB9B4B}"/>
               </a:ext>
             </a:extLst>
           </p:cNvPr>
@@ -15776,7 +15783,7 @@
           <p:cNvPr id="7" name="Titel 1">
             <a:extLst>
               <a:ext uri="{FF2B5EF4-FFF2-40B4-BE49-F238E27FC236}">
-                <a16:creationId xmlns="" xmlns:a16="http://schemas.microsoft.com/office/drawing/2014/main" id="{3D022FA1-1227-4EA1-8EB1-679CE9C5CFCD}"/>
+                <a16:creationId xmlns:a16="http://schemas.microsoft.com/office/drawing/2014/main" xmlns="" id="{3D022FA1-1227-4EA1-8EB1-679CE9C5CFCD}"/>
               </a:ext>
             </a:extLst>
           </p:cNvPr>
@@ -16288,7 +16295,7 @@
         <p:spPr>
           <a:xfrm>
             <a:off x="266329" y="2088859"/>
-            <a:ext cx="11816180" cy="3816429"/>
+            <a:ext cx="11816180" cy="3477875"/>
           </a:xfrm>
           <a:prstGeom prst="rect">
             <a:avLst/>
@@ -16351,11 +16358,11 @@
           <a:p>
             <a:r>
               <a:rPr lang="en-US" sz="2200" dirty="0" smtClean="0"/>
-              <a:t>2) (Hypothesis) 30% and 50% of accuracy are not evenly spread among all digits. There are some, which can recognized even with 2 dimension and some, which are unrecognizable even in 10. (should be seen from the 1. diagram) With which digits are they often mixed up by different dimensions? -&gt; </a:t>
-            </a:r>
-            <a:r>
-              <a:rPr lang="en-US" sz="2200" smtClean="0"/>
-              <a:t>Relationship tree</a:t>
+              <a:t>2) (Hypothesis) 30% and 50% of accuracy are not evenly spread among all digits. There are some, which can recognized even with 2 dimension and some, which are unrecognizable even in 10. (should be seen from the 1. diagram) With which digits are they often mixed up by different dimensions</a:t>
+            </a:r>
+            <a:r>
+              <a:rPr lang="en-US" sz="2200" dirty="0" smtClean="0"/>
+              <a:t>?</a:t>
             </a:r>
             <a:endParaRPr lang="en-US" sz="2200" dirty="0" smtClean="0"/>
           </a:p>
@@ -16379,7 +16386,11 @@
           <a:p>
             <a:r>
               <a:rPr lang="en-US" sz="2200" dirty="0" smtClean="0"/>
-              <a:t>-&gt; most “noisy” digits</a:t>
+              <a:t>-&gt; </a:t>
+            </a:r>
+            <a:r>
+              <a:rPr lang="en-US" sz="2200" dirty="0" smtClean="0"/>
+              <a:t>digits with a high noise-component</a:t>
             </a:r>
             <a:endParaRPr lang="ru-RU" sz="2200" dirty="0"/>
           </a:p>
@@ -17508,7 +17519,7 @@
   <a:extraClrSchemeLst/>
   <a:extLst>
     <a:ext uri="{05A4C25C-085E-4340-85A3-A5531E510DB2}">
-      <thm15:themeFamily xmlns="" xmlns:thm15="http://schemas.microsoft.com/office/thememl/2012/main" name="Retrospect" id="{5F128B03-DCCA-4EEB-AB3B-CF2899314A46}" vid="{9CC26709-368C-4D72-9060-94E5B3FF3CD6}"/>
+      <thm15:themeFamily xmlns:thm15="http://schemas.microsoft.com/office/thememl/2012/main" xmlns="" name="Retrospect" id="{5F128B03-DCCA-4EEB-AB3B-CF2899314A46}" vid="{9CC26709-368C-4D72-9060-94E5B3FF3CD6}"/>
     </a:ext>
   </a:extLst>
 </a:theme>

--- a/presentation_digit_recog2.pptx
+++ b/presentation_digit_recog2.pptx
@@ -124,7 +124,7 @@
   </p:defaultTextStyle>
   <p:extLst>
     <p:ext uri="{EFAFB233-063F-42B5-8137-9DF3F51BA10A}">
-      <p15:sldGuideLst xmlns:p15="http://schemas.microsoft.com/office/powerpoint/2012/main" xmlns="">
+      <p15:sldGuideLst xmlns="" xmlns:p15="http://schemas.microsoft.com/office/powerpoint/2012/main">
         <p15:guide id="1" orient="horz" pos="2160">
           <p15:clr>
             <a:srgbClr val="A4A3A4"/>
@@ -9621,7 +9621,7 @@
           <p:cNvPr id="5" name="Grafik 4">
             <a:extLst>
               <a:ext uri="{FF2B5EF4-FFF2-40B4-BE49-F238E27FC236}">
-                <a16:creationId xmlns:a16="http://schemas.microsoft.com/office/drawing/2014/main" xmlns="" id="{541C1A54-8968-4CEF-8CA1-E84FB3A8524D}"/>
+                <a16:creationId xmlns="" xmlns:a16="http://schemas.microsoft.com/office/drawing/2014/main" id="{541C1A54-8968-4CEF-8CA1-E84FB3A8524D}"/>
               </a:ext>
             </a:extLst>
           </p:cNvPr>
@@ -9657,7 +9657,7 @@
           <p:cNvPr id="2" name="Titel 1">
             <a:extLst>
               <a:ext uri="{FF2B5EF4-FFF2-40B4-BE49-F238E27FC236}">
-                <a16:creationId xmlns:a16="http://schemas.microsoft.com/office/drawing/2014/main" xmlns="" id="{90A6468B-D0CD-4DC7-A3AD-DA2E2B071416}"/>
+                <a16:creationId xmlns="" xmlns:a16="http://schemas.microsoft.com/office/drawing/2014/main" id="{90A6468B-D0CD-4DC7-A3AD-DA2E2B071416}"/>
               </a:ext>
             </a:extLst>
           </p:cNvPr>
@@ -9696,7 +9696,7 @@
           <p:cNvPr id="3" name="Untertitel 2">
             <a:extLst>
               <a:ext uri="{FF2B5EF4-FFF2-40B4-BE49-F238E27FC236}">
-                <a16:creationId xmlns:a16="http://schemas.microsoft.com/office/drawing/2014/main" xmlns="" id="{65A5BDD7-952D-4603-93C5-6E59619C765A}"/>
+                <a16:creationId xmlns="" xmlns:a16="http://schemas.microsoft.com/office/drawing/2014/main" id="{65A5BDD7-952D-4603-93C5-6E59619C765A}"/>
               </a:ext>
             </a:extLst>
           </p:cNvPr>
@@ -9735,10 +9735,10 @@
           <p:cNvPr id="10" name="Straight Connector 9">
             <a:extLst>
               <a:ext uri="{FF2B5EF4-FFF2-40B4-BE49-F238E27FC236}">
-                <a16:creationId xmlns:a16="http://schemas.microsoft.com/office/drawing/2014/main" xmlns="" id="{F3CC58E3-BDF9-495D-9327-85F68058BE32}"/>
+                <a16:creationId xmlns="" xmlns:a16="http://schemas.microsoft.com/office/drawing/2014/main" id="{F3CC58E3-BDF9-495D-9327-85F68058BE32}"/>
               </a:ext>
               <a:ext uri="{C183D7F6-B498-43B3-948B-1728B52AA6E4}">
-                <adec:decorative xmlns:adec="http://schemas.microsoft.com/office/drawing/2017/decorative" xmlns="" val="1"/>
+                <adec:decorative xmlns="" xmlns:adec="http://schemas.microsoft.com/office/drawing/2017/decorative" val="1"/>
               </a:ext>
             </a:extLst>
           </p:cNvPr>
@@ -9748,7 +9748,7 @@
           <p:nvPr>
             <p:extLst>
               <p:ext uri="{386F3935-93C4-4BCD-93E2-E3B085C9AB24}">
-                <p16:designElem xmlns:p16="http://schemas.microsoft.com/office/powerpoint/2015/main" xmlns="" val="1"/>
+                <p16:designElem xmlns="" xmlns:p16="http://schemas.microsoft.com/office/powerpoint/2015/main" val="1"/>
               </p:ext>
             </p:extLst>
           </p:nvPr>
@@ -9789,10 +9789,10 @@
           <p:cNvPr id="12" name="Rectangle 11">
             <a:extLst>
               <a:ext uri="{FF2B5EF4-FFF2-40B4-BE49-F238E27FC236}">
-                <a16:creationId xmlns:a16="http://schemas.microsoft.com/office/drawing/2014/main" xmlns="" id="{DA0CA737-33FC-47E3-965A-D1C2CAA62894}"/>
+                <a16:creationId xmlns="" xmlns:a16="http://schemas.microsoft.com/office/drawing/2014/main" id="{DA0CA737-33FC-47E3-965A-D1C2CAA62894}"/>
               </a:ext>
               <a:ext uri="{C183D7F6-B498-43B3-948B-1728B52AA6E4}">
-                <adec:decorative xmlns:adec="http://schemas.microsoft.com/office/drawing/2017/decorative" xmlns="" val="1"/>
+                <adec:decorative xmlns="" xmlns:adec="http://schemas.microsoft.com/office/drawing/2017/decorative" val="1"/>
               </a:ext>
             </a:extLst>
           </p:cNvPr>
@@ -9802,7 +9802,7 @@
           <p:nvPr>
             <p:extLst>
               <p:ext uri="{386F3935-93C4-4BCD-93E2-E3B085C9AB24}">
-                <p16:designElem xmlns:p16="http://schemas.microsoft.com/office/powerpoint/2015/main" xmlns="" val="1"/>
+                <p16:designElem xmlns="" xmlns:p16="http://schemas.microsoft.com/office/powerpoint/2015/main" val="1"/>
               </p:ext>
             </p:extLst>
           </p:nvPr>
@@ -9844,10 +9844,10 @@
           <p:cNvPr id="14" name="Rectangle 13">
             <a:extLst>
               <a:ext uri="{FF2B5EF4-FFF2-40B4-BE49-F238E27FC236}">
-                <a16:creationId xmlns:a16="http://schemas.microsoft.com/office/drawing/2014/main" xmlns="" id="{22189942-24EB-488E-8B69-EB80F7E53E36}"/>
+                <a16:creationId xmlns="" xmlns:a16="http://schemas.microsoft.com/office/drawing/2014/main" id="{22189942-24EB-488E-8B69-EB80F7E53E36}"/>
               </a:ext>
               <a:ext uri="{C183D7F6-B498-43B3-948B-1728B52AA6E4}">
-                <adec:decorative xmlns:adec="http://schemas.microsoft.com/office/drawing/2017/decorative" xmlns="" val="1"/>
+                <adec:decorative xmlns="" xmlns:adec="http://schemas.microsoft.com/office/drawing/2017/decorative" val="1"/>
               </a:ext>
             </a:extLst>
           </p:cNvPr>
@@ -9857,7 +9857,7 @@
           <p:nvPr>
             <p:extLst>
               <p:ext uri="{386F3935-93C4-4BCD-93E2-E3B085C9AB24}">
-                <p16:designElem xmlns:p16="http://schemas.microsoft.com/office/powerpoint/2015/main" xmlns="" val="1"/>
+                <p16:designElem xmlns="" xmlns:p16="http://schemas.microsoft.com/office/powerpoint/2015/main" val="1"/>
               </p:ext>
             </p:extLst>
           </p:nvPr>
@@ -9929,7 +9929,7 @@
           <p:cNvPr id="2" name="Titel 1">
             <a:extLst>
               <a:ext uri="{FF2B5EF4-FFF2-40B4-BE49-F238E27FC236}">
-                <a16:creationId xmlns:a16="http://schemas.microsoft.com/office/drawing/2014/main" xmlns="" id="{3D022FA1-1227-4EA1-8EB1-679CE9C5CFCD}"/>
+                <a16:creationId xmlns="" xmlns:a16="http://schemas.microsoft.com/office/drawing/2014/main" id="{3D022FA1-1227-4EA1-8EB1-679CE9C5CFCD}"/>
               </a:ext>
             </a:extLst>
           </p:cNvPr>
@@ -9976,7 +9976,7 @@
           <p:cNvPr id="3" name="Inhaltsplatzhalter 2">
             <a:extLst>
               <a:ext uri="{FF2B5EF4-FFF2-40B4-BE49-F238E27FC236}">
-                <a16:creationId xmlns:a16="http://schemas.microsoft.com/office/drawing/2014/main" xmlns="" id="{56D22BFB-FDAA-4D7E-88D9-C29E57B7C51D}"/>
+                <a16:creationId xmlns="" xmlns:a16="http://schemas.microsoft.com/office/drawing/2014/main" id="{56D22BFB-FDAA-4D7E-88D9-C29E57B7C51D}"/>
               </a:ext>
             </a:extLst>
           </p:cNvPr>
@@ -10333,7 +10333,7 @@
           <p:cNvPr id="10" name="Inhaltsplatzhalter 9">
             <a:extLst>
               <a:ext uri="{FF2B5EF4-FFF2-40B4-BE49-F238E27FC236}">
-                <a16:creationId xmlns:a16="http://schemas.microsoft.com/office/drawing/2014/main" xmlns="" id="{65A23C4D-F599-40EB-9F55-473E092C8DBD}"/>
+                <a16:creationId xmlns="" xmlns:a16="http://schemas.microsoft.com/office/drawing/2014/main" id="{65A23C4D-F599-40EB-9F55-473E092C8DBD}"/>
               </a:ext>
             </a:extLst>
           </p:cNvPr>
@@ -10367,7 +10367,7 @@
           <p:cNvPr id="8" name="Inhaltsplatzhalter 7">
             <a:extLst>
               <a:ext uri="{FF2B5EF4-FFF2-40B4-BE49-F238E27FC236}">
-                <a16:creationId xmlns:a16="http://schemas.microsoft.com/office/drawing/2014/main" xmlns="" id="{AC8FC20D-C4BB-4858-9AA7-67A6D2F24CB1}"/>
+                <a16:creationId xmlns="" xmlns:a16="http://schemas.microsoft.com/office/drawing/2014/main" id="{AC8FC20D-C4BB-4858-9AA7-67A6D2F24CB1}"/>
               </a:ext>
             </a:extLst>
           </p:cNvPr>
@@ -10474,7 +10474,7 @@
           <p:cNvPr id="5" name="Titel 4">
             <a:extLst>
               <a:ext uri="{FF2B5EF4-FFF2-40B4-BE49-F238E27FC236}">
-                <a16:creationId xmlns:a16="http://schemas.microsoft.com/office/drawing/2014/main" xmlns="" id="{9222B4BD-52BA-4791-9651-98D4F0FB5A4A}"/>
+                <a16:creationId xmlns="" xmlns:a16="http://schemas.microsoft.com/office/drawing/2014/main" id="{9222B4BD-52BA-4791-9651-98D4F0FB5A4A}"/>
               </a:ext>
             </a:extLst>
           </p:cNvPr>
@@ -10515,7 +10515,7 @@
           <p:cNvPr id="6" name="Inhaltsplatzhalter 5">
             <a:extLst>
               <a:ext uri="{FF2B5EF4-FFF2-40B4-BE49-F238E27FC236}">
-                <a16:creationId xmlns:a16="http://schemas.microsoft.com/office/drawing/2014/main" xmlns="" id="{1A0911F2-B0B3-45D8-B92B-270F6D60CFB4}"/>
+                <a16:creationId xmlns="" xmlns:a16="http://schemas.microsoft.com/office/drawing/2014/main" id="{1A0911F2-B0B3-45D8-B92B-270F6D60CFB4}"/>
               </a:ext>
             </a:extLst>
           </p:cNvPr>
@@ -10816,7 +10816,7 @@
           <p:cNvPr id="9" name="Inhaltsplatzhalter 8">
             <a:extLst>
               <a:ext uri="{FF2B5EF4-FFF2-40B4-BE49-F238E27FC236}">
-                <a16:creationId xmlns:a16="http://schemas.microsoft.com/office/drawing/2014/main" xmlns="" id="{9909C030-22D0-4734-9DCB-167BC6D672DF}"/>
+                <a16:creationId xmlns="" xmlns:a16="http://schemas.microsoft.com/office/drawing/2014/main" id="{9909C030-22D0-4734-9DCB-167BC6D672DF}"/>
               </a:ext>
             </a:extLst>
           </p:cNvPr>
@@ -10880,7 +10880,7 @@
           <p:cNvPr id="5" name="Titel 4">
             <a:extLst>
               <a:ext uri="{FF2B5EF4-FFF2-40B4-BE49-F238E27FC236}">
-                <a16:creationId xmlns:a16="http://schemas.microsoft.com/office/drawing/2014/main" xmlns="" id="{CB372DEC-D0F9-4D40-9149-13D17AAF964B}"/>
+                <a16:creationId xmlns="" xmlns:a16="http://schemas.microsoft.com/office/drawing/2014/main" id="{CB372DEC-D0F9-4D40-9149-13D17AAF964B}"/>
               </a:ext>
             </a:extLst>
           </p:cNvPr>
@@ -10936,7 +10936,7 @@
           <p:cNvPr id="6" name="Untertitel 5">
             <a:extLst>
               <a:ext uri="{FF2B5EF4-FFF2-40B4-BE49-F238E27FC236}">
-                <a16:creationId xmlns:a16="http://schemas.microsoft.com/office/drawing/2014/main" xmlns="" id="{72729885-95AF-4E52-9DF2-73274144A388}"/>
+                <a16:creationId xmlns="" xmlns:a16="http://schemas.microsoft.com/office/drawing/2014/main" id="{72729885-95AF-4E52-9DF2-73274144A388}"/>
               </a:ext>
             </a:extLst>
           </p:cNvPr>
@@ -10999,10 +10999,10 @@
           <p:cNvPr id="10" name="Rectangle 9">
             <a:extLst>
               <a:ext uri="{FF2B5EF4-FFF2-40B4-BE49-F238E27FC236}">
-                <a16:creationId xmlns:a16="http://schemas.microsoft.com/office/drawing/2014/main" xmlns="" id="{D829E218-74FB-4455-98BE-F2C5BA8978BE}"/>
+                <a16:creationId xmlns="" xmlns:a16="http://schemas.microsoft.com/office/drawing/2014/main" id="{D829E218-74FB-4455-98BE-F2C5BA8978BE}"/>
               </a:ext>
               <a:ext uri="{C183D7F6-B498-43B3-948B-1728B52AA6E4}">
-                <adec:decorative xmlns:adec="http://schemas.microsoft.com/office/drawing/2017/decorative" xmlns="" val="1"/>
+                <adec:decorative xmlns="" xmlns:adec="http://schemas.microsoft.com/office/drawing/2017/decorative" val="1"/>
               </a:ext>
             </a:extLst>
           </p:cNvPr>
@@ -11012,7 +11012,7 @@
           <p:nvPr>
             <p:extLst>
               <p:ext uri="{386F3935-93C4-4BCD-93E2-E3B085C9AB24}">
-                <p16:designElem xmlns:p16="http://schemas.microsoft.com/office/powerpoint/2015/main" xmlns="" val="1"/>
+                <p16:designElem xmlns="" xmlns:p16="http://schemas.microsoft.com/office/powerpoint/2015/main" val="1"/>
               </p:ext>
             </p:extLst>
           </p:nvPr>
@@ -11054,10 +11054,10 @@
           <p:cNvPr id="12" name="Rectangle 11">
             <a:extLst>
               <a:ext uri="{FF2B5EF4-FFF2-40B4-BE49-F238E27FC236}">
-                <a16:creationId xmlns:a16="http://schemas.microsoft.com/office/drawing/2014/main" xmlns="" id="{7E8D75FD-D4F9-4D11-B70D-82EFCB4CFA5B}"/>
+                <a16:creationId xmlns="" xmlns:a16="http://schemas.microsoft.com/office/drawing/2014/main" id="{7E8D75FD-D4F9-4D11-B70D-82EFCB4CFA5B}"/>
               </a:ext>
               <a:ext uri="{C183D7F6-B498-43B3-948B-1728B52AA6E4}">
-                <adec:decorative xmlns:adec="http://schemas.microsoft.com/office/drawing/2017/decorative" xmlns="" val="1"/>
+                <adec:decorative xmlns="" xmlns:adec="http://schemas.microsoft.com/office/drawing/2017/decorative" val="1"/>
               </a:ext>
             </a:extLst>
           </p:cNvPr>
@@ -11067,7 +11067,7 @@
           <p:nvPr>
             <p:extLst>
               <p:ext uri="{386F3935-93C4-4BCD-93E2-E3B085C9AB24}">
-                <p16:designElem xmlns:p16="http://schemas.microsoft.com/office/powerpoint/2015/main" xmlns="" val="1"/>
+                <p16:designElem xmlns="" xmlns:p16="http://schemas.microsoft.com/office/powerpoint/2015/main" val="1"/>
               </p:ext>
             </p:extLst>
           </p:nvPr>
@@ -11109,10 +11109,10 @@
           <p:cNvPr id="14" name="Straight Connector 13">
             <a:extLst>
               <a:ext uri="{FF2B5EF4-FFF2-40B4-BE49-F238E27FC236}">
-                <a16:creationId xmlns:a16="http://schemas.microsoft.com/office/drawing/2014/main" xmlns="" id="{1F5DC8C3-BA5F-4EED-BB9A-A14272BD82A1}"/>
+                <a16:creationId xmlns="" xmlns:a16="http://schemas.microsoft.com/office/drawing/2014/main" id="{1F5DC8C3-BA5F-4EED-BB9A-A14272BD82A1}"/>
               </a:ext>
               <a:ext uri="{C183D7F6-B498-43B3-948B-1728B52AA6E4}">
-                <adec:decorative xmlns:adec="http://schemas.microsoft.com/office/drawing/2017/decorative" xmlns="" val="1"/>
+                <adec:decorative xmlns="" xmlns:adec="http://schemas.microsoft.com/office/drawing/2017/decorative" val="1"/>
               </a:ext>
             </a:extLst>
           </p:cNvPr>
@@ -11122,7 +11122,7 @@
           <p:nvPr>
             <p:extLst>
               <p:ext uri="{386F3935-93C4-4BCD-93E2-E3B085C9AB24}">
-                <p16:designElem xmlns:p16="http://schemas.microsoft.com/office/powerpoint/2015/main" xmlns="" val="1"/>
+                <p16:designElem xmlns="" xmlns:p16="http://schemas.microsoft.com/office/powerpoint/2015/main" val="1"/>
               </p:ext>
             </p:extLst>
           </p:nvPr>
@@ -11164,10 +11164,10 @@
           <p:cNvPr id="16" name="Rectangle 15">
             <a:extLst>
               <a:ext uri="{FF2B5EF4-FFF2-40B4-BE49-F238E27FC236}">
-                <a16:creationId xmlns:a16="http://schemas.microsoft.com/office/drawing/2014/main" xmlns="" id="{8638A98B-4B4B-4607-B11F-7DCA0D7CCE17}"/>
+                <a16:creationId xmlns="" xmlns:a16="http://schemas.microsoft.com/office/drawing/2014/main" id="{8638A98B-4B4B-4607-B11F-7DCA0D7CCE17}"/>
               </a:ext>
               <a:ext uri="{C183D7F6-B498-43B3-948B-1728B52AA6E4}">
-                <adec:decorative xmlns:adec="http://schemas.microsoft.com/office/drawing/2017/decorative" xmlns="" val="1"/>
+                <adec:decorative xmlns="" xmlns:adec="http://schemas.microsoft.com/office/drawing/2017/decorative" val="1"/>
               </a:ext>
             </a:extLst>
           </p:cNvPr>
@@ -11177,7 +11177,7 @@
           <p:nvPr>
             <p:extLst>
               <p:ext uri="{386F3935-93C4-4BCD-93E2-E3B085C9AB24}">
-                <p16:designElem xmlns:p16="http://schemas.microsoft.com/office/powerpoint/2015/main" xmlns="" val="1"/>
+                <p16:designElem xmlns="" xmlns:p16="http://schemas.microsoft.com/office/powerpoint/2015/main" val="1"/>
               </p:ext>
             </p:extLst>
           </p:nvPr>
@@ -11224,7 +11224,7 @@
           <p:cNvPr id="5" name="Inhaltsplatzhalter 4">
             <a:extLst>
               <a:ext uri="{FF2B5EF4-FFF2-40B4-BE49-F238E27FC236}">
-                <a16:creationId xmlns:a16="http://schemas.microsoft.com/office/drawing/2014/main" xmlns="" id="{0F908B00-977C-447A-87EE-7A00C164B759}"/>
+                <a16:creationId xmlns="" xmlns:a16="http://schemas.microsoft.com/office/drawing/2014/main" id="{0F908B00-977C-447A-87EE-7A00C164B759}"/>
               </a:ext>
             </a:extLst>
           </p:cNvPr>
@@ -11261,10 +11261,10 @@
           <p:cNvPr id="18" name="Rectangle 17">
             <a:extLst>
               <a:ext uri="{FF2B5EF4-FFF2-40B4-BE49-F238E27FC236}">
-                <a16:creationId xmlns:a16="http://schemas.microsoft.com/office/drawing/2014/main" xmlns="" id="{8E3B9B0E-204E-4BFD-B58A-E71D9CDC37F3}"/>
+                <a16:creationId xmlns="" xmlns:a16="http://schemas.microsoft.com/office/drawing/2014/main" id="{8E3B9B0E-204E-4BFD-B58A-E71D9CDC37F3}"/>
               </a:ext>
               <a:ext uri="{C183D7F6-B498-43B3-948B-1728B52AA6E4}">
-                <adec:decorative xmlns:adec="http://schemas.microsoft.com/office/drawing/2017/decorative" xmlns="" val="1"/>
+                <adec:decorative xmlns="" xmlns:adec="http://schemas.microsoft.com/office/drawing/2017/decorative" val="1"/>
               </a:ext>
             </a:extLst>
           </p:cNvPr>
@@ -11274,7 +11274,7 @@
           <p:nvPr>
             <p:extLst>
               <p:ext uri="{386F3935-93C4-4BCD-93E2-E3B085C9AB24}">
-                <p16:designElem xmlns:p16="http://schemas.microsoft.com/office/powerpoint/2015/main" xmlns="" val="1"/>
+                <p16:designElem xmlns="" xmlns:p16="http://schemas.microsoft.com/office/powerpoint/2015/main" val="1"/>
               </p:ext>
             </p:extLst>
           </p:nvPr>
@@ -11316,7 +11316,7 @@
           <p:cNvPr id="2" name="Titel 1">
             <a:extLst>
               <a:ext uri="{FF2B5EF4-FFF2-40B4-BE49-F238E27FC236}">
-                <a16:creationId xmlns:a16="http://schemas.microsoft.com/office/drawing/2014/main" xmlns="" id="{E21935D6-F135-4DD2-A417-738E067D86CB}"/>
+                <a16:creationId xmlns="" xmlns:a16="http://schemas.microsoft.com/office/drawing/2014/main" id="{E21935D6-F135-4DD2-A417-738E067D86CB}"/>
               </a:ext>
             </a:extLst>
           </p:cNvPr>
@@ -11363,10 +11363,10 @@
           <p:cNvPr id="20" name="Rectangle 19">
             <a:extLst>
               <a:ext uri="{FF2B5EF4-FFF2-40B4-BE49-F238E27FC236}">
-                <a16:creationId xmlns:a16="http://schemas.microsoft.com/office/drawing/2014/main" xmlns="" id="{B1121E64-CB88-4BF5-B531-C0316E7F6E30}"/>
+                <a16:creationId xmlns="" xmlns:a16="http://schemas.microsoft.com/office/drawing/2014/main" id="{B1121E64-CB88-4BF5-B531-C0316E7F6E30}"/>
               </a:ext>
               <a:ext uri="{C183D7F6-B498-43B3-948B-1728B52AA6E4}">
-                <adec:decorative xmlns:adec="http://schemas.microsoft.com/office/drawing/2017/decorative" xmlns="" val="1"/>
+                <adec:decorative xmlns="" xmlns:adec="http://schemas.microsoft.com/office/drawing/2017/decorative" val="1"/>
               </a:ext>
             </a:extLst>
           </p:cNvPr>
@@ -11376,7 +11376,7 @@
           <p:nvPr>
             <p:extLst>
               <p:ext uri="{386F3935-93C4-4BCD-93E2-E3B085C9AB24}">
-                <p16:designElem xmlns:p16="http://schemas.microsoft.com/office/powerpoint/2015/main" xmlns="" val="1"/>
+                <p16:designElem xmlns="" xmlns:p16="http://schemas.microsoft.com/office/powerpoint/2015/main" val="1"/>
               </p:ext>
             </p:extLst>
           </p:nvPr>
@@ -11456,10 +11456,10 @@
           <p:cNvPr id="13" name="Rectangle 12">
             <a:extLst>
               <a:ext uri="{FF2B5EF4-FFF2-40B4-BE49-F238E27FC236}">
-                <a16:creationId xmlns:a16="http://schemas.microsoft.com/office/drawing/2014/main" xmlns="" id="{0AB6E427-3F73-4C06-A5D5-AE52C3883B50}"/>
+                <a16:creationId xmlns="" xmlns:a16="http://schemas.microsoft.com/office/drawing/2014/main" id="{0AB6E427-3F73-4C06-A5D5-AE52C3883B50}"/>
               </a:ext>
               <a:ext uri="{C183D7F6-B498-43B3-948B-1728B52AA6E4}">
-                <adec:decorative xmlns:adec="http://schemas.microsoft.com/office/drawing/2017/decorative" xmlns="" val="1"/>
+                <adec:decorative xmlns="" xmlns:adec="http://schemas.microsoft.com/office/drawing/2017/decorative" val="1"/>
               </a:ext>
             </a:extLst>
           </p:cNvPr>
@@ -11469,7 +11469,7 @@
           <p:nvPr>
             <p:extLst>
               <p:ext uri="{386F3935-93C4-4BCD-93E2-E3B085C9AB24}">
-                <p16:designElem xmlns:p16="http://schemas.microsoft.com/office/powerpoint/2015/main" xmlns="" val="1"/>
+                <p16:designElem xmlns="" xmlns:p16="http://schemas.microsoft.com/office/powerpoint/2015/main" val="1"/>
               </p:ext>
             </p:extLst>
           </p:nvPr>
@@ -11516,10 +11516,10 @@
           <p:cNvPr id="15" name="Rectangle 14">
             <a:extLst>
               <a:ext uri="{FF2B5EF4-FFF2-40B4-BE49-F238E27FC236}">
-                <a16:creationId xmlns:a16="http://schemas.microsoft.com/office/drawing/2014/main" xmlns="" id="{D8C9BDAA-0390-4B39-9B5C-BC95E5120DA4}"/>
+                <a16:creationId xmlns="" xmlns:a16="http://schemas.microsoft.com/office/drawing/2014/main" id="{D8C9BDAA-0390-4B39-9B5C-BC95E5120DA4}"/>
               </a:ext>
               <a:ext uri="{C183D7F6-B498-43B3-948B-1728B52AA6E4}">
-                <adec:decorative xmlns:adec="http://schemas.microsoft.com/office/drawing/2017/decorative" xmlns="" val="1"/>
+                <adec:decorative xmlns="" xmlns:adec="http://schemas.microsoft.com/office/drawing/2017/decorative" val="1"/>
               </a:ext>
             </a:extLst>
           </p:cNvPr>
@@ -11529,7 +11529,7 @@
           <p:nvPr>
             <p:extLst>
               <p:ext uri="{386F3935-93C4-4BCD-93E2-E3B085C9AB24}">
-                <p16:designElem xmlns:p16="http://schemas.microsoft.com/office/powerpoint/2015/main" xmlns="" val="1"/>
+                <p16:designElem xmlns="" xmlns:p16="http://schemas.microsoft.com/office/powerpoint/2015/main" val="1"/>
               </p:ext>
             </p:extLst>
           </p:nvPr>
@@ -11571,7 +11571,7 @@
           <p:cNvPr id="2" name="Titel 1">
             <a:extLst>
               <a:ext uri="{FF2B5EF4-FFF2-40B4-BE49-F238E27FC236}">
-                <a16:creationId xmlns:a16="http://schemas.microsoft.com/office/drawing/2014/main" xmlns="" id="{D9FC22E7-D4D8-40F3-851D-F5CDDD673BBB}"/>
+                <a16:creationId xmlns="" xmlns:a16="http://schemas.microsoft.com/office/drawing/2014/main" id="{D9FC22E7-D4D8-40F3-851D-F5CDDD673BBB}"/>
               </a:ext>
             </a:extLst>
           </p:cNvPr>
@@ -11647,10 +11647,10 @@
           <p:cNvPr id="17" name="Rectangle 16">
             <a:extLst>
               <a:ext uri="{FF2B5EF4-FFF2-40B4-BE49-F238E27FC236}">
-                <a16:creationId xmlns:a16="http://schemas.microsoft.com/office/drawing/2014/main" xmlns="" id="{F9DB1FE5-9D46-433B-99D1-2F1B8DC79855}"/>
+                <a16:creationId xmlns="" xmlns:a16="http://schemas.microsoft.com/office/drawing/2014/main" id="{F9DB1FE5-9D46-433B-99D1-2F1B8DC79855}"/>
               </a:ext>
               <a:ext uri="{C183D7F6-B498-43B3-948B-1728B52AA6E4}">
-                <adec:decorative xmlns:adec="http://schemas.microsoft.com/office/drawing/2017/decorative" xmlns="" val="1"/>
+                <adec:decorative xmlns="" xmlns:adec="http://schemas.microsoft.com/office/drawing/2017/decorative" val="1"/>
               </a:ext>
             </a:extLst>
           </p:cNvPr>
@@ -11660,7 +11660,7 @@
           <p:nvPr>
             <p:extLst>
               <p:ext uri="{386F3935-93C4-4BCD-93E2-E3B085C9AB24}">
-                <p16:designElem xmlns:p16="http://schemas.microsoft.com/office/powerpoint/2015/main" xmlns="" val="1"/>
+                <p16:designElem xmlns="" xmlns:p16="http://schemas.microsoft.com/office/powerpoint/2015/main" val="1"/>
               </p:ext>
             </p:extLst>
           </p:nvPr>
@@ -11702,7 +11702,7 @@
           <p:cNvPr id="8" name="Inhaltsplatzhalter 4">
             <a:extLst>
               <a:ext uri="{FF2B5EF4-FFF2-40B4-BE49-F238E27FC236}">
-                <a16:creationId xmlns:a16="http://schemas.microsoft.com/office/drawing/2014/main" xmlns="" id="{505EAB39-71B6-4CDF-BAE8-6F62F743A0C5}"/>
+                <a16:creationId xmlns="" xmlns:a16="http://schemas.microsoft.com/office/drawing/2014/main" id="{505EAB39-71B6-4CDF-BAE8-6F62F743A0C5}"/>
               </a:ext>
             </a:extLst>
           </p:cNvPr>
@@ -11738,7 +11738,7 @@
           <p:cNvPr id="9" name="Flussdiagramm: Verbinder 8">
             <a:extLst>
               <a:ext uri="{FF2B5EF4-FFF2-40B4-BE49-F238E27FC236}">
-                <a16:creationId xmlns:a16="http://schemas.microsoft.com/office/drawing/2014/main" xmlns="" id="{01F5D49F-8D20-4DA3-86D3-7FA5F8AD94CD}"/>
+                <a16:creationId xmlns="" xmlns:a16="http://schemas.microsoft.com/office/drawing/2014/main" id="{01F5D49F-8D20-4DA3-86D3-7FA5F8AD94CD}"/>
               </a:ext>
             </a:extLst>
           </p:cNvPr>
@@ -11790,7 +11790,7 @@
           <p:cNvPr id="7" name="Inhaltsplatzhalter 6" descr="Fragen">
             <a:extLst>
               <a:ext uri="{FF2B5EF4-FFF2-40B4-BE49-F238E27FC236}">
-                <a16:creationId xmlns:a16="http://schemas.microsoft.com/office/drawing/2014/main" xmlns="" id="{BB4769F3-A84A-45E1-9A4D-9E984E568AC4}"/>
+                <a16:creationId xmlns="" xmlns:a16="http://schemas.microsoft.com/office/drawing/2014/main" id="{BB4769F3-A84A-45E1-9A4D-9E984E568AC4}"/>
               </a:ext>
             </a:extLst>
           </p:cNvPr>
@@ -11808,7 +11808,7 @@
                 <a14:useLocalDpi xmlns:a14="http://schemas.microsoft.com/office/drawing/2010/main" val="0"/>
               </a:ext>
               <a:ext uri="{96DAC541-7B7A-43D3-8B79-37D633B846F1}">
-                <asvg:svgBlip xmlns:asvg="http://schemas.microsoft.com/office/drawing/2016/SVG/main" xmlns="" r:embed="rId4"/>
+                <asvg:svgBlip xmlns="" xmlns:asvg="http://schemas.microsoft.com/office/drawing/2016/SVG/main" r:embed="rId4"/>
               </a:ext>
             </a:extLst>
           </a:blip>
@@ -12093,11 +12093,7 @@
             </a:r>
             <a:r>
               <a:rPr lang="en-US" sz="2200" dirty="0" smtClean="0"/>
-              <a:t> </a:t>
-            </a:r>
-            <a:r>
-              <a:rPr lang="en-US" sz="2200" dirty="0" smtClean="0"/>
-              <a:t>in prediction accuracy for a certain digit or even data-point</a:t>
+              <a:t> in prediction accuracy for a certain digit or even data-point</a:t>
             </a:r>
           </a:p>
           <a:p>
@@ -12226,7 +12222,7 @@
           <p:cNvPr id="4" name="Titel 3">
             <a:extLst>
               <a:ext uri="{FF2B5EF4-FFF2-40B4-BE49-F238E27FC236}">
-                <a16:creationId xmlns:a16="http://schemas.microsoft.com/office/drawing/2014/main" xmlns="" id="{80A7F226-CA13-4B8D-B6F9-57842DF36DC8}"/>
+                <a16:creationId xmlns="" xmlns:a16="http://schemas.microsoft.com/office/drawing/2014/main" id="{80A7F226-CA13-4B8D-B6F9-57842DF36DC8}"/>
               </a:ext>
             </a:extLst>
           </p:cNvPr>
@@ -12254,7 +12250,7 @@
           <p:cNvPr id="5" name="Untertitel 4">
             <a:extLst>
               <a:ext uri="{FF2B5EF4-FFF2-40B4-BE49-F238E27FC236}">
-                <a16:creationId xmlns:a16="http://schemas.microsoft.com/office/drawing/2014/main" xmlns="" id="{293A100A-CA18-49A1-8835-38E443666125}"/>
+                <a16:creationId xmlns="" xmlns:a16="http://schemas.microsoft.com/office/drawing/2014/main" id="{293A100A-CA18-49A1-8835-38E443666125}"/>
               </a:ext>
             </a:extLst>
           </p:cNvPr>
@@ -12309,7 +12305,7 @@
           <p:cNvPr id="2" name="Titel 1">
             <a:extLst>
               <a:ext uri="{FF2B5EF4-FFF2-40B4-BE49-F238E27FC236}">
-                <a16:creationId xmlns:a16="http://schemas.microsoft.com/office/drawing/2014/main" xmlns="" id="{5CD34B0C-C4AB-4E9E-933D-FCEFA5F7386A}"/>
+                <a16:creationId xmlns="" xmlns:a16="http://schemas.microsoft.com/office/drawing/2014/main" id="{5CD34B0C-C4AB-4E9E-933D-FCEFA5F7386A}"/>
               </a:ext>
             </a:extLst>
           </p:cNvPr>
@@ -12361,7 +12357,7 @@
         </p:nvSpPr>
         <p:spPr>
           <a:xfrm>
-            <a:off x="850233" y="2053389"/>
+            <a:off x="850233" y="2160431"/>
             <a:ext cx="2253914" cy="400110"/>
           </a:xfrm>
           <a:prstGeom prst="rect">
@@ -12391,7 +12387,7 @@
         </p:nvSpPr>
         <p:spPr>
           <a:xfrm>
-            <a:off x="1098884" y="4928753"/>
+            <a:off x="1018674" y="5216268"/>
             <a:ext cx="1917031" cy="400110"/>
           </a:xfrm>
           <a:prstGeom prst="rect">
@@ -12814,7 +12810,7 @@
           <p:cNvPr id="2" name="Titel 1">
             <a:extLst>
               <a:ext uri="{FF2B5EF4-FFF2-40B4-BE49-F238E27FC236}">
-                <a16:creationId xmlns:a16="http://schemas.microsoft.com/office/drawing/2014/main" xmlns="" id="{DE62BF7E-ADBC-4B3B-8BAB-95D01E311AED}"/>
+                <a16:creationId xmlns="" xmlns:a16="http://schemas.microsoft.com/office/drawing/2014/main" id="{DE62BF7E-ADBC-4B3B-8BAB-95D01E311AED}"/>
               </a:ext>
             </a:extLst>
           </p:cNvPr>
@@ -12858,7 +12854,7 @@
           <p:cNvPr id="8" name="Gerade Verbindung mit Pfeil 7">
             <a:extLst>
               <a:ext uri="{FF2B5EF4-FFF2-40B4-BE49-F238E27FC236}">
-                <a16:creationId xmlns:a16="http://schemas.microsoft.com/office/drawing/2014/main" xmlns="" id="{A79B7D31-8930-4A5A-AA1C-06892CC18291}"/>
+                <a16:creationId xmlns="" xmlns:a16="http://schemas.microsoft.com/office/drawing/2014/main" id="{A79B7D31-8930-4A5A-AA1C-06892CC18291}"/>
               </a:ext>
             </a:extLst>
           </p:cNvPr>
@@ -12899,7 +12895,7 @@
           <p:cNvPr id="11" name="Gerade Verbindung mit Pfeil 10">
             <a:extLst>
               <a:ext uri="{FF2B5EF4-FFF2-40B4-BE49-F238E27FC236}">
-                <a16:creationId xmlns:a16="http://schemas.microsoft.com/office/drawing/2014/main" xmlns="" id="{193B10F6-7A53-474E-BC21-C9DDCDE704C0}"/>
+                <a16:creationId xmlns="" xmlns:a16="http://schemas.microsoft.com/office/drawing/2014/main" id="{193B10F6-7A53-474E-BC21-C9DDCDE704C0}"/>
               </a:ext>
             </a:extLst>
           </p:cNvPr>
@@ -12940,7 +12936,7 @@
           <p:cNvPr id="13" name="Ellipse 12">
             <a:extLst>
               <a:ext uri="{FF2B5EF4-FFF2-40B4-BE49-F238E27FC236}">
-                <a16:creationId xmlns:a16="http://schemas.microsoft.com/office/drawing/2014/main" xmlns="" id="{7469256C-C83A-4F95-96CA-1818F8942C6D}"/>
+                <a16:creationId xmlns="" xmlns:a16="http://schemas.microsoft.com/office/drawing/2014/main" id="{7469256C-C83A-4F95-96CA-1818F8942C6D}"/>
               </a:ext>
             </a:extLst>
           </p:cNvPr>
@@ -12986,7 +12982,7 @@
           <p:cNvPr id="14" name="Ellipse 13">
             <a:extLst>
               <a:ext uri="{FF2B5EF4-FFF2-40B4-BE49-F238E27FC236}">
-                <a16:creationId xmlns:a16="http://schemas.microsoft.com/office/drawing/2014/main" xmlns="" id="{FC6EE53D-2964-4925-B51C-31D899033BB5}"/>
+                <a16:creationId xmlns="" xmlns:a16="http://schemas.microsoft.com/office/drawing/2014/main" id="{FC6EE53D-2964-4925-B51C-31D899033BB5}"/>
               </a:ext>
             </a:extLst>
           </p:cNvPr>
@@ -13032,7 +13028,7 @@
           <p:cNvPr id="15" name="Ellipse 14">
             <a:extLst>
               <a:ext uri="{FF2B5EF4-FFF2-40B4-BE49-F238E27FC236}">
-                <a16:creationId xmlns:a16="http://schemas.microsoft.com/office/drawing/2014/main" xmlns="" id="{58ADDE1C-EA42-455F-8EA6-B8E3BAE0272F}"/>
+                <a16:creationId xmlns="" xmlns:a16="http://schemas.microsoft.com/office/drawing/2014/main" id="{58ADDE1C-EA42-455F-8EA6-B8E3BAE0272F}"/>
               </a:ext>
             </a:extLst>
           </p:cNvPr>
@@ -13078,7 +13074,7 @@
           <p:cNvPr id="16" name="Ellipse 15">
             <a:extLst>
               <a:ext uri="{FF2B5EF4-FFF2-40B4-BE49-F238E27FC236}">
-                <a16:creationId xmlns:a16="http://schemas.microsoft.com/office/drawing/2014/main" xmlns="" id="{896F73C8-8F04-4CC6-97C4-1DD7B5E41760}"/>
+                <a16:creationId xmlns="" xmlns:a16="http://schemas.microsoft.com/office/drawing/2014/main" id="{896F73C8-8F04-4CC6-97C4-1DD7B5E41760}"/>
               </a:ext>
             </a:extLst>
           </p:cNvPr>
@@ -13124,7 +13120,7 @@
           <p:cNvPr id="17" name="Ellipse 16">
             <a:extLst>
               <a:ext uri="{FF2B5EF4-FFF2-40B4-BE49-F238E27FC236}">
-                <a16:creationId xmlns:a16="http://schemas.microsoft.com/office/drawing/2014/main" xmlns="" id="{E834ED1C-E0F9-4D80-BC22-E8D5FF875936}"/>
+                <a16:creationId xmlns="" xmlns:a16="http://schemas.microsoft.com/office/drawing/2014/main" id="{E834ED1C-E0F9-4D80-BC22-E8D5FF875936}"/>
               </a:ext>
             </a:extLst>
           </p:cNvPr>
@@ -13178,7 +13174,7 @@
           <p:cNvPr id="18" name="Ellipse 17">
             <a:extLst>
               <a:ext uri="{FF2B5EF4-FFF2-40B4-BE49-F238E27FC236}">
-                <a16:creationId xmlns:a16="http://schemas.microsoft.com/office/drawing/2014/main" xmlns="" id="{D9C9DB88-0D38-44B0-8D62-510C1934DB2C}"/>
+                <a16:creationId xmlns="" xmlns:a16="http://schemas.microsoft.com/office/drawing/2014/main" id="{D9C9DB88-0D38-44B0-8D62-510C1934DB2C}"/>
               </a:ext>
             </a:extLst>
           </p:cNvPr>
@@ -13232,7 +13228,7 @@
           <p:cNvPr id="19" name="Ellipse 18">
             <a:extLst>
               <a:ext uri="{FF2B5EF4-FFF2-40B4-BE49-F238E27FC236}">
-                <a16:creationId xmlns:a16="http://schemas.microsoft.com/office/drawing/2014/main" xmlns="" id="{AF5D232C-9B44-46DD-9434-43BE9D322187}"/>
+                <a16:creationId xmlns="" xmlns:a16="http://schemas.microsoft.com/office/drawing/2014/main" id="{AF5D232C-9B44-46DD-9434-43BE9D322187}"/>
               </a:ext>
             </a:extLst>
           </p:cNvPr>
@@ -13286,7 +13282,7 @@
           <p:cNvPr id="20" name="Ellipse 19">
             <a:extLst>
               <a:ext uri="{FF2B5EF4-FFF2-40B4-BE49-F238E27FC236}">
-                <a16:creationId xmlns:a16="http://schemas.microsoft.com/office/drawing/2014/main" xmlns="" id="{7DBB5383-166E-4F55-B5DA-3A43707886C8}"/>
+                <a16:creationId xmlns="" xmlns:a16="http://schemas.microsoft.com/office/drawing/2014/main" id="{7DBB5383-166E-4F55-B5DA-3A43707886C8}"/>
               </a:ext>
             </a:extLst>
           </p:cNvPr>
@@ -13340,7 +13336,7 @@
           <p:cNvPr id="21" name="Rechteck 20">
             <a:extLst>
               <a:ext uri="{FF2B5EF4-FFF2-40B4-BE49-F238E27FC236}">
-                <a16:creationId xmlns:a16="http://schemas.microsoft.com/office/drawing/2014/main" xmlns="" id="{557170D4-743C-4500-AC84-115677CC29C7}"/>
+                <a16:creationId xmlns="" xmlns:a16="http://schemas.microsoft.com/office/drawing/2014/main" id="{557170D4-743C-4500-AC84-115677CC29C7}"/>
               </a:ext>
             </a:extLst>
           </p:cNvPr>
@@ -13387,7 +13383,7 @@
           <p:cNvPr id="22" name="Rechteck 21">
             <a:extLst>
               <a:ext uri="{FF2B5EF4-FFF2-40B4-BE49-F238E27FC236}">
-                <a16:creationId xmlns:a16="http://schemas.microsoft.com/office/drawing/2014/main" xmlns="" id="{CB6D8A3C-1082-4255-9556-0AE3CBADAAC2}"/>
+                <a16:creationId xmlns="" xmlns:a16="http://schemas.microsoft.com/office/drawing/2014/main" id="{CB6D8A3C-1082-4255-9556-0AE3CBADAAC2}"/>
               </a:ext>
             </a:extLst>
           </p:cNvPr>
@@ -13439,7 +13435,7 @@
           <p:cNvPr id="23" name="Stern: 5 Zacken 22">
             <a:extLst>
               <a:ext uri="{FF2B5EF4-FFF2-40B4-BE49-F238E27FC236}">
-                <a16:creationId xmlns:a16="http://schemas.microsoft.com/office/drawing/2014/main" xmlns="" id="{30ACAD23-06F1-4109-8CB7-3983EAC26B6E}"/>
+                <a16:creationId xmlns="" xmlns:a16="http://schemas.microsoft.com/office/drawing/2014/main" id="{30ACAD23-06F1-4109-8CB7-3983EAC26B6E}"/>
               </a:ext>
             </a:extLst>
           </p:cNvPr>
@@ -13493,7 +13489,7 @@
           <p:cNvPr id="24" name="Ellipse 23">
             <a:extLst>
               <a:ext uri="{FF2B5EF4-FFF2-40B4-BE49-F238E27FC236}">
-                <a16:creationId xmlns:a16="http://schemas.microsoft.com/office/drawing/2014/main" xmlns="" id="{1E130FB0-31E0-48E1-BBE6-B0DDCA3F1952}"/>
+                <a16:creationId xmlns="" xmlns:a16="http://schemas.microsoft.com/office/drawing/2014/main" id="{1E130FB0-31E0-48E1-BBE6-B0DDCA3F1952}"/>
               </a:ext>
             </a:extLst>
           </p:cNvPr>
@@ -13545,7 +13541,7 @@
           <p:cNvPr id="25" name="Ellipse 24">
             <a:extLst>
               <a:ext uri="{FF2B5EF4-FFF2-40B4-BE49-F238E27FC236}">
-                <a16:creationId xmlns:a16="http://schemas.microsoft.com/office/drawing/2014/main" xmlns="" id="{909F81B8-BBC3-41DE-BFEA-18D8DE20A4A0}"/>
+                <a16:creationId xmlns="" xmlns:a16="http://schemas.microsoft.com/office/drawing/2014/main" id="{909F81B8-BBC3-41DE-BFEA-18D8DE20A4A0}"/>
               </a:ext>
             </a:extLst>
           </p:cNvPr>
@@ -13597,7 +13593,7 @@
           <p:cNvPr id="26" name="Textfeld 25">
             <a:extLst>
               <a:ext uri="{FF2B5EF4-FFF2-40B4-BE49-F238E27FC236}">
-                <a16:creationId xmlns:a16="http://schemas.microsoft.com/office/drawing/2014/main" xmlns="" id="{E1A66F3B-E0D0-47BD-BF9A-2E68700102D7}"/>
+                <a16:creationId xmlns="" xmlns:a16="http://schemas.microsoft.com/office/drawing/2014/main" id="{E1A66F3B-E0D0-47BD-BF9A-2E68700102D7}"/>
               </a:ext>
             </a:extLst>
           </p:cNvPr>
@@ -14288,10 +14284,10 @@
           <p:cNvPr id="12" name="Rectangle 11">
             <a:extLst>
               <a:ext uri="{FF2B5EF4-FFF2-40B4-BE49-F238E27FC236}">
-                <a16:creationId xmlns:a16="http://schemas.microsoft.com/office/drawing/2014/main" xmlns="" id="{B44C3061-D558-447B-A988-09ECE14461D7}"/>
+                <a16:creationId xmlns="" xmlns:a16="http://schemas.microsoft.com/office/drawing/2014/main" id="{B44C3061-D558-447B-A988-09ECE14461D7}"/>
               </a:ext>
               <a:ext uri="{C183D7F6-B498-43B3-948B-1728B52AA6E4}">
-                <adec:decorative xmlns:adec="http://schemas.microsoft.com/office/drawing/2017/decorative" xmlns="" val="1"/>
+                <adec:decorative xmlns="" xmlns:adec="http://schemas.microsoft.com/office/drawing/2017/decorative" val="1"/>
               </a:ext>
             </a:extLst>
           </p:cNvPr>
@@ -14301,7 +14297,7 @@
           <p:nvPr>
             <p:extLst>
               <p:ext uri="{386F3935-93C4-4BCD-93E2-E3B085C9AB24}">
-                <p16:designElem xmlns:p16="http://schemas.microsoft.com/office/powerpoint/2015/main" xmlns="" val="1"/>
+                <p16:designElem xmlns="" xmlns:p16="http://schemas.microsoft.com/office/powerpoint/2015/main" val="1"/>
               </p:ext>
             </p:extLst>
           </p:nvPr>
@@ -14348,10 +14344,10 @@
           <p:cNvPr id="14" name="Rectangle 13">
             <a:extLst>
               <a:ext uri="{FF2B5EF4-FFF2-40B4-BE49-F238E27FC236}">
-                <a16:creationId xmlns:a16="http://schemas.microsoft.com/office/drawing/2014/main" xmlns="" id="{59339771-9C8F-497E-8974-E09A86FEEB23}"/>
+                <a16:creationId xmlns="" xmlns:a16="http://schemas.microsoft.com/office/drawing/2014/main" id="{59339771-9C8F-497E-8974-E09A86FEEB23}"/>
               </a:ext>
               <a:ext uri="{C183D7F6-B498-43B3-948B-1728B52AA6E4}">
-                <adec:decorative xmlns:adec="http://schemas.microsoft.com/office/drawing/2017/decorative" xmlns="" val="1"/>
+                <adec:decorative xmlns="" xmlns:adec="http://schemas.microsoft.com/office/drawing/2017/decorative" val="1"/>
               </a:ext>
             </a:extLst>
           </p:cNvPr>
@@ -14361,7 +14357,7 @@
           <p:nvPr>
             <p:extLst>
               <p:ext uri="{386F3935-93C4-4BCD-93E2-E3B085C9AB24}">
-                <p16:designElem xmlns:p16="http://schemas.microsoft.com/office/powerpoint/2015/main" xmlns="" val="1"/>
+                <p16:designElem xmlns="" xmlns:p16="http://schemas.microsoft.com/office/powerpoint/2015/main" val="1"/>
               </p:ext>
             </p:extLst>
           </p:nvPr>
@@ -14403,7 +14399,7 @@
           <p:cNvPr id="2" name="Titel 1">
             <a:extLst>
               <a:ext uri="{FF2B5EF4-FFF2-40B4-BE49-F238E27FC236}">
-                <a16:creationId xmlns:a16="http://schemas.microsoft.com/office/drawing/2014/main" xmlns="" id="{024FB30C-45D5-4A6E-861B-AC316BA5D430}"/>
+                <a16:creationId xmlns="" xmlns:a16="http://schemas.microsoft.com/office/drawing/2014/main" id="{024FB30C-45D5-4A6E-861B-AC316BA5D430}"/>
               </a:ext>
             </a:extLst>
           </p:cNvPr>
@@ -14471,7 +14467,7 @@
           <p:cNvPr id="9" name="Content Placeholder 8">
             <a:extLst>
               <a:ext uri="{FF2B5EF4-FFF2-40B4-BE49-F238E27FC236}">
-                <a16:creationId xmlns:a16="http://schemas.microsoft.com/office/drawing/2014/main" xmlns="" id="{1C0D0782-8490-4FB9-A235-992C1F1F1C25}"/>
+                <a16:creationId xmlns="" xmlns:a16="http://schemas.microsoft.com/office/drawing/2014/main" id="{1C0D0782-8490-4FB9-A235-992C1F1F1C25}"/>
               </a:ext>
             </a:extLst>
           </p:cNvPr>
@@ -14588,10 +14584,10 @@
           <p:cNvPr id="16" name="Rectangle 15">
             <a:extLst>
               <a:ext uri="{FF2B5EF4-FFF2-40B4-BE49-F238E27FC236}">
-                <a16:creationId xmlns:a16="http://schemas.microsoft.com/office/drawing/2014/main" xmlns="" id="{BDB54B0B-6CFB-4B92-A5DC-5DCD05BE5B4D}"/>
+                <a16:creationId xmlns="" xmlns:a16="http://schemas.microsoft.com/office/drawing/2014/main" id="{BDB54B0B-6CFB-4B92-A5DC-5DCD05BE5B4D}"/>
               </a:ext>
               <a:ext uri="{C183D7F6-B498-43B3-948B-1728B52AA6E4}">
-                <adec:decorative xmlns:adec="http://schemas.microsoft.com/office/drawing/2017/decorative" xmlns="" val="1"/>
+                <adec:decorative xmlns="" xmlns:adec="http://schemas.microsoft.com/office/drawing/2017/decorative" val="1"/>
               </a:ext>
             </a:extLst>
           </p:cNvPr>
@@ -14601,7 +14597,7 @@
           <p:nvPr>
             <p:extLst>
               <p:ext uri="{386F3935-93C4-4BCD-93E2-E3B085C9AB24}">
-                <p16:designElem xmlns:p16="http://schemas.microsoft.com/office/powerpoint/2015/main" xmlns="" val="1"/>
+                <p16:designElem xmlns="" xmlns:p16="http://schemas.microsoft.com/office/powerpoint/2015/main" val="1"/>
               </p:ext>
             </p:extLst>
           </p:nvPr>
@@ -14643,7 +14639,7 @@
           <p:cNvPr id="7" name="Inhaltsplatzhalter 3">
             <a:extLst>
               <a:ext uri="{FF2B5EF4-FFF2-40B4-BE49-F238E27FC236}">
-                <a16:creationId xmlns:a16="http://schemas.microsoft.com/office/drawing/2014/main" xmlns="" id="{98A9C15B-CCC4-4E5C-B799-5CC331BD3332}"/>
+                <a16:creationId xmlns="" xmlns:a16="http://schemas.microsoft.com/office/drawing/2014/main" id="{98A9C15B-CCC4-4E5C-B799-5CC331BD3332}"/>
               </a:ext>
             </a:extLst>
           </p:cNvPr>
@@ -14702,7 +14698,7 @@
           <p:cNvPr id="2" name="Titel 1">
             <a:extLst>
               <a:ext uri="{FF2B5EF4-FFF2-40B4-BE49-F238E27FC236}">
-                <a16:creationId xmlns:a16="http://schemas.microsoft.com/office/drawing/2014/main" xmlns="" id="{2D19F794-8599-4A1D-A689-743EBDA80DB4}"/>
+                <a16:creationId xmlns="" xmlns:a16="http://schemas.microsoft.com/office/drawing/2014/main" id="{2D19F794-8599-4A1D-A689-743EBDA80DB4}"/>
               </a:ext>
             </a:extLst>
           </p:cNvPr>
@@ -14747,7 +14743,7 @@
           <p:cNvPr id="4" name="Textfeld 3">
             <a:extLst>
               <a:ext uri="{FF2B5EF4-FFF2-40B4-BE49-F238E27FC236}">
-                <a16:creationId xmlns:a16="http://schemas.microsoft.com/office/drawing/2014/main" xmlns="" id="{5E36B305-D4C6-4B27-9782-732C3867DEA7}"/>
+                <a16:creationId xmlns="" xmlns:a16="http://schemas.microsoft.com/office/drawing/2014/main" id="{5E36B305-D4C6-4B27-9782-732C3867DEA7}"/>
               </a:ext>
             </a:extLst>
           </p:cNvPr>
@@ -15363,7 +15359,7 @@
           <p:cNvPr id="2" name="Titel 1">
             <a:extLst>
               <a:ext uri="{FF2B5EF4-FFF2-40B4-BE49-F238E27FC236}">
-                <a16:creationId xmlns:a16="http://schemas.microsoft.com/office/drawing/2014/main" xmlns="" id="{F6CDE045-1C18-44A9-946E-E74089FBB179}"/>
+                <a16:creationId xmlns="" xmlns:a16="http://schemas.microsoft.com/office/drawing/2014/main" id="{F6CDE045-1C18-44A9-946E-E74089FBB179}"/>
               </a:ext>
             </a:extLst>
           </p:cNvPr>
@@ -15405,7 +15401,7 @@
           <p:cNvPr id="5" name="Inhaltsplatzhalter 4">
             <a:extLst>
               <a:ext uri="{FF2B5EF4-FFF2-40B4-BE49-F238E27FC236}">
-                <a16:creationId xmlns:a16="http://schemas.microsoft.com/office/drawing/2014/main" xmlns="" id="{C2F4A0CB-AF1A-4BE8-829B-9C5B7E49D064}"/>
+                <a16:creationId xmlns="" xmlns:a16="http://schemas.microsoft.com/office/drawing/2014/main" id="{C2F4A0CB-AF1A-4BE8-829B-9C5B7E49D064}"/>
               </a:ext>
             </a:extLst>
           </p:cNvPr>
@@ -15470,7 +15466,7 @@
           <p:cNvPr id="3" name="Inhaltsplatzhalter 2">
             <a:extLst>
               <a:ext uri="{FF2B5EF4-FFF2-40B4-BE49-F238E27FC236}">
-                <a16:creationId xmlns:a16="http://schemas.microsoft.com/office/drawing/2014/main" xmlns="" id="{56D22BFB-FDAA-4D7E-88D9-C29E57B7C51D}"/>
+                <a16:creationId xmlns="" xmlns:a16="http://schemas.microsoft.com/office/drawing/2014/main" id="{56D22BFB-FDAA-4D7E-88D9-C29E57B7C51D}"/>
               </a:ext>
             </a:extLst>
           </p:cNvPr>
@@ -15509,7 +15505,7 @@
           <p:cNvPr id="4" name="Inhaltsplatzhalter 3">
             <a:extLst>
               <a:ext uri="{FF2B5EF4-FFF2-40B4-BE49-F238E27FC236}">
-                <a16:creationId xmlns:a16="http://schemas.microsoft.com/office/drawing/2014/main" xmlns="" id="{370A4785-6A67-4835-A53B-8D4F4DA15C1E}"/>
+                <a16:creationId xmlns="" xmlns:a16="http://schemas.microsoft.com/office/drawing/2014/main" id="{370A4785-6A67-4835-A53B-8D4F4DA15C1E}"/>
               </a:ext>
             </a:extLst>
           </p:cNvPr>
@@ -15539,7 +15535,7 @@
           <p:cNvPr id="5" name="Grafik 7">
             <a:extLst>
               <a:ext uri="{FF2B5EF4-FFF2-40B4-BE49-F238E27FC236}">
-                <a16:creationId xmlns:a16="http://schemas.microsoft.com/office/drawing/2014/main" xmlns="" id="{5252049F-1455-46B7-9B58-C400DA353D3F}"/>
+                <a16:creationId xmlns="" xmlns:a16="http://schemas.microsoft.com/office/drawing/2014/main" id="{5252049F-1455-46B7-9B58-C400DA353D3F}"/>
               </a:ext>
             </a:extLst>
           </p:cNvPr>
@@ -15569,7 +15565,7 @@
           <p:cNvPr id="6" name="Textfeld 9">
             <a:extLst>
               <a:ext uri="{FF2B5EF4-FFF2-40B4-BE49-F238E27FC236}">
-                <a16:creationId xmlns:a16="http://schemas.microsoft.com/office/drawing/2014/main" xmlns="" id="{DEDCDEB8-1162-4AAC-93D8-F1A1F6FB9B4B}"/>
+                <a16:creationId xmlns="" xmlns:a16="http://schemas.microsoft.com/office/drawing/2014/main" id="{DEDCDEB8-1162-4AAC-93D8-F1A1F6FB9B4B}"/>
               </a:ext>
             </a:extLst>
           </p:cNvPr>
@@ -15783,7 +15779,7 @@
           <p:cNvPr id="7" name="Titel 1">
             <a:extLst>
               <a:ext uri="{FF2B5EF4-FFF2-40B4-BE49-F238E27FC236}">
-                <a16:creationId xmlns:a16="http://schemas.microsoft.com/office/drawing/2014/main" xmlns="" id="{3D022FA1-1227-4EA1-8EB1-679CE9C5CFCD}"/>
+                <a16:creationId xmlns="" xmlns:a16="http://schemas.microsoft.com/office/drawing/2014/main" id="{3D022FA1-1227-4EA1-8EB1-679CE9C5CFCD}"/>
               </a:ext>
             </a:extLst>
           </p:cNvPr>
@@ -16358,13 +16354,8 @@
           <a:p>
             <a:r>
               <a:rPr lang="en-US" sz="2200" dirty="0" smtClean="0"/>
-              <a:t>2) (Hypothesis) 30% and 50% of accuracy are not evenly spread among all digits. There are some, which can recognized even with 2 dimension and some, which are unrecognizable even in 10. (should be seen from the 1. diagram) With which digits are they often mixed up by different dimensions</a:t>
-            </a:r>
-            <a:r>
-              <a:rPr lang="en-US" sz="2200" dirty="0" smtClean="0"/>
-              <a:t>?</a:t>
-            </a:r>
-            <a:endParaRPr lang="en-US" sz="2200" dirty="0" smtClean="0"/>
+              <a:t>2) (Hypothesis) 30% and 50% of accuracy are not evenly spread among all digits. There are some, which can recognized even with 2 dimension and some, which are unrecognizable even in 10. (should be seen from the 1. diagram) With which digits are they often mixed up by different dimensions?</a:t>
+            </a:r>
           </a:p>
           <a:p>
             <a:endParaRPr lang="en-US" sz="2200" dirty="0"/>
@@ -16386,11 +16377,7 @@
           <a:p>
             <a:r>
               <a:rPr lang="en-US" sz="2200" dirty="0" smtClean="0"/>
-              <a:t>-&gt; </a:t>
-            </a:r>
-            <a:r>
-              <a:rPr lang="en-US" sz="2200" dirty="0" smtClean="0"/>
-              <a:t>digits with a high noise-component</a:t>
+              <a:t>-&gt; digits with a high noise-component</a:t>
             </a:r>
             <a:endParaRPr lang="ru-RU" sz="2200" dirty="0"/>
           </a:p>
@@ -17519,7 +17506,7 @@
   <a:extraClrSchemeLst/>
   <a:extLst>
     <a:ext uri="{05A4C25C-085E-4340-85A3-A5531E510DB2}">
-      <thm15:themeFamily xmlns:thm15="http://schemas.microsoft.com/office/thememl/2012/main" xmlns="" name="Retrospect" id="{5F128B03-DCCA-4EEB-AB3B-CF2899314A46}" vid="{9CC26709-368C-4D72-9060-94E5B3FF3CD6}"/>
+      <thm15:themeFamily xmlns="" xmlns:thm15="http://schemas.microsoft.com/office/thememl/2012/main" name="Retrospect" id="{5F128B03-DCCA-4EEB-AB3B-CF2899314A46}" vid="{9CC26709-368C-4D72-9060-94E5B3FF3CD6}"/>
     </a:ext>
   </a:extLst>
 </a:theme>

--- a/presentation_digit_recog2.pptx
+++ b/presentation_digit_recog2.pptx
@@ -6,6 +6,9 @@
     <p:sldMasterId id="2147483701" r:id="rId2"/>
     <p:sldMasterId id="2147483742" r:id="rId3"/>
   </p:sldMasterIdLst>
+  <p:notesMasterIdLst>
+    <p:notesMasterId r:id="rId21"/>
+  </p:notesMasterIdLst>
   <p:sldIdLst>
     <p:sldId id="256" r:id="rId4"/>
     <p:sldId id="267" r:id="rId5"/>
@@ -163,6 +166,356 @@
 </p:cmLst>
 </file>
 
+<file path=ppt/notesMasters/notesMaster1.xml><?xml version="1.0" encoding="utf-8"?>
+<p:notesMaster xmlns:a="http://schemas.openxmlformats.org/drawingml/2006/main" xmlns:r="http://schemas.openxmlformats.org/officeDocument/2006/relationships" xmlns:p="http://schemas.openxmlformats.org/presentationml/2006/main">
+  <p:cSld>
+    <p:bg>
+      <p:bgRef idx="1001">
+        <a:schemeClr val="bg1"/>
+      </p:bgRef>
+    </p:bg>
+    <p:spTree>
+      <p:nvGrpSpPr>
+        <p:cNvPr id="1" name=""/>
+        <p:cNvGrpSpPr/>
+        <p:nvPr/>
+      </p:nvGrpSpPr>
+      <p:grpSpPr>
+        <a:xfrm>
+          <a:off x="0" y="0"/>
+          <a:ext cx="0" cy="0"/>
+          <a:chOff x="0" y="0"/>
+          <a:chExt cx="0" cy="0"/>
+        </a:xfrm>
+      </p:grpSpPr>
+      <p:sp>
+        <p:nvSpPr>
+          <p:cNvPr id="2" name="Верхний колонтитул 1"/>
+          <p:cNvSpPr>
+            <a:spLocks noGrp="1"/>
+          </p:cNvSpPr>
+          <p:nvPr>
+            <p:ph type="hdr" sz="quarter"/>
+          </p:nvPr>
+        </p:nvSpPr>
+        <p:spPr>
+          <a:xfrm>
+            <a:off x="0" y="0"/>
+            <a:ext cx="2971800" cy="457200"/>
+          </a:xfrm>
+          <a:prstGeom prst="rect">
+            <a:avLst/>
+          </a:prstGeom>
+        </p:spPr>
+        <p:txBody>
+          <a:bodyPr vert="horz" lIns="91440" tIns="45720" rIns="91440" bIns="45720" rtlCol="0"/>
+          <a:lstStyle>
+            <a:lvl1pPr algn="l">
+              <a:defRPr sz="1200"/>
+            </a:lvl1pPr>
+          </a:lstStyle>
+          <a:p>
+            <a:endParaRPr lang="ru-RU"/>
+          </a:p>
+        </p:txBody>
+      </p:sp>
+      <p:sp>
+        <p:nvSpPr>
+          <p:cNvPr id="3" name="Дата 2"/>
+          <p:cNvSpPr>
+            <a:spLocks noGrp="1"/>
+          </p:cNvSpPr>
+          <p:nvPr>
+            <p:ph type="dt" idx="1"/>
+          </p:nvPr>
+        </p:nvSpPr>
+        <p:spPr>
+          <a:xfrm>
+            <a:off x="3884613" y="0"/>
+            <a:ext cx="2971800" cy="457200"/>
+          </a:xfrm>
+          <a:prstGeom prst="rect">
+            <a:avLst/>
+          </a:prstGeom>
+        </p:spPr>
+        <p:txBody>
+          <a:bodyPr vert="horz" lIns="91440" tIns="45720" rIns="91440" bIns="45720" rtlCol="0"/>
+          <a:lstStyle>
+            <a:lvl1pPr algn="r">
+              <a:defRPr sz="1200"/>
+            </a:lvl1pPr>
+          </a:lstStyle>
+          <a:p>
+            <a:fld id="{0AE916F6-C54A-40A2-8105-40497B89CF3B}" type="datetimeFigureOut">
+              <a:rPr lang="ru-RU" smtClean="0"/>
+              <a:t>25.07.2019</a:t>
+            </a:fld>
+            <a:endParaRPr lang="ru-RU"/>
+          </a:p>
+        </p:txBody>
+      </p:sp>
+      <p:sp>
+        <p:nvSpPr>
+          <p:cNvPr id="4" name="Образ слайда 3"/>
+          <p:cNvSpPr>
+            <a:spLocks noGrp="1" noRot="1" noChangeAspect="1"/>
+          </p:cNvSpPr>
+          <p:nvPr>
+            <p:ph type="sldImg" idx="2"/>
+          </p:nvPr>
+        </p:nvSpPr>
+        <p:spPr>
+          <a:xfrm>
+            <a:off x="381000" y="685800"/>
+            <a:ext cx="6096000" cy="3429000"/>
+          </a:xfrm>
+          <a:prstGeom prst="rect">
+            <a:avLst/>
+          </a:prstGeom>
+          <a:noFill/>
+          <a:ln w="12700">
+            <a:solidFill>
+              <a:prstClr val="black"/>
+            </a:solidFill>
+          </a:ln>
+        </p:spPr>
+        <p:txBody>
+          <a:bodyPr vert="horz" lIns="91440" tIns="45720" rIns="91440" bIns="45720" rtlCol="0" anchor="ctr"/>
+          <a:lstStyle/>
+          <a:p>
+            <a:endParaRPr lang="ru-RU"/>
+          </a:p>
+        </p:txBody>
+      </p:sp>
+      <p:sp>
+        <p:nvSpPr>
+          <p:cNvPr id="5" name="Заметки 4"/>
+          <p:cNvSpPr>
+            <a:spLocks noGrp="1"/>
+          </p:cNvSpPr>
+          <p:nvPr>
+            <p:ph type="body" sz="quarter" idx="3"/>
+          </p:nvPr>
+        </p:nvSpPr>
+        <p:spPr>
+          <a:xfrm>
+            <a:off x="685800" y="4343400"/>
+            <a:ext cx="5486400" cy="4114800"/>
+          </a:xfrm>
+          <a:prstGeom prst="rect">
+            <a:avLst/>
+          </a:prstGeom>
+        </p:spPr>
+        <p:txBody>
+          <a:bodyPr vert="horz" lIns="91440" tIns="45720" rIns="91440" bIns="45720" rtlCol="0"/>
+          <a:lstStyle/>
+          <a:p>
+            <a:pPr lvl="0"/>
+            <a:r>
+              <a:rPr lang="ru-RU" smtClean="0"/>
+              <a:t>Образец текста</a:t>
+            </a:r>
+          </a:p>
+          <a:p>
+            <a:pPr lvl="1"/>
+            <a:r>
+              <a:rPr lang="ru-RU" smtClean="0"/>
+              <a:t>Второй уровень</a:t>
+            </a:r>
+          </a:p>
+          <a:p>
+            <a:pPr lvl="2"/>
+            <a:r>
+              <a:rPr lang="ru-RU" smtClean="0"/>
+              <a:t>Третий уровень</a:t>
+            </a:r>
+          </a:p>
+          <a:p>
+            <a:pPr lvl="3"/>
+            <a:r>
+              <a:rPr lang="ru-RU" smtClean="0"/>
+              <a:t>Четвертый уровень</a:t>
+            </a:r>
+          </a:p>
+          <a:p>
+            <a:pPr lvl="4"/>
+            <a:r>
+              <a:rPr lang="ru-RU" smtClean="0"/>
+              <a:t>Пятый уровень</a:t>
+            </a:r>
+            <a:endParaRPr lang="ru-RU"/>
+          </a:p>
+        </p:txBody>
+      </p:sp>
+      <p:sp>
+        <p:nvSpPr>
+          <p:cNvPr id="6" name="Нижний колонтитул 5"/>
+          <p:cNvSpPr>
+            <a:spLocks noGrp="1"/>
+          </p:cNvSpPr>
+          <p:nvPr>
+            <p:ph type="ftr" sz="quarter" idx="4"/>
+          </p:nvPr>
+        </p:nvSpPr>
+        <p:spPr>
+          <a:xfrm>
+            <a:off x="0" y="8685213"/>
+            <a:ext cx="2971800" cy="457200"/>
+          </a:xfrm>
+          <a:prstGeom prst="rect">
+            <a:avLst/>
+          </a:prstGeom>
+        </p:spPr>
+        <p:txBody>
+          <a:bodyPr vert="horz" lIns="91440" tIns="45720" rIns="91440" bIns="45720" rtlCol="0" anchor="b"/>
+          <a:lstStyle>
+            <a:lvl1pPr algn="l">
+              <a:defRPr sz="1200"/>
+            </a:lvl1pPr>
+          </a:lstStyle>
+          <a:p>
+            <a:endParaRPr lang="ru-RU"/>
+          </a:p>
+        </p:txBody>
+      </p:sp>
+      <p:sp>
+        <p:nvSpPr>
+          <p:cNvPr id="7" name="Номер слайда 6"/>
+          <p:cNvSpPr>
+            <a:spLocks noGrp="1"/>
+          </p:cNvSpPr>
+          <p:nvPr>
+            <p:ph type="sldNum" sz="quarter" idx="5"/>
+          </p:nvPr>
+        </p:nvSpPr>
+        <p:spPr>
+          <a:xfrm>
+            <a:off x="3884613" y="8685213"/>
+            <a:ext cx="2971800" cy="457200"/>
+          </a:xfrm>
+          <a:prstGeom prst="rect">
+            <a:avLst/>
+          </a:prstGeom>
+        </p:spPr>
+        <p:txBody>
+          <a:bodyPr vert="horz" lIns="91440" tIns="45720" rIns="91440" bIns="45720" rtlCol="0" anchor="b"/>
+          <a:lstStyle>
+            <a:lvl1pPr algn="r">
+              <a:defRPr sz="1200"/>
+            </a:lvl1pPr>
+          </a:lstStyle>
+          <a:p>
+            <a:fld id="{694262F9-A436-48D9-839A-72EA6E56B710}" type="slidenum">
+              <a:rPr lang="ru-RU" smtClean="0"/>
+              <a:t>‹#›</a:t>
+            </a:fld>
+            <a:endParaRPr lang="ru-RU"/>
+          </a:p>
+        </p:txBody>
+      </p:sp>
+    </p:spTree>
+    <p:extLst>
+      <p:ext uri="{BB962C8B-B14F-4D97-AF65-F5344CB8AC3E}">
+        <p14:creationId xmlns:p14="http://schemas.microsoft.com/office/powerpoint/2010/main" val="1331173659"/>
+      </p:ext>
+    </p:extLst>
+  </p:cSld>
+  <p:clrMap bg1="lt1" tx1="dk1" bg2="lt2" tx2="dk2" accent1="accent1" accent2="accent2" accent3="accent3" accent4="accent4" accent5="accent5" accent6="accent6" hlink="hlink" folHlink="folHlink"/>
+  <p:notesStyle>
+    <a:lvl1pPr marL="0" algn="l" defTabSz="914400" rtl="0" eaLnBrk="1" latinLnBrk="0" hangingPunct="1">
+      <a:defRPr sz="1200" kern="1200">
+        <a:solidFill>
+          <a:schemeClr val="tx1"/>
+        </a:solidFill>
+        <a:latin typeface="+mn-lt"/>
+        <a:ea typeface="+mn-ea"/>
+        <a:cs typeface="+mn-cs"/>
+      </a:defRPr>
+    </a:lvl1pPr>
+    <a:lvl2pPr marL="457200" algn="l" defTabSz="914400" rtl="0" eaLnBrk="1" latinLnBrk="0" hangingPunct="1">
+      <a:defRPr sz="1200" kern="1200">
+        <a:solidFill>
+          <a:schemeClr val="tx1"/>
+        </a:solidFill>
+        <a:latin typeface="+mn-lt"/>
+        <a:ea typeface="+mn-ea"/>
+        <a:cs typeface="+mn-cs"/>
+      </a:defRPr>
+    </a:lvl2pPr>
+    <a:lvl3pPr marL="914400" algn="l" defTabSz="914400" rtl="0" eaLnBrk="1" latinLnBrk="0" hangingPunct="1">
+      <a:defRPr sz="1200" kern="1200">
+        <a:solidFill>
+          <a:schemeClr val="tx1"/>
+        </a:solidFill>
+        <a:latin typeface="+mn-lt"/>
+        <a:ea typeface="+mn-ea"/>
+        <a:cs typeface="+mn-cs"/>
+      </a:defRPr>
+    </a:lvl3pPr>
+    <a:lvl4pPr marL="1371600" algn="l" defTabSz="914400" rtl="0" eaLnBrk="1" latinLnBrk="0" hangingPunct="1">
+      <a:defRPr sz="1200" kern="1200">
+        <a:solidFill>
+          <a:schemeClr val="tx1"/>
+        </a:solidFill>
+        <a:latin typeface="+mn-lt"/>
+        <a:ea typeface="+mn-ea"/>
+        <a:cs typeface="+mn-cs"/>
+      </a:defRPr>
+    </a:lvl4pPr>
+    <a:lvl5pPr marL="1828800" algn="l" defTabSz="914400" rtl="0" eaLnBrk="1" latinLnBrk="0" hangingPunct="1">
+      <a:defRPr sz="1200" kern="1200">
+        <a:solidFill>
+          <a:schemeClr val="tx1"/>
+        </a:solidFill>
+        <a:latin typeface="+mn-lt"/>
+        <a:ea typeface="+mn-ea"/>
+        <a:cs typeface="+mn-cs"/>
+      </a:defRPr>
+    </a:lvl5pPr>
+    <a:lvl6pPr marL="2286000" algn="l" defTabSz="914400" rtl="0" eaLnBrk="1" latinLnBrk="0" hangingPunct="1">
+      <a:defRPr sz="1200" kern="1200">
+        <a:solidFill>
+          <a:schemeClr val="tx1"/>
+        </a:solidFill>
+        <a:latin typeface="+mn-lt"/>
+        <a:ea typeface="+mn-ea"/>
+        <a:cs typeface="+mn-cs"/>
+      </a:defRPr>
+    </a:lvl6pPr>
+    <a:lvl7pPr marL="2743200" algn="l" defTabSz="914400" rtl="0" eaLnBrk="1" latinLnBrk="0" hangingPunct="1">
+      <a:defRPr sz="1200" kern="1200">
+        <a:solidFill>
+          <a:schemeClr val="tx1"/>
+        </a:solidFill>
+        <a:latin typeface="+mn-lt"/>
+        <a:ea typeface="+mn-ea"/>
+        <a:cs typeface="+mn-cs"/>
+      </a:defRPr>
+    </a:lvl7pPr>
+    <a:lvl8pPr marL="3200400" algn="l" defTabSz="914400" rtl="0" eaLnBrk="1" latinLnBrk="0" hangingPunct="1">
+      <a:defRPr sz="1200" kern="1200">
+        <a:solidFill>
+          <a:schemeClr val="tx1"/>
+        </a:solidFill>
+        <a:latin typeface="+mn-lt"/>
+        <a:ea typeface="+mn-ea"/>
+        <a:cs typeface="+mn-cs"/>
+      </a:defRPr>
+    </a:lvl8pPr>
+    <a:lvl9pPr marL="3657600" algn="l" defTabSz="914400" rtl="0" eaLnBrk="1" latinLnBrk="0" hangingPunct="1">
+      <a:defRPr sz="1200" kern="1200">
+        <a:solidFill>
+          <a:schemeClr val="tx1"/>
+        </a:solidFill>
+        <a:latin typeface="+mn-lt"/>
+        <a:ea typeface="+mn-ea"/>
+        <a:cs typeface="+mn-cs"/>
+      </a:defRPr>
+    </a:lvl9pPr>
+  </p:notesStyle>
+</p:notesMaster>
+</file>
+
 <file path=ppt/slideLayouts/slideLayout1.xml><?xml version="1.0" encoding="utf-8"?>
 <p:sldLayout xmlns:a="http://schemas.openxmlformats.org/drawingml/2006/main" xmlns:r="http://schemas.openxmlformats.org/officeDocument/2006/relationships" xmlns:p="http://schemas.openxmlformats.org/presentationml/2006/main" type="title" preserve="1">
   <p:cSld name="Titelfolie">
@@ -303,9 +656,9 @@
           <a:bodyPr/>
           <a:lstStyle/>
           <a:p>
-            <a:fld id="{DADE5541-CCBC-45F8-BFC8-A72604CF239D}" type="datetimeFigureOut">
+            <a:fld id="{14FE75C5-87F9-4051-851A-8E8E67348435}" type="datetime1">
               <a:rPr lang="de-DE" smtClean="0"/>
-              <a:t>24.07.2019</a:t>
+              <a:t>25.07.2019</a:t>
             </a:fld>
             <a:endParaRPr lang="de-DE"/>
           </a:p>
@@ -473,9 +826,9 @@
           <a:bodyPr/>
           <a:lstStyle/>
           <a:p>
-            <a:fld id="{DADE5541-CCBC-45F8-BFC8-A72604CF239D}" type="datetimeFigureOut">
+            <a:fld id="{FA244B9F-E1D3-46D2-A1BD-3B3F23DA19E9}" type="datetime1">
               <a:rPr lang="de-DE" smtClean="0"/>
-              <a:t>24.07.2019</a:t>
+              <a:t>25.07.2019</a:t>
             </a:fld>
             <a:endParaRPr lang="de-DE"/>
           </a:p>
@@ -653,9 +1006,9 @@
           <a:bodyPr/>
           <a:lstStyle/>
           <a:p>
-            <a:fld id="{DADE5541-CCBC-45F8-BFC8-A72604CF239D}" type="datetimeFigureOut">
+            <a:fld id="{9A30AAB3-8550-4870-9ACE-1F5AD8AF2234}" type="datetime1">
               <a:rPr lang="de-DE" smtClean="0"/>
-              <a:t>24.07.2019</a:t>
+              <a:t>25.07.2019</a:t>
             </a:fld>
             <a:endParaRPr lang="de-DE"/>
           </a:p>
@@ -856,9 +1209,9 @@
           <a:bodyPr/>
           <a:lstStyle/>
           <a:p>
-            <a:fld id="{DADE5541-CCBC-45F8-BFC8-A72604CF239D}" type="datetimeFigureOut">
+            <a:fld id="{28BF5DDA-2C36-4529-8EBC-D0CAB8CBB87F}" type="datetime1">
               <a:rPr lang="de-DE" smtClean="0"/>
-              <a:t>24.07.2019</a:t>
+              <a:t>25.07.2019</a:t>
             </a:fld>
             <a:endParaRPr lang="de-DE"/>
           </a:p>
@@ -1026,9 +1379,9 @@
           <a:bodyPr/>
           <a:lstStyle/>
           <a:p>
-            <a:fld id="{DADE5541-CCBC-45F8-BFC8-A72604CF239D}" type="datetimeFigureOut">
+            <a:fld id="{56FDCEAD-954B-47B3-BC5C-040C2EBDF397}" type="datetime1">
               <a:rPr lang="de-DE" smtClean="0"/>
-              <a:t>24.07.2019</a:t>
+              <a:t>25.07.2019</a:t>
             </a:fld>
             <a:endParaRPr lang="de-DE"/>
           </a:p>
@@ -1277,9 +1630,9 @@
           <a:bodyPr/>
           <a:lstStyle/>
           <a:p>
-            <a:fld id="{DADE5541-CCBC-45F8-BFC8-A72604CF239D}" type="datetimeFigureOut">
+            <a:fld id="{7D26F93C-E1F4-4F20-8613-5177E358C923}" type="datetime1">
               <a:rPr lang="de-DE" smtClean="0"/>
-              <a:t>24.07.2019</a:t>
+              <a:t>25.07.2019</a:t>
             </a:fld>
             <a:endParaRPr lang="de-DE"/>
           </a:p>
@@ -1509,9 +1862,9 @@
           <a:bodyPr/>
           <a:lstStyle/>
           <a:p>
-            <a:fld id="{DADE5541-CCBC-45F8-BFC8-A72604CF239D}" type="datetimeFigureOut">
+            <a:fld id="{B3E1B480-89D7-4A72-BBF4-B0073C6D3AFB}" type="datetime1">
               <a:rPr lang="de-DE" smtClean="0"/>
-              <a:t>24.07.2019</a:t>
+              <a:t>25.07.2019</a:t>
             </a:fld>
             <a:endParaRPr lang="de-DE"/>
           </a:p>
@@ -1856,9 +2209,9 @@
           <a:bodyPr/>
           <a:lstStyle/>
           <a:p>
-            <a:fld id="{DADE5541-CCBC-45F8-BFC8-A72604CF239D}" type="datetimeFigureOut">
+            <a:fld id="{6D5557D5-F482-496C-945F-39C6D82ED17C}" type="datetime1">
               <a:rPr lang="de-DE" smtClean="0"/>
-              <a:t>24.07.2019</a:t>
+              <a:t>25.07.2019</a:t>
             </a:fld>
             <a:endParaRPr lang="de-DE"/>
           </a:p>
@@ -1974,9 +2327,9 @@
           <a:bodyPr/>
           <a:lstStyle/>
           <a:p>
-            <a:fld id="{DADE5541-CCBC-45F8-BFC8-A72604CF239D}" type="datetimeFigureOut">
+            <a:fld id="{4895C423-4C8E-4024-988D-71CB633B0ACC}" type="datetime1">
               <a:rPr lang="de-DE" smtClean="0"/>
-              <a:t>24.07.2019</a:t>
+              <a:t>25.07.2019</a:t>
             </a:fld>
             <a:endParaRPr lang="de-DE"/>
           </a:p>
@@ -2092,9 +2445,9 @@
           <a:bodyPr/>
           <a:lstStyle/>
           <a:p>
-            <a:fld id="{DADE5541-CCBC-45F8-BFC8-A72604CF239D}" type="datetimeFigureOut">
+            <a:fld id="{EDD0B4CB-3EAA-4D97-B6AD-70F862ABEB5D}" type="datetime1">
               <a:rPr lang="de-DE" smtClean="0"/>
-              <a:t>24.07.2019</a:t>
+              <a:t>25.07.2019</a:t>
             </a:fld>
             <a:endParaRPr lang="de-DE"/>
           </a:p>
@@ -2376,9 +2729,9 @@
           <a:bodyPr/>
           <a:lstStyle/>
           <a:p>
-            <a:fld id="{DADE5541-CCBC-45F8-BFC8-A72604CF239D}" type="datetimeFigureOut">
+            <a:fld id="{9E6F9760-9C1E-4B8F-BBF8-52129866B2AC}" type="datetime1">
               <a:rPr lang="de-DE" smtClean="0"/>
-              <a:t>24.07.2019</a:t>
+              <a:t>25.07.2019</a:t>
             </a:fld>
             <a:endParaRPr lang="de-DE"/>
           </a:p>
@@ -2546,9 +2899,9 @@
           <a:bodyPr/>
           <a:lstStyle/>
           <a:p>
-            <a:fld id="{DADE5541-CCBC-45F8-BFC8-A72604CF239D}" type="datetimeFigureOut">
+            <a:fld id="{A6454647-2145-4D94-8590-8435CF66B1C4}" type="datetime1">
               <a:rPr lang="de-DE" smtClean="0"/>
-              <a:t>24.07.2019</a:t>
+              <a:t>25.07.2019</a:t>
             </a:fld>
             <a:endParaRPr lang="de-DE"/>
           </a:p>
@@ -2810,9 +3163,9 @@
           <a:bodyPr/>
           <a:lstStyle/>
           <a:p>
-            <a:fld id="{DADE5541-CCBC-45F8-BFC8-A72604CF239D}" type="datetimeFigureOut">
+            <a:fld id="{1105696D-2825-4E85-BA4A-A14844CB9C87}" type="datetime1">
               <a:rPr lang="de-DE" smtClean="0"/>
-              <a:t>24.07.2019</a:t>
+              <a:t>25.07.2019</a:t>
             </a:fld>
             <a:endParaRPr lang="de-DE"/>
           </a:p>
@@ -2980,9 +3333,9 @@
           <a:bodyPr/>
           <a:lstStyle/>
           <a:p>
-            <a:fld id="{DADE5541-CCBC-45F8-BFC8-A72604CF239D}" type="datetimeFigureOut">
+            <a:fld id="{A8B2DD26-B5D6-46B5-A9BA-BED25693C542}" type="datetime1">
               <a:rPr lang="de-DE" smtClean="0"/>
-              <a:t>24.07.2019</a:t>
+              <a:t>25.07.2019</a:t>
             </a:fld>
             <a:endParaRPr lang="de-DE"/>
           </a:p>
@@ -3160,9 +3513,9 @@
           <a:bodyPr/>
           <a:lstStyle/>
           <a:p>
-            <a:fld id="{DADE5541-CCBC-45F8-BFC8-A72604CF239D}" type="datetimeFigureOut">
+            <a:fld id="{2F0907CC-B400-4CF8-862B-8D41DE688331}" type="datetime1">
               <a:rPr lang="de-DE" smtClean="0"/>
-              <a:t>24.07.2019</a:t>
+              <a:t>25.07.2019</a:t>
             </a:fld>
             <a:endParaRPr lang="de-DE"/>
           </a:p>
@@ -3447,9 +3800,9 @@
           <a:bodyPr/>
           <a:lstStyle/>
           <a:p>
-            <a:fld id="{DADE5541-CCBC-45F8-BFC8-A72604CF239D}" type="datetimeFigureOut">
+            <a:fld id="{4C02FF2E-F5C1-4D6A-B6D7-5C70F0BFA131}" type="datetime1">
               <a:rPr lang="de-DE" smtClean="0"/>
-              <a:t>24.07.2019</a:t>
+              <a:t>25.07.2019</a:t>
             </a:fld>
             <a:endParaRPr lang="de-DE"/>
           </a:p>
@@ -3655,9 +4008,9 @@
           <a:bodyPr/>
           <a:lstStyle/>
           <a:p>
-            <a:fld id="{DADE5541-CCBC-45F8-BFC8-A72604CF239D}" type="datetimeFigureOut">
+            <a:fld id="{68ABDC79-5653-4FCA-85E5-1C82A8DD717D}" type="datetime1">
               <a:rPr lang="de-DE" smtClean="0"/>
-              <a:t>24.07.2019</a:t>
+              <a:t>25.07.2019</a:t>
             </a:fld>
             <a:endParaRPr lang="de-DE"/>
           </a:p>
@@ -3998,9 +4351,9 @@
           <a:bodyPr/>
           <a:lstStyle/>
           <a:p>
-            <a:fld id="{DADE5541-CCBC-45F8-BFC8-A72604CF239D}" type="datetimeFigureOut">
+            <a:fld id="{A2438ED4-0F99-4DF0-9FBF-0B69E51A7725}" type="datetime1">
               <a:rPr lang="de-DE" smtClean="0"/>
-              <a:t>24.07.2019</a:t>
+              <a:t>25.07.2019</a:t>
             </a:fld>
             <a:endParaRPr lang="de-DE"/>
           </a:p>
@@ -4273,9 +4626,9 @@
           <a:bodyPr/>
           <a:lstStyle/>
           <a:p>
-            <a:fld id="{DADE5541-CCBC-45F8-BFC8-A72604CF239D}" type="datetimeFigureOut">
+            <a:fld id="{5CF83DD2-5BC5-4F0E-9028-8F52A7EAC182}" type="datetime1">
               <a:rPr lang="de-DE" smtClean="0"/>
-              <a:t>24.07.2019</a:t>
+              <a:t>25.07.2019</a:t>
             </a:fld>
             <a:endParaRPr lang="de-DE"/>
           </a:p>
@@ -4652,9 +5005,9 @@
           <a:bodyPr/>
           <a:lstStyle/>
           <a:p>
-            <a:fld id="{DADE5541-CCBC-45F8-BFC8-A72604CF239D}" type="datetimeFigureOut">
+            <a:fld id="{66B1C3AE-C086-41DE-A0D0-15CC509DF25E}" type="datetime1">
               <a:rPr lang="de-DE" smtClean="0"/>
-              <a:t>24.07.2019</a:t>
+              <a:t>25.07.2019</a:t>
             </a:fld>
             <a:endParaRPr lang="de-DE"/>
           </a:p>
@@ -4770,9 +5123,9 @@
           <a:bodyPr/>
           <a:lstStyle/>
           <a:p>
-            <a:fld id="{DADE5541-CCBC-45F8-BFC8-A72604CF239D}" type="datetimeFigureOut">
+            <a:fld id="{EA57EB90-0EA9-40EC-83CE-84E1D76C31EC}" type="datetime1">
               <a:rPr lang="de-DE" smtClean="0"/>
-              <a:t>24.07.2019</a:t>
+              <a:t>25.07.2019</a:t>
             </a:fld>
             <a:endParaRPr lang="de-DE"/>
           </a:p>
@@ -4941,9 +5294,9 @@
           <a:bodyPr/>
           <a:lstStyle/>
           <a:p>
-            <a:fld id="{DADE5541-CCBC-45F8-BFC8-A72604CF239D}" type="datetimeFigureOut">
+            <a:fld id="{67B6D1C2-6D78-475B-A258-5FCA05F5C7ED}" type="datetime1">
               <a:rPr lang="de-DE" smtClean="0"/>
-              <a:t>24.07.2019</a:t>
+              <a:t>25.07.2019</a:t>
             </a:fld>
             <a:endParaRPr lang="de-DE"/>
           </a:p>
@@ -5200,9 +5553,9 @@
           <a:bodyPr/>
           <a:lstStyle/>
           <a:p>
-            <a:fld id="{DADE5541-CCBC-45F8-BFC8-A72604CF239D}" type="datetimeFigureOut">
+            <a:fld id="{BA6AA344-724E-4923-9DBF-6806621986D9}" type="datetime1">
               <a:rPr lang="de-DE" smtClean="0"/>
-              <a:t>24.07.2019</a:t>
+              <a:t>25.07.2019</a:t>
             </a:fld>
             <a:endParaRPr lang="de-DE"/>
           </a:p>
@@ -5546,9 +5899,9 @@
             </a:lvl1pPr>
           </a:lstStyle>
           <a:p>
-            <a:fld id="{DADE5541-CCBC-45F8-BFC8-A72604CF239D}" type="datetimeFigureOut">
+            <a:fld id="{6980BFA2-4F05-436B-9023-7AB39713DC64}" type="datetime1">
               <a:rPr lang="de-DE" smtClean="0"/>
-              <a:t>24.07.2019</a:t>
+              <a:t>25.07.2019</a:t>
             </a:fld>
             <a:endParaRPr lang="de-DE"/>
           </a:p>
@@ -5923,9 +6276,9 @@
           <a:bodyPr/>
           <a:lstStyle/>
           <a:p>
-            <a:fld id="{DADE5541-CCBC-45F8-BFC8-A72604CF239D}" type="datetimeFigureOut">
+            <a:fld id="{2B01ADA9-1299-491C-8B6E-F5E553C07B9B}" type="datetime1">
               <a:rPr lang="de-DE" smtClean="0"/>
-              <a:t>24.07.2019</a:t>
+              <a:t>25.07.2019</a:t>
             </a:fld>
             <a:endParaRPr lang="de-DE"/>
           </a:p>
@@ -6093,9 +6446,9 @@
           <a:bodyPr/>
           <a:lstStyle/>
           <a:p>
-            <a:fld id="{DADE5541-CCBC-45F8-BFC8-A72604CF239D}" type="datetimeFigureOut">
+            <a:fld id="{C77502E2-B2ED-4F47-9654-78833CC22AF5}" type="datetime1">
               <a:rPr lang="de-DE" smtClean="0"/>
-              <a:t>24.07.2019</a:t>
+              <a:t>25.07.2019</a:t>
             </a:fld>
             <a:endParaRPr lang="de-DE"/>
           </a:p>
@@ -6349,9 +6702,9 @@
           <a:bodyPr/>
           <a:lstStyle/>
           <a:p>
-            <a:fld id="{DADE5541-CCBC-45F8-BFC8-A72604CF239D}" type="datetimeFigureOut">
+            <a:fld id="{93FEAD2A-0549-4DBA-BCB3-527556FFEE57}" type="datetime1">
               <a:rPr lang="de-DE" smtClean="0"/>
-              <a:t>24.07.2019</a:t>
+              <a:t>25.07.2019</a:t>
             </a:fld>
             <a:endParaRPr lang="de-DE"/>
           </a:p>
@@ -6581,9 +6934,9 @@
           <a:bodyPr/>
           <a:lstStyle/>
           <a:p>
-            <a:fld id="{DADE5541-CCBC-45F8-BFC8-A72604CF239D}" type="datetimeFigureOut">
+            <a:fld id="{22EBE2AF-B228-4761-8FEC-3EC00FA20C10}" type="datetime1">
               <a:rPr lang="de-DE" smtClean="0"/>
-              <a:t>24.07.2019</a:t>
+              <a:t>25.07.2019</a:t>
             </a:fld>
             <a:endParaRPr lang="de-DE"/>
           </a:p>
@@ -6928,9 +7281,9 @@
           <a:bodyPr/>
           <a:lstStyle/>
           <a:p>
-            <a:fld id="{DADE5541-CCBC-45F8-BFC8-A72604CF239D}" type="datetimeFigureOut">
+            <a:fld id="{C8AAB005-255E-486C-B1AE-EA3E0B388F91}" type="datetime1">
               <a:rPr lang="de-DE" smtClean="0"/>
-              <a:t>24.07.2019</a:t>
+              <a:t>25.07.2019</a:t>
             </a:fld>
             <a:endParaRPr lang="de-DE"/>
           </a:p>
@@ -7046,9 +7399,9 @@
           <a:bodyPr/>
           <a:lstStyle/>
           <a:p>
-            <a:fld id="{DADE5541-CCBC-45F8-BFC8-A72604CF239D}" type="datetimeFigureOut">
+            <a:fld id="{47A6A8AD-D91F-4BFF-B977-8ADA6D87FBC1}" type="datetime1">
               <a:rPr lang="de-DE" smtClean="0"/>
-              <a:t>24.07.2019</a:t>
+              <a:t>25.07.2019</a:t>
             </a:fld>
             <a:endParaRPr lang="de-DE"/>
           </a:p>
@@ -7164,9 +7517,9 @@
           <a:bodyPr/>
           <a:lstStyle/>
           <a:p>
-            <a:fld id="{DADE5541-CCBC-45F8-BFC8-A72604CF239D}" type="datetimeFigureOut">
+            <a:fld id="{3EB46EC3-281F-4FC0-A25C-351FA030F632}" type="datetime1">
               <a:rPr lang="de-DE" smtClean="0"/>
-              <a:t>24.07.2019</a:t>
+              <a:t>25.07.2019</a:t>
             </a:fld>
             <a:endParaRPr lang="de-DE"/>
           </a:p>
@@ -7448,9 +7801,9 @@
           <a:bodyPr/>
           <a:lstStyle/>
           <a:p>
-            <a:fld id="{DADE5541-CCBC-45F8-BFC8-A72604CF239D}" type="datetimeFigureOut">
+            <a:fld id="{98C20EA2-E2C4-4E6D-9AAA-32F8F349B5A5}" type="datetime1">
               <a:rPr lang="de-DE" smtClean="0"/>
-              <a:t>24.07.2019</a:t>
+              <a:t>25.07.2019</a:t>
             </a:fld>
             <a:endParaRPr lang="de-DE"/>
           </a:p>
@@ -7712,9 +8065,9 @@
           <a:bodyPr/>
           <a:lstStyle/>
           <a:p>
-            <a:fld id="{DADE5541-CCBC-45F8-BFC8-A72604CF239D}" type="datetimeFigureOut">
+            <a:fld id="{EE071683-D01D-4293-800B-B172C8D16A2B}" type="datetime1">
               <a:rPr lang="de-DE" smtClean="0"/>
-              <a:t>24.07.2019</a:t>
+              <a:t>25.07.2019</a:t>
             </a:fld>
             <a:endParaRPr lang="de-DE"/>
           </a:p>
@@ -7926,9 +8279,9 @@
             </a:lvl1pPr>
           </a:lstStyle>
           <a:p>
-            <a:fld id="{DADE5541-CCBC-45F8-BFC8-A72604CF239D}" type="datetimeFigureOut">
+            <a:fld id="{1EC7CCBD-12CA-4CA8-9309-BEBEB74536F0}" type="datetime1">
               <a:rPr lang="de-DE" smtClean="0"/>
-              <a:t>24.07.2019</a:t>
+              <a:t>25.07.2019</a:t>
             </a:fld>
             <a:endParaRPr lang="de-DE"/>
           </a:p>
@@ -8034,6 +8387,7 @@
     <p:sldLayoutId id="2147483699" r:id="rId10"/>
     <p:sldLayoutId id="2147483700" r:id="rId11"/>
   </p:sldLayoutIdLst>
+  <p:hf hdr="0" ftr="0" dt="0"/>
   <p:txStyles>
     <p:titleStyle>
       <a:lvl1pPr algn="l" defTabSz="914400" rtl="0" eaLnBrk="1" latinLnBrk="0" hangingPunct="1">
@@ -8456,9 +8810,9 @@
             </a:lvl1pPr>
           </a:lstStyle>
           <a:p>
-            <a:fld id="{DADE5541-CCBC-45F8-BFC8-A72604CF239D}" type="datetimeFigureOut">
+            <a:fld id="{1A64A0C1-6807-4CFF-B192-70C3865CB100}" type="datetime1">
               <a:rPr lang="de-DE" smtClean="0"/>
-              <a:t>24.07.2019</a:t>
+              <a:t>25.07.2019</a:t>
             </a:fld>
             <a:endParaRPr lang="de-DE"/>
           </a:p>
@@ -8564,6 +8918,7 @@
     <p:sldLayoutId id="2147483711" r:id="rId10"/>
     <p:sldLayoutId id="2147483712" r:id="rId11"/>
   </p:sldLayoutIdLst>
+  <p:hf hdr="0" ftr="0" dt="0"/>
   <p:txStyles>
     <p:titleStyle>
       <a:lvl1pPr algn="l" defTabSz="914400" rtl="0" eaLnBrk="1" latinLnBrk="0" hangingPunct="1">
@@ -9059,9 +9414,9 @@
             </a:lvl1pPr>
           </a:lstStyle>
           <a:p>
-            <a:fld id="{DADE5541-CCBC-45F8-BFC8-A72604CF239D}" type="datetimeFigureOut">
+            <a:fld id="{80F278E1-8AD1-4B62-BB85-7854803F3FA5}" type="datetime1">
               <a:rPr lang="de-DE" smtClean="0"/>
-              <a:t>24.07.2019</a:t>
+              <a:t>25.07.2019</a:t>
             </a:fld>
             <a:endParaRPr lang="de-DE"/>
           </a:p>
@@ -9200,6 +9555,7 @@
     <p:sldLayoutId id="2147483752" r:id="rId10"/>
     <p:sldLayoutId id="2147483753" r:id="rId11"/>
   </p:sldLayoutIdLst>
+  <p:hf hdr="0" ftr="0" dt="0"/>
   <p:txStyles>
     <p:titleStyle>
       <a:lvl1pPr algn="l" defTabSz="914400" rtl="0" eaLnBrk="1" latinLnBrk="0" hangingPunct="1">
@@ -9894,6 +10250,29 @@
           </a:fontRef>
         </p:style>
       </p:sp>
+      <p:sp>
+        <p:nvSpPr>
+          <p:cNvPr id="4" name="Номер слайда 3"/>
+          <p:cNvSpPr>
+            <a:spLocks noGrp="1"/>
+          </p:cNvSpPr>
+          <p:nvPr>
+            <p:ph type="sldNum" sz="quarter" idx="12"/>
+          </p:nvPr>
+        </p:nvSpPr>
+        <p:spPr/>
+        <p:txBody>
+          <a:bodyPr/>
+          <a:lstStyle/>
+          <a:p>
+            <a:fld id="{29E7901B-09AF-4D4A-907F-86E00F8E0E92}" type="slidenum">
+              <a:rPr lang="de-DE" smtClean="0"/>
+              <a:t>1</a:t>
+            </a:fld>
+            <a:endParaRPr lang="de-DE"/>
+          </a:p>
+        </p:txBody>
+      </p:sp>
     </p:spTree>
     <p:extLst>
       <p:ext uri="{BB962C8B-B14F-4D97-AF65-F5344CB8AC3E}">
@@ -10288,6 +10667,29 @@
               <a:t>We need a reference point for drawing canvas to evaluate our own hand-written digits</a:t>
             </a:r>
             <a:endParaRPr lang="ru-RU" sz="2400" dirty="0"/>
+          </a:p>
+        </p:txBody>
+      </p:sp>
+      <p:sp>
+        <p:nvSpPr>
+          <p:cNvPr id="5" name="Номер слайда 4"/>
+          <p:cNvSpPr>
+            <a:spLocks noGrp="1"/>
+          </p:cNvSpPr>
+          <p:nvPr>
+            <p:ph type="sldNum" sz="quarter" idx="12"/>
+          </p:nvPr>
+        </p:nvSpPr>
+        <p:spPr/>
+        <p:txBody>
+          <a:bodyPr/>
+          <a:lstStyle/>
+          <a:p>
+            <a:fld id="{29E7901B-09AF-4D4A-907F-86E00F8E0E92}" type="slidenum">
+              <a:rPr lang="de-DE" smtClean="0"/>
+              <a:t>10</a:t>
+            </a:fld>
+            <a:endParaRPr lang="de-DE"/>
           </a:p>
         </p:txBody>
       </p:sp>
@@ -10432,6 +10834,29 @@
           </a:p>
         </p:txBody>
       </p:sp>
+      <p:sp>
+        <p:nvSpPr>
+          <p:cNvPr id="2" name="Номер слайда 1"/>
+          <p:cNvSpPr>
+            <a:spLocks noGrp="1"/>
+          </p:cNvSpPr>
+          <p:nvPr>
+            <p:ph type="sldNum" sz="quarter" idx="12"/>
+          </p:nvPr>
+        </p:nvSpPr>
+        <p:spPr/>
+        <p:txBody>
+          <a:bodyPr/>
+          <a:lstStyle/>
+          <a:p>
+            <a:fld id="{29E7901B-09AF-4D4A-907F-86E00F8E0E92}" type="slidenum">
+              <a:rPr lang="de-DE" smtClean="0"/>
+              <a:t>11</a:t>
+            </a:fld>
+            <a:endParaRPr lang="de-DE"/>
+          </a:p>
+        </p:txBody>
+      </p:sp>
     </p:spTree>
     <p:extLst>
       <p:ext uri="{BB962C8B-B14F-4D97-AF65-F5344CB8AC3E}">
@@ -10845,6 +11270,29 @@
           </a:xfrm>
         </p:spPr>
       </p:pic>
+      <p:sp>
+        <p:nvSpPr>
+          <p:cNvPr id="2" name="Номер слайда 1"/>
+          <p:cNvSpPr>
+            <a:spLocks noGrp="1"/>
+          </p:cNvSpPr>
+          <p:nvPr>
+            <p:ph type="sldNum" sz="quarter" idx="12"/>
+          </p:nvPr>
+        </p:nvSpPr>
+        <p:spPr/>
+        <p:txBody>
+          <a:bodyPr/>
+          <a:lstStyle/>
+          <a:p>
+            <a:fld id="{29E7901B-09AF-4D4A-907F-86E00F8E0E92}" type="slidenum">
+              <a:rPr lang="de-DE" smtClean="0"/>
+              <a:t>12</a:t>
+            </a:fld>
+            <a:endParaRPr lang="de-DE"/>
+          </a:p>
+        </p:txBody>
+      </p:sp>
     </p:spTree>
     <p:extLst>
       <p:ext uri="{BB962C8B-B14F-4D97-AF65-F5344CB8AC3E}">
@@ -10952,6 +11400,29 @@
           <a:bodyPr/>
           <a:lstStyle/>
           <a:p>
+            <a:endParaRPr lang="de-DE"/>
+          </a:p>
+        </p:txBody>
+      </p:sp>
+      <p:sp>
+        <p:nvSpPr>
+          <p:cNvPr id="2" name="Номер слайда 1"/>
+          <p:cNvSpPr>
+            <a:spLocks noGrp="1"/>
+          </p:cNvSpPr>
+          <p:nvPr>
+            <p:ph type="sldNum" sz="quarter" idx="12"/>
+          </p:nvPr>
+        </p:nvSpPr>
+        <p:spPr/>
+        <p:txBody>
+          <a:bodyPr/>
+          <a:lstStyle/>
+          <a:p>
+            <a:fld id="{29E7901B-09AF-4D4A-907F-86E00F8E0E92}" type="slidenum">
+              <a:rPr lang="de-DE" smtClean="0"/>
+              <a:t>13</a:t>
+            </a:fld>
             <a:endParaRPr lang="de-DE"/>
           </a:p>
         </p:txBody>
@@ -11412,6 +11883,29 @@
             <a:schemeClr val="lt1"/>
           </a:fontRef>
         </p:style>
+      </p:sp>
+      <p:sp>
+        <p:nvSpPr>
+          <p:cNvPr id="3" name="Номер слайда 2"/>
+          <p:cNvSpPr>
+            <a:spLocks noGrp="1"/>
+          </p:cNvSpPr>
+          <p:nvPr>
+            <p:ph type="sldNum" sz="quarter" idx="12"/>
+          </p:nvPr>
+        </p:nvSpPr>
+        <p:spPr/>
+        <p:txBody>
+          <a:bodyPr/>
+          <a:lstStyle/>
+          <a:p>
+            <a:fld id="{29E7901B-09AF-4D4A-907F-86E00F8E0E92}" type="slidenum">
+              <a:rPr lang="de-DE" smtClean="0"/>
+              <a:t>14</a:t>
+            </a:fld>
+            <a:endParaRPr lang="de-DE"/>
+          </a:p>
+        </p:txBody>
       </p:sp>
     </p:spTree>
     <p:extLst>
@@ -11823,6 +12317,29 @@
           </a:xfrm>
         </p:spPr>
       </p:pic>
+      <p:sp>
+        <p:nvSpPr>
+          <p:cNvPr id="3" name="Номер слайда 2"/>
+          <p:cNvSpPr>
+            <a:spLocks noGrp="1"/>
+          </p:cNvSpPr>
+          <p:nvPr>
+            <p:ph type="sldNum" sz="quarter" idx="12"/>
+          </p:nvPr>
+        </p:nvSpPr>
+        <p:spPr/>
+        <p:txBody>
+          <a:bodyPr/>
+          <a:lstStyle/>
+          <a:p>
+            <a:fld id="{29E7901B-09AF-4D4A-907F-86E00F8E0E92}" type="slidenum">
+              <a:rPr lang="de-DE" smtClean="0"/>
+              <a:t>15</a:t>
+            </a:fld>
+            <a:endParaRPr lang="de-DE"/>
+          </a:p>
+        </p:txBody>
+      </p:sp>
     </p:spTree>
     <p:extLst>
       <p:ext uri="{BB962C8B-B14F-4D97-AF65-F5344CB8AC3E}">
@@ -12180,6 +12697,29 @@
           </a:p>
         </p:txBody>
       </p:sp>
+      <p:sp>
+        <p:nvSpPr>
+          <p:cNvPr id="3" name="Номер слайда 2"/>
+          <p:cNvSpPr>
+            <a:spLocks noGrp="1"/>
+          </p:cNvSpPr>
+          <p:nvPr>
+            <p:ph type="sldNum" sz="quarter" idx="12"/>
+          </p:nvPr>
+        </p:nvSpPr>
+        <p:spPr/>
+        <p:txBody>
+          <a:bodyPr/>
+          <a:lstStyle/>
+          <a:p>
+            <a:fld id="{29E7901B-09AF-4D4A-907F-86E00F8E0E92}" type="slidenum">
+              <a:rPr lang="de-DE" smtClean="0"/>
+              <a:t>16</a:t>
+            </a:fld>
+            <a:endParaRPr lang="de-DE"/>
+          </a:p>
+        </p:txBody>
+      </p:sp>
     </p:spTree>
     <p:extLst>
       <p:ext uri="{BB962C8B-B14F-4D97-AF65-F5344CB8AC3E}">
@@ -12270,6 +12810,29 @@
           </a:p>
         </p:txBody>
       </p:sp>
+      <p:sp>
+        <p:nvSpPr>
+          <p:cNvPr id="2" name="Номер слайда 1"/>
+          <p:cNvSpPr>
+            <a:spLocks noGrp="1"/>
+          </p:cNvSpPr>
+          <p:nvPr>
+            <p:ph type="sldNum" sz="quarter" idx="12"/>
+          </p:nvPr>
+        </p:nvSpPr>
+        <p:spPr/>
+        <p:txBody>
+          <a:bodyPr/>
+          <a:lstStyle/>
+          <a:p>
+            <a:fld id="{29E7901B-09AF-4D4A-907F-86E00F8E0E92}" type="slidenum">
+              <a:rPr lang="de-DE" smtClean="0"/>
+              <a:t>17</a:t>
+            </a:fld>
+            <a:endParaRPr lang="de-DE"/>
+          </a:p>
+        </p:txBody>
+      </p:sp>
     </p:spTree>
     <p:extLst>
       <p:ext uri="{BB962C8B-B14F-4D97-AF65-F5344CB8AC3E}">
@@ -12772,6 +13335,29 @@
               <a:t>Preparations: self-written parser</a:t>
             </a:r>
             <a:endParaRPr lang="ru-RU" sz="2000" dirty="0"/>
+          </a:p>
+        </p:txBody>
+      </p:sp>
+      <p:sp>
+        <p:nvSpPr>
+          <p:cNvPr id="4" name="Номер слайда 3"/>
+          <p:cNvSpPr>
+            <a:spLocks noGrp="1"/>
+          </p:cNvSpPr>
+          <p:nvPr>
+            <p:ph type="sldNum" sz="quarter" idx="12"/>
+          </p:nvPr>
+        </p:nvSpPr>
+        <p:spPr/>
+        <p:txBody>
+          <a:bodyPr/>
+          <a:lstStyle/>
+          <a:p>
+            <a:fld id="{29E7901B-09AF-4D4A-907F-86E00F8E0E92}" type="slidenum">
+              <a:rPr lang="de-DE" smtClean="0"/>
+              <a:t>2</a:t>
+            </a:fld>
+            <a:endParaRPr lang="de-DE"/>
           </a:p>
         </p:txBody>
       </p:sp>
@@ -13880,6 +14466,29 @@
               <a:rPr lang="de-DE" sz="2000" dirty="0"/>
               <a:t>)</a:t>
             </a:r>
+          </a:p>
+        </p:txBody>
+      </p:sp>
+      <p:sp>
+        <p:nvSpPr>
+          <p:cNvPr id="3" name="Номер слайда 2"/>
+          <p:cNvSpPr>
+            <a:spLocks noGrp="1"/>
+          </p:cNvSpPr>
+          <p:nvPr>
+            <p:ph type="sldNum" sz="quarter" idx="12"/>
+          </p:nvPr>
+        </p:nvSpPr>
+        <p:spPr/>
+        <p:txBody>
+          <a:bodyPr/>
+          <a:lstStyle/>
+          <a:p>
+            <a:fld id="{29E7901B-09AF-4D4A-907F-86E00F8E0E92}" type="slidenum">
+              <a:rPr lang="de-DE" smtClean="0"/>
+              <a:t>3</a:t>
+            </a:fld>
+            <a:endParaRPr lang="de-DE"/>
           </a:p>
         </p:txBody>
       </p:sp>
@@ -14663,6 +15272,29 @@
           </a:prstGeom>
         </p:spPr>
       </p:pic>
+      <p:sp>
+        <p:nvSpPr>
+          <p:cNvPr id="3" name="Номер слайда 2"/>
+          <p:cNvSpPr>
+            <a:spLocks noGrp="1"/>
+          </p:cNvSpPr>
+          <p:nvPr>
+            <p:ph type="sldNum" sz="quarter" idx="12"/>
+          </p:nvPr>
+        </p:nvSpPr>
+        <p:spPr/>
+        <p:txBody>
+          <a:bodyPr/>
+          <a:lstStyle/>
+          <a:p>
+            <a:fld id="{29E7901B-09AF-4D4A-907F-86E00F8E0E92}" type="slidenum">
+              <a:rPr lang="de-DE" smtClean="0"/>
+              <a:t>4</a:t>
+            </a:fld>
+            <a:endParaRPr lang="de-DE"/>
+          </a:p>
+        </p:txBody>
+      </p:sp>
     </p:spTree>
     <p:extLst>
       <p:ext uri="{BB962C8B-B14F-4D97-AF65-F5344CB8AC3E}">
@@ -14673,6 +15305,13 @@
   <p:clrMapOvr>
     <a:masterClrMapping/>
   </p:clrMapOvr>
+  <p:timing>
+    <p:tnLst>
+      <p:par>
+        <p:cTn id="1" dur="indefinite" restart="never" nodeType="tmRoot"/>
+      </p:par>
+    </p:tnLst>
+  </p:timing>
 </p:sld>
 </file>
 
@@ -15084,6 +15723,29 @@
           </a:p>
         </p:txBody>
       </p:sp>
+      <p:sp>
+        <p:nvSpPr>
+          <p:cNvPr id="5" name="Номер слайда 4"/>
+          <p:cNvSpPr>
+            <a:spLocks noGrp="1"/>
+          </p:cNvSpPr>
+          <p:nvPr>
+            <p:ph type="sldNum" sz="quarter" idx="12"/>
+          </p:nvPr>
+        </p:nvSpPr>
+        <p:spPr/>
+        <p:txBody>
+          <a:bodyPr/>
+          <a:lstStyle/>
+          <a:p>
+            <a:fld id="{29E7901B-09AF-4D4A-907F-86E00F8E0E92}" type="slidenum">
+              <a:rPr lang="de-DE" smtClean="0"/>
+              <a:t>5</a:t>
+            </a:fld>
+            <a:endParaRPr lang="de-DE"/>
+          </a:p>
+        </p:txBody>
+      </p:sp>
     </p:spTree>
     <p:extLst>
       <p:ext uri="{BB962C8B-B14F-4D97-AF65-F5344CB8AC3E}">
@@ -15094,6 +15756,13 @@
   <p:clrMapOvr>
     <a:masterClrMapping/>
   </p:clrMapOvr>
+  <p:timing>
+    <p:tnLst>
+      <p:par>
+        <p:cTn id="1" dur="indefinite" restart="never" nodeType="tmRoot"/>
+      </p:par>
+    </p:tnLst>
+  </p:timing>
 </p:sld>
 </file>
 
@@ -15324,6 +15993,29 @@
           </a:p>
         </p:txBody>
       </p:sp>
+      <p:sp>
+        <p:nvSpPr>
+          <p:cNvPr id="3" name="Номер слайда 2"/>
+          <p:cNvSpPr>
+            <a:spLocks noGrp="1"/>
+          </p:cNvSpPr>
+          <p:nvPr>
+            <p:ph type="sldNum" sz="quarter" idx="12"/>
+          </p:nvPr>
+        </p:nvSpPr>
+        <p:spPr/>
+        <p:txBody>
+          <a:bodyPr/>
+          <a:lstStyle/>
+          <a:p>
+            <a:fld id="{29E7901B-09AF-4D4A-907F-86E00F8E0E92}" type="slidenum">
+              <a:rPr lang="de-DE" smtClean="0"/>
+              <a:t>6</a:t>
+            </a:fld>
+            <a:endParaRPr lang="de-DE"/>
+          </a:p>
+        </p:txBody>
+      </p:sp>
     </p:spTree>
     <p:extLst>
       <p:ext uri="{BB962C8B-B14F-4D97-AF65-F5344CB8AC3E}">
@@ -15334,6 +16026,13 @@
   <p:clrMapOvr>
     <a:masterClrMapping/>
   </p:clrMapOvr>
+  <p:timing>
+    <p:tnLst>
+      <p:par>
+        <p:cTn id="1" dur="indefinite" restart="never" nodeType="tmRoot"/>
+      </p:par>
+    </p:tnLst>
+  </p:timing>
 </p:sld>
 </file>
 
@@ -15431,6 +16130,29 @@
           </a:xfrm>
         </p:spPr>
       </p:pic>
+      <p:sp>
+        <p:nvSpPr>
+          <p:cNvPr id="3" name="Номер слайда 2"/>
+          <p:cNvSpPr>
+            <a:spLocks noGrp="1"/>
+          </p:cNvSpPr>
+          <p:nvPr>
+            <p:ph type="sldNum" sz="quarter" idx="12"/>
+          </p:nvPr>
+        </p:nvSpPr>
+        <p:spPr/>
+        <p:txBody>
+          <a:bodyPr/>
+          <a:lstStyle/>
+          <a:p>
+            <a:fld id="{29E7901B-09AF-4D4A-907F-86E00F8E0E92}" type="slidenum">
+              <a:rPr lang="de-DE" smtClean="0"/>
+              <a:t>7</a:t>
+            </a:fld>
+            <a:endParaRPr lang="de-DE"/>
+          </a:p>
+        </p:txBody>
+      </p:sp>
     </p:spTree>
     <p:extLst>
       <p:ext uri="{BB962C8B-B14F-4D97-AF65-F5344CB8AC3E}">
@@ -15441,6 +16163,13 @@
   <p:clrMapOvr>
     <a:masterClrMapping/>
   </p:clrMapOvr>
+  <p:timing>
+    <p:tnLst>
+      <p:par>
+        <p:cTn id="1" dur="indefinite" restart="never" nodeType="tmRoot"/>
+      </p:par>
+    </p:tnLst>
+  </p:timing>
 </p:sld>
 </file>
 
@@ -15908,6 +16637,29 @@
           </a:fontRef>
         </p:style>
       </p:cxnSp>
+      <p:sp>
+        <p:nvSpPr>
+          <p:cNvPr id="2" name="Номер слайда 1"/>
+          <p:cNvSpPr>
+            <a:spLocks noGrp="1"/>
+          </p:cNvSpPr>
+          <p:nvPr>
+            <p:ph type="sldNum" sz="quarter" idx="12"/>
+          </p:nvPr>
+        </p:nvSpPr>
+        <p:spPr/>
+        <p:txBody>
+          <a:bodyPr/>
+          <a:lstStyle/>
+          <a:p>
+            <a:fld id="{29E7901B-09AF-4D4A-907F-86E00F8E0E92}" type="slidenum">
+              <a:rPr lang="de-DE" smtClean="0"/>
+              <a:t>8</a:t>
+            </a:fld>
+            <a:endParaRPr lang="de-DE"/>
+          </a:p>
+        </p:txBody>
+      </p:sp>
     </p:spTree>
     <p:extLst>
       <p:ext uri="{BB962C8B-B14F-4D97-AF65-F5344CB8AC3E}">
@@ -16380,6 +17132,29 @@
               <a:t>-&gt; digits with a high noise-component</a:t>
             </a:r>
             <a:endParaRPr lang="ru-RU" sz="2200" dirty="0"/>
+          </a:p>
+        </p:txBody>
+      </p:sp>
+      <p:sp>
+        <p:nvSpPr>
+          <p:cNvPr id="7" name="Номер слайда 6"/>
+          <p:cNvSpPr>
+            <a:spLocks noGrp="1"/>
+          </p:cNvSpPr>
+          <p:nvPr>
+            <p:ph type="sldNum" sz="quarter" idx="12"/>
+          </p:nvPr>
+        </p:nvSpPr>
+        <p:spPr/>
+        <p:txBody>
+          <a:bodyPr/>
+          <a:lstStyle/>
+          <a:p>
+            <a:fld id="{29E7901B-09AF-4D4A-907F-86E00F8E0E92}" type="slidenum">
+              <a:rPr lang="de-DE" smtClean="0"/>
+              <a:t>9</a:t>
+            </a:fld>
+            <a:endParaRPr lang="de-DE"/>
           </a:p>
         </p:txBody>
       </p:sp>
@@ -17510,4 +18285,289 @@
     </a:ext>
   </a:extLst>
 </a:theme>
+</file>
+
+<file path=ppt/theme/theme4.xml><?xml version="1.0" encoding="utf-8"?>
+<a:theme xmlns:a="http://schemas.openxmlformats.org/drawingml/2006/main" name="Тема Office">
+  <a:themeElements>
+    <a:clrScheme name="Стандартная">
+      <a:dk1>
+        <a:sysClr val="windowText" lastClr="000000"/>
+      </a:dk1>
+      <a:lt1>
+        <a:sysClr val="window" lastClr="FFFFFF"/>
+      </a:lt1>
+      <a:dk2>
+        <a:srgbClr val="1F497D"/>
+      </a:dk2>
+      <a:lt2>
+        <a:srgbClr val="EEECE1"/>
+      </a:lt2>
+      <a:accent1>
+        <a:srgbClr val="4F81BD"/>
+      </a:accent1>
+      <a:accent2>
+        <a:srgbClr val="C0504D"/>
+      </a:accent2>
+      <a:accent3>
+        <a:srgbClr val="9BBB59"/>
+      </a:accent3>
+      <a:accent4>
+        <a:srgbClr val="8064A2"/>
+      </a:accent4>
+      <a:accent5>
+        <a:srgbClr val="4BACC6"/>
+      </a:accent5>
+      <a:accent6>
+        <a:srgbClr val="F79646"/>
+      </a:accent6>
+      <a:hlink>
+        <a:srgbClr val="0000FF"/>
+      </a:hlink>
+      <a:folHlink>
+        <a:srgbClr val="800080"/>
+      </a:folHlink>
+    </a:clrScheme>
+    <a:fontScheme name="Стандартная">
+      <a:majorFont>
+        <a:latin typeface="Calibri"/>
+        <a:ea typeface=""/>
+        <a:cs typeface=""/>
+        <a:font script="Jpan" typeface="ＭＳ Ｐゴシック"/>
+        <a:font script="Hang" typeface="맑은 고딕"/>
+        <a:font script="Hans" typeface="宋体"/>
+        <a:font script="Hant" typeface="新細明體"/>
+        <a:font script="Arab" typeface="Times New Roman"/>
+        <a:font script="Hebr" typeface="Times New Roman"/>
+        <a:font script="Thai" typeface="Angsana New"/>
+        <a:font script="Ethi" typeface="Nyala"/>
+        <a:font script="Beng" typeface="Vrinda"/>
+        <a:font script="Gujr" typeface="Shruti"/>
+        <a:font script="Khmr" typeface="MoolBoran"/>
+        <a:font script="Knda" typeface="Tunga"/>
+        <a:font script="Guru" typeface="Raavi"/>
+        <a:font script="Cans" typeface="Euphemia"/>
+        <a:font script="Cher" typeface="Plantagenet Cherokee"/>
+        <a:font script="Yiii" typeface="Microsoft Yi Baiti"/>
+        <a:font script="Tibt" typeface="Microsoft Himalaya"/>
+        <a:font script="Thaa" typeface="MV Boli"/>
+        <a:font script="Deva" typeface="Mangal"/>
+        <a:font script="Telu" typeface="Gautami"/>
+        <a:font script="Taml" typeface="Latha"/>
+        <a:font script="Syrc" typeface="Estrangelo Edessa"/>
+        <a:font script="Orya" typeface="Kalinga"/>
+        <a:font script="Mlym" typeface="Kartika"/>
+        <a:font script="Laoo" typeface="DokChampa"/>
+        <a:font script="Sinh" typeface="Iskoola Pota"/>
+        <a:font script="Mong" typeface="Mongolian Baiti"/>
+        <a:font script="Viet" typeface="Times New Roman"/>
+        <a:font script="Uigh" typeface="Microsoft Uighur"/>
+        <a:font script="Geor" typeface="Sylfaen"/>
+      </a:majorFont>
+      <a:minorFont>
+        <a:latin typeface="Calibri"/>
+        <a:ea typeface=""/>
+        <a:cs typeface=""/>
+        <a:font script="Jpan" typeface="ＭＳ Ｐゴシック"/>
+        <a:font script="Hang" typeface="맑은 고딕"/>
+        <a:font script="Hans" typeface="宋体"/>
+        <a:font script="Hant" typeface="新細明體"/>
+        <a:font script="Arab" typeface="Arial"/>
+        <a:font script="Hebr" typeface="Arial"/>
+        <a:font script="Thai" typeface="Cordia New"/>
+        <a:font script="Ethi" typeface="Nyala"/>
+        <a:font script="Beng" typeface="Vrinda"/>
+        <a:font script="Gujr" typeface="Shruti"/>
+        <a:font script="Khmr" typeface="DaunPenh"/>
+        <a:font script="Knda" typeface="Tunga"/>
+        <a:font script="Guru" typeface="Raavi"/>
+        <a:font script="Cans" typeface="Euphemia"/>
+        <a:font script="Cher" typeface="Plantagenet Cherokee"/>
+        <a:font script="Yiii" typeface="Microsoft Yi Baiti"/>
+        <a:font script="Tibt" typeface="Microsoft Himalaya"/>
+        <a:font script="Thaa" typeface="MV Boli"/>
+        <a:font script="Deva" typeface="Mangal"/>
+        <a:font script="Telu" typeface="Gautami"/>
+        <a:font script="Taml" typeface="Latha"/>
+        <a:font script="Syrc" typeface="Estrangelo Edessa"/>
+        <a:font script="Orya" typeface="Kalinga"/>
+        <a:font script="Mlym" typeface="Kartika"/>
+        <a:font script="Laoo" typeface="DokChampa"/>
+        <a:font script="Sinh" typeface="Iskoola Pota"/>
+        <a:font script="Mong" typeface="Mongolian Baiti"/>
+        <a:font script="Viet" typeface="Arial"/>
+        <a:font script="Uigh" typeface="Microsoft Uighur"/>
+        <a:font script="Geor" typeface="Sylfaen"/>
+      </a:minorFont>
+    </a:fontScheme>
+    <a:fmtScheme name="Стандартная">
+      <a:fillStyleLst>
+        <a:solidFill>
+          <a:schemeClr val="phClr"/>
+        </a:solidFill>
+        <a:gradFill rotWithShape="1">
+          <a:gsLst>
+            <a:gs pos="0">
+              <a:schemeClr val="phClr">
+                <a:tint val="50000"/>
+                <a:satMod val="300000"/>
+              </a:schemeClr>
+            </a:gs>
+            <a:gs pos="35000">
+              <a:schemeClr val="phClr">
+                <a:tint val="37000"/>
+                <a:satMod val="300000"/>
+              </a:schemeClr>
+            </a:gs>
+            <a:gs pos="100000">
+              <a:schemeClr val="phClr">
+                <a:tint val="15000"/>
+                <a:satMod val="350000"/>
+              </a:schemeClr>
+            </a:gs>
+          </a:gsLst>
+          <a:lin ang="16200000" scaled="1"/>
+        </a:gradFill>
+        <a:gradFill rotWithShape="1">
+          <a:gsLst>
+            <a:gs pos="0">
+              <a:schemeClr val="phClr">
+                <a:shade val="51000"/>
+                <a:satMod val="130000"/>
+              </a:schemeClr>
+            </a:gs>
+            <a:gs pos="80000">
+              <a:schemeClr val="phClr">
+                <a:shade val="93000"/>
+                <a:satMod val="130000"/>
+              </a:schemeClr>
+            </a:gs>
+            <a:gs pos="100000">
+              <a:schemeClr val="phClr">
+                <a:shade val="94000"/>
+                <a:satMod val="135000"/>
+              </a:schemeClr>
+            </a:gs>
+          </a:gsLst>
+          <a:lin ang="16200000" scaled="0"/>
+        </a:gradFill>
+      </a:fillStyleLst>
+      <a:lnStyleLst>
+        <a:ln w="9525" cap="flat" cmpd="sng" algn="ctr">
+          <a:solidFill>
+            <a:schemeClr val="phClr">
+              <a:shade val="95000"/>
+              <a:satMod val="105000"/>
+            </a:schemeClr>
+          </a:solidFill>
+          <a:prstDash val="solid"/>
+        </a:ln>
+        <a:ln w="25400" cap="flat" cmpd="sng" algn="ctr">
+          <a:solidFill>
+            <a:schemeClr val="phClr"/>
+          </a:solidFill>
+          <a:prstDash val="solid"/>
+        </a:ln>
+        <a:ln w="38100" cap="flat" cmpd="sng" algn="ctr">
+          <a:solidFill>
+            <a:schemeClr val="phClr"/>
+          </a:solidFill>
+          <a:prstDash val="solid"/>
+        </a:ln>
+      </a:lnStyleLst>
+      <a:effectStyleLst>
+        <a:effectStyle>
+          <a:effectLst>
+            <a:outerShdw blurRad="40000" dist="20000" dir="5400000" rotWithShape="0">
+              <a:srgbClr val="000000">
+                <a:alpha val="38000"/>
+              </a:srgbClr>
+            </a:outerShdw>
+          </a:effectLst>
+        </a:effectStyle>
+        <a:effectStyle>
+          <a:effectLst>
+            <a:outerShdw blurRad="40000" dist="23000" dir="5400000" rotWithShape="0">
+              <a:srgbClr val="000000">
+                <a:alpha val="35000"/>
+              </a:srgbClr>
+            </a:outerShdw>
+          </a:effectLst>
+        </a:effectStyle>
+        <a:effectStyle>
+          <a:effectLst>
+            <a:outerShdw blurRad="40000" dist="23000" dir="5400000" rotWithShape="0">
+              <a:srgbClr val="000000">
+                <a:alpha val="35000"/>
+              </a:srgbClr>
+            </a:outerShdw>
+          </a:effectLst>
+          <a:scene3d>
+            <a:camera prst="orthographicFront">
+              <a:rot lat="0" lon="0" rev="0"/>
+            </a:camera>
+            <a:lightRig rig="threePt" dir="t">
+              <a:rot lat="0" lon="0" rev="1200000"/>
+            </a:lightRig>
+          </a:scene3d>
+          <a:sp3d>
+            <a:bevelT w="63500" h="25400"/>
+          </a:sp3d>
+        </a:effectStyle>
+      </a:effectStyleLst>
+      <a:bgFillStyleLst>
+        <a:solidFill>
+          <a:schemeClr val="phClr"/>
+        </a:solidFill>
+        <a:gradFill rotWithShape="1">
+          <a:gsLst>
+            <a:gs pos="0">
+              <a:schemeClr val="phClr">
+                <a:tint val="40000"/>
+                <a:satMod val="350000"/>
+              </a:schemeClr>
+            </a:gs>
+            <a:gs pos="40000">
+              <a:schemeClr val="phClr">
+                <a:tint val="45000"/>
+                <a:shade val="99000"/>
+                <a:satMod val="350000"/>
+              </a:schemeClr>
+            </a:gs>
+            <a:gs pos="100000">
+              <a:schemeClr val="phClr">
+                <a:shade val="20000"/>
+                <a:satMod val="255000"/>
+              </a:schemeClr>
+            </a:gs>
+          </a:gsLst>
+          <a:path path="circle">
+            <a:fillToRect l="50000" t="-80000" r="50000" b="180000"/>
+          </a:path>
+        </a:gradFill>
+        <a:gradFill rotWithShape="1">
+          <a:gsLst>
+            <a:gs pos="0">
+              <a:schemeClr val="phClr">
+                <a:tint val="80000"/>
+                <a:satMod val="300000"/>
+              </a:schemeClr>
+            </a:gs>
+            <a:gs pos="100000">
+              <a:schemeClr val="phClr">
+                <a:shade val="30000"/>
+                <a:satMod val="200000"/>
+              </a:schemeClr>
+            </a:gs>
+          </a:gsLst>
+          <a:path path="circle">
+            <a:fillToRect l="50000" t="50000" r="50000" b="50000"/>
+          </a:path>
+        </a:gradFill>
+      </a:bgFillStyleLst>
+    </a:fmtScheme>
+  </a:themeElements>
+  <a:objectDefaults/>
+  <a:extraClrSchemeLst/>
+</a:theme>
 </file>
--- a/presentation_digit_recog2.pptx
+++ b/presentation_digit_recog2.pptx
@@ -127,7 +127,7 @@
   </p:defaultTextStyle>
   <p:extLst>
     <p:ext uri="{EFAFB233-063F-42B5-8137-9DF3F51BA10A}">
-      <p15:sldGuideLst xmlns="" xmlns:p15="http://schemas.microsoft.com/office/powerpoint/2012/main">
+      <p15:sldGuideLst xmlns:p15="http://schemas.microsoft.com/office/powerpoint/2012/main" xmlns="">
         <p15:guide id="1" orient="horz" pos="2160">
           <p15:clr>
             <a:srgbClr val="A4A3A4"/>
@@ -9977,7 +9977,7 @@
           <p:cNvPr id="5" name="Grafik 4">
             <a:extLst>
               <a:ext uri="{FF2B5EF4-FFF2-40B4-BE49-F238E27FC236}">
-                <a16:creationId xmlns="" xmlns:a16="http://schemas.microsoft.com/office/drawing/2014/main" id="{541C1A54-8968-4CEF-8CA1-E84FB3A8524D}"/>
+                <a16:creationId xmlns:a16="http://schemas.microsoft.com/office/drawing/2014/main" xmlns="" id="{541C1A54-8968-4CEF-8CA1-E84FB3A8524D}"/>
               </a:ext>
             </a:extLst>
           </p:cNvPr>
@@ -10013,7 +10013,7 @@
           <p:cNvPr id="2" name="Titel 1">
             <a:extLst>
               <a:ext uri="{FF2B5EF4-FFF2-40B4-BE49-F238E27FC236}">
-                <a16:creationId xmlns="" xmlns:a16="http://schemas.microsoft.com/office/drawing/2014/main" id="{90A6468B-D0CD-4DC7-A3AD-DA2E2B071416}"/>
+                <a16:creationId xmlns:a16="http://schemas.microsoft.com/office/drawing/2014/main" xmlns="" id="{90A6468B-D0CD-4DC7-A3AD-DA2E2B071416}"/>
               </a:ext>
             </a:extLst>
           </p:cNvPr>
@@ -10052,7 +10052,7 @@
           <p:cNvPr id="3" name="Untertitel 2">
             <a:extLst>
               <a:ext uri="{FF2B5EF4-FFF2-40B4-BE49-F238E27FC236}">
-                <a16:creationId xmlns="" xmlns:a16="http://schemas.microsoft.com/office/drawing/2014/main" id="{65A5BDD7-952D-4603-93C5-6E59619C765A}"/>
+                <a16:creationId xmlns:a16="http://schemas.microsoft.com/office/drawing/2014/main" xmlns="" id="{65A5BDD7-952D-4603-93C5-6E59619C765A}"/>
               </a:ext>
             </a:extLst>
           </p:cNvPr>
@@ -10091,10 +10091,10 @@
           <p:cNvPr id="10" name="Straight Connector 9">
             <a:extLst>
               <a:ext uri="{FF2B5EF4-FFF2-40B4-BE49-F238E27FC236}">
-                <a16:creationId xmlns="" xmlns:a16="http://schemas.microsoft.com/office/drawing/2014/main" id="{F3CC58E3-BDF9-495D-9327-85F68058BE32}"/>
+                <a16:creationId xmlns:a16="http://schemas.microsoft.com/office/drawing/2014/main" xmlns="" id="{F3CC58E3-BDF9-495D-9327-85F68058BE32}"/>
               </a:ext>
               <a:ext uri="{C183D7F6-B498-43B3-948B-1728B52AA6E4}">
-                <adec:decorative xmlns="" xmlns:adec="http://schemas.microsoft.com/office/drawing/2017/decorative" val="1"/>
+                <adec:decorative xmlns:adec="http://schemas.microsoft.com/office/drawing/2017/decorative" xmlns="" val="1"/>
               </a:ext>
             </a:extLst>
           </p:cNvPr>
@@ -10104,7 +10104,7 @@
           <p:nvPr>
             <p:extLst>
               <p:ext uri="{386F3935-93C4-4BCD-93E2-E3B085C9AB24}">
-                <p16:designElem xmlns="" xmlns:p16="http://schemas.microsoft.com/office/powerpoint/2015/main" val="1"/>
+                <p16:designElem xmlns:p16="http://schemas.microsoft.com/office/powerpoint/2015/main" xmlns="" val="1"/>
               </p:ext>
             </p:extLst>
           </p:nvPr>
@@ -10145,10 +10145,10 @@
           <p:cNvPr id="12" name="Rectangle 11">
             <a:extLst>
               <a:ext uri="{FF2B5EF4-FFF2-40B4-BE49-F238E27FC236}">
-                <a16:creationId xmlns="" xmlns:a16="http://schemas.microsoft.com/office/drawing/2014/main" id="{DA0CA737-33FC-47E3-965A-D1C2CAA62894}"/>
+                <a16:creationId xmlns:a16="http://schemas.microsoft.com/office/drawing/2014/main" xmlns="" id="{DA0CA737-33FC-47E3-965A-D1C2CAA62894}"/>
               </a:ext>
               <a:ext uri="{C183D7F6-B498-43B3-948B-1728B52AA6E4}">
-                <adec:decorative xmlns="" xmlns:adec="http://schemas.microsoft.com/office/drawing/2017/decorative" val="1"/>
+                <adec:decorative xmlns:adec="http://schemas.microsoft.com/office/drawing/2017/decorative" xmlns="" val="1"/>
               </a:ext>
             </a:extLst>
           </p:cNvPr>
@@ -10158,7 +10158,7 @@
           <p:nvPr>
             <p:extLst>
               <p:ext uri="{386F3935-93C4-4BCD-93E2-E3B085C9AB24}">
-                <p16:designElem xmlns="" xmlns:p16="http://schemas.microsoft.com/office/powerpoint/2015/main" val="1"/>
+                <p16:designElem xmlns:p16="http://schemas.microsoft.com/office/powerpoint/2015/main" xmlns="" val="1"/>
               </p:ext>
             </p:extLst>
           </p:nvPr>
@@ -10200,10 +10200,10 @@
           <p:cNvPr id="14" name="Rectangle 13">
             <a:extLst>
               <a:ext uri="{FF2B5EF4-FFF2-40B4-BE49-F238E27FC236}">
-                <a16:creationId xmlns="" xmlns:a16="http://schemas.microsoft.com/office/drawing/2014/main" id="{22189942-24EB-488E-8B69-EB80F7E53E36}"/>
+                <a16:creationId xmlns:a16="http://schemas.microsoft.com/office/drawing/2014/main" xmlns="" id="{22189942-24EB-488E-8B69-EB80F7E53E36}"/>
               </a:ext>
               <a:ext uri="{C183D7F6-B498-43B3-948B-1728B52AA6E4}">
-                <adec:decorative xmlns="" xmlns:adec="http://schemas.microsoft.com/office/drawing/2017/decorative" val="1"/>
+                <adec:decorative xmlns:adec="http://schemas.microsoft.com/office/drawing/2017/decorative" xmlns="" val="1"/>
               </a:ext>
             </a:extLst>
           </p:cNvPr>
@@ -10213,7 +10213,7 @@
           <p:nvPr>
             <p:extLst>
               <p:ext uri="{386F3935-93C4-4BCD-93E2-E3B085C9AB24}">
-                <p16:designElem xmlns="" xmlns:p16="http://schemas.microsoft.com/office/powerpoint/2015/main" val="1"/>
+                <p16:designElem xmlns:p16="http://schemas.microsoft.com/office/powerpoint/2015/main" xmlns="" val="1"/>
               </p:ext>
             </p:extLst>
           </p:nvPr>
@@ -10308,7 +10308,7 @@
           <p:cNvPr id="2" name="Titel 1">
             <a:extLst>
               <a:ext uri="{FF2B5EF4-FFF2-40B4-BE49-F238E27FC236}">
-                <a16:creationId xmlns="" xmlns:a16="http://schemas.microsoft.com/office/drawing/2014/main" id="{3D022FA1-1227-4EA1-8EB1-679CE9C5CFCD}"/>
+                <a16:creationId xmlns:a16="http://schemas.microsoft.com/office/drawing/2014/main" xmlns="" id="{3D022FA1-1227-4EA1-8EB1-679CE9C5CFCD}"/>
               </a:ext>
             </a:extLst>
           </p:cNvPr>
@@ -10355,7 +10355,7 @@
           <p:cNvPr id="3" name="Inhaltsplatzhalter 2">
             <a:extLst>
               <a:ext uri="{FF2B5EF4-FFF2-40B4-BE49-F238E27FC236}">
-                <a16:creationId xmlns="" xmlns:a16="http://schemas.microsoft.com/office/drawing/2014/main" id="{56D22BFB-FDAA-4D7E-88D9-C29E57B7C51D}"/>
+                <a16:creationId xmlns:a16="http://schemas.microsoft.com/office/drawing/2014/main" xmlns="" id="{56D22BFB-FDAA-4D7E-88D9-C29E57B7C51D}"/>
               </a:ext>
             </a:extLst>
           </p:cNvPr>
@@ -10735,7 +10735,7 @@
           <p:cNvPr id="10" name="Inhaltsplatzhalter 9">
             <a:extLst>
               <a:ext uri="{FF2B5EF4-FFF2-40B4-BE49-F238E27FC236}">
-                <a16:creationId xmlns="" xmlns:a16="http://schemas.microsoft.com/office/drawing/2014/main" id="{65A23C4D-F599-40EB-9F55-473E092C8DBD}"/>
+                <a16:creationId xmlns:a16="http://schemas.microsoft.com/office/drawing/2014/main" xmlns="" id="{65A23C4D-F599-40EB-9F55-473E092C8DBD}"/>
               </a:ext>
             </a:extLst>
           </p:cNvPr>
@@ -10769,7 +10769,7 @@
           <p:cNvPr id="8" name="Inhaltsplatzhalter 7">
             <a:extLst>
               <a:ext uri="{FF2B5EF4-FFF2-40B4-BE49-F238E27FC236}">
-                <a16:creationId xmlns="" xmlns:a16="http://schemas.microsoft.com/office/drawing/2014/main" id="{AC8FC20D-C4BB-4858-9AA7-67A6D2F24CB1}"/>
+                <a16:creationId xmlns:a16="http://schemas.microsoft.com/office/drawing/2014/main" xmlns="" id="{AC8FC20D-C4BB-4858-9AA7-67A6D2F24CB1}"/>
               </a:ext>
             </a:extLst>
           </p:cNvPr>
@@ -10899,7 +10899,7 @@
           <p:cNvPr id="5" name="Titel 4">
             <a:extLst>
               <a:ext uri="{FF2B5EF4-FFF2-40B4-BE49-F238E27FC236}">
-                <a16:creationId xmlns="" xmlns:a16="http://schemas.microsoft.com/office/drawing/2014/main" id="{9222B4BD-52BA-4791-9651-98D4F0FB5A4A}"/>
+                <a16:creationId xmlns:a16="http://schemas.microsoft.com/office/drawing/2014/main" xmlns="" id="{9222B4BD-52BA-4791-9651-98D4F0FB5A4A}"/>
               </a:ext>
             </a:extLst>
           </p:cNvPr>
@@ -10940,7 +10940,7 @@
           <p:cNvPr id="6" name="Inhaltsplatzhalter 5">
             <a:extLst>
               <a:ext uri="{FF2B5EF4-FFF2-40B4-BE49-F238E27FC236}">
-                <a16:creationId xmlns="" xmlns:a16="http://schemas.microsoft.com/office/drawing/2014/main" id="{1A0911F2-B0B3-45D8-B92B-270F6D60CFB4}"/>
+                <a16:creationId xmlns:a16="http://schemas.microsoft.com/office/drawing/2014/main" xmlns="" id="{1A0911F2-B0B3-45D8-B92B-270F6D60CFB4}"/>
               </a:ext>
             </a:extLst>
           </p:cNvPr>
@@ -11241,7 +11241,7 @@
           <p:cNvPr id="9" name="Inhaltsplatzhalter 8">
             <a:extLst>
               <a:ext uri="{FF2B5EF4-FFF2-40B4-BE49-F238E27FC236}">
-                <a16:creationId xmlns="" xmlns:a16="http://schemas.microsoft.com/office/drawing/2014/main" id="{9909C030-22D0-4734-9DCB-167BC6D672DF}"/>
+                <a16:creationId xmlns:a16="http://schemas.microsoft.com/office/drawing/2014/main" xmlns="" id="{9909C030-22D0-4734-9DCB-167BC6D672DF}"/>
               </a:ext>
             </a:extLst>
           </p:cNvPr>
@@ -11328,7 +11328,7 @@
           <p:cNvPr id="5" name="Titel 4">
             <a:extLst>
               <a:ext uri="{FF2B5EF4-FFF2-40B4-BE49-F238E27FC236}">
-                <a16:creationId xmlns="" xmlns:a16="http://schemas.microsoft.com/office/drawing/2014/main" id="{CB372DEC-D0F9-4D40-9149-13D17AAF964B}"/>
+                <a16:creationId xmlns:a16="http://schemas.microsoft.com/office/drawing/2014/main" xmlns="" id="{CB372DEC-D0F9-4D40-9149-13D17AAF964B}"/>
               </a:ext>
             </a:extLst>
           </p:cNvPr>
@@ -11384,7 +11384,7 @@
           <p:cNvPr id="6" name="Untertitel 5">
             <a:extLst>
               <a:ext uri="{FF2B5EF4-FFF2-40B4-BE49-F238E27FC236}">
-                <a16:creationId xmlns="" xmlns:a16="http://schemas.microsoft.com/office/drawing/2014/main" id="{72729885-95AF-4E52-9DF2-73274144A388}"/>
+                <a16:creationId xmlns:a16="http://schemas.microsoft.com/office/drawing/2014/main" xmlns="" id="{72729885-95AF-4E52-9DF2-73274144A388}"/>
               </a:ext>
             </a:extLst>
           </p:cNvPr>
@@ -11470,10 +11470,10 @@
           <p:cNvPr id="10" name="Rectangle 9">
             <a:extLst>
               <a:ext uri="{FF2B5EF4-FFF2-40B4-BE49-F238E27FC236}">
-                <a16:creationId xmlns="" xmlns:a16="http://schemas.microsoft.com/office/drawing/2014/main" id="{D829E218-74FB-4455-98BE-F2C5BA8978BE}"/>
+                <a16:creationId xmlns:a16="http://schemas.microsoft.com/office/drawing/2014/main" xmlns="" id="{D829E218-74FB-4455-98BE-F2C5BA8978BE}"/>
               </a:ext>
               <a:ext uri="{C183D7F6-B498-43B3-948B-1728B52AA6E4}">
-                <adec:decorative xmlns="" xmlns:adec="http://schemas.microsoft.com/office/drawing/2017/decorative" val="1"/>
+                <adec:decorative xmlns:adec="http://schemas.microsoft.com/office/drawing/2017/decorative" xmlns="" val="1"/>
               </a:ext>
             </a:extLst>
           </p:cNvPr>
@@ -11483,7 +11483,7 @@
           <p:nvPr>
             <p:extLst>
               <p:ext uri="{386F3935-93C4-4BCD-93E2-E3B085C9AB24}">
-                <p16:designElem xmlns="" xmlns:p16="http://schemas.microsoft.com/office/powerpoint/2015/main" val="1"/>
+                <p16:designElem xmlns:p16="http://schemas.microsoft.com/office/powerpoint/2015/main" xmlns="" val="1"/>
               </p:ext>
             </p:extLst>
           </p:nvPr>
@@ -11525,10 +11525,10 @@
           <p:cNvPr id="12" name="Rectangle 11">
             <a:extLst>
               <a:ext uri="{FF2B5EF4-FFF2-40B4-BE49-F238E27FC236}">
-                <a16:creationId xmlns="" xmlns:a16="http://schemas.microsoft.com/office/drawing/2014/main" id="{7E8D75FD-D4F9-4D11-B70D-82EFCB4CFA5B}"/>
+                <a16:creationId xmlns:a16="http://schemas.microsoft.com/office/drawing/2014/main" xmlns="" id="{7E8D75FD-D4F9-4D11-B70D-82EFCB4CFA5B}"/>
               </a:ext>
               <a:ext uri="{C183D7F6-B498-43B3-948B-1728B52AA6E4}">
-                <adec:decorative xmlns="" xmlns:adec="http://schemas.microsoft.com/office/drawing/2017/decorative" val="1"/>
+                <adec:decorative xmlns:adec="http://schemas.microsoft.com/office/drawing/2017/decorative" xmlns="" val="1"/>
               </a:ext>
             </a:extLst>
           </p:cNvPr>
@@ -11538,7 +11538,7 @@
           <p:nvPr>
             <p:extLst>
               <p:ext uri="{386F3935-93C4-4BCD-93E2-E3B085C9AB24}">
-                <p16:designElem xmlns="" xmlns:p16="http://schemas.microsoft.com/office/powerpoint/2015/main" val="1"/>
+                <p16:designElem xmlns:p16="http://schemas.microsoft.com/office/powerpoint/2015/main" xmlns="" val="1"/>
               </p:ext>
             </p:extLst>
           </p:nvPr>
@@ -11580,10 +11580,10 @@
           <p:cNvPr id="14" name="Straight Connector 13">
             <a:extLst>
               <a:ext uri="{FF2B5EF4-FFF2-40B4-BE49-F238E27FC236}">
-                <a16:creationId xmlns="" xmlns:a16="http://schemas.microsoft.com/office/drawing/2014/main" id="{1F5DC8C3-BA5F-4EED-BB9A-A14272BD82A1}"/>
+                <a16:creationId xmlns:a16="http://schemas.microsoft.com/office/drawing/2014/main" xmlns="" id="{1F5DC8C3-BA5F-4EED-BB9A-A14272BD82A1}"/>
               </a:ext>
               <a:ext uri="{C183D7F6-B498-43B3-948B-1728B52AA6E4}">
-                <adec:decorative xmlns="" xmlns:adec="http://schemas.microsoft.com/office/drawing/2017/decorative" val="1"/>
+                <adec:decorative xmlns:adec="http://schemas.microsoft.com/office/drawing/2017/decorative" xmlns="" val="1"/>
               </a:ext>
             </a:extLst>
           </p:cNvPr>
@@ -11593,7 +11593,7 @@
           <p:nvPr>
             <p:extLst>
               <p:ext uri="{386F3935-93C4-4BCD-93E2-E3B085C9AB24}">
-                <p16:designElem xmlns="" xmlns:p16="http://schemas.microsoft.com/office/powerpoint/2015/main" val="1"/>
+                <p16:designElem xmlns:p16="http://schemas.microsoft.com/office/powerpoint/2015/main" xmlns="" val="1"/>
               </p:ext>
             </p:extLst>
           </p:nvPr>
@@ -11635,10 +11635,10 @@
           <p:cNvPr id="16" name="Rectangle 15">
             <a:extLst>
               <a:ext uri="{FF2B5EF4-FFF2-40B4-BE49-F238E27FC236}">
-                <a16:creationId xmlns="" xmlns:a16="http://schemas.microsoft.com/office/drawing/2014/main" id="{8638A98B-4B4B-4607-B11F-7DCA0D7CCE17}"/>
+                <a16:creationId xmlns:a16="http://schemas.microsoft.com/office/drawing/2014/main" xmlns="" id="{8638A98B-4B4B-4607-B11F-7DCA0D7CCE17}"/>
               </a:ext>
               <a:ext uri="{C183D7F6-B498-43B3-948B-1728B52AA6E4}">
-                <adec:decorative xmlns="" xmlns:adec="http://schemas.microsoft.com/office/drawing/2017/decorative" val="1"/>
+                <adec:decorative xmlns:adec="http://schemas.microsoft.com/office/drawing/2017/decorative" xmlns="" val="1"/>
               </a:ext>
             </a:extLst>
           </p:cNvPr>
@@ -11648,7 +11648,7 @@
           <p:nvPr>
             <p:extLst>
               <p:ext uri="{386F3935-93C4-4BCD-93E2-E3B085C9AB24}">
-                <p16:designElem xmlns="" xmlns:p16="http://schemas.microsoft.com/office/powerpoint/2015/main" val="1"/>
+                <p16:designElem xmlns:p16="http://schemas.microsoft.com/office/powerpoint/2015/main" xmlns="" val="1"/>
               </p:ext>
             </p:extLst>
           </p:nvPr>
@@ -11695,7 +11695,7 @@
           <p:cNvPr id="5" name="Inhaltsplatzhalter 4">
             <a:extLst>
               <a:ext uri="{FF2B5EF4-FFF2-40B4-BE49-F238E27FC236}">
-                <a16:creationId xmlns="" xmlns:a16="http://schemas.microsoft.com/office/drawing/2014/main" id="{0F908B00-977C-447A-87EE-7A00C164B759}"/>
+                <a16:creationId xmlns:a16="http://schemas.microsoft.com/office/drawing/2014/main" xmlns="" id="{0F908B00-977C-447A-87EE-7A00C164B759}"/>
               </a:ext>
             </a:extLst>
           </p:cNvPr>
@@ -11732,10 +11732,10 @@
           <p:cNvPr id="18" name="Rectangle 17">
             <a:extLst>
               <a:ext uri="{FF2B5EF4-FFF2-40B4-BE49-F238E27FC236}">
-                <a16:creationId xmlns="" xmlns:a16="http://schemas.microsoft.com/office/drawing/2014/main" id="{8E3B9B0E-204E-4BFD-B58A-E71D9CDC37F3}"/>
+                <a16:creationId xmlns:a16="http://schemas.microsoft.com/office/drawing/2014/main" xmlns="" id="{8E3B9B0E-204E-4BFD-B58A-E71D9CDC37F3}"/>
               </a:ext>
               <a:ext uri="{C183D7F6-B498-43B3-948B-1728B52AA6E4}">
-                <adec:decorative xmlns="" xmlns:adec="http://schemas.microsoft.com/office/drawing/2017/decorative" val="1"/>
+                <adec:decorative xmlns:adec="http://schemas.microsoft.com/office/drawing/2017/decorative" xmlns="" val="1"/>
               </a:ext>
             </a:extLst>
           </p:cNvPr>
@@ -11745,7 +11745,7 @@
           <p:nvPr>
             <p:extLst>
               <p:ext uri="{386F3935-93C4-4BCD-93E2-E3B085C9AB24}">
-                <p16:designElem xmlns="" xmlns:p16="http://schemas.microsoft.com/office/powerpoint/2015/main" val="1"/>
+                <p16:designElem xmlns:p16="http://schemas.microsoft.com/office/powerpoint/2015/main" xmlns="" val="1"/>
               </p:ext>
             </p:extLst>
           </p:nvPr>
@@ -11787,7 +11787,7 @@
           <p:cNvPr id="2" name="Titel 1">
             <a:extLst>
               <a:ext uri="{FF2B5EF4-FFF2-40B4-BE49-F238E27FC236}">
-                <a16:creationId xmlns="" xmlns:a16="http://schemas.microsoft.com/office/drawing/2014/main" id="{E21935D6-F135-4DD2-A417-738E067D86CB}"/>
+                <a16:creationId xmlns:a16="http://schemas.microsoft.com/office/drawing/2014/main" xmlns="" id="{E21935D6-F135-4DD2-A417-738E067D86CB}"/>
               </a:ext>
             </a:extLst>
           </p:cNvPr>
@@ -11834,10 +11834,10 @@
           <p:cNvPr id="20" name="Rectangle 19">
             <a:extLst>
               <a:ext uri="{FF2B5EF4-FFF2-40B4-BE49-F238E27FC236}">
-                <a16:creationId xmlns="" xmlns:a16="http://schemas.microsoft.com/office/drawing/2014/main" id="{B1121E64-CB88-4BF5-B531-C0316E7F6E30}"/>
+                <a16:creationId xmlns:a16="http://schemas.microsoft.com/office/drawing/2014/main" xmlns="" id="{B1121E64-CB88-4BF5-B531-C0316E7F6E30}"/>
               </a:ext>
               <a:ext uri="{C183D7F6-B498-43B3-948B-1728B52AA6E4}">
-                <adec:decorative xmlns="" xmlns:adec="http://schemas.microsoft.com/office/drawing/2017/decorative" val="1"/>
+                <adec:decorative xmlns:adec="http://schemas.microsoft.com/office/drawing/2017/decorative" xmlns="" val="1"/>
               </a:ext>
             </a:extLst>
           </p:cNvPr>
@@ -11847,7 +11847,7 @@
           <p:nvPr>
             <p:extLst>
               <p:ext uri="{386F3935-93C4-4BCD-93E2-E3B085C9AB24}">
-                <p16:designElem xmlns="" xmlns:p16="http://schemas.microsoft.com/office/powerpoint/2015/main" val="1"/>
+                <p16:designElem xmlns:p16="http://schemas.microsoft.com/office/powerpoint/2015/main" xmlns="" val="1"/>
               </p:ext>
             </p:extLst>
           </p:nvPr>
@@ -11917,6 +11917,13 @@
   <p:clrMapOvr>
     <a:masterClrMapping/>
   </p:clrMapOvr>
+  <p:timing>
+    <p:tnLst>
+      <p:par>
+        <p:cTn id="1" dur="indefinite" restart="never" nodeType="tmRoot"/>
+      </p:par>
+    </p:tnLst>
+  </p:timing>
 </p:sld>
 </file>
 
@@ -11950,10 +11957,10 @@
           <p:cNvPr id="13" name="Rectangle 12">
             <a:extLst>
               <a:ext uri="{FF2B5EF4-FFF2-40B4-BE49-F238E27FC236}">
-                <a16:creationId xmlns="" xmlns:a16="http://schemas.microsoft.com/office/drawing/2014/main" id="{0AB6E427-3F73-4C06-A5D5-AE52C3883B50}"/>
+                <a16:creationId xmlns:a16="http://schemas.microsoft.com/office/drawing/2014/main" xmlns="" id="{0AB6E427-3F73-4C06-A5D5-AE52C3883B50}"/>
               </a:ext>
               <a:ext uri="{C183D7F6-B498-43B3-948B-1728B52AA6E4}">
-                <adec:decorative xmlns="" xmlns:adec="http://schemas.microsoft.com/office/drawing/2017/decorative" val="1"/>
+                <adec:decorative xmlns:adec="http://schemas.microsoft.com/office/drawing/2017/decorative" xmlns="" val="1"/>
               </a:ext>
             </a:extLst>
           </p:cNvPr>
@@ -11963,7 +11970,7 @@
           <p:nvPr>
             <p:extLst>
               <p:ext uri="{386F3935-93C4-4BCD-93E2-E3B085C9AB24}">
-                <p16:designElem xmlns="" xmlns:p16="http://schemas.microsoft.com/office/powerpoint/2015/main" val="1"/>
+                <p16:designElem xmlns:p16="http://schemas.microsoft.com/office/powerpoint/2015/main" xmlns="" val="1"/>
               </p:ext>
             </p:extLst>
           </p:nvPr>
@@ -12010,10 +12017,10 @@
           <p:cNvPr id="15" name="Rectangle 14">
             <a:extLst>
               <a:ext uri="{FF2B5EF4-FFF2-40B4-BE49-F238E27FC236}">
-                <a16:creationId xmlns="" xmlns:a16="http://schemas.microsoft.com/office/drawing/2014/main" id="{D8C9BDAA-0390-4B39-9B5C-BC95E5120DA4}"/>
+                <a16:creationId xmlns:a16="http://schemas.microsoft.com/office/drawing/2014/main" xmlns="" id="{D8C9BDAA-0390-4B39-9B5C-BC95E5120DA4}"/>
               </a:ext>
               <a:ext uri="{C183D7F6-B498-43B3-948B-1728B52AA6E4}">
-                <adec:decorative xmlns="" xmlns:adec="http://schemas.microsoft.com/office/drawing/2017/decorative" val="1"/>
+                <adec:decorative xmlns:adec="http://schemas.microsoft.com/office/drawing/2017/decorative" xmlns="" val="1"/>
               </a:ext>
             </a:extLst>
           </p:cNvPr>
@@ -12023,7 +12030,7 @@
           <p:nvPr>
             <p:extLst>
               <p:ext uri="{386F3935-93C4-4BCD-93E2-E3B085C9AB24}">
-                <p16:designElem xmlns="" xmlns:p16="http://schemas.microsoft.com/office/powerpoint/2015/main" val="1"/>
+                <p16:designElem xmlns:p16="http://schemas.microsoft.com/office/powerpoint/2015/main" xmlns="" val="1"/>
               </p:ext>
             </p:extLst>
           </p:nvPr>
@@ -12065,7 +12072,7 @@
           <p:cNvPr id="2" name="Titel 1">
             <a:extLst>
               <a:ext uri="{FF2B5EF4-FFF2-40B4-BE49-F238E27FC236}">
-                <a16:creationId xmlns="" xmlns:a16="http://schemas.microsoft.com/office/drawing/2014/main" id="{D9FC22E7-D4D8-40F3-851D-F5CDDD673BBB}"/>
+                <a16:creationId xmlns:a16="http://schemas.microsoft.com/office/drawing/2014/main" xmlns="" id="{D9FC22E7-D4D8-40F3-851D-F5CDDD673BBB}"/>
               </a:ext>
             </a:extLst>
           </p:cNvPr>
@@ -12141,10 +12148,10 @@
           <p:cNvPr id="17" name="Rectangle 16">
             <a:extLst>
               <a:ext uri="{FF2B5EF4-FFF2-40B4-BE49-F238E27FC236}">
-                <a16:creationId xmlns="" xmlns:a16="http://schemas.microsoft.com/office/drawing/2014/main" id="{F9DB1FE5-9D46-433B-99D1-2F1B8DC79855}"/>
+                <a16:creationId xmlns:a16="http://schemas.microsoft.com/office/drawing/2014/main" xmlns="" id="{F9DB1FE5-9D46-433B-99D1-2F1B8DC79855}"/>
               </a:ext>
               <a:ext uri="{C183D7F6-B498-43B3-948B-1728B52AA6E4}">
-                <adec:decorative xmlns="" xmlns:adec="http://schemas.microsoft.com/office/drawing/2017/decorative" val="1"/>
+                <adec:decorative xmlns:adec="http://schemas.microsoft.com/office/drawing/2017/decorative" xmlns="" val="1"/>
               </a:ext>
             </a:extLst>
           </p:cNvPr>
@@ -12154,7 +12161,7 @@
           <p:nvPr>
             <p:extLst>
               <p:ext uri="{386F3935-93C4-4BCD-93E2-E3B085C9AB24}">
-                <p16:designElem xmlns="" xmlns:p16="http://schemas.microsoft.com/office/powerpoint/2015/main" val="1"/>
+                <p16:designElem xmlns:p16="http://schemas.microsoft.com/office/powerpoint/2015/main" xmlns="" val="1"/>
               </p:ext>
             </p:extLst>
           </p:nvPr>
@@ -12196,7 +12203,7 @@
           <p:cNvPr id="8" name="Inhaltsplatzhalter 4">
             <a:extLst>
               <a:ext uri="{FF2B5EF4-FFF2-40B4-BE49-F238E27FC236}">
-                <a16:creationId xmlns="" xmlns:a16="http://schemas.microsoft.com/office/drawing/2014/main" id="{505EAB39-71B6-4CDF-BAE8-6F62F743A0C5}"/>
+                <a16:creationId xmlns:a16="http://schemas.microsoft.com/office/drawing/2014/main" xmlns="" id="{505EAB39-71B6-4CDF-BAE8-6F62F743A0C5}"/>
               </a:ext>
             </a:extLst>
           </p:cNvPr>
@@ -12232,7 +12239,7 @@
           <p:cNvPr id="9" name="Flussdiagramm: Verbinder 8">
             <a:extLst>
               <a:ext uri="{FF2B5EF4-FFF2-40B4-BE49-F238E27FC236}">
-                <a16:creationId xmlns="" xmlns:a16="http://schemas.microsoft.com/office/drawing/2014/main" id="{01F5D49F-8D20-4DA3-86D3-7FA5F8AD94CD}"/>
+                <a16:creationId xmlns:a16="http://schemas.microsoft.com/office/drawing/2014/main" xmlns="" id="{01F5D49F-8D20-4DA3-86D3-7FA5F8AD94CD}"/>
               </a:ext>
             </a:extLst>
           </p:cNvPr>
@@ -12284,7 +12291,7 @@
           <p:cNvPr id="7" name="Inhaltsplatzhalter 6" descr="Fragen">
             <a:extLst>
               <a:ext uri="{FF2B5EF4-FFF2-40B4-BE49-F238E27FC236}">
-                <a16:creationId xmlns="" xmlns:a16="http://schemas.microsoft.com/office/drawing/2014/main" id="{BB4769F3-A84A-45E1-9A4D-9E984E568AC4}"/>
+                <a16:creationId xmlns:a16="http://schemas.microsoft.com/office/drawing/2014/main" xmlns="" id="{BB4769F3-A84A-45E1-9A4D-9E984E568AC4}"/>
               </a:ext>
             </a:extLst>
           </p:cNvPr>
@@ -12302,7 +12309,7 @@
                 <a14:useLocalDpi xmlns:a14="http://schemas.microsoft.com/office/drawing/2010/main" val="0"/>
               </a:ext>
               <a:ext uri="{96DAC541-7B7A-43D3-8B79-37D633B846F1}">
-                <asvg:svgBlip xmlns="" xmlns:asvg="http://schemas.microsoft.com/office/drawing/2016/SVG/main" r:embed="rId4"/>
+                <asvg:svgBlip xmlns:asvg="http://schemas.microsoft.com/office/drawing/2016/SVG/main" xmlns="" r:embed="rId4"/>
               </a:ext>
             </a:extLst>
           </a:blip>
@@ -12762,7 +12769,7 @@
           <p:cNvPr id="4" name="Titel 3">
             <a:extLst>
               <a:ext uri="{FF2B5EF4-FFF2-40B4-BE49-F238E27FC236}">
-                <a16:creationId xmlns="" xmlns:a16="http://schemas.microsoft.com/office/drawing/2014/main" id="{80A7F226-CA13-4B8D-B6F9-57842DF36DC8}"/>
+                <a16:creationId xmlns:a16="http://schemas.microsoft.com/office/drawing/2014/main" xmlns="" id="{80A7F226-CA13-4B8D-B6F9-57842DF36DC8}"/>
               </a:ext>
             </a:extLst>
           </p:cNvPr>
@@ -12790,7 +12797,7 @@
           <p:cNvPr id="5" name="Untertitel 4">
             <a:extLst>
               <a:ext uri="{FF2B5EF4-FFF2-40B4-BE49-F238E27FC236}">
-                <a16:creationId xmlns="" xmlns:a16="http://schemas.microsoft.com/office/drawing/2014/main" id="{293A100A-CA18-49A1-8835-38E443666125}"/>
+                <a16:creationId xmlns:a16="http://schemas.microsoft.com/office/drawing/2014/main" xmlns="" id="{293A100A-CA18-49A1-8835-38E443666125}"/>
               </a:ext>
             </a:extLst>
           </p:cNvPr>
@@ -12868,7 +12875,7 @@
           <p:cNvPr id="2" name="Titel 1">
             <a:extLst>
               <a:ext uri="{FF2B5EF4-FFF2-40B4-BE49-F238E27FC236}">
-                <a16:creationId xmlns="" xmlns:a16="http://schemas.microsoft.com/office/drawing/2014/main" id="{5CD34B0C-C4AB-4E9E-933D-FCEFA5F7386A}"/>
+                <a16:creationId xmlns:a16="http://schemas.microsoft.com/office/drawing/2014/main" xmlns="" id="{5CD34B0C-C4AB-4E9E-933D-FCEFA5F7386A}"/>
               </a:ext>
             </a:extLst>
           </p:cNvPr>
@@ -13396,7 +13403,7 @@
           <p:cNvPr id="2" name="Titel 1">
             <a:extLst>
               <a:ext uri="{FF2B5EF4-FFF2-40B4-BE49-F238E27FC236}">
-                <a16:creationId xmlns="" xmlns:a16="http://schemas.microsoft.com/office/drawing/2014/main" id="{DE62BF7E-ADBC-4B3B-8BAB-95D01E311AED}"/>
+                <a16:creationId xmlns:a16="http://schemas.microsoft.com/office/drawing/2014/main" xmlns="" id="{DE62BF7E-ADBC-4B3B-8BAB-95D01E311AED}"/>
               </a:ext>
             </a:extLst>
           </p:cNvPr>
@@ -13440,7 +13447,7 @@
           <p:cNvPr id="8" name="Gerade Verbindung mit Pfeil 7">
             <a:extLst>
               <a:ext uri="{FF2B5EF4-FFF2-40B4-BE49-F238E27FC236}">
-                <a16:creationId xmlns="" xmlns:a16="http://schemas.microsoft.com/office/drawing/2014/main" id="{A79B7D31-8930-4A5A-AA1C-06892CC18291}"/>
+                <a16:creationId xmlns:a16="http://schemas.microsoft.com/office/drawing/2014/main" xmlns="" id="{A79B7D31-8930-4A5A-AA1C-06892CC18291}"/>
               </a:ext>
             </a:extLst>
           </p:cNvPr>
@@ -13481,7 +13488,7 @@
           <p:cNvPr id="11" name="Gerade Verbindung mit Pfeil 10">
             <a:extLst>
               <a:ext uri="{FF2B5EF4-FFF2-40B4-BE49-F238E27FC236}">
-                <a16:creationId xmlns="" xmlns:a16="http://schemas.microsoft.com/office/drawing/2014/main" id="{193B10F6-7A53-474E-BC21-C9DDCDE704C0}"/>
+                <a16:creationId xmlns:a16="http://schemas.microsoft.com/office/drawing/2014/main" xmlns="" id="{193B10F6-7A53-474E-BC21-C9DDCDE704C0}"/>
               </a:ext>
             </a:extLst>
           </p:cNvPr>
@@ -13522,7 +13529,7 @@
           <p:cNvPr id="13" name="Ellipse 12">
             <a:extLst>
               <a:ext uri="{FF2B5EF4-FFF2-40B4-BE49-F238E27FC236}">
-                <a16:creationId xmlns="" xmlns:a16="http://schemas.microsoft.com/office/drawing/2014/main" id="{7469256C-C83A-4F95-96CA-1818F8942C6D}"/>
+                <a16:creationId xmlns:a16="http://schemas.microsoft.com/office/drawing/2014/main" xmlns="" id="{7469256C-C83A-4F95-96CA-1818F8942C6D}"/>
               </a:ext>
             </a:extLst>
           </p:cNvPr>
@@ -13568,7 +13575,7 @@
           <p:cNvPr id="14" name="Ellipse 13">
             <a:extLst>
               <a:ext uri="{FF2B5EF4-FFF2-40B4-BE49-F238E27FC236}">
-                <a16:creationId xmlns="" xmlns:a16="http://schemas.microsoft.com/office/drawing/2014/main" id="{FC6EE53D-2964-4925-B51C-31D899033BB5}"/>
+                <a16:creationId xmlns:a16="http://schemas.microsoft.com/office/drawing/2014/main" xmlns="" id="{FC6EE53D-2964-4925-B51C-31D899033BB5}"/>
               </a:ext>
             </a:extLst>
           </p:cNvPr>
@@ -13614,7 +13621,7 @@
           <p:cNvPr id="15" name="Ellipse 14">
             <a:extLst>
               <a:ext uri="{FF2B5EF4-FFF2-40B4-BE49-F238E27FC236}">
-                <a16:creationId xmlns="" xmlns:a16="http://schemas.microsoft.com/office/drawing/2014/main" id="{58ADDE1C-EA42-455F-8EA6-B8E3BAE0272F}"/>
+                <a16:creationId xmlns:a16="http://schemas.microsoft.com/office/drawing/2014/main" xmlns="" id="{58ADDE1C-EA42-455F-8EA6-B8E3BAE0272F}"/>
               </a:ext>
             </a:extLst>
           </p:cNvPr>
@@ -13660,7 +13667,7 @@
           <p:cNvPr id="16" name="Ellipse 15">
             <a:extLst>
               <a:ext uri="{FF2B5EF4-FFF2-40B4-BE49-F238E27FC236}">
-                <a16:creationId xmlns="" xmlns:a16="http://schemas.microsoft.com/office/drawing/2014/main" id="{896F73C8-8F04-4CC6-97C4-1DD7B5E41760}"/>
+                <a16:creationId xmlns:a16="http://schemas.microsoft.com/office/drawing/2014/main" xmlns="" id="{896F73C8-8F04-4CC6-97C4-1DD7B5E41760}"/>
               </a:ext>
             </a:extLst>
           </p:cNvPr>
@@ -13706,7 +13713,7 @@
           <p:cNvPr id="17" name="Ellipse 16">
             <a:extLst>
               <a:ext uri="{FF2B5EF4-FFF2-40B4-BE49-F238E27FC236}">
-                <a16:creationId xmlns="" xmlns:a16="http://schemas.microsoft.com/office/drawing/2014/main" id="{E834ED1C-E0F9-4D80-BC22-E8D5FF875936}"/>
+                <a16:creationId xmlns:a16="http://schemas.microsoft.com/office/drawing/2014/main" xmlns="" id="{E834ED1C-E0F9-4D80-BC22-E8D5FF875936}"/>
               </a:ext>
             </a:extLst>
           </p:cNvPr>
@@ -13760,7 +13767,7 @@
           <p:cNvPr id="18" name="Ellipse 17">
             <a:extLst>
               <a:ext uri="{FF2B5EF4-FFF2-40B4-BE49-F238E27FC236}">
-                <a16:creationId xmlns="" xmlns:a16="http://schemas.microsoft.com/office/drawing/2014/main" id="{D9C9DB88-0D38-44B0-8D62-510C1934DB2C}"/>
+                <a16:creationId xmlns:a16="http://schemas.microsoft.com/office/drawing/2014/main" xmlns="" id="{D9C9DB88-0D38-44B0-8D62-510C1934DB2C}"/>
               </a:ext>
             </a:extLst>
           </p:cNvPr>
@@ -13814,7 +13821,7 @@
           <p:cNvPr id="19" name="Ellipse 18">
             <a:extLst>
               <a:ext uri="{FF2B5EF4-FFF2-40B4-BE49-F238E27FC236}">
-                <a16:creationId xmlns="" xmlns:a16="http://schemas.microsoft.com/office/drawing/2014/main" id="{AF5D232C-9B44-46DD-9434-43BE9D322187}"/>
+                <a16:creationId xmlns:a16="http://schemas.microsoft.com/office/drawing/2014/main" xmlns="" id="{AF5D232C-9B44-46DD-9434-43BE9D322187}"/>
               </a:ext>
             </a:extLst>
           </p:cNvPr>
@@ -13868,7 +13875,7 @@
           <p:cNvPr id="20" name="Ellipse 19">
             <a:extLst>
               <a:ext uri="{FF2B5EF4-FFF2-40B4-BE49-F238E27FC236}">
-                <a16:creationId xmlns="" xmlns:a16="http://schemas.microsoft.com/office/drawing/2014/main" id="{7DBB5383-166E-4F55-B5DA-3A43707886C8}"/>
+                <a16:creationId xmlns:a16="http://schemas.microsoft.com/office/drawing/2014/main" xmlns="" id="{7DBB5383-166E-4F55-B5DA-3A43707886C8}"/>
               </a:ext>
             </a:extLst>
           </p:cNvPr>
@@ -13922,7 +13929,7 @@
           <p:cNvPr id="21" name="Rechteck 20">
             <a:extLst>
               <a:ext uri="{FF2B5EF4-FFF2-40B4-BE49-F238E27FC236}">
-                <a16:creationId xmlns="" xmlns:a16="http://schemas.microsoft.com/office/drawing/2014/main" id="{557170D4-743C-4500-AC84-115677CC29C7}"/>
+                <a16:creationId xmlns:a16="http://schemas.microsoft.com/office/drawing/2014/main" xmlns="" id="{557170D4-743C-4500-AC84-115677CC29C7}"/>
               </a:ext>
             </a:extLst>
           </p:cNvPr>
@@ -13969,7 +13976,7 @@
           <p:cNvPr id="22" name="Rechteck 21">
             <a:extLst>
               <a:ext uri="{FF2B5EF4-FFF2-40B4-BE49-F238E27FC236}">
-                <a16:creationId xmlns="" xmlns:a16="http://schemas.microsoft.com/office/drawing/2014/main" id="{CB6D8A3C-1082-4255-9556-0AE3CBADAAC2}"/>
+                <a16:creationId xmlns:a16="http://schemas.microsoft.com/office/drawing/2014/main" xmlns="" id="{CB6D8A3C-1082-4255-9556-0AE3CBADAAC2}"/>
               </a:ext>
             </a:extLst>
           </p:cNvPr>
@@ -14021,7 +14028,7 @@
           <p:cNvPr id="23" name="Stern: 5 Zacken 22">
             <a:extLst>
               <a:ext uri="{FF2B5EF4-FFF2-40B4-BE49-F238E27FC236}">
-                <a16:creationId xmlns="" xmlns:a16="http://schemas.microsoft.com/office/drawing/2014/main" id="{30ACAD23-06F1-4109-8CB7-3983EAC26B6E}"/>
+                <a16:creationId xmlns:a16="http://schemas.microsoft.com/office/drawing/2014/main" xmlns="" id="{30ACAD23-06F1-4109-8CB7-3983EAC26B6E}"/>
               </a:ext>
             </a:extLst>
           </p:cNvPr>
@@ -14075,7 +14082,7 @@
           <p:cNvPr id="24" name="Ellipse 23">
             <a:extLst>
               <a:ext uri="{FF2B5EF4-FFF2-40B4-BE49-F238E27FC236}">
-                <a16:creationId xmlns="" xmlns:a16="http://schemas.microsoft.com/office/drawing/2014/main" id="{1E130FB0-31E0-48E1-BBE6-B0DDCA3F1952}"/>
+                <a16:creationId xmlns:a16="http://schemas.microsoft.com/office/drawing/2014/main" xmlns="" id="{1E130FB0-31E0-48E1-BBE6-B0DDCA3F1952}"/>
               </a:ext>
             </a:extLst>
           </p:cNvPr>
@@ -14127,7 +14134,7 @@
           <p:cNvPr id="25" name="Ellipse 24">
             <a:extLst>
               <a:ext uri="{FF2B5EF4-FFF2-40B4-BE49-F238E27FC236}">
-                <a16:creationId xmlns="" xmlns:a16="http://schemas.microsoft.com/office/drawing/2014/main" id="{909F81B8-BBC3-41DE-BFEA-18D8DE20A4A0}"/>
+                <a16:creationId xmlns:a16="http://schemas.microsoft.com/office/drawing/2014/main" xmlns="" id="{909F81B8-BBC3-41DE-BFEA-18D8DE20A4A0}"/>
               </a:ext>
             </a:extLst>
           </p:cNvPr>
@@ -14179,7 +14186,7 @@
           <p:cNvPr id="26" name="Textfeld 25">
             <a:extLst>
               <a:ext uri="{FF2B5EF4-FFF2-40B4-BE49-F238E27FC236}">
-                <a16:creationId xmlns="" xmlns:a16="http://schemas.microsoft.com/office/drawing/2014/main" id="{E1A66F3B-E0D0-47BD-BF9A-2E68700102D7}"/>
+                <a16:creationId xmlns:a16="http://schemas.microsoft.com/office/drawing/2014/main" xmlns="" id="{E1A66F3B-E0D0-47BD-BF9A-2E68700102D7}"/>
               </a:ext>
             </a:extLst>
           </p:cNvPr>
@@ -14893,10 +14900,10 @@
           <p:cNvPr id="12" name="Rectangle 11">
             <a:extLst>
               <a:ext uri="{FF2B5EF4-FFF2-40B4-BE49-F238E27FC236}">
-                <a16:creationId xmlns="" xmlns:a16="http://schemas.microsoft.com/office/drawing/2014/main" id="{B44C3061-D558-447B-A988-09ECE14461D7}"/>
+                <a16:creationId xmlns:a16="http://schemas.microsoft.com/office/drawing/2014/main" xmlns="" id="{B44C3061-D558-447B-A988-09ECE14461D7}"/>
               </a:ext>
               <a:ext uri="{C183D7F6-B498-43B3-948B-1728B52AA6E4}">
-                <adec:decorative xmlns="" xmlns:adec="http://schemas.microsoft.com/office/drawing/2017/decorative" val="1"/>
+                <adec:decorative xmlns:adec="http://schemas.microsoft.com/office/drawing/2017/decorative" xmlns="" val="1"/>
               </a:ext>
             </a:extLst>
           </p:cNvPr>
@@ -14906,7 +14913,7 @@
           <p:nvPr>
             <p:extLst>
               <p:ext uri="{386F3935-93C4-4BCD-93E2-E3B085C9AB24}">
-                <p16:designElem xmlns="" xmlns:p16="http://schemas.microsoft.com/office/powerpoint/2015/main" val="1"/>
+                <p16:designElem xmlns:p16="http://schemas.microsoft.com/office/powerpoint/2015/main" xmlns="" val="1"/>
               </p:ext>
             </p:extLst>
           </p:nvPr>
@@ -14953,10 +14960,10 @@
           <p:cNvPr id="14" name="Rectangle 13">
             <a:extLst>
               <a:ext uri="{FF2B5EF4-FFF2-40B4-BE49-F238E27FC236}">
-                <a16:creationId xmlns="" xmlns:a16="http://schemas.microsoft.com/office/drawing/2014/main" id="{59339771-9C8F-497E-8974-E09A86FEEB23}"/>
+                <a16:creationId xmlns:a16="http://schemas.microsoft.com/office/drawing/2014/main" xmlns="" id="{59339771-9C8F-497E-8974-E09A86FEEB23}"/>
               </a:ext>
               <a:ext uri="{C183D7F6-B498-43B3-948B-1728B52AA6E4}">
-                <adec:decorative xmlns="" xmlns:adec="http://schemas.microsoft.com/office/drawing/2017/decorative" val="1"/>
+                <adec:decorative xmlns:adec="http://schemas.microsoft.com/office/drawing/2017/decorative" xmlns="" val="1"/>
               </a:ext>
             </a:extLst>
           </p:cNvPr>
@@ -14966,7 +14973,7 @@
           <p:nvPr>
             <p:extLst>
               <p:ext uri="{386F3935-93C4-4BCD-93E2-E3B085C9AB24}">
-                <p16:designElem xmlns="" xmlns:p16="http://schemas.microsoft.com/office/powerpoint/2015/main" val="1"/>
+                <p16:designElem xmlns:p16="http://schemas.microsoft.com/office/powerpoint/2015/main" xmlns="" val="1"/>
               </p:ext>
             </p:extLst>
           </p:nvPr>
@@ -15008,7 +15015,7 @@
           <p:cNvPr id="2" name="Titel 1">
             <a:extLst>
               <a:ext uri="{FF2B5EF4-FFF2-40B4-BE49-F238E27FC236}">
-                <a16:creationId xmlns="" xmlns:a16="http://schemas.microsoft.com/office/drawing/2014/main" id="{024FB30C-45D5-4A6E-861B-AC316BA5D430}"/>
+                <a16:creationId xmlns:a16="http://schemas.microsoft.com/office/drawing/2014/main" xmlns="" id="{024FB30C-45D5-4A6E-861B-AC316BA5D430}"/>
               </a:ext>
             </a:extLst>
           </p:cNvPr>
@@ -15076,7 +15083,7 @@
           <p:cNvPr id="9" name="Content Placeholder 8">
             <a:extLst>
               <a:ext uri="{FF2B5EF4-FFF2-40B4-BE49-F238E27FC236}">
-                <a16:creationId xmlns="" xmlns:a16="http://schemas.microsoft.com/office/drawing/2014/main" id="{1C0D0782-8490-4FB9-A235-992C1F1F1C25}"/>
+                <a16:creationId xmlns:a16="http://schemas.microsoft.com/office/drawing/2014/main" xmlns="" id="{1C0D0782-8490-4FB9-A235-992C1F1F1C25}"/>
               </a:ext>
             </a:extLst>
           </p:cNvPr>
@@ -15193,10 +15200,10 @@
           <p:cNvPr id="16" name="Rectangle 15">
             <a:extLst>
               <a:ext uri="{FF2B5EF4-FFF2-40B4-BE49-F238E27FC236}">
-                <a16:creationId xmlns="" xmlns:a16="http://schemas.microsoft.com/office/drawing/2014/main" id="{BDB54B0B-6CFB-4B92-A5DC-5DCD05BE5B4D}"/>
+                <a16:creationId xmlns:a16="http://schemas.microsoft.com/office/drawing/2014/main" xmlns="" id="{BDB54B0B-6CFB-4B92-A5DC-5DCD05BE5B4D}"/>
               </a:ext>
               <a:ext uri="{C183D7F6-B498-43B3-948B-1728B52AA6E4}">
-                <adec:decorative xmlns="" xmlns:adec="http://schemas.microsoft.com/office/drawing/2017/decorative" val="1"/>
+                <adec:decorative xmlns:adec="http://schemas.microsoft.com/office/drawing/2017/decorative" xmlns="" val="1"/>
               </a:ext>
             </a:extLst>
           </p:cNvPr>
@@ -15206,7 +15213,7 @@
           <p:nvPr>
             <p:extLst>
               <p:ext uri="{386F3935-93C4-4BCD-93E2-E3B085C9AB24}">
-                <p16:designElem xmlns="" xmlns:p16="http://schemas.microsoft.com/office/powerpoint/2015/main" val="1"/>
+                <p16:designElem xmlns:p16="http://schemas.microsoft.com/office/powerpoint/2015/main" xmlns="" val="1"/>
               </p:ext>
             </p:extLst>
           </p:nvPr>
@@ -15248,7 +15255,7 @@
           <p:cNvPr id="7" name="Inhaltsplatzhalter 3">
             <a:extLst>
               <a:ext uri="{FF2B5EF4-FFF2-40B4-BE49-F238E27FC236}">
-                <a16:creationId xmlns="" xmlns:a16="http://schemas.microsoft.com/office/drawing/2014/main" id="{98A9C15B-CCC4-4E5C-B799-5CC331BD3332}"/>
+                <a16:creationId xmlns:a16="http://schemas.microsoft.com/office/drawing/2014/main" xmlns="" id="{98A9C15B-CCC4-4E5C-B799-5CC331BD3332}"/>
               </a:ext>
             </a:extLst>
           </p:cNvPr>
@@ -15337,7 +15344,7 @@
           <p:cNvPr id="2" name="Titel 1">
             <a:extLst>
               <a:ext uri="{FF2B5EF4-FFF2-40B4-BE49-F238E27FC236}">
-                <a16:creationId xmlns="" xmlns:a16="http://schemas.microsoft.com/office/drawing/2014/main" id="{2D19F794-8599-4A1D-A689-743EBDA80DB4}"/>
+                <a16:creationId xmlns:a16="http://schemas.microsoft.com/office/drawing/2014/main" xmlns="" id="{2D19F794-8599-4A1D-A689-743EBDA80DB4}"/>
               </a:ext>
             </a:extLst>
           </p:cNvPr>
@@ -15382,7 +15389,7 @@
           <p:cNvPr id="4" name="Textfeld 3">
             <a:extLst>
               <a:ext uri="{FF2B5EF4-FFF2-40B4-BE49-F238E27FC236}">
-                <a16:creationId xmlns="" xmlns:a16="http://schemas.microsoft.com/office/drawing/2014/main" id="{5E36B305-D4C6-4B27-9782-732C3867DEA7}"/>
+                <a16:creationId xmlns:a16="http://schemas.microsoft.com/office/drawing/2014/main" xmlns="" id="{5E36B305-D4C6-4B27-9782-732C3867DEA7}"/>
               </a:ext>
             </a:extLst>
           </p:cNvPr>
@@ -16058,7 +16065,7 @@
           <p:cNvPr id="2" name="Titel 1">
             <a:extLst>
               <a:ext uri="{FF2B5EF4-FFF2-40B4-BE49-F238E27FC236}">
-                <a16:creationId xmlns="" xmlns:a16="http://schemas.microsoft.com/office/drawing/2014/main" id="{F6CDE045-1C18-44A9-946E-E74089FBB179}"/>
+                <a16:creationId xmlns:a16="http://schemas.microsoft.com/office/drawing/2014/main" xmlns="" id="{F6CDE045-1C18-44A9-946E-E74089FBB179}"/>
               </a:ext>
             </a:extLst>
           </p:cNvPr>
@@ -16100,7 +16107,7 @@
           <p:cNvPr id="5" name="Inhaltsplatzhalter 4">
             <a:extLst>
               <a:ext uri="{FF2B5EF4-FFF2-40B4-BE49-F238E27FC236}">
-                <a16:creationId xmlns="" xmlns:a16="http://schemas.microsoft.com/office/drawing/2014/main" id="{C2F4A0CB-AF1A-4BE8-829B-9C5B7E49D064}"/>
+                <a16:creationId xmlns:a16="http://schemas.microsoft.com/office/drawing/2014/main" xmlns="" id="{C2F4A0CB-AF1A-4BE8-829B-9C5B7E49D064}"/>
               </a:ext>
             </a:extLst>
           </p:cNvPr>
@@ -16195,7 +16202,7 @@
           <p:cNvPr id="3" name="Inhaltsplatzhalter 2">
             <a:extLst>
               <a:ext uri="{FF2B5EF4-FFF2-40B4-BE49-F238E27FC236}">
-                <a16:creationId xmlns="" xmlns:a16="http://schemas.microsoft.com/office/drawing/2014/main" id="{56D22BFB-FDAA-4D7E-88D9-C29E57B7C51D}"/>
+                <a16:creationId xmlns:a16="http://schemas.microsoft.com/office/drawing/2014/main" xmlns="" id="{56D22BFB-FDAA-4D7E-88D9-C29E57B7C51D}"/>
               </a:ext>
             </a:extLst>
           </p:cNvPr>
@@ -16234,7 +16241,7 @@
           <p:cNvPr id="4" name="Inhaltsplatzhalter 3">
             <a:extLst>
               <a:ext uri="{FF2B5EF4-FFF2-40B4-BE49-F238E27FC236}">
-                <a16:creationId xmlns="" xmlns:a16="http://schemas.microsoft.com/office/drawing/2014/main" id="{370A4785-6A67-4835-A53B-8D4F4DA15C1E}"/>
+                <a16:creationId xmlns:a16="http://schemas.microsoft.com/office/drawing/2014/main" xmlns="" id="{370A4785-6A67-4835-A53B-8D4F4DA15C1E}"/>
               </a:ext>
             </a:extLst>
           </p:cNvPr>
@@ -16264,7 +16271,7 @@
           <p:cNvPr id="5" name="Grafik 7">
             <a:extLst>
               <a:ext uri="{FF2B5EF4-FFF2-40B4-BE49-F238E27FC236}">
-                <a16:creationId xmlns="" xmlns:a16="http://schemas.microsoft.com/office/drawing/2014/main" id="{5252049F-1455-46B7-9B58-C400DA353D3F}"/>
+                <a16:creationId xmlns:a16="http://schemas.microsoft.com/office/drawing/2014/main" xmlns="" id="{5252049F-1455-46B7-9B58-C400DA353D3F}"/>
               </a:ext>
             </a:extLst>
           </p:cNvPr>
@@ -16294,7 +16301,7 @@
           <p:cNvPr id="6" name="Textfeld 9">
             <a:extLst>
               <a:ext uri="{FF2B5EF4-FFF2-40B4-BE49-F238E27FC236}">
-                <a16:creationId xmlns="" xmlns:a16="http://schemas.microsoft.com/office/drawing/2014/main" id="{DEDCDEB8-1162-4AAC-93D8-F1A1F6FB9B4B}"/>
+                <a16:creationId xmlns:a16="http://schemas.microsoft.com/office/drawing/2014/main" xmlns="" id="{DEDCDEB8-1162-4AAC-93D8-F1A1F6FB9B4B}"/>
               </a:ext>
             </a:extLst>
           </p:cNvPr>
@@ -16508,7 +16515,7 @@
           <p:cNvPr id="7" name="Titel 1">
             <a:extLst>
               <a:ext uri="{FF2B5EF4-FFF2-40B4-BE49-F238E27FC236}">
-                <a16:creationId xmlns="" xmlns:a16="http://schemas.microsoft.com/office/drawing/2014/main" id="{3D022FA1-1227-4EA1-8EB1-679CE9C5CFCD}"/>
+                <a16:creationId xmlns:a16="http://schemas.microsoft.com/office/drawing/2014/main" xmlns="" id="{3D022FA1-1227-4EA1-8EB1-679CE9C5CFCD}"/>
               </a:ext>
             </a:extLst>
           </p:cNvPr>
@@ -16673,9 +16680,133 @@
   <p:timing>
     <p:tnLst>
       <p:par>
-        <p:cTn id="1" dur="indefinite" restart="never" nodeType="tmRoot"/>
+        <p:cTn id="1" dur="indefinite" restart="never" nodeType="tmRoot">
+          <p:childTnLst>
+            <p:seq concurrent="1" nextAc="seek">
+              <p:cTn id="2" dur="indefinite" nodeType="mainSeq">
+                <p:childTnLst>
+                  <p:par>
+                    <p:cTn id="3" fill="hold">
+                      <p:stCondLst>
+                        <p:cond delay="indefinite"/>
+                      </p:stCondLst>
+                      <p:childTnLst>
+                        <p:par>
+                          <p:cTn id="4" fill="hold">
+                            <p:stCondLst>
+                              <p:cond delay="0"/>
+                            </p:stCondLst>
+                            <p:childTnLst>
+                              <p:par>
+                                <p:cTn id="5" presetID="1" presetClass="entr" presetSubtype="0" fill="hold" nodeType="clickEffect">
+                                  <p:stCondLst>
+                                    <p:cond delay="0"/>
+                                  </p:stCondLst>
+                                  <p:childTnLst>
+                                    <p:set>
+                                      <p:cBhvr>
+                                        <p:cTn id="6" dur="1" fill="hold">
+                                          <p:stCondLst>
+                                            <p:cond delay="0"/>
+                                          </p:stCondLst>
+                                        </p:cTn>
+                                        <p:tgtEl>
+                                          <p:spTgt spid="5"/>
+                                        </p:tgtEl>
+                                        <p:attrNameLst>
+                                          <p:attrName>style.visibility</p:attrName>
+                                        </p:attrNameLst>
+                                      </p:cBhvr>
+                                      <p:to>
+                                        <p:strVal val="visible"/>
+                                      </p:to>
+                                    </p:set>
+                                  </p:childTnLst>
+                                </p:cTn>
+                              </p:par>
+                            </p:childTnLst>
+                          </p:cTn>
+                        </p:par>
+                      </p:childTnLst>
+                    </p:cTn>
+                  </p:par>
+                  <p:par>
+                    <p:cTn id="7" fill="hold">
+                      <p:stCondLst>
+                        <p:cond delay="indefinite"/>
+                      </p:stCondLst>
+                      <p:childTnLst>
+                        <p:par>
+                          <p:cTn id="8" fill="hold">
+                            <p:stCondLst>
+                              <p:cond delay="0"/>
+                            </p:stCondLst>
+                            <p:childTnLst>
+                              <p:par>
+                                <p:cTn id="9" presetID="10" presetClass="entr" presetSubtype="0" fill="hold" grpId="0" nodeType="clickEffect">
+                                  <p:stCondLst>
+                                    <p:cond delay="0"/>
+                                  </p:stCondLst>
+                                  <p:childTnLst>
+                                    <p:set>
+                                      <p:cBhvr>
+                                        <p:cTn id="10" dur="1" fill="hold">
+                                          <p:stCondLst>
+                                            <p:cond delay="0"/>
+                                          </p:stCondLst>
+                                        </p:cTn>
+                                        <p:tgtEl>
+                                          <p:spTgt spid="6"/>
+                                        </p:tgtEl>
+                                        <p:attrNameLst>
+                                          <p:attrName>style.visibility</p:attrName>
+                                        </p:attrNameLst>
+                                      </p:cBhvr>
+                                      <p:to>
+                                        <p:strVal val="visible"/>
+                                      </p:to>
+                                    </p:set>
+                                    <p:animEffect transition="in" filter="fade">
+                                      <p:cBhvr>
+                                        <p:cTn id="11" dur="500"/>
+                                        <p:tgtEl>
+                                          <p:spTgt spid="6"/>
+                                        </p:tgtEl>
+                                      </p:cBhvr>
+                                    </p:animEffect>
+                                  </p:childTnLst>
+                                </p:cTn>
+                              </p:par>
+                            </p:childTnLst>
+                          </p:cTn>
+                        </p:par>
+                      </p:childTnLst>
+                    </p:cTn>
+                  </p:par>
+                </p:childTnLst>
+              </p:cTn>
+              <p:prevCondLst>
+                <p:cond evt="onPrev" delay="0">
+                  <p:tgtEl>
+                    <p:sldTgt/>
+                  </p:tgtEl>
+                </p:cond>
+              </p:prevCondLst>
+              <p:nextCondLst>
+                <p:cond evt="onNext" delay="0">
+                  <p:tgtEl>
+                    <p:sldTgt/>
+                  </p:tgtEl>
+                </p:cond>
+              </p:nextCondLst>
+            </p:seq>
+          </p:childTnLst>
+        </p:cTn>
       </p:par>
     </p:tnLst>
+    <p:bldLst>
+      <p:bldP spid="6" grpId="0"/>
+    </p:bldLst>
   </p:timing>
 </p:sld>
 </file>
@@ -18281,7 +18412,7 @@
   <a:extraClrSchemeLst/>
   <a:extLst>
     <a:ext uri="{05A4C25C-085E-4340-85A3-A5531E510DB2}">
-      <thm15:themeFamily xmlns="" xmlns:thm15="http://schemas.microsoft.com/office/thememl/2012/main" name="Retrospect" id="{5F128B03-DCCA-4EEB-AB3B-CF2899314A46}" vid="{9CC26709-368C-4D72-9060-94E5B3FF3CD6}"/>
+      <thm15:themeFamily xmlns:thm15="http://schemas.microsoft.com/office/thememl/2012/main" xmlns="" name="Retrospect" id="{5F128B03-DCCA-4EEB-AB3B-CF2899314A46}" vid="{9CC26709-368C-4D72-9060-94E5B3FF3CD6}"/>
     </a:ext>
   </a:extLst>
 </a:theme>
